--- a/Arquitetura de Telefonia.pptx
+++ b/Arquitetura de Telefonia.pptx
@@ -6,7 +6,7 @@
     <p:sldMasterId id="2147483672" r:id="rId2"/>
   </p:sldMasterIdLst>
   <p:notesMasterIdLst>
-    <p:notesMasterId r:id="rId20"/>
+    <p:notesMasterId r:id="rId24"/>
   </p:notesMasterIdLst>
   <p:sldIdLst>
     <p:sldId id="397" r:id="rId3"/>
@@ -23,9 +23,13 @@
     <p:sldId id="409" r:id="rId14"/>
     <p:sldId id="405" r:id="rId15"/>
     <p:sldId id="410" r:id="rId16"/>
-    <p:sldId id="414" r:id="rId17"/>
-    <p:sldId id="408" r:id="rId18"/>
-    <p:sldId id="411" r:id="rId19"/>
+    <p:sldId id="408" r:id="rId17"/>
+    <p:sldId id="414" r:id="rId18"/>
+    <p:sldId id="417" r:id="rId19"/>
+    <p:sldId id="416" r:id="rId20"/>
+    <p:sldId id="411" r:id="rId21"/>
+    <p:sldId id="418" r:id="rId22"/>
+    <p:sldId id="419" r:id="rId23"/>
   </p:sldIdLst>
   <p:sldSz cx="12192000" cy="6858000"/>
   <p:notesSz cx="6858000" cy="9144000"/>
@@ -143,9 +147,13 @@
             <p14:sldId id="409"/>
             <p14:sldId id="405"/>
             <p14:sldId id="410"/>
+            <p14:sldId id="408"/>
             <p14:sldId id="414"/>
-            <p14:sldId id="408"/>
+            <p14:sldId id="417"/>
+            <p14:sldId id="416"/>
             <p14:sldId id="411"/>
+            <p14:sldId id="418"/>
+            <p14:sldId id="419"/>
           </p14:sldIdLst>
         </p14:section>
       </p14:sectionLst>
@@ -7985,124 +7993,6 @@
           </a:p>
         </p:txBody>
       </p:sp>
-      <p:pic>
-        <p:nvPicPr>
-          <p:cNvPr id="3" name="Imagem 2">
-            <a:extLst>
-              <a:ext uri="{FF2B5EF4-FFF2-40B4-BE49-F238E27FC236}">
-                <a16:creationId xmlns:a16="http://schemas.microsoft.com/office/drawing/2014/main" id="{E701C3B4-D313-6A27-6DCE-E176B8DE39D6}"/>
-              </a:ext>
-            </a:extLst>
-          </p:cNvPr>
-          <p:cNvPicPr>
-            <a:picLocks noChangeAspect="1"/>
-          </p:cNvPicPr>
-          <p:nvPr/>
-        </p:nvPicPr>
-        <p:blipFill>
-          <a:blip r:embed="rId2"/>
-          <a:stretch>
-            <a:fillRect/>
-          </a:stretch>
-        </p:blipFill>
-        <p:spPr>
-          <a:xfrm>
-            <a:off x="7101643" y="1009988"/>
-            <a:ext cx="4724400" cy="4095412"/>
-          </a:xfrm>
-          <a:prstGeom prst="rect">
-            <a:avLst/>
-          </a:prstGeom>
-        </p:spPr>
-      </p:pic>
-      <p:sp>
-        <p:nvSpPr>
-          <p:cNvPr id="8" name="Chave Esquerda 7">
-            <a:extLst>
-              <a:ext uri="{FF2B5EF4-FFF2-40B4-BE49-F238E27FC236}">
-                <a16:creationId xmlns:a16="http://schemas.microsoft.com/office/drawing/2014/main" id="{93B4293E-5E8E-7E51-8BAF-B4C91A1BC7F7}"/>
-              </a:ext>
-            </a:extLst>
-          </p:cNvPr>
-          <p:cNvSpPr/>
-          <p:nvPr/>
-        </p:nvSpPr>
-        <p:spPr>
-          <a:xfrm>
-            <a:off x="6553200" y="764652"/>
-            <a:ext cx="838800" cy="3197748"/>
-          </a:xfrm>
-          <a:prstGeom prst="leftBrace">
-            <a:avLst/>
-          </a:prstGeom>
-        </p:spPr>
-        <p:style>
-          <a:lnRef idx="2">
-            <a:schemeClr val="accent1"/>
-          </a:lnRef>
-          <a:fillRef idx="0">
-            <a:schemeClr val="accent1"/>
-          </a:fillRef>
-          <a:effectRef idx="1">
-            <a:schemeClr val="accent1"/>
-          </a:effectRef>
-          <a:fontRef idx="minor">
-            <a:schemeClr val="tx1"/>
-          </a:fontRef>
-        </p:style>
-        <p:txBody>
-          <a:bodyPr rtlCol="0" anchor="ctr"/>
-          <a:lstStyle/>
-          <a:p>
-            <a:pPr algn="ctr"/>
-            <a:endParaRPr lang="pt-BR"/>
-          </a:p>
-        </p:txBody>
-      </p:sp>
-      <p:sp>
-        <p:nvSpPr>
-          <p:cNvPr id="10" name="Chave Direita 9">
-            <a:extLst>
-              <a:ext uri="{FF2B5EF4-FFF2-40B4-BE49-F238E27FC236}">
-                <a16:creationId xmlns:a16="http://schemas.microsoft.com/office/drawing/2014/main" id="{B60A54BC-9184-D903-AFB6-310B3C25B166}"/>
-              </a:ext>
-            </a:extLst>
-          </p:cNvPr>
-          <p:cNvSpPr/>
-          <p:nvPr/>
-        </p:nvSpPr>
-        <p:spPr>
-          <a:xfrm>
-            <a:off x="10696593" y="764652"/>
-            <a:ext cx="838200" cy="3197748"/>
-          </a:xfrm>
-          <a:prstGeom prst="rightBrace">
-            <a:avLst/>
-          </a:prstGeom>
-        </p:spPr>
-        <p:style>
-          <a:lnRef idx="2">
-            <a:schemeClr val="accent1"/>
-          </a:lnRef>
-          <a:fillRef idx="0">
-            <a:schemeClr val="accent1"/>
-          </a:fillRef>
-          <a:effectRef idx="1">
-            <a:schemeClr val="accent1"/>
-          </a:effectRef>
-          <a:fontRef idx="minor">
-            <a:schemeClr val="tx1"/>
-          </a:fontRef>
-        </p:style>
-        <p:txBody>
-          <a:bodyPr rtlCol="0" anchor="ctr"/>
-          <a:lstStyle/>
-          <a:p>
-            <a:pPr algn="ctr"/>
-            <a:endParaRPr lang="pt-BR"/>
-          </a:p>
-        </p:txBody>
-      </p:sp>
       <p:sp>
         <p:nvSpPr>
           <p:cNvPr id="2" name="Rectangle 1">
@@ -8119,8 +8009,8 @@
         </p:nvSpPr>
         <p:spPr bwMode="auto">
           <a:xfrm>
-            <a:off x="657207" y="1381175"/>
-            <a:ext cx="5073476" cy="1200329"/>
+            <a:off x="832544" y="1600200"/>
+            <a:ext cx="5949256" cy="1200329"/>
           </a:xfrm>
           <a:prstGeom prst="rect">
             <a:avLst/>
@@ -9116,7 +9006,11 @@
             <a:pPr algn="l"/>
             <a:r>
               <a:rPr lang="pt-BR" sz="2500" dirty="0"/>
-              <a:t>SIPREC — Gravação de Sessões</a:t>
+              <a:t>SIP </a:t>
+            </a:r>
+            <a:r>
+              <a:rPr lang="pt-BR" sz="2500" dirty="0" err="1"/>
+              <a:t>Trunk</a:t>
             </a:r>
             <a:endParaRPr lang="pt-BR" sz="2500" b="1" dirty="0">
               <a:solidFill>
@@ -9191,7 +9085,7 @@
           <p:cNvPr id="5" name="Rectangle 1">
             <a:extLst>
               <a:ext uri="{FF2B5EF4-FFF2-40B4-BE49-F238E27FC236}">
-                <a16:creationId xmlns:a16="http://schemas.microsoft.com/office/drawing/2014/main" id="{12CBE769-823F-3B8B-F2E7-7EDCA1788F9D}"/>
+                <a16:creationId xmlns:a16="http://schemas.microsoft.com/office/drawing/2014/main" id="{C42AF5CB-7AED-BD7D-9A4D-B5440BFFE565}"/>
               </a:ext>
             </a:extLst>
           </p:cNvPr>
@@ -9202,8 +9096,8 @@
         </p:nvSpPr>
         <p:spPr bwMode="auto">
           <a:xfrm>
-            <a:off x="657207" y="2180475"/>
-            <a:ext cx="12192000" cy="0"/>
+            <a:off x="657207" y="1524000"/>
+            <a:ext cx="4648200" cy="2308324"/>
           </a:xfrm>
           <a:prstGeom prst="rect">
             <a:avLst/>
@@ -9243,7 +9137,7 @@
           </a:extLst>
         </p:spPr>
         <p:txBody>
-          <a:bodyPr vert="horz" wrap="none" lIns="91440" tIns="45720" rIns="91440" bIns="45720" numCol="1" anchor="ctr" anchorCtr="0" compatLnSpc="1">
+          <a:bodyPr vert="horz" wrap="square" lIns="91440" tIns="45720" rIns="91440" bIns="45720" numCol="1" anchor="ctr" anchorCtr="0" compatLnSpc="1">
             <a:prstTxWarp prst="textNoShape">
               <a:avLst/>
             </a:prstTxWarp>
@@ -9263,116 +9157,50 @@
               </a:spcAft>
               <a:buClrTx/>
               <a:buSzTx/>
-              <a:buFontTx/>
-              <a:buChar char="•"/>
               <a:tabLst/>
             </a:pPr>
             <a:r>
-              <a:rPr kumimoji="0" lang="pt-BR" altLang="pt-BR" sz="1800" b="0" i="0" u="none" strike="noStrike" cap="none" normalizeH="0" baseline="0" dirty="0">
-                <a:ln>
-                  <a:noFill/>
-                </a:ln>
-                <a:solidFill>
-                  <a:schemeClr val="tx1"/>
-                </a:solidFill>
-                <a:effectLst/>
-                <a:latin typeface="Arial" panose="020B0604020202020204" pitchFamily="34" charset="0"/>
-              </a:rPr>
-              <a:t>Padrão para gravação de chamadas</a:t>
-            </a:r>
-          </a:p>
-          <a:p>
-            <a:pPr marL="0" marR="0" lvl="0" indent="0" algn="l" defTabSz="914400" rtl="0" eaLnBrk="0" fontAlgn="base" latinLnBrk="0" hangingPunct="0">
-              <a:lnSpc>
-                <a:spcPct val="100000"/>
-              </a:lnSpc>
-              <a:spcBef>
-                <a:spcPct val="0"/>
-              </a:spcBef>
-              <a:spcAft>
-                <a:spcPct val="0"/>
-              </a:spcAft>
-              <a:buClrTx/>
-              <a:buSzTx/>
-              <a:buFontTx/>
-              <a:buChar char="•"/>
-              <a:tabLst/>
-            </a:pPr>
-            <a:r>
-              <a:rPr kumimoji="0" lang="pt-BR" altLang="pt-BR" sz="1800" b="0" i="0" u="none" strike="noStrike" cap="none" normalizeH="0" baseline="0" dirty="0">
-                <a:ln>
-                  <a:noFill/>
-                </a:ln>
-                <a:solidFill>
-                  <a:schemeClr val="tx1"/>
-                </a:solidFill>
-                <a:effectLst/>
-                <a:latin typeface="Arial" panose="020B0604020202020204" pitchFamily="34" charset="0"/>
-              </a:rPr>
-              <a:t>Separação entre chamada e gravação</a:t>
-            </a:r>
-          </a:p>
-          <a:p>
-            <a:pPr marL="0" marR="0" lvl="0" indent="0" algn="l" defTabSz="914400" rtl="0" eaLnBrk="0" fontAlgn="base" latinLnBrk="0" hangingPunct="0">
-              <a:lnSpc>
-                <a:spcPct val="100000"/>
-              </a:lnSpc>
-              <a:spcBef>
-                <a:spcPct val="0"/>
-              </a:spcBef>
-              <a:spcAft>
-                <a:spcPct val="0"/>
-              </a:spcAft>
-              <a:buClrTx/>
-              <a:buSzTx/>
-              <a:buFontTx/>
-              <a:buChar char="•"/>
-              <a:tabLst/>
-            </a:pPr>
-            <a:r>
-              <a:rPr kumimoji="0" lang="pt-BR" altLang="pt-BR" sz="1800" b="0" i="0" u="none" strike="noStrike" cap="none" normalizeH="0" baseline="0" dirty="0">
-                <a:ln>
-                  <a:noFill/>
-                </a:ln>
-                <a:solidFill>
-                  <a:schemeClr val="tx1"/>
-                </a:solidFill>
-                <a:effectLst/>
-                <a:latin typeface="Arial" panose="020B0604020202020204" pitchFamily="34" charset="0"/>
-              </a:rPr>
-              <a:t>Envio de sinalização e mídia</a:t>
-            </a:r>
-          </a:p>
-          <a:p>
-            <a:pPr marL="0" marR="0" lvl="0" indent="0" algn="l" defTabSz="914400" rtl="0" eaLnBrk="0" fontAlgn="base" latinLnBrk="0" hangingPunct="0">
-              <a:lnSpc>
-                <a:spcPct val="100000"/>
-              </a:lnSpc>
-              <a:spcBef>
-                <a:spcPct val="0"/>
-              </a:spcBef>
-              <a:spcAft>
-                <a:spcPct val="0"/>
-              </a:spcAft>
-              <a:buClrTx/>
-              <a:buSzTx/>
-              <a:buFontTx/>
-              <a:buChar char="•"/>
-              <a:tabLst/>
-            </a:pPr>
-            <a:r>
-              <a:rPr kumimoji="0" lang="pt-BR" altLang="pt-BR" sz="1800" b="0" i="0" u="none" strike="noStrike" cap="none" normalizeH="0" baseline="0" dirty="0">
-                <a:ln>
-                  <a:noFill/>
-                </a:ln>
-                <a:solidFill>
-                  <a:schemeClr val="tx1"/>
-                </a:solidFill>
-                <a:effectLst/>
-                <a:latin typeface="Arial" panose="020B0604020202020204" pitchFamily="34" charset="0"/>
-              </a:rPr>
-              <a:t>Usado em ambientes corporativos</a:t>
-            </a:r>
+              <a:rPr lang="pt-BR" dirty="0"/>
+              <a:t>• Conecta o sistema de telefonia do banco ao mundo externo</a:t>
+            </a:r>
+            <a:br>
+              <a:rPr lang="pt-BR" dirty="0"/>
+            </a:br>
+            <a:r>
+              <a:rPr lang="pt-BR" dirty="0"/>
+              <a:t>• Permite ligações com clientes, agências e centrais</a:t>
+            </a:r>
+            <a:br>
+              <a:rPr lang="pt-BR" dirty="0"/>
+            </a:br>
+            <a:r>
+              <a:rPr lang="pt-BR" dirty="0"/>
+              <a:t>• Usa a internet no lugar de linhas telefônicas tradicionais</a:t>
+            </a:r>
+            <a:br>
+              <a:rPr lang="pt-BR" dirty="0"/>
+            </a:br>
+            <a:r>
+              <a:rPr lang="pt-BR" dirty="0"/>
+              <a:t>• Funciona de forma controlada e segura</a:t>
+            </a:r>
+            <a:br>
+              <a:rPr lang="pt-BR" dirty="0"/>
+            </a:br>
+            <a:r>
+              <a:rPr lang="pt-BR" dirty="0"/>
+              <a:t>• Passa por um SBC</a:t>
+            </a:r>
+            <a:endParaRPr kumimoji="0" lang="pt-BR" altLang="pt-BR" sz="1800" b="0" i="0" u="none" strike="noStrike" cap="none" normalizeH="0" baseline="0" dirty="0">
+              <a:ln>
+                <a:noFill/>
+              </a:ln>
+              <a:solidFill>
+                <a:schemeClr val="tx1"/>
+              </a:solidFill>
+              <a:effectLst/>
+              <a:latin typeface="Arial" panose="020B0604020202020204" pitchFamily="34" charset="0"/>
+            </a:endParaRPr>
           </a:p>
         </p:txBody>
       </p:sp>
@@ -9381,7 +9209,7 @@
           <p:cNvPr id="7" name="Imagem 6">
             <a:extLst>
               <a:ext uri="{FF2B5EF4-FFF2-40B4-BE49-F238E27FC236}">
-                <a16:creationId xmlns:a16="http://schemas.microsoft.com/office/drawing/2014/main" id="{D4D0792F-0A2E-2B76-D1EB-AF69A8CD18EA}"/>
+                <a16:creationId xmlns:a16="http://schemas.microsoft.com/office/drawing/2014/main" id="{C74E1376-CC49-52B2-E3C9-E5EC65156E3A}"/>
               </a:ext>
             </a:extLst>
           </p:cNvPr>
@@ -9398,8 +9226,8 @@
         </p:blipFill>
         <p:spPr>
           <a:xfrm>
-            <a:off x="5562600" y="1676400"/>
-            <a:ext cx="6248400" cy="2819400"/>
+            <a:off x="6764794" y="1009988"/>
+            <a:ext cx="3965713" cy="4944486"/>
           </a:xfrm>
           <a:prstGeom prst="rect">
             <a:avLst/>
@@ -9409,7 +9237,7 @@
     </p:spTree>
     <p:extLst>
       <p:ext uri="{BB962C8B-B14F-4D97-AF65-F5344CB8AC3E}">
-        <p14:creationId xmlns:p14="http://schemas.microsoft.com/office/powerpoint/2010/main" val="2725914051"/>
+        <p14:creationId xmlns:p14="http://schemas.microsoft.com/office/powerpoint/2010/main" val="3973940484"/>
       </p:ext>
     </p:extLst>
   </p:cSld>
@@ -9483,11 +9311,7 @@
             <a:pPr algn="l"/>
             <a:r>
               <a:rPr lang="pt-BR" sz="2500" dirty="0"/>
-              <a:t>SIP </a:t>
-            </a:r>
-            <a:r>
-              <a:rPr lang="pt-BR" sz="2500" dirty="0" err="1"/>
-              <a:t>Trunk</a:t>
+              <a:t>SIPREC — Gravação de Sessões</a:t>
             </a:r>
             <a:endParaRPr lang="pt-BR" sz="2500" b="1" dirty="0">
               <a:solidFill>
@@ -9562,7 +9386,7 @@
           <p:cNvPr id="5" name="Rectangle 1">
             <a:extLst>
               <a:ext uri="{FF2B5EF4-FFF2-40B4-BE49-F238E27FC236}">
-                <a16:creationId xmlns:a16="http://schemas.microsoft.com/office/drawing/2014/main" id="{C42AF5CB-7AED-BD7D-9A4D-B5440BFFE565}"/>
+                <a16:creationId xmlns:a16="http://schemas.microsoft.com/office/drawing/2014/main" id="{12CBE769-823F-3B8B-F2E7-7EDCA1788F9D}"/>
               </a:ext>
             </a:extLst>
           </p:cNvPr>
@@ -9573,8 +9397,8 @@
         </p:nvSpPr>
         <p:spPr bwMode="auto">
           <a:xfrm>
-            <a:off x="657207" y="1524000"/>
-            <a:ext cx="4648200" cy="2308324"/>
+            <a:off x="657207" y="2180475"/>
+            <a:ext cx="12192000" cy="0"/>
           </a:xfrm>
           <a:prstGeom prst="rect">
             <a:avLst/>
@@ -9614,7 +9438,7 @@
           </a:extLst>
         </p:spPr>
         <p:txBody>
-          <a:bodyPr vert="horz" wrap="square" lIns="91440" tIns="45720" rIns="91440" bIns="45720" numCol="1" anchor="ctr" anchorCtr="0" compatLnSpc="1">
+          <a:bodyPr vert="horz" wrap="none" lIns="91440" tIns="45720" rIns="91440" bIns="45720" numCol="1" anchor="ctr" anchorCtr="0" compatLnSpc="1">
             <a:prstTxWarp prst="textNoShape">
               <a:avLst/>
             </a:prstTxWarp>
@@ -9634,50 +9458,116 @@
               </a:spcAft>
               <a:buClrTx/>
               <a:buSzTx/>
+              <a:buFontTx/>
+              <a:buChar char="•"/>
               <a:tabLst/>
             </a:pPr>
             <a:r>
-              <a:rPr lang="pt-BR" dirty="0"/>
-              <a:t>• Conecta o sistema de telefonia do banco ao mundo externo</a:t>
-            </a:r>
-            <a:br>
-              <a:rPr lang="pt-BR" dirty="0"/>
-            </a:br>
-            <a:r>
-              <a:rPr lang="pt-BR" dirty="0"/>
-              <a:t>• Permite ligações com clientes, agências e centrais</a:t>
-            </a:r>
-            <a:br>
-              <a:rPr lang="pt-BR" dirty="0"/>
-            </a:br>
-            <a:r>
-              <a:rPr lang="pt-BR" dirty="0"/>
-              <a:t>• Usa a internet no lugar de linhas telefônicas tradicionais</a:t>
-            </a:r>
-            <a:br>
-              <a:rPr lang="pt-BR" dirty="0"/>
-            </a:br>
-            <a:r>
-              <a:rPr lang="pt-BR" dirty="0"/>
-              <a:t>• Funciona de forma controlada e segura</a:t>
-            </a:r>
-            <a:br>
-              <a:rPr lang="pt-BR" dirty="0"/>
-            </a:br>
-            <a:r>
-              <a:rPr lang="pt-BR" dirty="0"/>
-              <a:t>• Passa por um SBC</a:t>
-            </a:r>
-            <a:endParaRPr kumimoji="0" lang="pt-BR" altLang="pt-BR" sz="1800" b="0" i="0" u="none" strike="noStrike" cap="none" normalizeH="0" baseline="0" dirty="0">
-              <a:ln>
-                <a:noFill/>
-              </a:ln>
-              <a:solidFill>
-                <a:schemeClr val="tx1"/>
-              </a:solidFill>
-              <a:effectLst/>
-              <a:latin typeface="Arial" panose="020B0604020202020204" pitchFamily="34" charset="0"/>
-            </a:endParaRPr>
+              <a:rPr kumimoji="0" lang="pt-BR" altLang="pt-BR" sz="1800" b="0" i="0" u="none" strike="noStrike" cap="none" normalizeH="0" baseline="0" dirty="0">
+                <a:ln>
+                  <a:noFill/>
+                </a:ln>
+                <a:solidFill>
+                  <a:schemeClr val="tx1"/>
+                </a:solidFill>
+                <a:effectLst/>
+                <a:latin typeface="Arial" panose="020B0604020202020204" pitchFamily="34" charset="0"/>
+              </a:rPr>
+              <a:t>Padrão para gravação de chamadas</a:t>
+            </a:r>
+          </a:p>
+          <a:p>
+            <a:pPr marL="0" marR="0" lvl="0" indent="0" algn="l" defTabSz="914400" rtl="0" eaLnBrk="0" fontAlgn="base" latinLnBrk="0" hangingPunct="0">
+              <a:lnSpc>
+                <a:spcPct val="100000"/>
+              </a:lnSpc>
+              <a:spcBef>
+                <a:spcPct val="0"/>
+              </a:spcBef>
+              <a:spcAft>
+                <a:spcPct val="0"/>
+              </a:spcAft>
+              <a:buClrTx/>
+              <a:buSzTx/>
+              <a:buFontTx/>
+              <a:buChar char="•"/>
+              <a:tabLst/>
+            </a:pPr>
+            <a:r>
+              <a:rPr kumimoji="0" lang="pt-BR" altLang="pt-BR" sz="1800" b="0" i="0" u="none" strike="noStrike" cap="none" normalizeH="0" baseline="0" dirty="0">
+                <a:ln>
+                  <a:noFill/>
+                </a:ln>
+                <a:solidFill>
+                  <a:schemeClr val="tx1"/>
+                </a:solidFill>
+                <a:effectLst/>
+                <a:latin typeface="Arial" panose="020B0604020202020204" pitchFamily="34" charset="0"/>
+              </a:rPr>
+              <a:t>Separação entre chamada e gravação</a:t>
+            </a:r>
+          </a:p>
+          <a:p>
+            <a:pPr marL="0" marR="0" lvl="0" indent="0" algn="l" defTabSz="914400" rtl="0" eaLnBrk="0" fontAlgn="base" latinLnBrk="0" hangingPunct="0">
+              <a:lnSpc>
+                <a:spcPct val="100000"/>
+              </a:lnSpc>
+              <a:spcBef>
+                <a:spcPct val="0"/>
+              </a:spcBef>
+              <a:spcAft>
+                <a:spcPct val="0"/>
+              </a:spcAft>
+              <a:buClrTx/>
+              <a:buSzTx/>
+              <a:buFontTx/>
+              <a:buChar char="•"/>
+              <a:tabLst/>
+            </a:pPr>
+            <a:r>
+              <a:rPr kumimoji="0" lang="pt-BR" altLang="pt-BR" sz="1800" b="0" i="0" u="none" strike="noStrike" cap="none" normalizeH="0" baseline="0" dirty="0">
+                <a:ln>
+                  <a:noFill/>
+                </a:ln>
+                <a:solidFill>
+                  <a:schemeClr val="tx1"/>
+                </a:solidFill>
+                <a:effectLst/>
+                <a:latin typeface="Arial" panose="020B0604020202020204" pitchFamily="34" charset="0"/>
+              </a:rPr>
+              <a:t>Envio de sinalização e mídia</a:t>
+            </a:r>
+          </a:p>
+          <a:p>
+            <a:pPr marL="0" marR="0" lvl="0" indent="0" algn="l" defTabSz="914400" rtl="0" eaLnBrk="0" fontAlgn="base" latinLnBrk="0" hangingPunct="0">
+              <a:lnSpc>
+                <a:spcPct val="100000"/>
+              </a:lnSpc>
+              <a:spcBef>
+                <a:spcPct val="0"/>
+              </a:spcBef>
+              <a:spcAft>
+                <a:spcPct val="0"/>
+              </a:spcAft>
+              <a:buClrTx/>
+              <a:buSzTx/>
+              <a:buFontTx/>
+              <a:buChar char="•"/>
+              <a:tabLst/>
+            </a:pPr>
+            <a:r>
+              <a:rPr kumimoji="0" lang="pt-BR" altLang="pt-BR" sz="1800" b="0" i="0" u="none" strike="noStrike" cap="none" normalizeH="0" baseline="0" dirty="0">
+                <a:ln>
+                  <a:noFill/>
+                </a:ln>
+                <a:solidFill>
+                  <a:schemeClr val="tx1"/>
+                </a:solidFill>
+                <a:effectLst/>
+                <a:latin typeface="Arial" panose="020B0604020202020204" pitchFamily="34" charset="0"/>
+              </a:rPr>
+              <a:t>Usado em ambientes corporativos</a:t>
+            </a:r>
           </a:p>
         </p:txBody>
       </p:sp>
@@ -9686,7 +9576,7 @@
           <p:cNvPr id="7" name="Imagem 6">
             <a:extLst>
               <a:ext uri="{FF2B5EF4-FFF2-40B4-BE49-F238E27FC236}">
-                <a16:creationId xmlns:a16="http://schemas.microsoft.com/office/drawing/2014/main" id="{C74E1376-CC49-52B2-E3C9-E5EC65156E3A}"/>
+                <a16:creationId xmlns:a16="http://schemas.microsoft.com/office/drawing/2014/main" id="{D4D0792F-0A2E-2B76-D1EB-AF69A8CD18EA}"/>
               </a:ext>
             </a:extLst>
           </p:cNvPr>
@@ -9703,8 +9593,8 @@
         </p:blipFill>
         <p:spPr>
           <a:xfrm>
-            <a:off x="6764794" y="1009988"/>
-            <a:ext cx="3965713" cy="4944486"/>
+            <a:off x="5562600" y="1676400"/>
+            <a:ext cx="6248400" cy="2819400"/>
           </a:xfrm>
           <a:prstGeom prst="rect">
             <a:avLst/>
@@ -9714,7 +9604,7 @@
     </p:spTree>
     <p:extLst>
       <p:ext uri="{BB962C8B-B14F-4D97-AF65-F5344CB8AC3E}">
-        <p14:creationId xmlns:p14="http://schemas.microsoft.com/office/powerpoint/2010/main" val="3973940484"/>
+        <p14:creationId xmlns:p14="http://schemas.microsoft.com/office/powerpoint/2010/main" val="2725914051"/>
       </p:ext>
     </p:extLst>
   </p:cSld>
@@ -9787,14 +9677,9 @@
           <a:p>
             <a:pPr algn="l"/>
             <a:r>
-              <a:rPr lang="pt-BR" sz="2500" dirty="0"/>
-              <a:t>Arquitetura Completa</a:t>
-            </a:r>
-            <a:endParaRPr lang="pt-BR" sz="2500" b="1" dirty="0">
-              <a:solidFill>
-                <a:srgbClr val="1377C7"/>
-              </a:solidFill>
-            </a:endParaRPr>
+              <a:rPr lang="pt-BR" sz="2500" b="1" dirty="0"/>
+              <a:t>SIPREC — Arquitetura de Gravação de Chamadas</a:t>
+            </a:r>
           </a:p>
         </p:txBody>
       </p:sp>
@@ -9858,130 +9743,12 @@
           </a:p>
         </p:txBody>
       </p:sp>
-      <p:pic>
-        <p:nvPicPr>
-          <p:cNvPr id="3" name="Imagem 2">
-            <a:extLst>
-              <a:ext uri="{FF2B5EF4-FFF2-40B4-BE49-F238E27FC236}">
-                <a16:creationId xmlns:a16="http://schemas.microsoft.com/office/drawing/2014/main" id="{E701C3B4-D313-6A27-6DCE-E176B8DE39D6}"/>
-              </a:ext>
-            </a:extLst>
-          </p:cNvPr>
-          <p:cNvPicPr>
-            <a:picLocks noChangeAspect="1"/>
-          </p:cNvPicPr>
-          <p:nvPr/>
-        </p:nvPicPr>
-        <p:blipFill>
-          <a:blip r:embed="rId2"/>
-          <a:stretch>
-            <a:fillRect/>
-          </a:stretch>
-        </p:blipFill>
-        <p:spPr>
-          <a:xfrm>
-            <a:off x="7101643" y="1009988"/>
-            <a:ext cx="4724400" cy="4095412"/>
-          </a:xfrm>
-          <a:prstGeom prst="rect">
-            <a:avLst/>
-          </a:prstGeom>
-        </p:spPr>
-      </p:pic>
-      <p:sp>
-        <p:nvSpPr>
-          <p:cNvPr id="8" name="Chave Esquerda 7">
-            <a:extLst>
-              <a:ext uri="{FF2B5EF4-FFF2-40B4-BE49-F238E27FC236}">
-                <a16:creationId xmlns:a16="http://schemas.microsoft.com/office/drawing/2014/main" id="{93B4293E-5E8E-7E51-8BAF-B4C91A1BC7F7}"/>
-              </a:ext>
-            </a:extLst>
-          </p:cNvPr>
-          <p:cNvSpPr/>
-          <p:nvPr/>
-        </p:nvSpPr>
-        <p:spPr>
-          <a:xfrm>
-            <a:off x="6553200" y="764652"/>
-            <a:ext cx="838800" cy="3197748"/>
-          </a:xfrm>
-          <a:prstGeom prst="leftBrace">
-            <a:avLst/>
-          </a:prstGeom>
-        </p:spPr>
-        <p:style>
-          <a:lnRef idx="2">
-            <a:schemeClr val="accent1"/>
-          </a:lnRef>
-          <a:fillRef idx="0">
-            <a:schemeClr val="accent1"/>
-          </a:fillRef>
-          <a:effectRef idx="1">
-            <a:schemeClr val="accent1"/>
-          </a:effectRef>
-          <a:fontRef idx="minor">
-            <a:schemeClr val="tx1"/>
-          </a:fontRef>
-        </p:style>
-        <p:txBody>
-          <a:bodyPr rtlCol="0" anchor="ctr"/>
-          <a:lstStyle/>
-          <a:p>
-            <a:pPr algn="ctr"/>
-            <a:endParaRPr lang="pt-BR"/>
-          </a:p>
-        </p:txBody>
-      </p:sp>
-      <p:sp>
-        <p:nvSpPr>
-          <p:cNvPr id="10" name="Chave Direita 9">
-            <a:extLst>
-              <a:ext uri="{FF2B5EF4-FFF2-40B4-BE49-F238E27FC236}">
-                <a16:creationId xmlns:a16="http://schemas.microsoft.com/office/drawing/2014/main" id="{B60A54BC-9184-D903-AFB6-310B3C25B166}"/>
-              </a:ext>
-            </a:extLst>
-          </p:cNvPr>
-          <p:cNvSpPr/>
-          <p:nvPr/>
-        </p:nvSpPr>
-        <p:spPr>
-          <a:xfrm>
-            <a:off x="10696593" y="764652"/>
-            <a:ext cx="838200" cy="3197748"/>
-          </a:xfrm>
-          <a:prstGeom prst="rightBrace">
-            <a:avLst/>
-          </a:prstGeom>
-        </p:spPr>
-        <p:style>
-          <a:lnRef idx="2">
-            <a:schemeClr val="accent1"/>
-          </a:lnRef>
-          <a:fillRef idx="0">
-            <a:schemeClr val="accent1"/>
-          </a:fillRef>
-          <a:effectRef idx="1">
-            <a:schemeClr val="accent1"/>
-          </a:effectRef>
-          <a:fontRef idx="minor">
-            <a:schemeClr val="tx1"/>
-          </a:fontRef>
-        </p:style>
-        <p:txBody>
-          <a:bodyPr rtlCol="0" anchor="ctr"/>
-          <a:lstStyle/>
-          <a:p>
-            <a:pPr algn="ctr"/>
-            <a:endParaRPr lang="pt-BR"/>
-          </a:p>
-        </p:txBody>
-      </p:sp>
       <p:sp>
         <p:nvSpPr>
           <p:cNvPr id="5" name="Rectangle 1">
             <a:extLst>
               <a:ext uri="{FF2B5EF4-FFF2-40B4-BE49-F238E27FC236}">
-                <a16:creationId xmlns:a16="http://schemas.microsoft.com/office/drawing/2014/main" id="{12CBE769-823F-3B8B-F2E7-7EDCA1788F9D}"/>
+                <a16:creationId xmlns:a16="http://schemas.microsoft.com/office/drawing/2014/main" id="{C42AF5CB-7AED-BD7D-9A4D-B5440BFFE565}"/>
               </a:ext>
             </a:extLst>
           </p:cNvPr>
@@ -9992,8 +9759,8 @@
         </p:nvSpPr>
         <p:spPr bwMode="auto">
           <a:xfrm>
-            <a:off x="657207" y="2180475"/>
-            <a:ext cx="12192000" cy="0"/>
+            <a:off x="733475" y="1600200"/>
+            <a:ext cx="4648200" cy="5078313"/>
           </a:xfrm>
           <a:prstGeom prst="rect">
             <a:avLst/>
@@ -10033,10 +9800,412 @@
           </a:extLst>
         </p:spPr>
         <p:txBody>
-          <a:bodyPr vert="horz" wrap="none" lIns="91440" tIns="45720" rIns="91440" bIns="45720" numCol="1" anchor="ctr" anchorCtr="0" compatLnSpc="1">
+          <a:bodyPr vert="horz" wrap="square" lIns="91440" tIns="45720" rIns="91440" bIns="45720" numCol="1" anchor="ctr" anchorCtr="0" compatLnSpc="1">
             <a:prstTxWarp prst="textNoShape">
               <a:avLst/>
             </a:prstTxWarp>
+            <a:spAutoFit/>
+          </a:bodyPr>
+          <a:lstStyle/>
+          <a:p>
+            <a:r>
+              <a:rPr lang="pt-BR" dirty="0"/>
+              <a:t>🔹 </a:t>
+            </a:r>
+            <a:r>
+              <a:rPr lang="pt-BR" b="1" dirty="0"/>
+              <a:t>Objetivo</a:t>
+            </a:r>
+            <a:br>
+              <a:rPr lang="pt-BR" dirty="0"/>
+            </a:br>
+            <a:r>
+              <a:rPr lang="pt-BR" dirty="0"/>
+              <a:t>Gravar chamadas VoIP de forma </a:t>
+            </a:r>
+            <a:r>
+              <a:rPr lang="pt-BR" b="1" dirty="0"/>
+              <a:t>segura e padronizada</a:t>
+            </a:r>
+            <a:endParaRPr lang="pt-BR" dirty="0"/>
+          </a:p>
+          <a:p>
+            <a:r>
+              <a:rPr lang="pt-BR" dirty="0"/>
+              <a:t>🔹 </a:t>
+            </a:r>
+            <a:r>
+              <a:rPr lang="pt-BR" b="1" dirty="0"/>
+              <a:t>SRC (</a:t>
+            </a:r>
+            <a:r>
+              <a:rPr lang="pt-BR" b="1" dirty="0" err="1"/>
+              <a:t>Session</a:t>
+            </a:r>
+            <a:r>
+              <a:rPr lang="pt-BR" b="1" dirty="0"/>
+              <a:t> </a:t>
+            </a:r>
+            <a:r>
+              <a:rPr lang="pt-BR" b="1" dirty="0" err="1"/>
+              <a:t>Recording</a:t>
+            </a:r>
+            <a:r>
+              <a:rPr lang="pt-BR" b="1" dirty="0"/>
+              <a:t> </a:t>
+            </a:r>
+            <a:r>
+              <a:rPr lang="pt-BR" b="1" dirty="0" err="1"/>
+              <a:t>Client</a:t>
+            </a:r>
+            <a:r>
+              <a:rPr lang="pt-BR" b="1" dirty="0"/>
+              <a:t>)</a:t>
+            </a:r>
+            <a:br>
+              <a:rPr lang="pt-BR" dirty="0"/>
+            </a:br>
+            <a:r>
+              <a:rPr lang="pt-BR" dirty="0"/>
+              <a:t>PBX ou SBC que </a:t>
+            </a:r>
+            <a:r>
+              <a:rPr lang="pt-BR" b="1" dirty="0"/>
+              <a:t>envia uma cópia da chamada</a:t>
+            </a:r>
+            <a:endParaRPr lang="pt-BR" dirty="0"/>
+          </a:p>
+          <a:p>
+            <a:r>
+              <a:rPr lang="pt-BR" dirty="0"/>
+              <a:t>🔹 </a:t>
+            </a:r>
+            <a:r>
+              <a:rPr lang="pt-BR" b="1" dirty="0"/>
+              <a:t>SRS (</a:t>
+            </a:r>
+            <a:r>
+              <a:rPr lang="pt-BR" b="1" dirty="0" err="1"/>
+              <a:t>Session</a:t>
+            </a:r>
+            <a:r>
+              <a:rPr lang="pt-BR" b="1" dirty="0"/>
+              <a:t> </a:t>
+            </a:r>
+            <a:r>
+              <a:rPr lang="pt-BR" b="1" dirty="0" err="1"/>
+              <a:t>Recording</a:t>
+            </a:r>
+            <a:r>
+              <a:rPr lang="pt-BR" b="1" dirty="0"/>
+              <a:t> Server)</a:t>
+            </a:r>
+            <a:br>
+              <a:rPr lang="pt-BR" dirty="0"/>
+            </a:br>
+            <a:r>
+              <a:rPr lang="pt-BR" dirty="0"/>
+              <a:t>Servidor dedicado que </a:t>
+            </a:r>
+            <a:r>
+              <a:rPr lang="pt-BR" b="1" dirty="0"/>
+              <a:t>recebe e grava</a:t>
+            </a:r>
+            <a:r>
+              <a:rPr lang="pt-BR" dirty="0"/>
+              <a:t> áudio e metadados</a:t>
+            </a:r>
+          </a:p>
+          <a:p>
+            <a:r>
+              <a:rPr lang="pt-BR" dirty="0"/>
+              <a:t>🔹 </a:t>
+            </a:r>
+            <a:r>
+              <a:rPr lang="pt-BR" b="1" dirty="0"/>
+              <a:t>Como funciona</a:t>
+            </a:r>
+            <a:br>
+              <a:rPr lang="pt-BR" dirty="0"/>
+            </a:br>
+            <a:r>
+              <a:rPr lang="pt-BR" dirty="0"/>
+              <a:t>A chamada ocorre normalmente e o SRC </a:t>
+            </a:r>
+            <a:r>
+              <a:rPr lang="pt-BR" b="1" dirty="0"/>
+              <a:t>espelha a mídia</a:t>
+            </a:r>
+            <a:r>
+              <a:rPr lang="pt-BR" dirty="0"/>
+              <a:t> para o SRS</a:t>
+            </a:r>
+          </a:p>
+          <a:p>
+            <a:r>
+              <a:rPr lang="pt-BR" dirty="0"/>
+              <a:t>🔹 </a:t>
+            </a:r>
+            <a:r>
+              <a:rPr lang="pt-BR" b="1" dirty="0"/>
+              <a:t>Protocolos</a:t>
+            </a:r>
+            <a:br>
+              <a:rPr lang="pt-BR" dirty="0"/>
+            </a:br>
+            <a:r>
+              <a:rPr lang="pt-BR" dirty="0"/>
+              <a:t>SIP / SDP (controle) · RTP (áudio) · SIPREC (gravação)</a:t>
+            </a:r>
+          </a:p>
+          <a:p>
+            <a:r>
+              <a:rPr lang="pt-BR" dirty="0"/>
+              <a:t>🔹 </a:t>
+            </a:r>
+            <a:r>
+              <a:rPr lang="pt-BR" b="1" dirty="0"/>
+              <a:t>Benefícios</a:t>
+            </a:r>
+            <a:br>
+              <a:rPr lang="pt-BR" dirty="0"/>
+            </a:br>
+            <a:r>
+              <a:rPr lang="pt-BR" dirty="0"/>
+              <a:t>Compliance · Auditoria · Qualidade · Integração com IA</a:t>
+            </a:r>
+          </a:p>
+          <a:p>
+            <a:pPr marL="0" marR="0" lvl="0" indent="0" algn="l" defTabSz="914400" rtl="0" eaLnBrk="0" fontAlgn="base" latinLnBrk="0" hangingPunct="0">
+              <a:lnSpc>
+                <a:spcPct val="100000"/>
+              </a:lnSpc>
+              <a:spcBef>
+                <a:spcPct val="0"/>
+              </a:spcBef>
+              <a:spcAft>
+                <a:spcPct val="0"/>
+              </a:spcAft>
+              <a:buClrTx/>
+              <a:buSzTx/>
+              <a:tabLst/>
+            </a:pPr>
+            <a:endParaRPr kumimoji="0" lang="pt-BR" altLang="pt-BR" sz="1800" b="0" i="0" u="none" strike="noStrike" cap="none" normalizeH="0" baseline="0" dirty="0">
+              <a:ln>
+                <a:noFill/>
+              </a:ln>
+              <a:solidFill>
+                <a:schemeClr val="tx1"/>
+              </a:solidFill>
+              <a:effectLst/>
+              <a:latin typeface="Arial" panose="020B0604020202020204" pitchFamily="34" charset="0"/>
+            </a:endParaRPr>
+          </a:p>
+        </p:txBody>
+      </p:sp>
+      <p:pic>
+        <p:nvPicPr>
+          <p:cNvPr id="2" name="Espaço Reservado para Conteúdo 4">
+            <a:extLst>
+              <a:ext uri="{FF2B5EF4-FFF2-40B4-BE49-F238E27FC236}">
+                <a16:creationId xmlns:a16="http://schemas.microsoft.com/office/drawing/2014/main" id="{B4E338BD-952C-5C34-14EE-0DC5BFDDDC1F}"/>
+              </a:ext>
+            </a:extLst>
+          </p:cNvPr>
+          <p:cNvPicPr>
+            <a:picLocks noGrp="1" noChangeAspect="1"/>
+          </p:cNvPicPr>
+          <p:nvPr>
+            <p:ph idx="1"/>
+          </p:nvPr>
+        </p:nvPicPr>
+        <p:blipFill>
+          <a:blip r:embed="rId2"/>
+          <a:stretch>
+            <a:fillRect/>
+          </a:stretch>
+        </p:blipFill>
+        <p:spPr>
+          <a:xfrm>
+            <a:off x="6791665" y="2462212"/>
+            <a:ext cx="4476750" cy="866775"/>
+          </a:xfrm>
+        </p:spPr>
+      </p:pic>
+    </p:spTree>
+    <p:extLst>
+      <p:ext uri="{BB962C8B-B14F-4D97-AF65-F5344CB8AC3E}">
+        <p14:creationId xmlns:p14="http://schemas.microsoft.com/office/powerpoint/2010/main" val="621069786"/>
+      </p:ext>
+    </p:extLst>
+  </p:cSld>
+  <p:clrMapOvr>
+    <a:masterClrMapping/>
+  </p:clrMapOvr>
+</p:sld>
+</file>
+
+<file path=ppt/slides/slide18.xml><?xml version="1.0" encoding="utf-8"?>
+<p:sld xmlns:a="http://schemas.openxmlformats.org/drawingml/2006/main" xmlns:r="http://schemas.openxmlformats.org/officeDocument/2006/relationships" xmlns:p="http://schemas.openxmlformats.org/presentationml/2006/main">
+  <p:cSld>
+    <p:spTree>
+      <p:nvGrpSpPr>
+        <p:cNvPr id="1" name=""/>
+        <p:cNvGrpSpPr/>
+        <p:nvPr/>
+      </p:nvGrpSpPr>
+      <p:grpSpPr>
+        <a:xfrm>
+          <a:off x="0" y="0"/>
+          <a:ext cx="0" cy="0"/>
+          <a:chOff x="0" y="0"/>
+          <a:chExt cx="0" cy="0"/>
+        </a:xfrm>
+      </p:grpSpPr>
+      <p:pic>
+        <p:nvPicPr>
+          <p:cNvPr id="9" name="Imagem 8">
+            <a:extLst>
+              <a:ext uri="{FF2B5EF4-FFF2-40B4-BE49-F238E27FC236}">
+                <a16:creationId xmlns:a16="http://schemas.microsoft.com/office/drawing/2014/main" id="{36489E93-3E0D-454C-EAA6-1AB92B07DAF4}"/>
+              </a:ext>
+            </a:extLst>
+          </p:cNvPr>
+          <p:cNvPicPr>
+            <a:picLocks noChangeAspect="1"/>
+          </p:cNvPicPr>
+          <p:nvPr/>
+        </p:nvPicPr>
+        <p:blipFill>
+          <a:blip r:embed="rId2"/>
+          <a:stretch>
+            <a:fillRect/>
+          </a:stretch>
+        </p:blipFill>
+        <p:spPr>
+          <a:xfrm>
+            <a:off x="2590800" y="762000"/>
+            <a:ext cx="6649278" cy="5410200"/>
+          </a:xfrm>
+          <a:prstGeom prst="rect">
+            <a:avLst/>
+          </a:prstGeom>
+        </p:spPr>
+      </p:pic>
+      <p:sp>
+        <p:nvSpPr>
+          <p:cNvPr id="10" name="Título 5">
+            <a:extLst>
+              <a:ext uri="{FF2B5EF4-FFF2-40B4-BE49-F238E27FC236}">
+                <a16:creationId xmlns:a16="http://schemas.microsoft.com/office/drawing/2014/main" id="{AE04B4D3-A061-5CC4-6D17-CB22363A75DC}"/>
+              </a:ext>
+            </a:extLst>
+          </p:cNvPr>
+          <p:cNvSpPr txBox="1">
+            <a:spLocks/>
+          </p:cNvSpPr>
+          <p:nvPr/>
+        </p:nvSpPr>
+        <p:spPr>
+          <a:xfrm>
+            <a:off x="657207" y="764652"/>
+            <a:ext cx="7706063" cy="490673"/>
+          </a:xfrm>
+          <a:prstGeom prst="rect">
+            <a:avLst/>
+          </a:prstGeom>
+        </p:spPr>
+        <p:txBody>
+          <a:bodyPr vert="horz" lIns="91440" tIns="45720" rIns="91440" bIns="45720" rtlCol="0" anchor="ctr">
+            <a:noAutofit/>
+          </a:bodyPr>
+          <a:lstStyle>
+            <a:lvl1pPr algn="ctr" defTabSz="457200" rtl="0" eaLnBrk="1" latinLnBrk="0" hangingPunct="1">
+              <a:spcBef>
+                <a:spcPct val="0"/>
+              </a:spcBef>
+              <a:buNone/>
+              <a:defRPr sz="4400" kern="1200">
+                <a:solidFill>
+                  <a:schemeClr val="tx1"/>
+                </a:solidFill>
+                <a:latin typeface="+mj-lt"/>
+                <a:ea typeface="+mj-ea"/>
+                <a:cs typeface="+mj-cs"/>
+              </a:defRPr>
+            </a:lvl1pPr>
+          </a:lstStyle>
+          <a:p>
+            <a:pPr algn="l"/>
+            <a:r>
+              <a:rPr lang="pt-BR" sz="2500" dirty="0"/>
+              <a:t>Arquitetura do Banco Tradicional</a:t>
+            </a:r>
+            <a:endParaRPr lang="pt-BR" sz="2500" b="1" dirty="0">
+              <a:solidFill>
+                <a:srgbClr val="1377C7"/>
+              </a:solidFill>
+            </a:endParaRPr>
+          </a:p>
+        </p:txBody>
+      </p:sp>
+    </p:spTree>
+    <p:extLst>
+      <p:ext uri="{BB962C8B-B14F-4D97-AF65-F5344CB8AC3E}">
+        <p14:creationId xmlns:p14="http://schemas.microsoft.com/office/powerpoint/2010/main" val="4162010389"/>
+      </p:ext>
+    </p:extLst>
+  </p:cSld>
+  <p:clrMapOvr>
+    <a:masterClrMapping/>
+  </p:clrMapOvr>
+</p:sld>
+</file>
+
+<file path=ppt/slides/slide19.xml><?xml version="1.0" encoding="utf-8"?>
+<p:sld xmlns:a="http://schemas.openxmlformats.org/drawingml/2006/main" xmlns:r="http://schemas.openxmlformats.org/officeDocument/2006/relationships" xmlns:p="http://schemas.openxmlformats.org/presentationml/2006/main">
+  <p:cSld>
+    <p:spTree>
+      <p:nvGrpSpPr>
+        <p:cNvPr id="1" name=""/>
+        <p:cNvGrpSpPr/>
+        <p:nvPr/>
+      </p:nvGrpSpPr>
+      <p:grpSpPr>
+        <a:xfrm>
+          <a:off x="0" y="0"/>
+          <a:ext cx="0" cy="0"/>
+          <a:chOff x="0" y="0"/>
+          <a:chExt cx="0" cy="0"/>
+        </a:xfrm>
+      </p:grpSpPr>
+      <p:sp>
+        <p:nvSpPr>
+          <p:cNvPr id="4" name="CaixaDeTexto 3">
+            <a:extLst>
+              <a:ext uri="{FF2B5EF4-FFF2-40B4-BE49-F238E27FC236}">
+                <a16:creationId xmlns:a16="http://schemas.microsoft.com/office/drawing/2014/main" id="{DB08D806-DAF6-F650-7AE0-058B6EBF328C}"/>
+              </a:ext>
+            </a:extLst>
+          </p:cNvPr>
+          <p:cNvSpPr txBox="1"/>
+          <p:nvPr/>
+        </p:nvSpPr>
+        <p:spPr>
+          <a:xfrm flipV="1">
+            <a:off x="949706" y="1935621"/>
+            <a:ext cx="2801747" cy="45719"/>
+          </a:xfrm>
+          <a:prstGeom prst="rect">
+            <a:avLst/>
+          </a:prstGeom>
+          <a:noFill/>
+          <a:ln>
+            <a:noFill/>
+          </a:ln>
+        </p:spPr>
+        <p:txBody>
+          <a:bodyPr wrap="square">
             <a:spAutoFit/>
           </a:bodyPr>
           <a:lstStyle/>
@@ -10057,112 +10226,103 @@
               <a:buChar char="•"/>
               <a:tabLst/>
             </a:pPr>
-            <a:r>
-              <a:rPr kumimoji="0" lang="pt-BR" altLang="pt-BR" sz="1800" b="0" i="0" u="none" strike="noStrike" cap="none" normalizeH="0" baseline="0" dirty="0">
-                <a:ln>
-                  <a:noFill/>
-                </a:ln>
-                <a:solidFill>
-                  <a:schemeClr val="tx1"/>
-                </a:solidFill>
-                <a:effectLst/>
-                <a:latin typeface="Arial" panose="020B0604020202020204" pitchFamily="34" charset="0"/>
-              </a:rPr>
-              <a:t>Padrão para gravação de chamadas</a:t>
-            </a:r>
-          </a:p>
-          <a:p>
-            <a:pPr marL="0" marR="0" lvl="0" indent="0" algn="l" defTabSz="914400" rtl="0" eaLnBrk="0" fontAlgn="base" latinLnBrk="0" hangingPunct="0">
-              <a:lnSpc>
-                <a:spcPct val="100000"/>
-              </a:lnSpc>
+            <a:endParaRPr kumimoji="0" lang="pt-BR" altLang="pt-BR" sz="2500" b="0" i="0" u="none" strike="noStrike" cap="none" normalizeH="0" baseline="0" dirty="0">
+              <a:ln>
+                <a:noFill/>
+              </a:ln>
+              <a:solidFill>
+                <a:schemeClr val="tx1"/>
+              </a:solidFill>
+              <a:effectLst/>
+              <a:latin typeface="Arial" panose="020B0604020202020204" pitchFamily="34" charset="0"/>
+            </a:endParaRPr>
+          </a:p>
+        </p:txBody>
+      </p:sp>
+      <p:pic>
+        <p:nvPicPr>
+          <p:cNvPr id="6" name="Imagem 5">
+            <a:extLst>
+              <a:ext uri="{FF2B5EF4-FFF2-40B4-BE49-F238E27FC236}">
+                <a16:creationId xmlns:a16="http://schemas.microsoft.com/office/drawing/2014/main" id="{B6900C70-140B-2703-A49F-89C53BBDD6A8}"/>
+              </a:ext>
+            </a:extLst>
+          </p:cNvPr>
+          <p:cNvPicPr>
+            <a:picLocks noChangeAspect="1"/>
+          </p:cNvPicPr>
+          <p:nvPr/>
+        </p:nvPicPr>
+        <p:blipFill>
+          <a:blip r:embed="rId2"/>
+          <a:stretch>
+            <a:fillRect/>
+          </a:stretch>
+        </p:blipFill>
+        <p:spPr>
+          <a:xfrm>
+            <a:off x="1880566" y="820609"/>
+            <a:ext cx="8430867" cy="5271730"/>
+          </a:xfrm>
+          <a:prstGeom prst="rect">
+            <a:avLst/>
+          </a:prstGeom>
+        </p:spPr>
+      </p:pic>
+      <p:sp>
+        <p:nvSpPr>
+          <p:cNvPr id="7" name="Título 5">
+            <a:extLst>
+              <a:ext uri="{FF2B5EF4-FFF2-40B4-BE49-F238E27FC236}">
+                <a16:creationId xmlns:a16="http://schemas.microsoft.com/office/drawing/2014/main" id="{1C387F6D-B1E9-7AFB-8456-0DCFEC055A89}"/>
+              </a:ext>
+            </a:extLst>
+          </p:cNvPr>
+          <p:cNvSpPr txBox="1">
+            <a:spLocks/>
+          </p:cNvSpPr>
+          <p:nvPr/>
+        </p:nvSpPr>
+        <p:spPr>
+          <a:xfrm>
+            <a:off x="657207" y="92115"/>
+            <a:ext cx="7706063" cy="490673"/>
+          </a:xfrm>
+          <a:prstGeom prst="rect">
+            <a:avLst/>
+          </a:prstGeom>
+        </p:spPr>
+        <p:txBody>
+          <a:bodyPr vert="horz" lIns="91440" tIns="45720" rIns="91440" bIns="45720" rtlCol="0" anchor="ctr">
+            <a:noAutofit/>
+          </a:bodyPr>
+          <a:lstStyle>
+            <a:lvl1pPr algn="ctr" defTabSz="457200" rtl="0" eaLnBrk="1" latinLnBrk="0" hangingPunct="1">
               <a:spcBef>
                 <a:spcPct val="0"/>
               </a:spcBef>
-              <a:spcAft>
-                <a:spcPct val="0"/>
-              </a:spcAft>
-              <a:buClrTx/>
-              <a:buSzTx/>
-              <a:buFontTx/>
-              <a:buChar char="•"/>
-              <a:tabLst/>
-            </a:pPr>
-            <a:r>
-              <a:rPr kumimoji="0" lang="pt-BR" altLang="pt-BR" sz="1800" b="0" i="0" u="none" strike="noStrike" cap="none" normalizeH="0" baseline="0" dirty="0">
-                <a:ln>
-                  <a:noFill/>
-                </a:ln>
+              <a:buNone/>
+              <a:defRPr sz="4400" kern="1200">
                 <a:solidFill>
                   <a:schemeClr val="tx1"/>
                 </a:solidFill>
-                <a:effectLst/>
-                <a:latin typeface="Arial" panose="020B0604020202020204" pitchFamily="34" charset="0"/>
-              </a:rPr>
-              <a:t>Separação entre chamada e gravação</a:t>
-            </a:r>
-          </a:p>
-          <a:p>
-            <a:pPr marL="0" marR="0" lvl="0" indent="0" algn="l" defTabSz="914400" rtl="0" eaLnBrk="0" fontAlgn="base" latinLnBrk="0" hangingPunct="0">
-              <a:lnSpc>
-                <a:spcPct val="100000"/>
-              </a:lnSpc>
-              <a:spcBef>
-                <a:spcPct val="0"/>
-              </a:spcBef>
-              <a:spcAft>
-                <a:spcPct val="0"/>
-              </a:spcAft>
-              <a:buClrTx/>
-              <a:buSzTx/>
-              <a:buFontTx/>
-              <a:buChar char="•"/>
-              <a:tabLst/>
-            </a:pPr>
-            <a:r>
-              <a:rPr kumimoji="0" lang="pt-BR" altLang="pt-BR" sz="1800" b="0" i="0" u="none" strike="noStrike" cap="none" normalizeH="0" baseline="0" dirty="0">
-                <a:ln>
-                  <a:noFill/>
-                </a:ln>
-                <a:solidFill>
-                  <a:schemeClr val="tx1"/>
-                </a:solidFill>
-                <a:effectLst/>
-                <a:latin typeface="Arial" panose="020B0604020202020204" pitchFamily="34" charset="0"/>
-              </a:rPr>
-              <a:t>Envio de sinalização e mídia</a:t>
-            </a:r>
-          </a:p>
-          <a:p>
-            <a:pPr marL="0" marR="0" lvl="0" indent="0" algn="l" defTabSz="914400" rtl="0" eaLnBrk="0" fontAlgn="base" latinLnBrk="0" hangingPunct="0">
-              <a:lnSpc>
-                <a:spcPct val="100000"/>
-              </a:lnSpc>
-              <a:spcBef>
-                <a:spcPct val="0"/>
-              </a:spcBef>
-              <a:spcAft>
-                <a:spcPct val="0"/>
-              </a:spcAft>
-              <a:buClrTx/>
-              <a:buSzTx/>
-              <a:buFontTx/>
-              <a:buChar char="•"/>
-              <a:tabLst/>
-            </a:pPr>
-            <a:r>
-              <a:rPr kumimoji="0" lang="pt-BR" altLang="pt-BR" sz="1800" b="0" i="0" u="none" strike="noStrike" cap="none" normalizeH="0" baseline="0" dirty="0">
-                <a:ln>
-                  <a:noFill/>
-                </a:ln>
-                <a:solidFill>
-                  <a:schemeClr val="tx1"/>
-                </a:solidFill>
-                <a:effectLst/>
-                <a:latin typeface="Arial" panose="020B0604020202020204" pitchFamily="34" charset="0"/>
-              </a:rPr>
-              <a:t>Usado em ambientes corporativos</a:t>
-            </a:r>
+                <a:latin typeface="+mj-lt"/>
+                <a:ea typeface="+mj-ea"/>
+                <a:cs typeface="+mj-cs"/>
+              </a:defRPr>
+            </a:lvl1pPr>
+          </a:lstStyle>
+          <a:p>
+            <a:pPr algn="l"/>
+            <a:r>
+              <a:rPr lang="pt-BR" sz="2500" dirty="0"/>
+              <a:t>Arquitetura do Banco Futura</a:t>
+            </a:r>
+            <a:endParaRPr lang="pt-BR" sz="2500" b="1" dirty="0">
+              <a:solidFill>
+                <a:srgbClr val="1377C7"/>
+              </a:solidFill>
+            </a:endParaRPr>
           </a:p>
         </p:txBody>
       </p:sp>
@@ -10554,6 +10714,290 @@
     <p:extLst>
       <p:ext uri="{BB962C8B-B14F-4D97-AF65-F5344CB8AC3E}">
         <p14:creationId xmlns:p14="http://schemas.microsoft.com/office/powerpoint/2010/main" val="986697820"/>
+      </p:ext>
+    </p:extLst>
+  </p:cSld>
+  <p:clrMapOvr>
+    <a:masterClrMapping/>
+  </p:clrMapOvr>
+</p:sld>
+</file>
+
+<file path=ppt/slides/slide20.xml><?xml version="1.0" encoding="utf-8"?>
+<p:sld xmlns:a="http://schemas.openxmlformats.org/drawingml/2006/main" xmlns:r="http://schemas.openxmlformats.org/officeDocument/2006/relationships" xmlns:p="http://schemas.openxmlformats.org/presentationml/2006/main">
+  <p:cSld>
+    <p:spTree>
+      <p:nvGrpSpPr>
+        <p:cNvPr id="1" name=""/>
+        <p:cNvGrpSpPr/>
+        <p:nvPr/>
+      </p:nvGrpSpPr>
+      <p:grpSpPr>
+        <a:xfrm>
+          <a:off x="0" y="0"/>
+          <a:ext cx="0" cy="0"/>
+          <a:chOff x="0" y="0"/>
+          <a:chExt cx="0" cy="0"/>
+        </a:xfrm>
+      </p:grpSpPr>
+      <p:sp>
+        <p:nvSpPr>
+          <p:cNvPr id="4" name="CaixaDeTexto 3">
+            <a:extLst>
+              <a:ext uri="{FF2B5EF4-FFF2-40B4-BE49-F238E27FC236}">
+                <a16:creationId xmlns:a16="http://schemas.microsoft.com/office/drawing/2014/main" id="{DB08D806-DAF6-F650-7AE0-058B6EBF328C}"/>
+              </a:ext>
+            </a:extLst>
+          </p:cNvPr>
+          <p:cNvSpPr txBox="1"/>
+          <p:nvPr/>
+        </p:nvSpPr>
+        <p:spPr>
+          <a:xfrm flipV="1">
+            <a:off x="949706" y="1935621"/>
+            <a:ext cx="2801747" cy="45719"/>
+          </a:xfrm>
+          <a:prstGeom prst="rect">
+            <a:avLst/>
+          </a:prstGeom>
+          <a:noFill/>
+          <a:ln>
+            <a:noFill/>
+          </a:ln>
+        </p:spPr>
+        <p:txBody>
+          <a:bodyPr wrap="square">
+            <a:spAutoFit/>
+          </a:bodyPr>
+          <a:lstStyle/>
+          <a:p>
+            <a:pPr marL="0" marR="0" lvl="0" indent="0" algn="l" defTabSz="914400" rtl="0" eaLnBrk="0" fontAlgn="base" latinLnBrk="0" hangingPunct="0">
+              <a:lnSpc>
+                <a:spcPct val="100000"/>
+              </a:lnSpc>
+              <a:spcBef>
+                <a:spcPct val="0"/>
+              </a:spcBef>
+              <a:spcAft>
+                <a:spcPct val="0"/>
+              </a:spcAft>
+              <a:buClrTx/>
+              <a:buSzTx/>
+              <a:buFontTx/>
+              <a:buChar char="•"/>
+              <a:tabLst/>
+            </a:pPr>
+            <a:endParaRPr kumimoji="0" lang="pt-BR" altLang="pt-BR" sz="2500" b="0" i="0" u="none" strike="noStrike" cap="none" normalizeH="0" baseline="0" dirty="0">
+              <a:ln>
+                <a:noFill/>
+              </a:ln>
+              <a:solidFill>
+                <a:schemeClr val="tx1"/>
+              </a:solidFill>
+              <a:effectLst/>
+              <a:latin typeface="Arial" panose="020B0604020202020204" pitchFamily="34" charset="0"/>
+            </a:endParaRPr>
+          </a:p>
+        </p:txBody>
+      </p:sp>
+      <p:pic>
+        <p:nvPicPr>
+          <p:cNvPr id="6" name="Imagem 5">
+            <a:extLst>
+              <a:ext uri="{FF2B5EF4-FFF2-40B4-BE49-F238E27FC236}">
+                <a16:creationId xmlns:a16="http://schemas.microsoft.com/office/drawing/2014/main" id="{B6900C70-140B-2703-A49F-89C53BBDD6A8}"/>
+              </a:ext>
+            </a:extLst>
+          </p:cNvPr>
+          <p:cNvPicPr>
+            <a:picLocks noChangeAspect="1"/>
+          </p:cNvPicPr>
+          <p:nvPr/>
+        </p:nvPicPr>
+        <p:blipFill>
+          <a:blip r:embed="rId2"/>
+          <a:stretch>
+            <a:fillRect/>
+          </a:stretch>
+        </p:blipFill>
+        <p:spPr>
+          <a:xfrm>
+            <a:off x="1880566" y="820609"/>
+            <a:ext cx="8430867" cy="5271730"/>
+          </a:xfrm>
+          <a:prstGeom prst="rect">
+            <a:avLst/>
+          </a:prstGeom>
+        </p:spPr>
+      </p:pic>
+      <p:sp>
+        <p:nvSpPr>
+          <p:cNvPr id="7" name="Título 5">
+            <a:extLst>
+              <a:ext uri="{FF2B5EF4-FFF2-40B4-BE49-F238E27FC236}">
+                <a16:creationId xmlns:a16="http://schemas.microsoft.com/office/drawing/2014/main" id="{1C387F6D-B1E9-7AFB-8456-0DCFEC055A89}"/>
+              </a:ext>
+            </a:extLst>
+          </p:cNvPr>
+          <p:cNvSpPr txBox="1">
+            <a:spLocks/>
+          </p:cNvSpPr>
+          <p:nvPr/>
+        </p:nvSpPr>
+        <p:spPr>
+          <a:xfrm>
+            <a:off x="657207" y="92115"/>
+            <a:ext cx="7706063" cy="490673"/>
+          </a:xfrm>
+          <a:prstGeom prst="rect">
+            <a:avLst/>
+          </a:prstGeom>
+        </p:spPr>
+        <p:txBody>
+          <a:bodyPr vert="horz" lIns="91440" tIns="45720" rIns="91440" bIns="45720" rtlCol="0" anchor="ctr">
+            <a:noAutofit/>
+          </a:bodyPr>
+          <a:lstStyle>
+            <a:lvl1pPr algn="ctr" defTabSz="457200" rtl="0" eaLnBrk="1" latinLnBrk="0" hangingPunct="1">
+              <a:spcBef>
+                <a:spcPct val="0"/>
+              </a:spcBef>
+              <a:buNone/>
+              <a:defRPr sz="4400" kern="1200">
+                <a:solidFill>
+                  <a:schemeClr val="tx1"/>
+                </a:solidFill>
+                <a:latin typeface="+mj-lt"/>
+                <a:ea typeface="+mj-ea"/>
+                <a:cs typeface="+mj-cs"/>
+              </a:defRPr>
+            </a:lvl1pPr>
+          </a:lstStyle>
+          <a:p>
+            <a:pPr algn="l"/>
+            <a:r>
+              <a:rPr lang="pt-BR" sz="2500" dirty="0"/>
+              <a:t>Arquitetura do Banco Futura</a:t>
+            </a:r>
+            <a:endParaRPr lang="pt-BR" sz="2500" b="1" dirty="0">
+              <a:solidFill>
+                <a:srgbClr val="1377C7"/>
+              </a:solidFill>
+            </a:endParaRPr>
+          </a:p>
+        </p:txBody>
+      </p:sp>
+    </p:spTree>
+    <p:extLst>
+      <p:ext uri="{BB962C8B-B14F-4D97-AF65-F5344CB8AC3E}">
+        <p14:creationId xmlns:p14="http://schemas.microsoft.com/office/powerpoint/2010/main" val="2048265731"/>
+      </p:ext>
+    </p:extLst>
+  </p:cSld>
+  <p:clrMapOvr>
+    <a:masterClrMapping/>
+  </p:clrMapOvr>
+</p:sld>
+</file>
+
+<file path=ppt/slides/slide21.xml><?xml version="1.0" encoding="utf-8"?>
+<p:sld xmlns:a="http://schemas.openxmlformats.org/drawingml/2006/main" xmlns:r="http://schemas.openxmlformats.org/officeDocument/2006/relationships" xmlns:p="http://schemas.openxmlformats.org/presentationml/2006/main">
+  <p:cSld>
+    <p:spTree>
+      <p:nvGrpSpPr>
+        <p:cNvPr id="1" name=""/>
+        <p:cNvGrpSpPr/>
+        <p:nvPr/>
+      </p:nvGrpSpPr>
+      <p:grpSpPr>
+        <a:xfrm>
+          <a:off x="0" y="0"/>
+          <a:ext cx="0" cy="0"/>
+          <a:chOff x="0" y="0"/>
+          <a:chExt cx="0" cy="0"/>
+        </a:xfrm>
+      </p:grpSpPr>
+      <p:pic>
+        <p:nvPicPr>
+          <p:cNvPr id="17410" name="Picture 2">
+            <a:extLst>
+              <a:ext uri="{FF2B5EF4-FFF2-40B4-BE49-F238E27FC236}">
+                <a16:creationId xmlns:a16="http://schemas.microsoft.com/office/drawing/2014/main" id="{7931D09F-B4C6-65C6-30C3-DC0286808C31}"/>
+              </a:ext>
+            </a:extLst>
+          </p:cNvPr>
+          <p:cNvPicPr>
+            <a:picLocks noChangeAspect="1" noChangeArrowheads="1"/>
+          </p:cNvPicPr>
+          <p:nvPr/>
+        </p:nvPicPr>
+        <p:blipFill>
+          <a:blip r:embed="rId2">
+            <a:extLst>
+              <a:ext uri="{28A0092B-C50C-407E-A947-70E740481C1C}">
+                <a14:useLocalDpi xmlns:a14="http://schemas.microsoft.com/office/drawing/2010/main" val="0"/>
+              </a:ext>
+            </a:extLst>
+          </a:blip>
+          <a:srcRect/>
+          <a:stretch>
+            <a:fillRect/>
+          </a:stretch>
+        </p:blipFill>
+        <p:spPr bwMode="auto">
+          <a:xfrm>
+            <a:off x="1752600" y="222846"/>
+            <a:ext cx="8915400" cy="2977554"/>
+          </a:xfrm>
+          <a:prstGeom prst="rect">
+            <a:avLst/>
+          </a:prstGeom>
+          <a:noFill/>
+          <a:extLst>
+            <a:ext uri="{909E8E84-426E-40DD-AFC4-6F175D3DCCD1}">
+              <a14:hiddenFill xmlns:a14="http://schemas.microsoft.com/office/drawing/2010/main">
+                <a:solidFill>
+                  <a:srgbClr val="FFFFFF"/>
+                </a:solidFill>
+              </a14:hiddenFill>
+            </a:ext>
+          </a:extLst>
+        </p:spPr>
+      </p:pic>
+      <p:pic>
+        <p:nvPicPr>
+          <p:cNvPr id="5" name="Imagem 4">
+            <a:extLst>
+              <a:ext uri="{FF2B5EF4-FFF2-40B4-BE49-F238E27FC236}">
+                <a16:creationId xmlns:a16="http://schemas.microsoft.com/office/drawing/2014/main" id="{AC8AC2BD-2F1F-9278-0CF7-03A9B9DA861D}"/>
+              </a:ext>
+            </a:extLst>
+          </p:cNvPr>
+          <p:cNvPicPr>
+            <a:picLocks noChangeAspect="1"/>
+          </p:cNvPicPr>
+          <p:nvPr/>
+        </p:nvPicPr>
+        <p:blipFill>
+          <a:blip r:embed="rId3"/>
+          <a:stretch>
+            <a:fillRect/>
+          </a:stretch>
+        </p:blipFill>
+        <p:spPr>
+          <a:xfrm>
+            <a:off x="2100262" y="3200400"/>
+            <a:ext cx="8220075" cy="3219450"/>
+          </a:xfrm>
+          <a:prstGeom prst="rect">
+            <a:avLst/>
+          </a:prstGeom>
+        </p:spPr>
+      </p:pic>
+    </p:spTree>
+    <p:extLst>
+      <p:ext uri="{BB962C8B-B14F-4D97-AF65-F5344CB8AC3E}">
+        <p14:creationId xmlns:p14="http://schemas.microsoft.com/office/powerpoint/2010/main" val="372405695"/>
       </p:ext>
     </p:extLst>
   </p:cSld>
@@ -13679,7 +14123,7 @@
         <p:spPr>
           <a:xfrm>
             <a:off x="457200" y="1413064"/>
-            <a:ext cx="6096000" cy="2400657"/>
+            <a:ext cx="6096000" cy="2015936"/>
           </a:xfrm>
           <a:prstGeom prst="rect">
             <a:avLst/>
@@ -14010,69 +14454,6 @@
                 <a:latin typeface="Arial" panose="020B0604020202020204" pitchFamily="34" charset="0"/>
               </a:rPr>
               <a:t>WebSocket</a:t>
-            </a:r>
-            <a:r>
-              <a:rPr kumimoji="0" lang="pt-BR" altLang="pt-BR" sz="2500" b="0" i="0" u="none" strike="noStrike" cap="none" normalizeH="0" baseline="0" dirty="0">
-                <a:ln>
-                  <a:noFill/>
-                </a:ln>
-                <a:solidFill>
-                  <a:schemeClr val="tx1"/>
-                </a:solidFill>
-                <a:effectLst/>
-                <a:latin typeface="Arial" panose="020B0604020202020204" pitchFamily="34" charset="0"/>
-              </a:rPr>
-              <a:t> (</a:t>
-            </a:r>
-            <a:r>
-              <a:rPr kumimoji="0" lang="pt-BR" altLang="pt-BR" sz="2500" b="0" i="0" u="none" strike="noStrike" cap="none" normalizeH="0" baseline="0" dirty="0">
-                <a:ln>
-                  <a:noFill/>
-                </a:ln>
-                <a:solidFill>
-                  <a:schemeClr val="tx1"/>
-                </a:solidFill>
-                <a:effectLst/>
-                <a:latin typeface="Arial Unicode MS"/>
-              </a:rPr>
-              <a:t>ws</a:t>
-            </a:r>
-            <a:r>
-              <a:rPr kumimoji="0" lang="pt-BR" altLang="pt-BR" sz="2500" b="0" i="0" u="none" strike="noStrike" cap="none" normalizeH="0" baseline="0" dirty="0">
-                <a:ln>
-                  <a:noFill/>
-                </a:ln>
-                <a:solidFill>
-                  <a:schemeClr val="tx1"/>
-                </a:solidFill>
-                <a:effectLst/>
-              </a:rPr>
-              <a:t> / </a:t>
-            </a:r>
-            <a:r>
-              <a:rPr kumimoji="0" lang="pt-BR" altLang="pt-BR" sz="2500" b="0" i="0" u="none" strike="noStrike" cap="none" normalizeH="0" baseline="0" dirty="0" err="1">
-                <a:ln>
-                  <a:noFill/>
-                </a:ln>
-                <a:solidFill>
-                  <a:schemeClr val="tx1"/>
-                </a:solidFill>
-                <a:effectLst/>
-                <a:latin typeface="Arial Unicode MS"/>
-              </a:rPr>
-              <a:t>wss</a:t>
-            </a:r>
-            <a:r>
-              <a:rPr kumimoji="0" lang="pt-BR" altLang="pt-BR" sz="2500" b="0" i="0" u="none" strike="noStrike" cap="none" normalizeH="0" baseline="0" dirty="0">
-                <a:ln>
-                  <a:noFill/>
-                </a:ln>
-                <a:solidFill>
-                  <a:schemeClr val="tx1"/>
-                </a:solidFill>
-                <a:effectLst/>
-              </a:rPr>
-              <a:t>)</a:t>
             </a:r>
             <a:endParaRPr kumimoji="0" lang="pt-BR" altLang="pt-BR" sz="2500" b="0" i="0" u="none" strike="noStrike" cap="none" normalizeH="0" baseline="0" dirty="0">
               <a:ln>

--- a/Arquitetura de Telefonia.pptx
+++ b/Arquitetura de Telefonia.pptx
@@ -6,30 +6,33 @@
     <p:sldMasterId id="2147483672" r:id="rId2"/>
   </p:sldMasterIdLst>
   <p:notesMasterIdLst>
-    <p:notesMasterId r:id="rId24"/>
+    <p:notesMasterId r:id="rId27"/>
   </p:notesMasterIdLst>
   <p:sldIdLst>
-    <p:sldId id="397" r:id="rId3"/>
-    <p:sldId id="399" r:id="rId4"/>
-    <p:sldId id="403" r:id="rId5"/>
-    <p:sldId id="400" r:id="rId6"/>
-    <p:sldId id="406" r:id="rId7"/>
-    <p:sldId id="412" r:id="rId8"/>
-    <p:sldId id="393" r:id="rId9"/>
-    <p:sldId id="391" r:id="rId10"/>
-    <p:sldId id="402" r:id="rId11"/>
-    <p:sldId id="404" r:id="rId12"/>
-    <p:sldId id="407" r:id="rId13"/>
-    <p:sldId id="409" r:id="rId14"/>
-    <p:sldId id="405" r:id="rId15"/>
-    <p:sldId id="410" r:id="rId16"/>
-    <p:sldId id="408" r:id="rId17"/>
-    <p:sldId id="414" r:id="rId18"/>
-    <p:sldId id="417" r:id="rId19"/>
-    <p:sldId id="416" r:id="rId20"/>
-    <p:sldId id="411" r:id="rId21"/>
-    <p:sldId id="418" r:id="rId22"/>
-    <p:sldId id="419" r:id="rId23"/>
+    <p:sldId id="422" r:id="rId3"/>
+    <p:sldId id="397" r:id="rId4"/>
+    <p:sldId id="399" r:id="rId5"/>
+    <p:sldId id="404" r:id="rId6"/>
+    <p:sldId id="420" r:id="rId7"/>
+    <p:sldId id="403" r:id="rId8"/>
+    <p:sldId id="400" r:id="rId9"/>
+    <p:sldId id="406" r:id="rId10"/>
+    <p:sldId id="412" r:id="rId11"/>
+    <p:sldId id="393" r:id="rId12"/>
+    <p:sldId id="391" r:id="rId13"/>
+    <p:sldId id="402" r:id="rId14"/>
+    <p:sldId id="407" r:id="rId15"/>
+    <p:sldId id="409" r:id="rId16"/>
+    <p:sldId id="405" r:id="rId17"/>
+    <p:sldId id="410" r:id="rId18"/>
+    <p:sldId id="408" r:id="rId19"/>
+    <p:sldId id="414" r:id="rId20"/>
+    <p:sldId id="423" r:id="rId21"/>
+    <p:sldId id="417" r:id="rId22"/>
+    <p:sldId id="424" r:id="rId23"/>
+    <p:sldId id="416" r:id="rId24"/>
+    <p:sldId id="411" r:id="rId25"/>
+    <p:sldId id="419" r:id="rId26"/>
   </p:sldIdLst>
   <p:sldSz cx="12192000" cy="6858000"/>
   <p:notesSz cx="6858000" cy="9144000"/>
@@ -133,8 +136,11 @@
       <p14:sectionLst xmlns:p14="http://schemas.microsoft.com/office/powerpoint/2010/main">
         <p14:section name="Seção Padrão" id="{7DE0B6C3-3FAD-4E29-992A-319D807E1C01}">
           <p14:sldIdLst>
+            <p14:sldId id="422"/>
             <p14:sldId id="397"/>
             <p14:sldId id="399"/>
+            <p14:sldId id="404"/>
+            <p14:sldId id="420"/>
             <p14:sldId id="403"/>
             <p14:sldId id="400"/>
             <p14:sldId id="406"/>
@@ -142,17 +148,17 @@
             <p14:sldId id="393"/>
             <p14:sldId id="391"/>
             <p14:sldId id="402"/>
-            <p14:sldId id="404"/>
             <p14:sldId id="407"/>
             <p14:sldId id="409"/>
             <p14:sldId id="405"/>
             <p14:sldId id="410"/>
             <p14:sldId id="408"/>
             <p14:sldId id="414"/>
+            <p14:sldId id="423"/>
             <p14:sldId id="417"/>
+            <p14:sldId id="424"/>
             <p14:sldId id="416"/>
             <p14:sldId id="411"/>
-            <p14:sldId id="418"/>
             <p14:sldId id="419"/>
           </p14:sldIdLst>
         </p14:section>
@@ -258,7 +264,7 @@
           <a:p>
             <a:fld id="{E7D76266-CF61-4D56-8C0C-1A96DD1B9759}" type="datetimeFigureOut">
               <a:rPr lang="pt-BR" smtClean="0"/>
-              <a:t>17/12/2025</a:t>
+              <a:t>18/12/2025</a:t>
             </a:fld>
             <a:endParaRPr lang="pt-BR"/>
           </a:p>
@@ -672,7 +678,7 @@
           <a:p>
             <a:fld id="{9118B7AB-F4C2-4B0E-B8DA-F2BDFD5944C3}" type="datetimeFigureOut">
               <a:rPr lang="pt-BR" smtClean="0"/>
-              <a:t>17/12/2025</a:t>
+              <a:t>18/12/2025</a:t>
             </a:fld>
             <a:endParaRPr lang="pt-BR"/>
           </a:p>
@@ -870,7 +876,7 @@
           <a:p>
             <a:fld id="{9118B7AB-F4C2-4B0E-B8DA-F2BDFD5944C3}" type="datetimeFigureOut">
               <a:rPr lang="pt-BR" smtClean="0"/>
-              <a:t>17/12/2025</a:t>
+              <a:t>18/12/2025</a:t>
             </a:fld>
             <a:endParaRPr lang="pt-BR"/>
           </a:p>
@@ -1078,7 +1084,7 @@
           <a:p>
             <a:fld id="{9118B7AB-F4C2-4B0E-B8DA-F2BDFD5944C3}" type="datetimeFigureOut">
               <a:rPr lang="pt-BR" smtClean="0"/>
-              <a:t>17/12/2025</a:t>
+              <a:t>18/12/2025</a:t>
             </a:fld>
             <a:endParaRPr lang="pt-BR"/>
           </a:p>
@@ -1332,7 +1338,7 @@
           <a:p>
             <a:fld id="{5BCAD085-E8A6-8845-BD4E-CB4CCA059FC4}" type="datetimeFigureOut">
               <a:rPr lang="en-US" smtClean="0"/>
-              <a:t>12/17/2025</a:t>
+              <a:t>12/18/2025</a:t>
             </a:fld>
             <a:endParaRPr lang="en-US"/>
           </a:p>
@@ -1502,7 +1508,7 @@
           <a:p>
             <a:fld id="{5BCAD085-E8A6-8845-BD4E-CB4CCA059FC4}" type="datetimeFigureOut">
               <a:rPr lang="en-US" smtClean="0"/>
-              <a:t>12/17/2025</a:t>
+              <a:t>12/18/2025</a:t>
             </a:fld>
             <a:endParaRPr lang="en-US"/>
           </a:p>
@@ -1748,7 +1754,7 @@
           <a:p>
             <a:fld id="{5BCAD085-E8A6-8845-BD4E-CB4CCA059FC4}" type="datetimeFigureOut">
               <a:rPr lang="en-US" smtClean="0"/>
-              <a:t>12/17/2025</a:t>
+              <a:t>12/18/2025</a:t>
             </a:fld>
             <a:endParaRPr lang="en-US"/>
           </a:p>
@@ -2036,7 +2042,7 @@
           <a:p>
             <a:fld id="{5BCAD085-E8A6-8845-BD4E-CB4CCA059FC4}" type="datetimeFigureOut">
               <a:rPr lang="en-US" smtClean="0"/>
-              <a:t>12/17/2025</a:t>
+              <a:t>12/18/2025</a:t>
             </a:fld>
             <a:endParaRPr lang="en-US"/>
           </a:p>
@@ -2458,7 +2464,7 @@
           <a:p>
             <a:fld id="{5BCAD085-E8A6-8845-BD4E-CB4CCA059FC4}" type="datetimeFigureOut">
               <a:rPr lang="en-US" smtClean="0"/>
-              <a:t>12/17/2025</a:t>
+              <a:t>12/18/2025</a:t>
             </a:fld>
             <a:endParaRPr lang="en-US"/>
           </a:p>
@@ -2576,7 +2582,7 @@
           <a:p>
             <a:fld id="{5BCAD085-E8A6-8845-BD4E-CB4CCA059FC4}" type="datetimeFigureOut">
               <a:rPr lang="en-US" smtClean="0"/>
-              <a:t>12/17/2025</a:t>
+              <a:t>12/18/2025</a:t>
             </a:fld>
             <a:endParaRPr lang="en-US"/>
           </a:p>
@@ -2671,7 +2677,7 @@
           <a:p>
             <a:fld id="{5BCAD085-E8A6-8845-BD4E-CB4CCA059FC4}" type="datetimeFigureOut">
               <a:rPr lang="en-US" smtClean="0"/>
-              <a:t>12/17/2025</a:t>
+              <a:t>12/18/2025</a:t>
             </a:fld>
             <a:endParaRPr lang="en-US"/>
           </a:p>
@@ -2948,7 +2954,7 @@
           <a:p>
             <a:fld id="{5BCAD085-E8A6-8845-BD4E-CB4CCA059FC4}" type="datetimeFigureOut">
               <a:rPr lang="en-US" smtClean="0"/>
-              <a:t>12/17/2025</a:t>
+              <a:t>12/18/2025</a:t>
             </a:fld>
             <a:endParaRPr lang="en-US"/>
           </a:p>
@@ -3134,7 +3140,7 @@
           <a:p>
             <a:fld id="{9118B7AB-F4C2-4B0E-B8DA-F2BDFD5944C3}" type="datetimeFigureOut">
               <a:rPr lang="pt-BR" smtClean="0"/>
-              <a:t>17/12/2025</a:t>
+              <a:t>18/12/2025</a:t>
             </a:fld>
             <a:endParaRPr lang="pt-BR"/>
           </a:p>
@@ -3403,7 +3409,7 @@
           <a:p>
             <a:fld id="{5BCAD085-E8A6-8845-BD4E-CB4CCA059FC4}" type="datetimeFigureOut">
               <a:rPr lang="en-US" smtClean="0"/>
-              <a:t>12/17/2025</a:t>
+              <a:t>12/18/2025</a:t>
             </a:fld>
             <a:endParaRPr lang="en-US"/>
           </a:p>
@@ -3573,7 +3579,7 @@
           <a:p>
             <a:fld id="{5BCAD085-E8A6-8845-BD4E-CB4CCA059FC4}" type="datetimeFigureOut">
               <a:rPr lang="en-US" smtClean="0"/>
-              <a:t>12/17/2025</a:t>
+              <a:t>12/18/2025</a:t>
             </a:fld>
             <a:endParaRPr lang="en-US"/>
           </a:p>
@@ -3753,7 +3759,7 @@
           <a:p>
             <a:fld id="{5BCAD085-E8A6-8845-BD4E-CB4CCA059FC4}" type="datetimeFigureOut">
               <a:rPr lang="en-US" smtClean="0"/>
-              <a:t>12/17/2025</a:t>
+              <a:t>12/18/2025</a:t>
             </a:fld>
             <a:endParaRPr lang="en-US"/>
           </a:p>
@@ -4016,7 +4022,7 @@
           <a:p>
             <a:fld id="{9118B7AB-F4C2-4B0E-B8DA-F2BDFD5944C3}" type="datetimeFigureOut">
               <a:rPr lang="pt-BR" smtClean="0"/>
-              <a:t>17/12/2025</a:t>
+              <a:t>18/12/2025</a:t>
             </a:fld>
             <a:endParaRPr lang="pt-BR"/>
           </a:p>
@@ -4281,7 +4287,7 @@
           <a:p>
             <a:fld id="{9118B7AB-F4C2-4B0E-B8DA-F2BDFD5944C3}" type="datetimeFigureOut">
               <a:rPr lang="pt-BR" smtClean="0"/>
-              <a:t>17/12/2025</a:t>
+              <a:t>18/12/2025</a:t>
             </a:fld>
             <a:endParaRPr lang="pt-BR"/>
           </a:p>
@@ -4693,7 +4699,7 @@
           <a:p>
             <a:fld id="{9118B7AB-F4C2-4B0E-B8DA-F2BDFD5944C3}" type="datetimeFigureOut">
               <a:rPr lang="pt-BR" smtClean="0"/>
-              <a:t>17/12/2025</a:t>
+              <a:t>18/12/2025</a:t>
             </a:fld>
             <a:endParaRPr lang="pt-BR"/>
           </a:p>
@@ -4834,7 +4840,7 @@
           <a:p>
             <a:fld id="{9118B7AB-F4C2-4B0E-B8DA-F2BDFD5944C3}" type="datetimeFigureOut">
               <a:rPr lang="pt-BR" smtClean="0"/>
-              <a:t>17/12/2025</a:t>
+              <a:t>18/12/2025</a:t>
             </a:fld>
             <a:endParaRPr lang="pt-BR"/>
           </a:p>
@@ -4947,7 +4953,7 @@
           <a:p>
             <a:fld id="{9118B7AB-F4C2-4B0E-B8DA-F2BDFD5944C3}" type="datetimeFigureOut">
               <a:rPr lang="pt-BR" smtClean="0"/>
-              <a:t>17/12/2025</a:t>
+              <a:t>18/12/2025</a:t>
             </a:fld>
             <a:endParaRPr lang="pt-BR"/>
           </a:p>
@@ -5258,7 +5264,7 @@
           <a:p>
             <a:fld id="{9118B7AB-F4C2-4B0E-B8DA-F2BDFD5944C3}" type="datetimeFigureOut">
               <a:rPr lang="pt-BR" smtClean="0"/>
-              <a:t>17/12/2025</a:t>
+              <a:t>18/12/2025</a:t>
             </a:fld>
             <a:endParaRPr lang="pt-BR"/>
           </a:p>
@@ -5546,7 +5552,7 @@
           <a:p>
             <a:fld id="{9118B7AB-F4C2-4B0E-B8DA-F2BDFD5944C3}" type="datetimeFigureOut">
               <a:rPr lang="pt-BR" smtClean="0"/>
-              <a:t>17/12/2025</a:t>
+              <a:t>18/12/2025</a:t>
             </a:fld>
             <a:endParaRPr lang="pt-BR"/>
           </a:p>
@@ -5787,7 +5793,7 @@
           <a:p>
             <a:fld id="{9118B7AB-F4C2-4B0E-B8DA-F2BDFD5944C3}" type="datetimeFigureOut">
               <a:rPr lang="pt-BR" smtClean="0"/>
-              <a:t>17/12/2025</a:t>
+              <a:t>18/12/2025</a:t>
             </a:fld>
             <a:endParaRPr lang="pt-BR"/>
           </a:p>
@@ -6355,7 +6361,7 @@
           <a:p>
             <a:fld id="{5BCAD085-E8A6-8845-BD4E-CB4CCA059FC4}" type="datetimeFigureOut">
               <a:rPr lang="en-US" smtClean="0"/>
-              <a:t>12/17/2025</a:t>
+              <a:t>12/18/2025</a:t>
             </a:fld>
             <a:endParaRPr lang="en-US"/>
           </a:p>
@@ -6751,7 +6757,7 @@
           <p:cNvPr id="2" name="Título 1">
             <a:extLst>
               <a:ext uri="{FF2B5EF4-FFF2-40B4-BE49-F238E27FC236}">
-                <a16:creationId xmlns:a16="http://schemas.microsoft.com/office/drawing/2014/main" id="{6F09DCFC-0A53-1D5A-ADD8-BFEACE0C33F3}"/>
+                <a16:creationId xmlns:a16="http://schemas.microsoft.com/office/drawing/2014/main" id="{58F56677-8FF1-B3D5-D8E8-D7E7173FB6C4}"/>
               </a:ext>
             </a:extLst>
           </p:cNvPr>
@@ -6764,305 +6770,50 @@
         </p:nvSpPr>
         <p:spPr/>
         <p:txBody>
-          <a:bodyPr>
-            <a:normAutofit/>
-          </a:bodyPr>
+          <a:bodyPr/>
           <a:lstStyle/>
           <a:p>
             <a:r>
-              <a:rPr lang="pt-BR" dirty="0"/>
-              <a:t>Internet, Rede Privada e Comunicação</a:t>
-            </a:r>
-          </a:p>
-        </p:txBody>
-      </p:sp>
-      <p:sp>
-        <p:nvSpPr>
-          <p:cNvPr id="6" name="Rectangle 2">
-            <a:extLst>
-              <a:ext uri="{FF2B5EF4-FFF2-40B4-BE49-F238E27FC236}">
-                <a16:creationId xmlns:a16="http://schemas.microsoft.com/office/drawing/2014/main" id="{72EDC7CE-E38B-0D15-5078-74B5B72B1155}"/>
-              </a:ext>
-            </a:extLst>
-          </p:cNvPr>
-          <p:cNvSpPr>
-            <a:spLocks noGrp="1" noChangeArrowheads="1"/>
-          </p:cNvSpPr>
-          <p:nvPr>
-            <p:ph idx="1"/>
-          </p:nvPr>
-        </p:nvSpPr>
-        <p:spPr bwMode="auto">
+              <a:rPr lang="pt-BR" b="1" dirty="0"/>
+              <a:t>Arquitetura e Protocolos de Telefonia</a:t>
+            </a:r>
+          </a:p>
+        </p:txBody>
+      </p:sp>
+      <p:pic>
+        <p:nvPicPr>
+          <p:cNvPr id="7" name="Imagem 6">
+            <a:extLst>
+              <a:ext uri="{FF2B5EF4-FFF2-40B4-BE49-F238E27FC236}">
+                <a16:creationId xmlns:a16="http://schemas.microsoft.com/office/drawing/2014/main" id="{634791F2-0CEE-B2D9-0423-774C5F0C537C}"/>
+              </a:ext>
+            </a:extLst>
+          </p:cNvPr>
+          <p:cNvPicPr>
+            <a:picLocks noChangeAspect="1"/>
+          </p:cNvPicPr>
+          <p:nvPr/>
+        </p:nvPicPr>
+        <p:blipFill>
+          <a:blip r:embed="rId2"/>
+          <a:stretch>
+            <a:fillRect/>
+          </a:stretch>
+        </p:blipFill>
+        <p:spPr>
+          <a:xfrm>
+            <a:off x="2590800" y="1389612"/>
+            <a:ext cx="6649278" cy="4947140"/>
+          </a:xfrm>
           <a:prstGeom prst="rect">
             <a:avLst/>
           </a:prstGeom>
-          <a:noFill/>
-          <a:ln>
-            <a:noFill/>
-          </a:ln>
-          <a:effectLst/>
-          <a:extLst>
-            <a:ext uri="{909E8E84-426E-40DD-AFC4-6F175D3DCCD1}">
-              <a14:hiddenFill xmlns:a14="http://schemas.microsoft.com/office/drawing/2010/main">
-                <a:solidFill>
-                  <a:schemeClr val="accent1"/>
-                </a:solidFill>
-              </a14:hiddenFill>
-            </a:ext>
-            <a:ext uri="{91240B29-F687-4F45-9708-019B960494DF}">
-              <a14:hiddenLine xmlns:a14="http://schemas.microsoft.com/office/drawing/2010/main" w="9525">
-                <a:solidFill>
-                  <a:schemeClr val="tx1"/>
-                </a:solidFill>
-                <a:miter lim="800000"/>
-                <a:headEnd/>
-                <a:tailEnd/>
-              </a14:hiddenLine>
-            </a:ext>
-            <a:ext uri="{AF507438-7753-43E0-B8FC-AC1667EBCBE1}">
-              <a14:hiddenEffects xmlns:a14="http://schemas.microsoft.com/office/drawing/2010/main">
-                <a:effectLst>
-                  <a:outerShdw dist="35921" dir="2700000" algn="ctr" rotWithShape="0">
-                    <a:schemeClr val="bg2"/>
-                  </a:outerShdw>
-                </a:effectLst>
-              </a14:hiddenEffects>
-            </a:ext>
-          </a:extLst>
-        </p:spPr>
-        <p:txBody>
-          <a:bodyPr vert="horz" wrap="none" lIns="91440" tIns="45720" rIns="91440" bIns="45720" numCol="1" anchor="ctr" anchorCtr="0" compatLnSpc="1">
-            <a:prstTxWarp prst="textNoShape">
-              <a:avLst/>
-            </a:prstTxWarp>
-            <a:spAutoFit/>
-          </a:bodyPr>
-          <a:lstStyle/>
-          <a:p>
-            <a:pPr marL="0" marR="0" lvl="0" indent="0" algn="l" defTabSz="914400" rtl="0" eaLnBrk="0" fontAlgn="base" latinLnBrk="0" hangingPunct="0">
-              <a:lnSpc>
-                <a:spcPct val="100000"/>
-              </a:lnSpc>
-              <a:spcBef>
-                <a:spcPct val="0"/>
-              </a:spcBef>
-              <a:spcAft>
-                <a:spcPct val="0"/>
-              </a:spcAft>
-              <a:buClrTx/>
-              <a:buSzTx/>
-              <a:buFontTx/>
-              <a:buChar char="•"/>
-              <a:tabLst/>
-            </a:pPr>
-            <a:r>
-              <a:rPr kumimoji="0" lang="pt-BR" altLang="pt-BR" sz="1800" b="0" i="0" u="none" strike="noStrike" cap="none" normalizeH="0" baseline="0" dirty="0">
-                <a:ln>
-                  <a:noFill/>
-                </a:ln>
-                <a:solidFill>
-                  <a:schemeClr val="tx1"/>
-                </a:solidFill>
-                <a:effectLst/>
-                <a:latin typeface="Arial" panose="020B0604020202020204" pitchFamily="34" charset="0"/>
-              </a:rPr>
-              <a:t>Comunicação ocorre sempre entre </a:t>
-            </a:r>
-            <a:r>
-              <a:rPr kumimoji="0" lang="pt-BR" altLang="pt-BR" sz="1800" b="1" i="0" u="none" strike="noStrike" cap="none" normalizeH="0" baseline="0" dirty="0">
-                <a:ln>
-                  <a:noFill/>
-                </a:ln>
-                <a:solidFill>
-                  <a:schemeClr val="tx1"/>
-                </a:solidFill>
-                <a:effectLst/>
-                <a:latin typeface="Arial" panose="020B0604020202020204" pitchFamily="34" charset="0"/>
-              </a:rPr>
-              <a:t>IP + Porta</a:t>
-            </a:r>
-            <a:endParaRPr kumimoji="0" lang="pt-BR" altLang="pt-BR" sz="1800" b="0" i="0" u="none" strike="noStrike" cap="none" normalizeH="0" baseline="0" dirty="0">
-              <a:ln>
-                <a:noFill/>
-              </a:ln>
-              <a:solidFill>
-                <a:schemeClr val="tx1"/>
-              </a:solidFill>
-              <a:effectLst/>
-              <a:latin typeface="Arial" panose="020B0604020202020204" pitchFamily="34" charset="0"/>
-            </a:endParaRPr>
-          </a:p>
-          <a:p>
-            <a:pPr marL="0" marR="0" lvl="0" indent="0" algn="l" defTabSz="914400" rtl="0" eaLnBrk="0" fontAlgn="base" latinLnBrk="0" hangingPunct="0">
-              <a:lnSpc>
-                <a:spcPct val="100000"/>
-              </a:lnSpc>
-              <a:spcBef>
-                <a:spcPct val="0"/>
-              </a:spcBef>
-              <a:spcAft>
-                <a:spcPct val="0"/>
-              </a:spcAft>
-              <a:buClrTx/>
-              <a:buSzTx/>
-              <a:buFontTx/>
-              <a:buChar char="•"/>
-              <a:tabLst/>
-            </a:pPr>
-            <a:r>
-              <a:rPr kumimoji="0" lang="pt-BR" altLang="pt-BR" sz="1800" b="0" i="0" u="none" strike="noStrike" cap="none" normalizeH="0" baseline="0" dirty="0">
-                <a:ln>
-                  <a:noFill/>
-                </a:ln>
-                <a:solidFill>
-                  <a:schemeClr val="tx1"/>
-                </a:solidFill>
-                <a:effectLst/>
-                <a:latin typeface="Arial" panose="020B0604020202020204" pitchFamily="34" charset="0"/>
-              </a:rPr>
-              <a:t>Em redes locais são usados </a:t>
-            </a:r>
-            <a:r>
-              <a:rPr kumimoji="0" lang="pt-BR" altLang="pt-BR" sz="1800" b="1" i="0" u="none" strike="noStrike" cap="none" normalizeH="0" baseline="0" dirty="0" err="1">
-                <a:ln>
-                  <a:noFill/>
-                </a:ln>
-                <a:solidFill>
-                  <a:schemeClr val="tx1"/>
-                </a:solidFill>
-                <a:effectLst/>
-                <a:latin typeface="Arial" panose="020B0604020202020204" pitchFamily="34" charset="0"/>
-              </a:rPr>
-              <a:t>IPs</a:t>
-            </a:r>
-            <a:r>
-              <a:rPr kumimoji="0" lang="pt-BR" altLang="pt-BR" sz="1800" b="1" i="0" u="none" strike="noStrike" cap="none" normalizeH="0" baseline="0" dirty="0">
-                <a:ln>
-                  <a:noFill/>
-                </a:ln>
-                <a:solidFill>
-                  <a:schemeClr val="tx1"/>
-                </a:solidFill>
-                <a:effectLst/>
-                <a:latin typeface="Arial" panose="020B0604020202020204" pitchFamily="34" charset="0"/>
-              </a:rPr>
-              <a:t> privados</a:t>
-            </a:r>
-            <a:endParaRPr kumimoji="0" lang="pt-BR" altLang="pt-BR" sz="1800" b="0" i="0" u="none" strike="noStrike" cap="none" normalizeH="0" baseline="0" dirty="0">
-              <a:ln>
-                <a:noFill/>
-              </a:ln>
-              <a:solidFill>
-                <a:schemeClr val="tx1"/>
-              </a:solidFill>
-              <a:effectLst/>
-              <a:latin typeface="Arial" panose="020B0604020202020204" pitchFamily="34" charset="0"/>
-            </a:endParaRPr>
-          </a:p>
-          <a:p>
-            <a:pPr marL="0" marR="0" lvl="0" indent="0" algn="l" defTabSz="914400" rtl="0" eaLnBrk="0" fontAlgn="base" latinLnBrk="0" hangingPunct="0">
-              <a:lnSpc>
-                <a:spcPct val="100000"/>
-              </a:lnSpc>
-              <a:spcBef>
-                <a:spcPct val="0"/>
-              </a:spcBef>
-              <a:spcAft>
-                <a:spcPct val="0"/>
-              </a:spcAft>
-              <a:buClrTx/>
-              <a:buSzTx/>
-              <a:buFontTx/>
-              <a:buChar char="•"/>
-              <a:tabLst/>
-            </a:pPr>
-            <a:r>
-              <a:rPr kumimoji="0" lang="pt-BR" altLang="pt-BR" sz="1800" b="0" i="0" u="none" strike="noStrike" cap="none" normalizeH="0" baseline="0" dirty="0">
-                <a:ln>
-                  <a:noFill/>
-                </a:ln>
-                <a:solidFill>
-                  <a:schemeClr val="tx1"/>
-                </a:solidFill>
-                <a:effectLst/>
-                <a:latin typeface="Arial" panose="020B0604020202020204" pitchFamily="34" charset="0"/>
-              </a:rPr>
-              <a:t>Pela Internet há uso de </a:t>
-            </a:r>
-            <a:r>
-              <a:rPr kumimoji="0" lang="pt-BR" altLang="pt-BR" sz="1800" b="1" i="0" u="none" strike="noStrike" cap="none" normalizeH="0" baseline="0" dirty="0" err="1">
-                <a:ln>
-                  <a:noFill/>
-                </a:ln>
-                <a:solidFill>
-                  <a:schemeClr val="tx1"/>
-                </a:solidFill>
-                <a:effectLst/>
-                <a:latin typeface="Arial" panose="020B0604020202020204" pitchFamily="34" charset="0"/>
-              </a:rPr>
-              <a:t>IPs</a:t>
-            </a:r>
-            <a:r>
-              <a:rPr kumimoji="0" lang="pt-BR" altLang="pt-BR" sz="1800" b="1" i="0" u="none" strike="noStrike" cap="none" normalizeH="0" baseline="0" dirty="0">
-                <a:ln>
-                  <a:noFill/>
-                </a:ln>
-                <a:solidFill>
-                  <a:schemeClr val="tx1"/>
-                </a:solidFill>
-                <a:effectLst/>
-                <a:latin typeface="Arial" panose="020B0604020202020204" pitchFamily="34" charset="0"/>
-              </a:rPr>
-              <a:t> privados e públicos</a:t>
-            </a:r>
-            <a:endParaRPr kumimoji="0" lang="pt-BR" altLang="pt-BR" sz="1800" b="0" i="0" u="none" strike="noStrike" cap="none" normalizeH="0" baseline="0" dirty="0">
-              <a:ln>
-                <a:noFill/>
-              </a:ln>
-              <a:solidFill>
-                <a:schemeClr val="tx1"/>
-              </a:solidFill>
-              <a:effectLst/>
-              <a:latin typeface="Arial" panose="020B0604020202020204" pitchFamily="34" charset="0"/>
-            </a:endParaRPr>
-          </a:p>
-          <a:p>
-            <a:pPr marL="0" marR="0" lvl="0" indent="0" algn="l" defTabSz="914400" rtl="0" eaLnBrk="0" fontAlgn="base" latinLnBrk="0" hangingPunct="0">
-              <a:lnSpc>
-                <a:spcPct val="100000"/>
-              </a:lnSpc>
-              <a:spcBef>
-                <a:spcPct val="0"/>
-              </a:spcBef>
-              <a:spcAft>
-                <a:spcPct val="0"/>
-              </a:spcAft>
-              <a:buClrTx/>
-              <a:buSzTx/>
-              <a:buFontTx/>
-              <a:buChar char="•"/>
-              <a:tabLst/>
-            </a:pPr>
-            <a:r>
-              <a:rPr kumimoji="0" lang="pt-BR" altLang="pt-BR" sz="1800" b="0" i="0" u="none" strike="noStrike" cap="none" normalizeH="0" baseline="0" dirty="0">
-                <a:ln>
-                  <a:noFill/>
-                </a:ln>
-                <a:solidFill>
-                  <a:schemeClr val="tx1"/>
-                </a:solidFill>
-                <a:effectLst/>
-                <a:latin typeface="Arial" panose="020B0604020202020204" pitchFamily="34" charset="0"/>
-              </a:rPr>
-              <a:t>Telefonia IP usa a infraestrutura de redes de dados</a:t>
-            </a:r>
-          </a:p>
-        </p:txBody>
-      </p:sp>
+        </p:spPr>
+      </p:pic>
     </p:spTree>
     <p:extLst>
       <p:ext uri="{BB962C8B-B14F-4D97-AF65-F5344CB8AC3E}">
-        <p14:creationId xmlns:p14="http://schemas.microsoft.com/office/powerpoint/2010/main" val="3699317280"/>
+        <p14:creationId xmlns:p14="http://schemas.microsoft.com/office/powerpoint/2010/main" val="555835875"/>
       </p:ext>
     </p:extLst>
   </p:cSld>
@@ -7089,71 +6840,12 @@
           <a:chExt cx="0" cy="0"/>
         </a:xfrm>
       </p:grpSpPr>
-      <p:sp>
-        <p:nvSpPr>
-          <p:cNvPr id="11" name="Título 5">
-            <a:extLst>
-              <a:ext uri="{FF2B5EF4-FFF2-40B4-BE49-F238E27FC236}">
-                <a16:creationId xmlns:a16="http://schemas.microsoft.com/office/drawing/2014/main" id="{81DFDA10-915D-1210-7E5A-772EC9E4FDA4}"/>
-              </a:ext>
-            </a:extLst>
-          </p:cNvPr>
-          <p:cNvSpPr txBox="1">
-            <a:spLocks/>
-          </p:cNvSpPr>
-          <p:nvPr/>
-        </p:nvSpPr>
-        <p:spPr>
-          <a:xfrm>
-            <a:off x="637542" y="1009988"/>
-            <a:ext cx="7706063" cy="490673"/>
-          </a:xfrm>
-          <a:prstGeom prst="rect">
-            <a:avLst/>
-          </a:prstGeom>
-        </p:spPr>
-        <p:txBody>
-          <a:bodyPr vert="horz" lIns="91440" tIns="45720" rIns="91440" bIns="45720" rtlCol="0" anchor="ctr">
-            <a:noAutofit/>
-          </a:bodyPr>
-          <a:lstStyle>
-            <a:lvl1pPr algn="ctr" defTabSz="457200" rtl="0" eaLnBrk="1" latinLnBrk="0" hangingPunct="1">
-              <a:spcBef>
-                <a:spcPct val="0"/>
-              </a:spcBef>
-              <a:buNone/>
-              <a:defRPr sz="4400" kern="1200">
-                <a:solidFill>
-                  <a:schemeClr val="tx1"/>
-                </a:solidFill>
-                <a:latin typeface="+mj-lt"/>
-                <a:ea typeface="+mj-ea"/>
-                <a:cs typeface="+mj-cs"/>
-              </a:defRPr>
-            </a:lvl1pPr>
-          </a:lstStyle>
-          <a:p>
-            <a:pPr algn="l"/>
-            <a:r>
-              <a:rPr lang="pt-BR" sz="2500" dirty="0"/>
-              <a:t>Terminais</a:t>
-            </a:r>
-            <a:endParaRPr lang="pt-BR" sz="2500" b="1" dirty="0">
-              <a:solidFill>
-                <a:schemeClr val="accent6">
-                  <a:lumMod val="75000"/>
-                </a:schemeClr>
-              </a:solidFill>
-            </a:endParaRPr>
-          </a:p>
-        </p:txBody>
-      </p:sp>
       <p:pic>
         <p:nvPicPr>
-          <p:cNvPr id="7" name="Imagem 6">
-            <a:extLst>
-              <a:ext uri="{FF2B5EF4-FFF2-40B4-BE49-F238E27FC236}">
-                <a16:creationId xmlns:a16="http://schemas.microsoft.com/office/drawing/2014/main" id="{CCBF6BB5-AA40-7674-7B6D-8D61166B55C2}"/>
+          <p:cNvPr id="4" name="Imagem 3">
+            <a:extLst>
+              <a:ext uri="{FF2B5EF4-FFF2-40B4-BE49-F238E27FC236}">
+                <a16:creationId xmlns:a16="http://schemas.microsoft.com/office/drawing/2014/main" id="{FD7DEE18-1516-7785-54AC-B409C45515DF}"/>
               </a:ext>
             </a:extLst>
           </p:cNvPr>
@@ -7170,8 +6862,8 @@
         </p:blipFill>
         <p:spPr>
           <a:xfrm>
-            <a:off x="1295400" y="2057400"/>
-            <a:ext cx="1095375" cy="4029075"/>
+            <a:off x="8153400" y="1821883"/>
+            <a:ext cx="2524477" cy="790685"/>
           </a:xfrm>
           <a:prstGeom prst="rect">
             <a:avLst/>
@@ -7180,279 +6872,595 @@
       </p:pic>
       <p:sp>
         <p:nvSpPr>
-          <p:cNvPr id="8" name="CaixaDeTexto 7">
-            <a:extLst>
-              <a:ext uri="{FF2B5EF4-FFF2-40B4-BE49-F238E27FC236}">
-                <a16:creationId xmlns:a16="http://schemas.microsoft.com/office/drawing/2014/main" id="{0A1760EA-8E72-9FC8-E7B8-C9AFA59D9C56}"/>
-              </a:ext>
-            </a:extLst>
-          </p:cNvPr>
-          <p:cNvSpPr txBox="1"/>
+          <p:cNvPr id="16" name="Título 5">
+            <a:extLst>
+              <a:ext uri="{FF2B5EF4-FFF2-40B4-BE49-F238E27FC236}">
+                <a16:creationId xmlns:a16="http://schemas.microsoft.com/office/drawing/2014/main" id="{CE6E49EE-D7CE-BFF0-8AAB-2C1374708467}"/>
+              </a:ext>
+            </a:extLst>
+          </p:cNvPr>
+          <p:cNvSpPr txBox="1">
+            <a:spLocks/>
+          </p:cNvSpPr>
           <p:nvPr/>
         </p:nvSpPr>
         <p:spPr>
           <a:xfrm>
-            <a:off x="2662557" y="2029599"/>
-            <a:ext cx="7792005" cy="646331"/>
+            <a:off x="657207" y="764652"/>
+            <a:ext cx="7706063" cy="490673"/>
+          </a:xfrm>
+          <a:prstGeom prst="rect">
+            <a:avLst/>
+          </a:prstGeom>
+        </p:spPr>
+        <p:txBody>
+          <a:bodyPr vert="horz" lIns="91440" tIns="45720" rIns="91440" bIns="45720" rtlCol="0" anchor="ctr">
+            <a:noAutofit/>
+          </a:bodyPr>
+          <a:lstStyle>
+            <a:lvl1pPr algn="ctr" defTabSz="457200" rtl="0" eaLnBrk="1" latinLnBrk="0" hangingPunct="1">
+              <a:spcBef>
+                <a:spcPct val="0"/>
+              </a:spcBef>
+              <a:buNone/>
+              <a:defRPr sz="4400" kern="1200">
+                <a:solidFill>
+                  <a:schemeClr val="tx1"/>
+                </a:solidFill>
+                <a:latin typeface="+mj-lt"/>
+                <a:ea typeface="+mj-ea"/>
+                <a:cs typeface="+mj-cs"/>
+              </a:defRPr>
+            </a:lvl1pPr>
+          </a:lstStyle>
+          <a:p>
+            <a:pPr algn="l"/>
+            <a:r>
+              <a:rPr lang="pt-BR" sz="2500" b="1" dirty="0">
+                <a:solidFill>
+                  <a:srgbClr val="1273C0"/>
+                </a:solidFill>
+              </a:rPr>
+              <a:t>SDP (</a:t>
+            </a:r>
+            <a:r>
+              <a:rPr lang="pt-BR" sz="2500" b="1" dirty="0" err="1">
+                <a:solidFill>
+                  <a:srgbClr val="1273C0"/>
+                </a:solidFill>
+              </a:rPr>
+              <a:t>Session</a:t>
+            </a:r>
+            <a:r>
+              <a:rPr lang="pt-BR" sz="2500" b="1" dirty="0">
+                <a:solidFill>
+                  <a:srgbClr val="1273C0"/>
+                </a:solidFill>
+              </a:rPr>
+              <a:t> </a:t>
+            </a:r>
+            <a:r>
+              <a:rPr lang="pt-BR" sz="2500" b="1" dirty="0" err="1">
+                <a:solidFill>
+                  <a:srgbClr val="1273C0"/>
+                </a:solidFill>
+              </a:rPr>
+              <a:t>Description</a:t>
+            </a:r>
+            <a:r>
+              <a:rPr lang="pt-BR" sz="2500" b="1" dirty="0">
+                <a:solidFill>
+                  <a:srgbClr val="1273C0"/>
+                </a:solidFill>
+              </a:rPr>
+              <a:t> </a:t>
+            </a:r>
+            <a:r>
+              <a:rPr lang="pt-BR" sz="2500" b="1" dirty="0" err="1">
+                <a:solidFill>
+                  <a:srgbClr val="1273C0"/>
+                </a:solidFill>
+              </a:rPr>
+              <a:t>Protocol</a:t>
+            </a:r>
+            <a:r>
+              <a:rPr lang="pt-BR" sz="2500" b="1" dirty="0">
+                <a:solidFill>
+                  <a:srgbClr val="1273C0"/>
+                </a:solidFill>
+              </a:rPr>
+              <a:t>)</a:t>
+            </a:r>
+          </a:p>
+        </p:txBody>
+      </p:sp>
+      <p:sp>
+        <p:nvSpPr>
+          <p:cNvPr id="9" name="Rectangle 4">
+            <a:extLst>
+              <a:ext uri="{FF2B5EF4-FFF2-40B4-BE49-F238E27FC236}">
+                <a16:creationId xmlns:a16="http://schemas.microsoft.com/office/drawing/2014/main" id="{814D58AA-2836-579A-E6E3-8DDB0AAE0548}"/>
+              </a:ext>
+            </a:extLst>
+          </p:cNvPr>
+          <p:cNvSpPr>
+            <a:spLocks noChangeArrowheads="1"/>
+          </p:cNvSpPr>
+          <p:nvPr/>
+        </p:nvSpPr>
+        <p:spPr bwMode="auto">
+          <a:xfrm>
+            <a:off x="630168" y="1255325"/>
+            <a:ext cx="6925188" cy="3477875"/>
           </a:xfrm>
           <a:prstGeom prst="rect">
             <a:avLst/>
           </a:prstGeom>
           <a:noFill/>
-        </p:spPr>
-        <p:txBody>
-          <a:bodyPr wrap="none" rtlCol="0">
+          <a:ln>
+            <a:noFill/>
+          </a:ln>
+          <a:effectLst/>
+          <a:extLst>
+            <a:ext uri="{909E8E84-426E-40DD-AFC4-6F175D3DCCD1}">
+              <a14:hiddenFill xmlns:a14="http://schemas.microsoft.com/office/drawing/2010/main">
+                <a:solidFill>
+                  <a:schemeClr val="accent1"/>
+                </a:solidFill>
+              </a14:hiddenFill>
+            </a:ext>
+            <a:ext uri="{91240B29-F687-4F45-9708-019B960494DF}">
+              <a14:hiddenLine xmlns:a14="http://schemas.microsoft.com/office/drawing/2010/main" w="9525">
+                <a:solidFill>
+                  <a:schemeClr val="tx1"/>
+                </a:solidFill>
+                <a:miter lim="800000"/>
+                <a:headEnd/>
+                <a:tailEnd/>
+              </a14:hiddenLine>
+            </a:ext>
+            <a:ext uri="{AF507438-7753-43E0-B8FC-AC1667EBCBE1}">
+              <a14:hiddenEffects xmlns:a14="http://schemas.microsoft.com/office/drawing/2010/main">
+                <a:effectLst>
+                  <a:outerShdw dist="35921" dir="2700000" algn="ctr" rotWithShape="0">
+                    <a:schemeClr val="bg2"/>
+                  </a:outerShdw>
+                </a:effectLst>
+              </a14:hiddenEffects>
+            </a:ext>
+          </a:extLst>
+        </p:spPr>
+        <p:txBody>
+          <a:bodyPr vert="horz" wrap="square" lIns="91440" tIns="45720" rIns="91440" bIns="45720" numCol="1" anchor="ctr" anchorCtr="0" compatLnSpc="1">
+            <a:prstTxWarp prst="textNoShape">
+              <a:avLst/>
+            </a:prstTxWarp>
             <a:spAutoFit/>
           </a:bodyPr>
           <a:lstStyle/>
           <a:p>
-            <a:r>
-              <a:rPr lang="pt-BR"/>
-              <a:t>Dispositivo físico dedicado à telefonia.</a:t>
-            </a:r>
-            <a:br>
-              <a:rPr lang="pt-BR"/>
-            </a:br>
-            <a:r>
-              <a:rPr lang="pt-BR"/>
-              <a:t>Implementa </a:t>
-            </a:r>
-            <a:r>
-              <a:rPr lang="pt-BR" b="1"/>
-              <a:t>SIP e RTP diretamente no hardware</a:t>
-            </a:r>
-            <a:r>
-              <a:rPr lang="pt-BR"/>
-              <a:t>, oferecendo maior estabilidade.</a:t>
-            </a:r>
-            <a:endParaRPr lang="pt-BR" dirty="0"/>
-          </a:p>
-        </p:txBody>
-      </p:sp>
-      <p:sp>
-        <p:nvSpPr>
-          <p:cNvPr id="9" name="CaixaDeTexto 8">
-            <a:extLst>
-              <a:ext uri="{FF2B5EF4-FFF2-40B4-BE49-F238E27FC236}">
-                <a16:creationId xmlns:a16="http://schemas.microsoft.com/office/drawing/2014/main" id="{81DAD072-F2E3-A459-BC6E-A31304B944FA}"/>
-              </a:ext>
-            </a:extLst>
-          </p:cNvPr>
-          <p:cNvSpPr txBox="1"/>
-          <p:nvPr/>
-        </p:nvSpPr>
-        <p:spPr>
-          <a:xfrm>
-            <a:off x="2668419" y="2241956"/>
-            <a:ext cx="184731" cy="369332"/>
-          </a:xfrm>
-          <a:prstGeom prst="rect">
-            <a:avLst/>
-          </a:prstGeom>
-          <a:noFill/>
-        </p:spPr>
-        <p:txBody>
-          <a:bodyPr wrap="none" rtlCol="0">
-            <a:spAutoFit/>
-          </a:bodyPr>
-          <a:lstStyle/>
-          <a:p>
-            <a:endParaRPr lang="pt-BR" dirty="0"/>
-          </a:p>
-        </p:txBody>
-      </p:sp>
-      <p:sp>
-        <p:nvSpPr>
-          <p:cNvPr id="12" name="CaixaDeTexto 11">
-            <a:extLst>
-              <a:ext uri="{FF2B5EF4-FFF2-40B4-BE49-F238E27FC236}">
-                <a16:creationId xmlns:a16="http://schemas.microsoft.com/office/drawing/2014/main" id="{0B6E1099-9171-D475-64D9-F672C2D87200}"/>
-              </a:ext>
-            </a:extLst>
-          </p:cNvPr>
-          <p:cNvSpPr txBox="1"/>
-          <p:nvPr/>
-        </p:nvSpPr>
-        <p:spPr>
-          <a:xfrm>
-            <a:off x="2651468" y="3006969"/>
-            <a:ext cx="7178332" cy="923330"/>
-          </a:xfrm>
-          <a:prstGeom prst="rect">
-            <a:avLst/>
-          </a:prstGeom>
-          <a:noFill/>
-        </p:spPr>
-        <p:txBody>
-          <a:bodyPr wrap="square">
-            <a:spAutoFit/>
-          </a:bodyPr>
-          <a:lstStyle/>
-          <a:p>
-            <a:r>
-              <a:rPr lang="pt-BR" dirty="0"/>
-              <a:t>Aplicação de computador ou aplicativo </a:t>
-            </a:r>
-            <a:r>
-              <a:rPr lang="pt-BR" dirty="0" err="1"/>
-              <a:t>celuar</a:t>
-            </a:r>
-            <a:r>
-              <a:rPr lang="pt-BR" dirty="0"/>
-              <a:t> que funciona como telefone.</a:t>
-            </a:r>
-            <a:br>
-              <a:rPr lang="pt-BR" dirty="0"/>
-            </a:br>
-            <a:r>
-              <a:rPr lang="pt-BR" dirty="0"/>
-              <a:t>Implementa </a:t>
-            </a:r>
-            <a:r>
-              <a:rPr lang="pt-BR" b="1" dirty="0"/>
-              <a:t>SIP e RTP em software</a:t>
-            </a:r>
-            <a:r>
-              <a:rPr lang="pt-BR" dirty="0"/>
-              <a:t>, utilizando recursos do sistema operacional.</a:t>
-            </a:r>
-          </a:p>
-        </p:txBody>
-      </p:sp>
-      <p:sp>
-        <p:nvSpPr>
-          <p:cNvPr id="14" name="CaixaDeTexto 13">
-            <a:extLst>
-              <a:ext uri="{FF2B5EF4-FFF2-40B4-BE49-F238E27FC236}">
-                <a16:creationId xmlns:a16="http://schemas.microsoft.com/office/drawing/2014/main" id="{D9D5DA72-601D-39E7-2EE5-76185D5BEED7}"/>
-              </a:ext>
-            </a:extLst>
-          </p:cNvPr>
-          <p:cNvSpPr txBox="1"/>
-          <p:nvPr/>
-        </p:nvSpPr>
-        <p:spPr>
-          <a:xfrm>
-            <a:off x="2680776" y="4122061"/>
-            <a:ext cx="6093068" cy="923330"/>
-          </a:xfrm>
-          <a:prstGeom prst="rect">
-            <a:avLst/>
-          </a:prstGeom>
-          <a:noFill/>
-        </p:spPr>
-        <p:txBody>
-          <a:bodyPr wrap="square">
-            <a:spAutoFit/>
-          </a:bodyPr>
-          <a:lstStyle/>
-          <a:p>
-            <a:r>
-              <a:rPr lang="pt-BR" dirty="0"/>
-              <a:t>Telefone executado no navegador web.</a:t>
-            </a:r>
-            <a:br>
-              <a:rPr lang="pt-BR" dirty="0"/>
-            </a:br>
-            <a:r>
-              <a:rPr lang="pt-BR" dirty="0"/>
-              <a:t>Utiliza </a:t>
-            </a:r>
-            <a:r>
-              <a:rPr lang="pt-BR" b="1" dirty="0" err="1"/>
-              <a:t>WebRTC</a:t>
-            </a:r>
-            <a:r>
-              <a:rPr lang="pt-BR" dirty="0"/>
-              <a:t> e precisa de </a:t>
-            </a:r>
-            <a:r>
-              <a:rPr lang="pt-BR" b="1" dirty="0"/>
-              <a:t>gateway</a:t>
-            </a:r>
-            <a:r>
-              <a:rPr lang="pt-BR" dirty="0"/>
-              <a:t> para se comunicar com sistemas SIP. Ou implementar SIP Over </a:t>
-            </a:r>
-            <a:r>
-              <a:rPr lang="pt-BR" dirty="0" err="1"/>
-              <a:t>WebSocket</a:t>
-            </a:r>
-            <a:endParaRPr lang="pt-BR" dirty="0"/>
-          </a:p>
-        </p:txBody>
-      </p:sp>
-      <p:sp>
-        <p:nvSpPr>
-          <p:cNvPr id="16" name="CaixaDeTexto 15">
-            <a:extLst>
-              <a:ext uri="{FF2B5EF4-FFF2-40B4-BE49-F238E27FC236}">
-                <a16:creationId xmlns:a16="http://schemas.microsoft.com/office/drawing/2014/main" id="{6A6A0938-4895-98E6-6ECA-7AE83822CD58}"/>
-              </a:ext>
-            </a:extLst>
-          </p:cNvPr>
-          <p:cNvSpPr txBox="1"/>
-          <p:nvPr/>
-        </p:nvSpPr>
-        <p:spPr>
-          <a:xfrm>
-            <a:off x="2651468" y="5237153"/>
-            <a:ext cx="6093068" cy="923330"/>
-          </a:xfrm>
-          <a:prstGeom prst="rect">
-            <a:avLst/>
-          </a:prstGeom>
-          <a:noFill/>
-        </p:spPr>
-        <p:txBody>
-          <a:bodyPr wrap="square">
-            <a:spAutoFit/>
-          </a:bodyPr>
-          <a:lstStyle/>
-          <a:p>
-            <a:r>
-              <a:rPr lang="pt-BR" dirty="0"/>
-              <a:t>Aplicativo móvel para chamadas de voz.</a:t>
-            </a:r>
-            <a:br>
-              <a:rPr lang="pt-BR" dirty="0"/>
-            </a:br>
-            <a:r>
-              <a:rPr lang="pt-BR" dirty="0"/>
-              <a:t>Usa </a:t>
-            </a:r>
-            <a:r>
-              <a:rPr lang="pt-BR" b="1" dirty="0" err="1"/>
-              <a:t>WebRTC</a:t>
-            </a:r>
-            <a:r>
-              <a:rPr lang="pt-BR" b="1" dirty="0"/>
-              <a:t> nativo</a:t>
-            </a:r>
-            <a:r>
-              <a:rPr lang="pt-BR" dirty="0"/>
-              <a:t>, permitindo mobilidade e integração via gateway SIP. Ou </a:t>
-            </a:r>
-            <a:r>
-              <a:rPr lang="pt-BR" dirty="0" err="1"/>
-              <a:t>Ou</a:t>
-            </a:r>
-            <a:r>
-              <a:rPr lang="pt-BR" dirty="0"/>
-              <a:t> implementar SIP Over </a:t>
-            </a:r>
-            <a:r>
-              <a:rPr lang="pt-BR" dirty="0" err="1"/>
-              <a:t>WebSocket</a:t>
-            </a:r>
-            <a:endParaRPr lang="pt-BR" dirty="0"/>
+            <a:pPr marL="0" marR="0" lvl="0" indent="0" algn="l" defTabSz="914400" rtl="0" eaLnBrk="0" fontAlgn="base" latinLnBrk="0" hangingPunct="0">
+              <a:lnSpc>
+                <a:spcPct val="100000"/>
+              </a:lnSpc>
+              <a:spcBef>
+                <a:spcPct val="0"/>
+              </a:spcBef>
+              <a:spcAft>
+                <a:spcPct val="0"/>
+              </a:spcAft>
+              <a:buClrTx/>
+              <a:buSzTx/>
+              <a:buFontTx/>
+              <a:buChar char="•"/>
+              <a:tabLst/>
+            </a:pPr>
+            <a:r>
+              <a:rPr kumimoji="0" lang="pt-BR" altLang="pt-BR" sz="2000" b="1" i="0" u="none" strike="noStrike" cap="none" normalizeH="0" baseline="0" dirty="0">
+                <a:ln>
+                  <a:noFill/>
+                </a:ln>
+                <a:solidFill>
+                  <a:schemeClr val="tx1"/>
+                </a:solidFill>
+                <a:effectLst/>
+                <a:latin typeface="Arial" panose="020B0604020202020204" pitchFamily="34" charset="0"/>
+              </a:rPr>
+              <a:t>Função:</a:t>
+            </a:r>
+            <a:r>
+              <a:rPr kumimoji="0" lang="pt-BR" altLang="pt-BR" sz="2000" b="0" i="0" u="none" strike="noStrike" cap="none" normalizeH="0" baseline="0" dirty="0">
+                <a:ln>
+                  <a:noFill/>
+                </a:ln>
+                <a:solidFill>
+                  <a:schemeClr val="tx1"/>
+                </a:solidFill>
+                <a:effectLst/>
+                <a:latin typeface="Arial" panose="020B0604020202020204" pitchFamily="34" charset="0"/>
+              </a:rPr>
+              <a:t> descrição da sessão de mídia</a:t>
+            </a:r>
+          </a:p>
+          <a:p>
+            <a:pPr marL="0" marR="0" lvl="0" indent="0" algn="l" defTabSz="914400" rtl="0" eaLnBrk="0" fontAlgn="base" latinLnBrk="0" hangingPunct="0">
+              <a:lnSpc>
+                <a:spcPct val="100000"/>
+              </a:lnSpc>
+              <a:spcBef>
+                <a:spcPct val="0"/>
+              </a:spcBef>
+              <a:spcAft>
+                <a:spcPct val="0"/>
+              </a:spcAft>
+              <a:buClrTx/>
+              <a:buSzTx/>
+              <a:buFontTx/>
+              <a:buChar char="•"/>
+              <a:tabLst/>
+            </a:pPr>
+            <a:r>
+              <a:rPr kumimoji="0" lang="pt-BR" altLang="pt-BR" sz="2000" b="1" i="0" u="none" strike="noStrike" cap="none" normalizeH="0" baseline="0" dirty="0">
+                <a:ln>
+                  <a:noFill/>
+                </a:ln>
+                <a:solidFill>
+                  <a:schemeClr val="tx1"/>
+                </a:solidFill>
+                <a:effectLst/>
+                <a:latin typeface="Arial" panose="020B0604020202020204" pitchFamily="34" charset="0"/>
+              </a:rPr>
+              <a:t>Usado em:</a:t>
+            </a:r>
+            <a:r>
+              <a:rPr kumimoji="0" lang="pt-BR" altLang="pt-BR" sz="2000" b="0" i="0" u="none" strike="noStrike" cap="none" normalizeH="0" baseline="0" dirty="0">
+                <a:ln>
+                  <a:noFill/>
+                </a:ln>
+                <a:solidFill>
+                  <a:schemeClr val="tx1"/>
+                </a:solidFill>
+                <a:effectLst/>
+                <a:latin typeface="Arial" panose="020B0604020202020204" pitchFamily="34" charset="0"/>
+              </a:rPr>
+              <a:t> SIP (INVITE / 200 OK)</a:t>
+            </a:r>
+          </a:p>
+          <a:p>
+            <a:pPr marL="0" marR="0" lvl="0" indent="0" algn="l" defTabSz="914400" rtl="0" eaLnBrk="0" fontAlgn="base" latinLnBrk="0" hangingPunct="0">
+              <a:lnSpc>
+                <a:spcPct val="100000"/>
+              </a:lnSpc>
+              <a:spcBef>
+                <a:spcPct val="0"/>
+              </a:spcBef>
+              <a:spcAft>
+                <a:spcPct val="0"/>
+              </a:spcAft>
+              <a:buClrTx/>
+              <a:buSzTx/>
+              <a:buFontTx/>
+              <a:buChar char="•"/>
+              <a:tabLst/>
+            </a:pPr>
+            <a:r>
+              <a:rPr kumimoji="0" lang="pt-BR" altLang="pt-BR" sz="2000" b="1" i="0" u="none" strike="noStrike" cap="none" normalizeH="0" baseline="0" dirty="0">
+                <a:ln>
+                  <a:noFill/>
+                </a:ln>
+                <a:solidFill>
+                  <a:schemeClr val="tx1"/>
+                </a:solidFill>
+                <a:effectLst/>
+                <a:latin typeface="Arial" panose="020B0604020202020204" pitchFamily="34" charset="0"/>
+              </a:rPr>
+              <a:t>Define:</a:t>
+            </a:r>
+            <a:endParaRPr kumimoji="0" lang="pt-BR" altLang="pt-BR" sz="2000" b="0" i="0" u="none" strike="noStrike" cap="none" normalizeH="0" baseline="0" dirty="0">
+              <a:ln>
+                <a:noFill/>
+              </a:ln>
+              <a:solidFill>
+                <a:schemeClr val="tx1"/>
+              </a:solidFill>
+              <a:effectLst/>
+              <a:latin typeface="Arial" panose="020B0604020202020204" pitchFamily="34" charset="0"/>
+            </a:endParaRPr>
+          </a:p>
+          <a:p>
+            <a:pPr lvl="1" defTabSz="914400" eaLnBrk="0" fontAlgn="base" hangingPunct="0">
+              <a:spcBef>
+                <a:spcPct val="0"/>
+              </a:spcBef>
+              <a:spcAft>
+                <a:spcPct val="0"/>
+              </a:spcAft>
+              <a:buFontTx/>
+              <a:buChar char="•"/>
+            </a:pPr>
+            <a:r>
+              <a:rPr kumimoji="0" lang="pt-BR" altLang="pt-BR" sz="2000" b="0" i="0" u="none" strike="noStrike" cap="none" normalizeH="0" baseline="0" dirty="0">
+                <a:ln>
+                  <a:noFill/>
+                </a:ln>
+                <a:solidFill>
+                  <a:schemeClr val="tx1"/>
+                </a:solidFill>
+                <a:effectLst/>
+                <a:latin typeface="Arial" panose="020B0604020202020204" pitchFamily="34" charset="0"/>
+              </a:rPr>
+              <a:t>IP e porta</a:t>
+            </a:r>
+          </a:p>
+          <a:p>
+            <a:pPr lvl="1" defTabSz="914400" eaLnBrk="0" fontAlgn="base" hangingPunct="0">
+              <a:spcBef>
+                <a:spcPct val="0"/>
+              </a:spcBef>
+              <a:spcAft>
+                <a:spcPct val="0"/>
+              </a:spcAft>
+              <a:buFontTx/>
+              <a:buChar char="•"/>
+            </a:pPr>
+            <a:r>
+              <a:rPr kumimoji="0" lang="pt-BR" altLang="pt-BR" sz="2000" b="0" i="0" u="none" strike="noStrike" cap="none" normalizeH="0" baseline="0" dirty="0">
+                <a:ln>
+                  <a:noFill/>
+                </a:ln>
+                <a:solidFill>
+                  <a:schemeClr val="tx1"/>
+                </a:solidFill>
+                <a:effectLst/>
+                <a:latin typeface="Arial" panose="020B0604020202020204" pitchFamily="34" charset="0"/>
+              </a:rPr>
+              <a:t>Tipo de mídia (áudio/</a:t>
+            </a:r>
+          </a:p>
+          <a:p>
+            <a:pPr lvl="1" defTabSz="914400" eaLnBrk="0" fontAlgn="base" hangingPunct="0">
+              <a:spcBef>
+                <a:spcPct val="0"/>
+              </a:spcBef>
+              <a:spcAft>
+                <a:spcPct val="0"/>
+              </a:spcAft>
+              <a:buFontTx/>
+              <a:buChar char="•"/>
+            </a:pPr>
+            <a:r>
+              <a:rPr kumimoji="0" lang="pt-BR" altLang="pt-BR" sz="2000" b="0" i="0" u="none" strike="noStrike" cap="none" normalizeH="0" baseline="0" dirty="0">
+                <a:ln>
+                  <a:noFill/>
+                </a:ln>
+                <a:solidFill>
+                  <a:schemeClr val="tx1"/>
+                </a:solidFill>
+                <a:effectLst/>
+                <a:latin typeface="Arial" panose="020B0604020202020204" pitchFamily="34" charset="0"/>
+              </a:rPr>
+              <a:t>Codec e parâmetros</a:t>
+            </a:r>
+          </a:p>
+          <a:p>
+            <a:pPr marL="0" marR="0" lvl="0" indent="0" algn="l" defTabSz="914400" rtl="0" eaLnBrk="0" fontAlgn="base" latinLnBrk="0" hangingPunct="0">
+              <a:lnSpc>
+                <a:spcPct val="100000"/>
+              </a:lnSpc>
+              <a:spcBef>
+                <a:spcPct val="0"/>
+              </a:spcBef>
+              <a:spcAft>
+                <a:spcPct val="0"/>
+              </a:spcAft>
+              <a:buClrTx/>
+              <a:buSzTx/>
+              <a:buFontTx/>
+              <a:buChar char="•"/>
+              <a:tabLst/>
+            </a:pPr>
+            <a:r>
+              <a:rPr kumimoji="0" lang="pt-BR" altLang="pt-BR" sz="2000" b="1" i="0" u="none" strike="noStrike" cap="none" normalizeH="0" baseline="0" dirty="0">
+                <a:ln>
+                  <a:noFill/>
+                </a:ln>
+                <a:solidFill>
+                  <a:schemeClr val="tx1"/>
+                </a:solidFill>
+                <a:effectLst/>
+                <a:latin typeface="Arial" panose="020B0604020202020204" pitchFamily="34" charset="0"/>
+              </a:rPr>
+              <a:t>Campos principais:</a:t>
+            </a:r>
+            <a:endParaRPr kumimoji="0" lang="pt-BR" altLang="pt-BR" sz="2000" b="0" i="0" u="none" strike="noStrike" cap="none" normalizeH="0" baseline="0" dirty="0">
+              <a:ln>
+                <a:noFill/>
+              </a:ln>
+              <a:solidFill>
+                <a:schemeClr val="tx1"/>
+              </a:solidFill>
+              <a:effectLst/>
+              <a:latin typeface="Arial" panose="020B0604020202020204" pitchFamily="34" charset="0"/>
+            </a:endParaRPr>
+          </a:p>
+          <a:p>
+            <a:pPr lvl="1" defTabSz="914400" eaLnBrk="0" fontAlgn="base" hangingPunct="0">
+              <a:spcBef>
+                <a:spcPct val="0"/>
+              </a:spcBef>
+              <a:spcAft>
+                <a:spcPct val="0"/>
+              </a:spcAft>
+              <a:buFontTx/>
+              <a:buChar char="•"/>
+            </a:pPr>
+            <a:r>
+              <a:rPr kumimoji="0" lang="pt-BR" altLang="pt-BR" sz="2000" b="0" i="0" u="none" strike="noStrike" cap="none" normalizeH="0" baseline="0" dirty="0">
+                <a:ln>
+                  <a:noFill/>
+                </a:ln>
+                <a:solidFill>
+                  <a:schemeClr val="tx1"/>
+                </a:solidFill>
+                <a:effectLst/>
+                <a:latin typeface="Arial Unicode MS"/>
+              </a:rPr>
+              <a:t>c=</a:t>
+            </a:r>
+            <a:r>
+              <a:rPr kumimoji="0" lang="pt-BR" altLang="pt-BR" sz="2000" b="0" i="0" u="none" strike="noStrike" cap="none" normalizeH="0" baseline="0" dirty="0">
+                <a:ln>
+                  <a:noFill/>
+                </a:ln>
+                <a:solidFill>
+                  <a:schemeClr val="tx1"/>
+                </a:solidFill>
+                <a:effectLst/>
+              </a:rPr>
+              <a:t> conexão</a:t>
+            </a:r>
+            <a:endParaRPr kumimoji="0" lang="pt-BR" altLang="pt-BR" sz="2000" b="0" i="0" u="none" strike="noStrike" cap="none" normalizeH="0" baseline="0" dirty="0">
+              <a:ln>
+                <a:noFill/>
+              </a:ln>
+              <a:solidFill>
+                <a:schemeClr val="tx1"/>
+              </a:solidFill>
+              <a:effectLst/>
+              <a:latin typeface="Arial" panose="020B0604020202020204" pitchFamily="34" charset="0"/>
+            </a:endParaRPr>
+          </a:p>
+          <a:p>
+            <a:pPr lvl="1" defTabSz="914400" eaLnBrk="0" fontAlgn="base" hangingPunct="0">
+              <a:spcBef>
+                <a:spcPct val="0"/>
+              </a:spcBef>
+              <a:spcAft>
+                <a:spcPct val="0"/>
+              </a:spcAft>
+              <a:buFontTx/>
+              <a:buChar char="•"/>
+            </a:pPr>
+            <a:r>
+              <a:rPr kumimoji="0" lang="pt-BR" altLang="pt-BR" sz="2000" b="0" i="0" u="none" strike="noStrike" cap="none" normalizeH="0" baseline="0" dirty="0">
+                <a:ln>
+                  <a:noFill/>
+                </a:ln>
+                <a:solidFill>
+                  <a:schemeClr val="tx1"/>
+                </a:solidFill>
+                <a:effectLst/>
+                <a:latin typeface="Arial Unicode MS"/>
+              </a:rPr>
+              <a:t>m=</a:t>
+            </a:r>
+            <a:r>
+              <a:rPr kumimoji="0" lang="pt-BR" altLang="pt-BR" sz="2000" b="0" i="0" u="none" strike="noStrike" cap="none" normalizeH="0" baseline="0" dirty="0">
+                <a:ln>
+                  <a:noFill/>
+                </a:ln>
+                <a:solidFill>
+                  <a:schemeClr val="tx1"/>
+                </a:solidFill>
+                <a:effectLst/>
+              </a:rPr>
+              <a:t> mídia</a:t>
+            </a:r>
+            <a:endParaRPr kumimoji="0" lang="pt-BR" altLang="pt-BR" sz="2000" b="0" i="0" u="none" strike="noStrike" cap="none" normalizeH="0" baseline="0" dirty="0">
+              <a:ln>
+                <a:noFill/>
+              </a:ln>
+              <a:solidFill>
+                <a:schemeClr val="tx1"/>
+              </a:solidFill>
+              <a:effectLst/>
+              <a:latin typeface="Arial" panose="020B0604020202020204" pitchFamily="34" charset="0"/>
+            </a:endParaRPr>
+          </a:p>
+          <a:p>
+            <a:pPr lvl="1" defTabSz="914400" eaLnBrk="0" fontAlgn="base" hangingPunct="0">
+              <a:spcBef>
+                <a:spcPct val="0"/>
+              </a:spcBef>
+              <a:spcAft>
+                <a:spcPct val="0"/>
+              </a:spcAft>
+              <a:buFontTx/>
+              <a:buChar char="•"/>
+            </a:pPr>
+            <a:r>
+              <a:rPr kumimoji="0" lang="pt-BR" altLang="pt-BR" sz="2000" b="0" i="0" u="none" strike="noStrike" cap="none" normalizeH="0" baseline="0" dirty="0">
+                <a:ln>
+                  <a:noFill/>
+                </a:ln>
+                <a:solidFill>
+                  <a:schemeClr val="tx1"/>
+                </a:solidFill>
+                <a:effectLst/>
+                <a:latin typeface="Arial Unicode MS"/>
+              </a:rPr>
+              <a:t>a=</a:t>
+            </a:r>
+            <a:r>
+              <a:rPr kumimoji="0" lang="pt-BR" altLang="pt-BR" sz="2000" b="0" i="0" u="none" strike="noStrike" cap="none" normalizeH="0" baseline="0" dirty="0">
+                <a:ln>
+                  <a:noFill/>
+                </a:ln>
+                <a:solidFill>
+                  <a:schemeClr val="tx1"/>
+                </a:solidFill>
+                <a:effectLst/>
+              </a:rPr>
+              <a:t> atributos</a:t>
+            </a:r>
+            <a:endParaRPr kumimoji="0" lang="pt-BR" altLang="pt-BR" sz="2000" b="0" i="0" u="none" strike="noStrike" cap="none" normalizeH="0" baseline="0" dirty="0">
+              <a:ln>
+                <a:noFill/>
+              </a:ln>
+              <a:solidFill>
+                <a:schemeClr val="tx1"/>
+              </a:solidFill>
+              <a:effectLst/>
+              <a:latin typeface="Arial" panose="020B0604020202020204" pitchFamily="34" charset="0"/>
+            </a:endParaRPr>
+          </a:p>
+          <a:p>
+            <a:pPr marL="0" marR="0" lvl="0" indent="0" algn="l" defTabSz="914400" rtl="0" eaLnBrk="0" fontAlgn="base" latinLnBrk="0" hangingPunct="0">
+              <a:lnSpc>
+                <a:spcPct val="100000"/>
+              </a:lnSpc>
+              <a:spcBef>
+                <a:spcPct val="0"/>
+              </a:spcBef>
+              <a:spcAft>
+                <a:spcPct val="0"/>
+              </a:spcAft>
+              <a:buClrTx/>
+              <a:buSzTx/>
+              <a:buFontTx/>
+              <a:buNone/>
+              <a:tabLst/>
+            </a:pPr>
+            <a:r>
+              <a:rPr kumimoji="0" lang="pt-BR" altLang="pt-BR" sz="2000" b="0" i="0" u="none" strike="noStrike" cap="none" normalizeH="0" baseline="0" dirty="0">
+                <a:ln>
+                  <a:noFill/>
+                </a:ln>
+                <a:solidFill>
+                  <a:schemeClr val="tx1"/>
+                </a:solidFill>
+                <a:effectLst/>
+                <a:latin typeface="Arial" panose="020B0604020202020204" pitchFamily="34" charset="0"/>
+              </a:rPr>
+              <a:t>	</a:t>
+            </a:r>
           </a:p>
         </p:txBody>
       </p:sp>
     </p:spTree>
     <p:extLst>
       <p:ext uri="{BB962C8B-B14F-4D97-AF65-F5344CB8AC3E}">
-        <p14:creationId xmlns:p14="http://schemas.microsoft.com/office/powerpoint/2010/main" val="3716195363"/>
+        <p14:creationId xmlns:p14="http://schemas.microsoft.com/office/powerpoint/2010/main" val="2176292318"/>
       </p:ext>
     </p:extLst>
   </p:cSld>
@@ -7525,14 +7533,683 @@
           <a:p>
             <a:pPr algn="l"/>
             <a:r>
-              <a:rPr lang="pt-BR" sz="2500" b="1" dirty="0"/>
-              <a:t>Gateway</a:t>
-            </a:r>
-            <a:endParaRPr lang="pt-BR" sz="2500" b="1" dirty="0">
+              <a:rPr lang="pt-BR" sz="3600" b="1" dirty="0">
+                <a:solidFill>
+                  <a:srgbClr val="1377C7"/>
+                </a:solidFill>
+              </a:rPr>
+              <a:t>SIP</a:t>
+            </a:r>
+          </a:p>
+        </p:txBody>
+      </p:sp>
+      <p:sp>
+        <p:nvSpPr>
+          <p:cNvPr id="4" name="CaixaDeTexto 3">
+            <a:extLst>
+              <a:ext uri="{FF2B5EF4-FFF2-40B4-BE49-F238E27FC236}">
+                <a16:creationId xmlns:a16="http://schemas.microsoft.com/office/drawing/2014/main" id="{DB08D806-DAF6-F650-7AE0-058B6EBF328C}"/>
+              </a:ext>
+            </a:extLst>
+          </p:cNvPr>
+          <p:cNvSpPr txBox="1"/>
+          <p:nvPr/>
+        </p:nvSpPr>
+        <p:spPr>
+          <a:xfrm>
+            <a:off x="457200" y="1413064"/>
+            <a:ext cx="6096000" cy="2015936"/>
+          </a:xfrm>
+          <a:prstGeom prst="rect">
+            <a:avLst/>
+          </a:prstGeom>
+          <a:noFill/>
+          <a:ln>
+            <a:noFill/>
+          </a:ln>
+        </p:spPr>
+        <p:txBody>
+          <a:bodyPr wrap="square">
+            <a:spAutoFit/>
+          </a:bodyPr>
+          <a:lstStyle/>
+          <a:p>
+            <a:pPr marL="0" marR="0" lvl="0" indent="0" algn="l" defTabSz="914400" rtl="0" eaLnBrk="0" fontAlgn="base" latinLnBrk="0" hangingPunct="0">
+              <a:lnSpc>
+                <a:spcPct val="100000"/>
+              </a:lnSpc>
+              <a:spcBef>
+                <a:spcPct val="0"/>
+              </a:spcBef>
+              <a:spcAft>
+                <a:spcPct val="0"/>
+              </a:spcAft>
+              <a:buClrTx/>
+              <a:buSzTx/>
+              <a:buFontTx/>
+              <a:buChar char="•"/>
+              <a:tabLst/>
+            </a:pPr>
+            <a:r>
+              <a:rPr kumimoji="0" lang="pt-BR" altLang="pt-BR" sz="2500" b="1" i="0" u="none" strike="noStrike" cap="none" normalizeH="0" baseline="0" dirty="0">
+                <a:ln>
+                  <a:noFill/>
+                </a:ln>
+                <a:solidFill>
+                  <a:schemeClr val="tx1"/>
+                </a:solidFill>
+                <a:effectLst/>
+                <a:latin typeface="Arial" panose="020B0604020202020204" pitchFamily="34" charset="0"/>
+              </a:rPr>
+              <a:t>Função:</a:t>
+            </a:r>
+            <a:r>
+              <a:rPr kumimoji="0" lang="pt-BR" altLang="pt-BR" sz="2500" b="0" i="0" u="none" strike="noStrike" cap="none" normalizeH="0" baseline="0" dirty="0">
+                <a:ln>
+                  <a:noFill/>
+                </a:ln>
+                <a:solidFill>
+                  <a:schemeClr val="tx1"/>
+                </a:solidFill>
+                <a:effectLst/>
+                <a:latin typeface="Arial" panose="020B0604020202020204" pitchFamily="34" charset="0"/>
+              </a:rPr>
+              <a:t> controle da chamada</a:t>
+            </a:r>
+          </a:p>
+          <a:p>
+            <a:pPr marL="0" marR="0" lvl="0" indent="0" algn="l" defTabSz="914400" rtl="0" eaLnBrk="0" fontAlgn="base" latinLnBrk="0" hangingPunct="0">
+              <a:lnSpc>
+                <a:spcPct val="100000"/>
+              </a:lnSpc>
+              <a:spcBef>
+                <a:spcPct val="0"/>
+              </a:spcBef>
+              <a:spcAft>
+                <a:spcPct val="0"/>
+              </a:spcAft>
+              <a:buClrTx/>
+              <a:buSzTx/>
+              <a:buFontTx/>
+              <a:buChar char="•"/>
+              <a:tabLst/>
+            </a:pPr>
+            <a:r>
+              <a:rPr kumimoji="0" lang="pt-BR" altLang="pt-BR" sz="2500" b="1" i="0" u="none" strike="noStrike" cap="none" normalizeH="0" baseline="0" dirty="0">
+                <a:ln>
+                  <a:noFill/>
+                </a:ln>
+                <a:solidFill>
+                  <a:schemeClr val="tx1"/>
+                </a:solidFill>
+                <a:effectLst/>
+                <a:latin typeface="Arial" panose="020B0604020202020204" pitchFamily="34" charset="0"/>
+              </a:rPr>
+              <a:t>Métodos:</a:t>
+            </a:r>
+            <a:r>
+              <a:rPr kumimoji="0" lang="pt-BR" altLang="pt-BR" sz="2500" b="0" i="0" u="none" strike="noStrike" cap="none" normalizeH="0" baseline="0" dirty="0">
+                <a:ln>
+                  <a:noFill/>
+                </a:ln>
+                <a:solidFill>
+                  <a:schemeClr val="tx1"/>
+                </a:solidFill>
+                <a:effectLst/>
+                <a:latin typeface="Arial" panose="020B0604020202020204" pitchFamily="34" charset="0"/>
+              </a:rPr>
+              <a:t> </a:t>
+            </a:r>
+            <a:r>
+              <a:rPr kumimoji="0" lang="pt-BR" altLang="pt-BR" sz="2500" b="0" i="0" u="none" strike="noStrike" cap="none" normalizeH="0" baseline="0" dirty="0">
+                <a:ln>
+                  <a:noFill/>
+                </a:ln>
+                <a:solidFill>
+                  <a:schemeClr val="tx1"/>
+                </a:solidFill>
+                <a:effectLst/>
+                <a:latin typeface="Arial Unicode MS"/>
+              </a:rPr>
+              <a:t>INVITE</a:t>
+            </a:r>
+            <a:r>
+              <a:rPr kumimoji="0" lang="pt-BR" altLang="pt-BR" sz="2500" b="0" i="0" u="none" strike="noStrike" cap="none" normalizeH="0" baseline="0" dirty="0">
+                <a:ln>
+                  <a:noFill/>
+                </a:ln>
+                <a:solidFill>
+                  <a:schemeClr val="tx1"/>
+                </a:solidFill>
+                <a:effectLst/>
+              </a:rPr>
+              <a:t> · </a:t>
+            </a:r>
+            <a:r>
+              <a:rPr kumimoji="0" lang="pt-BR" altLang="pt-BR" sz="2500" b="0" i="0" u="none" strike="noStrike" cap="none" normalizeH="0" baseline="0" dirty="0">
+                <a:ln>
+                  <a:noFill/>
+                </a:ln>
+                <a:solidFill>
+                  <a:schemeClr val="tx1"/>
+                </a:solidFill>
+                <a:effectLst/>
+                <a:latin typeface="Arial Unicode MS"/>
+              </a:rPr>
+              <a:t>ACK</a:t>
+            </a:r>
+            <a:r>
+              <a:rPr kumimoji="0" lang="pt-BR" altLang="pt-BR" sz="2500" b="0" i="0" u="none" strike="noStrike" cap="none" normalizeH="0" baseline="0" dirty="0">
+                <a:ln>
+                  <a:noFill/>
+                </a:ln>
+                <a:solidFill>
+                  <a:schemeClr val="tx1"/>
+                </a:solidFill>
+                <a:effectLst/>
+              </a:rPr>
+              <a:t> · </a:t>
+            </a:r>
+            <a:r>
+              <a:rPr kumimoji="0" lang="pt-BR" altLang="pt-BR" sz="2500" b="0" i="0" u="none" strike="noStrike" cap="none" normalizeH="0" baseline="0" dirty="0">
+                <a:ln>
+                  <a:noFill/>
+                </a:ln>
+                <a:solidFill>
+                  <a:schemeClr val="tx1"/>
+                </a:solidFill>
+                <a:effectLst/>
+                <a:latin typeface="Arial Unicode MS"/>
+              </a:rPr>
+              <a:t>BYE</a:t>
+            </a:r>
+            <a:endParaRPr kumimoji="0" lang="pt-BR" altLang="pt-BR" sz="2500" b="0" i="0" u="none" strike="noStrike" cap="none" normalizeH="0" baseline="0" dirty="0">
+              <a:ln>
+                <a:noFill/>
+              </a:ln>
               <a:solidFill>
-                <a:srgbClr val="1377C7"/>
+                <a:schemeClr val="tx1"/>
+              </a:solidFill>
+              <a:effectLst/>
+            </a:endParaRPr>
+          </a:p>
+          <a:p>
+            <a:pPr marL="0" marR="0" lvl="0" indent="0" algn="l" defTabSz="914400" rtl="0" eaLnBrk="0" fontAlgn="base" latinLnBrk="0" hangingPunct="0">
+              <a:lnSpc>
+                <a:spcPct val="100000"/>
+              </a:lnSpc>
+              <a:spcBef>
+                <a:spcPct val="0"/>
+              </a:spcBef>
+              <a:spcAft>
+                <a:spcPct val="0"/>
+              </a:spcAft>
+              <a:buClrTx/>
+              <a:buSzTx/>
+              <a:buFontTx/>
+              <a:buChar char="•"/>
+              <a:tabLst/>
+            </a:pPr>
+            <a:r>
+              <a:rPr kumimoji="0" lang="pt-BR" altLang="pt-BR" sz="2500" b="1" i="0" u="none" strike="noStrike" cap="none" normalizeH="0" baseline="0" dirty="0">
+                <a:ln>
+                  <a:noFill/>
+                </a:ln>
+                <a:solidFill>
+                  <a:schemeClr val="tx1"/>
+                </a:solidFill>
+                <a:effectLst/>
+                <a:latin typeface="Arial" panose="020B0604020202020204" pitchFamily="34" charset="0"/>
+              </a:rPr>
+              <a:t>Portas:</a:t>
+            </a:r>
+            <a:r>
+              <a:rPr kumimoji="0" lang="pt-BR" altLang="pt-BR" sz="2500" b="0" i="0" u="none" strike="noStrike" cap="none" normalizeH="0" baseline="0" dirty="0">
+                <a:ln>
+                  <a:noFill/>
+                </a:ln>
+                <a:solidFill>
+                  <a:schemeClr val="tx1"/>
+                </a:solidFill>
+                <a:effectLst/>
+                <a:latin typeface="Arial" panose="020B0604020202020204" pitchFamily="34" charset="0"/>
+              </a:rPr>
+              <a:t> 5060 / 5061</a:t>
+            </a:r>
+          </a:p>
+          <a:p>
+            <a:pPr marL="0" marR="0" lvl="0" indent="0" algn="l" defTabSz="914400" rtl="0" eaLnBrk="0" fontAlgn="base" latinLnBrk="0" hangingPunct="0">
+              <a:lnSpc>
+                <a:spcPct val="100000"/>
+              </a:lnSpc>
+              <a:spcBef>
+                <a:spcPct val="0"/>
+              </a:spcBef>
+              <a:spcAft>
+                <a:spcPct val="0"/>
+              </a:spcAft>
+              <a:buClrTx/>
+              <a:buSzTx/>
+              <a:buFontTx/>
+              <a:buChar char="•"/>
+              <a:tabLst/>
+            </a:pPr>
+            <a:r>
+              <a:rPr kumimoji="0" lang="pt-BR" altLang="pt-BR" sz="2500" b="1" i="0" u="none" strike="noStrike" cap="none" normalizeH="0" baseline="0" dirty="0">
+                <a:ln>
+                  <a:noFill/>
+                </a:ln>
+                <a:solidFill>
+                  <a:schemeClr val="tx1"/>
+                </a:solidFill>
+                <a:effectLst/>
+                <a:latin typeface="Arial" panose="020B0604020202020204" pitchFamily="34" charset="0"/>
+              </a:rPr>
+              <a:t>Transporte:</a:t>
+            </a:r>
+            <a:r>
+              <a:rPr kumimoji="0" lang="pt-BR" altLang="pt-BR" sz="2500" b="0" i="0" u="none" strike="noStrike" cap="none" normalizeH="0" baseline="0" dirty="0">
+                <a:ln>
+                  <a:noFill/>
+                </a:ln>
+                <a:solidFill>
+                  <a:schemeClr val="tx1"/>
+                </a:solidFill>
+                <a:effectLst/>
+                <a:latin typeface="Arial" panose="020B0604020202020204" pitchFamily="34" charset="0"/>
+              </a:rPr>
+              <a:t> UDP · TCP · TLS</a:t>
+            </a:r>
+          </a:p>
+          <a:p>
+            <a:pPr marL="0" marR="0" lvl="0" indent="0" algn="l" defTabSz="914400" rtl="0" eaLnBrk="0" fontAlgn="base" latinLnBrk="0" hangingPunct="0">
+              <a:lnSpc>
+                <a:spcPct val="100000"/>
+              </a:lnSpc>
+              <a:spcBef>
+                <a:spcPct val="0"/>
+              </a:spcBef>
+              <a:spcAft>
+                <a:spcPct val="0"/>
+              </a:spcAft>
+              <a:buClrTx/>
+              <a:buSzTx/>
+              <a:buFontTx/>
+              <a:buChar char="•"/>
+              <a:tabLst/>
+            </a:pPr>
+            <a:r>
+              <a:rPr kumimoji="0" lang="pt-BR" altLang="pt-BR" sz="2500" b="1" i="0" u="none" strike="noStrike" cap="none" normalizeH="0" baseline="0" dirty="0" err="1">
+                <a:ln>
+                  <a:noFill/>
+                </a:ln>
+                <a:solidFill>
+                  <a:schemeClr val="tx1"/>
+                </a:solidFill>
+                <a:effectLst/>
+                <a:latin typeface="Arial" panose="020B0604020202020204" pitchFamily="34" charset="0"/>
+              </a:rPr>
+              <a:t>WebRTC</a:t>
+            </a:r>
+            <a:r>
+              <a:rPr kumimoji="0" lang="pt-BR" altLang="pt-BR" sz="2500" b="1" i="0" u="none" strike="noStrike" cap="none" normalizeH="0" baseline="0" dirty="0">
+                <a:ln>
+                  <a:noFill/>
+                </a:ln>
+                <a:solidFill>
+                  <a:schemeClr val="tx1"/>
+                </a:solidFill>
+                <a:effectLst/>
+                <a:latin typeface="Arial" panose="020B0604020202020204" pitchFamily="34" charset="0"/>
+              </a:rPr>
+              <a:t>:</a:t>
+            </a:r>
+            <a:r>
+              <a:rPr kumimoji="0" lang="pt-BR" altLang="pt-BR" sz="2500" b="0" i="0" u="none" strike="noStrike" cap="none" normalizeH="0" baseline="0" dirty="0">
+                <a:ln>
+                  <a:noFill/>
+                </a:ln>
+                <a:solidFill>
+                  <a:schemeClr val="tx1"/>
+                </a:solidFill>
+                <a:effectLst/>
+                <a:latin typeface="Arial" panose="020B0604020202020204" pitchFamily="34" charset="0"/>
+              </a:rPr>
+              <a:t> SIP over </a:t>
+            </a:r>
+            <a:r>
+              <a:rPr kumimoji="0" lang="pt-BR" altLang="pt-BR" sz="2500" b="0" i="0" u="none" strike="noStrike" cap="none" normalizeH="0" baseline="0" dirty="0" err="1">
+                <a:ln>
+                  <a:noFill/>
+                </a:ln>
+                <a:solidFill>
+                  <a:schemeClr val="tx1"/>
+                </a:solidFill>
+                <a:effectLst/>
+                <a:latin typeface="Arial" panose="020B0604020202020204" pitchFamily="34" charset="0"/>
+              </a:rPr>
+              <a:t>WebSocket</a:t>
+            </a:r>
+            <a:endParaRPr kumimoji="0" lang="pt-BR" altLang="pt-BR" sz="2500" b="0" i="0" u="none" strike="noStrike" cap="none" normalizeH="0" baseline="0" dirty="0">
+              <a:ln>
+                <a:noFill/>
+              </a:ln>
+              <a:solidFill>
+                <a:schemeClr val="tx1"/>
+              </a:solidFill>
+              <a:effectLst/>
+              <a:latin typeface="Arial" panose="020B0604020202020204" pitchFamily="34" charset="0"/>
+            </a:endParaRPr>
+          </a:p>
+        </p:txBody>
+      </p:sp>
+      <p:pic>
+        <p:nvPicPr>
+          <p:cNvPr id="3" name="Imagem 2">
+            <a:extLst>
+              <a:ext uri="{FF2B5EF4-FFF2-40B4-BE49-F238E27FC236}">
+                <a16:creationId xmlns:a16="http://schemas.microsoft.com/office/drawing/2014/main" id="{E701C3B4-D313-6A27-6DCE-E176B8DE39D6}"/>
+              </a:ext>
+            </a:extLst>
+          </p:cNvPr>
+          <p:cNvPicPr>
+            <a:picLocks noChangeAspect="1"/>
+          </p:cNvPicPr>
+          <p:nvPr/>
+        </p:nvPicPr>
+        <p:blipFill>
+          <a:blip r:embed="rId2"/>
+          <a:stretch>
+            <a:fillRect/>
+          </a:stretch>
+        </p:blipFill>
+        <p:spPr>
+          <a:xfrm>
+            <a:off x="7101643" y="1009988"/>
+            <a:ext cx="4724400" cy="4095412"/>
+          </a:xfrm>
+          <a:prstGeom prst="rect">
+            <a:avLst/>
+          </a:prstGeom>
+        </p:spPr>
+      </p:pic>
+      <p:sp>
+        <p:nvSpPr>
+          <p:cNvPr id="8" name="Chave Esquerda 7">
+            <a:extLst>
+              <a:ext uri="{FF2B5EF4-FFF2-40B4-BE49-F238E27FC236}">
+                <a16:creationId xmlns:a16="http://schemas.microsoft.com/office/drawing/2014/main" id="{93B4293E-5E8E-7E51-8BAF-B4C91A1BC7F7}"/>
+              </a:ext>
+            </a:extLst>
+          </p:cNvPr>
+          <p:cNvSpPr/>
+          <p:nvPr/>
+        </p:nvSpPr>
+        <p:spPr>
+          <a:xfrm>
+            <a:off x="6553200" y="764652"/>
+            <a:ext cx="838800" cy="3197748"/>
+          </a:xfrm>
+          <a:prstGeom prst="leftBrace">
+            <a:avLst/>
+          </a:prstGeom>
+        </p:spPr>
+        <p:style>
+          <a:lnRef idx="2">
+            <a:schemeClr val="accent1"/>
+          </a:lnRef>
+          <a:fillRef idx="0">
+            <a:schemeClr val="accent1"/>
+          </a:fillRef>
+          <a:effectRef idx="1">
+            <a:schemeClr val="accent1"/>
+          </a:effectRef>
+          <a:fontRef idx="minor">
+            <a:schemeClr val="tx1"/>
+          </a:fontRef>
+        </p:style>
+        <p:txBody>
+          <a:bodyPr rtlCol="0" anchor="ctr"/>
+          <a:lstStyle/>
+          <a:p>
+            <a:pPr algn="ctr"/>
+            <a:endParaRPr lang="pt-BR"/>
+          </a:p>
+        </p:txBody>
+      </p:sp>
+      <p:sp>
+        <p:nvSpPr>
+          <p:cNvPr id="10" name="Chave Direita 9">
+            <a:extLst>
+              <a:ext uri="{FF2B5EF4-FFF2-40B4-BE49-F238E27FC236}">
+                <a16:creationId xmlns:a16="http://schemas.microsoft.com/office/drawing/2014/main" id="{B60A54BC-9184-D903-AFB6-310B3C25B166}"/>
+              </a:ext>
+            </a:extLst>
+          </p:cNvPr>
+          <p:cNvSpPr/>
+          <p:nvPr/>
+        </p:nvSpPr>
+        <p:spPr>
+          <a:xfrm>
+            <a:off x="10696593" y="764652"/>
+            <a:ext cx="838200" cy="3197748"/>
+          </a:xfrm>
+          <a:prstGeom prst="rightBrace">
+            <a:avLst/>
+          </a:prstGeom>
+        </p:spPr>
+        <p:style>
+          <a:lnRef idx="2">
+            <a:schemeClr val="accent1"/>
+          </a:lnRef>
+          <a:fillRef idx="0">
+            <a:schemeClr val="accent1"/>
+          </a:fillRef>
+          <a:effectRef idx="1">
+            <a:schemeClr val="accent1"/>
+          </a:effectRef>
+          <a:fontRef idx="minor">
+            <a:schemeClr val="tx1"/>
+          </a:fontRef>
+        </p:style>
+        <p:txBody>
+          <a:bodyPr rtlCol="0" anchor="ctr"/>
+          <a:lstStyle/>
+          <a:p>
+            <a:pPr algn="ctr"/>
+            <a:endParaRPr lang="pt-BR"/>
+          </a:p>
+        </p:txBody>
+      </p:sp>
+      <p:sp>
+        <p:nvSpPr>
+          <p:cNvPr id="11" name="Chave Esquerda 10">
+            <a:extLst>
+              <a:ext uri="{FF2B5EF4-FFF2-40B4-BE49-F238E27FC236}">
+                <a16:creationId xmlns:a16="http://schemas.microsoft.com/office/drawing/2014/main" id="{42A707EB-272F-3FC2-0976-133D15B295A9}"/>
+              </a:ext>
+            </a:extLst>
+          </p:cNvPr>
+          <p:cNvSpPr/>
+          <p:nvPr/>
+        </p:nvSpPr>
+        <p:spPr>
+          <a:xfrm>
+            <a:off x="6682319" y="4081616"/>
+            <a:ext cx="503761" cy="904568"/>
+          </a:xfrm>
+          <a:prstGeom prst="leftBrace">
+            <a:avLst/>
+          </a:prstGeom>
+          <a:ln>
+            <a:solidFill>
+              <a:srgbClr val="FF0000"/>
+            </a:solidFill>
+          </a:ln>
+        </p:spPr>
+        <p:style>
+          <a:lnRef idx="2">
+            <a:schemeClr val="accent1"/>
+          </a:lnRef>
+          <a:fillRef idx="0">
+            <a:schemeClr val="accent1"/>
+          </a:fillRef>
+          <a:effectRef idx="1">
+            <a:schemeClr val="accent1"/>
+          </a:effectRef>
+          <a:fontRef idx="minor">
+            <a:schemeClr val="tx1"/>
+          </a:fontRef>
+        </p:style>
+        <p:txBody>
+          <a:bodyPr rtlCol="0" anchor="ctr"/>
+          <a:lstStyle/>
+          <a:p>
+            <a:pPr algn="ctr"/>
+            <a:endParaRPr lang="pt-BR">
+              <a:solidFill>
+                <a:srgbClr val="FF0000"/>
               </a:solidFill>
             </a:endParaRPr>
+          </a:p>
+        </p:txBody>
+      </p:sp>
+      <p:sp>
+        <p:nvSpPr>
+          <p:cNvPr id="12" name="Chave Esquerda 11">
+            <a:extLst>
+              <a:ext uri="{FF2B5EF4-FFF2-40B4-BE49-F238E27FC236}">
+                <a16:creationId xmlns:a16="http://schemas.microsoft.com/office/drawing/2014/main" id="{B5220262-D2AF-60CC-E09F-FD6D3290DFFE}"/>
+              </a:ext>
+            </a:extLst>
+          </p:cNvPr>
+          <p:cNvSpPr/>
+          <p:nvPr/>
+        </p:nvSpPr>
+        <p:spPr>
+          <a:xfrm rot="10800000">
+            <a:off x="9906000" y="4074242"/>
+            <a:ext cx="503761" cy="904568"/>
+          </a:xfrm>
+          <a:prstGeom prst="leftBrace">
+            <a:avLst/>
+          </a:prstGeom>
+          <a:ln>
+            <a:solidFill>
+              <a:srgbClr val="FF0000"/>
+            </a:solidFill>
+          </a:ln>
+        </p:spPr>
+        <p:style>
+          <a:lnRef idx="2">
+            <a:schemeClr val="accent1"/>
+          </a:lnRef>
+          <a:fillRef idx="0">
+            <a:schemeClr val="accent1"/>
+          </a:fillRef>
+          <a:effectRef idx="1">
+            <a:schemeClr val="accent1"/>
+          </a:effectRef>
+          <a:fontRef idx="minor">
+            <a:schemeClr val="tx1"/>
+          </a:fontRef>
+        </p:style>
+        <p:txBody>
+          <a:bodyPr rtlCol="0" anchor="ctr"/>
+          <a:lstStyle/>
+          <a:p>
+            <a:pPr algn="ctr"/>
+            <a:endParaRPr lang="pt-BR">
+              <a:solidFill>
+                <a:srgbClr val="FF0000"/>
+              </a:solidFill>
+            </a:endParaRPr>
+          </a:p>
+        </p:txBody>
+      </p:sp>
+    </p:spTree>
+    <p:extLst>
+      <p:ext uri="{BB962C8B-B14F-4D97-AF65-F5344CB8AC3E}">
+        <p14:creationId xmlns:p14="http://schemas.microsoft.com/office/powerpoint/2010/main" val="1609122764"/>
+      </p:ext>
+    </p:extLst>
+  </p:cSld>
+  <p:clrMapOvr>
+    <a:masterClrMapping/>
+  </p:clrMapOvr>
+</p:sld>
+</file>
+
+<file path=ppt/slides/slide12.xml><?xml version="1.0" encoding="utf-8"?>
+<p:sld xmlns:a="http://schemas.openxmlformats.org/drawingml/2006/main" xmlns:r="http://schemas.openxmlformats.org/officeDocument/2006/relationships" xmlns:p="http://schemas.openxmlformats.org/presentationml/2006/main">
+  <p:cSld>
+    <p:spTree>
+      <p:nvGrpSpPr>
+        <p:cNvPr id="1" name=""/>
+        <p:cNvGrpSpPr/>
+        <p:nvPr/>
+      </p:nvGrpSpPr>
+      <p:grpSpPr>
+        <a:xfrm>
+          <a:off x="0" y="0"/>
+          <a:ext cx="0" cy="0"/>
+          <a:chOff x="0" y="0"/>
+          <a:chExt cx="0" cy="0"/>
+        </a:xfrm>
+      </p:grpSpPr>
+      <p:sp>
+        <p:nvSpPr>
+          <p:cNvPr id="16" name="Título 5">
+            <a:extLst>
+              <a:ext uri="{FF2B5EF4-FFF2-40B4-BE49-F238E27FC236}">
+                <a16:creationId xmlns:a16="http://schemas.microsoft.com/office/drawing/2014/main" id="{CE6E49EE-D7CE-BFF0-8AAB-2C1374708467}"/>
+              </a:ext>
+            </a:extLst>
+          </p:cNvPr>
+          <p:cNvSpPr txBox="1">
+            <a:spLocks/>
+          </p:cNvSpPr>
+          <p:nvPr/>
+        </p:nvSpPr>
+        <p:spPr>
+          <a:xfrm>
+            <a:off x="657207" y="764652"/>
+            <a:ext cx="7706063" cy="490673"/>
+          </a:xfrm>
+          <a:prstGeom prst="rect">
+            <a:avLst/>
+          </a:prstGeom>
+        </p:spPr>
+        <p:txBody>
+          <a:bodyPr vert="horz" lIns="91440" tIns="45720" rIns="91440" bIns="45720" rtlCol="0" anchor="ctr">
+            <a:noAutofit/>
+          </a:bodyPr>
+          <a:lstStyle>
+            <a:lvl1pPr algn="ctr" defTabSz="457200" rtl="0" eaLnBrk="1" latinLnBrk="0" hangingPunct="1">
+              <a:spcBef>
+                <a:spcPct val="0"/>
+              </a:spcBef>
+              <a:buNone/>
+              <a:defRPr sz="4400" kern="1200">
+                <a:solidFill>
+                  <a:schemeClr val="tx1"/>
+                </a:solidFill>
+                <a:latin typeface="+mj-lt"/>
+                <a:ea typeface="+mj-ea"/>
+                <a:cs typeface="+mj-cs"/>
+              </a:defRPr>
+            </a:lvl1pPr>
+          </a:lstStyle>
+          <a:p>
+            <a:pPr algn="l"/>
+            <a:r>
+              <a:rPr lang="pt-BR" sz="3200" b="1" dirty="0">
+                <a:solidFill>
+                  <a:srgbClr val="1273C0"/>
+                </a:solidFill>
+              </a:rPr>
+              <a:t>Fluxo de uma Chamada</a:t>
+            </a:r>
           </a:p>
         </p:txBody>
       </p:sp>
@@ -7596,202 +8273,12 @@
           </a:p>
         </p:txBody>
       </p:sp>
-      <p:sp>
-        <p:nvSpPr>
-          <p:cNvPr id="5" name="Rectangle 1">
-            <a:extLst>
-              <a:ext uri="{FF2B5EF4-FFF2-40B4-BE49-F238E27FC236}">
-                <a16:creationId xmlns:a16="http://schemas.microsoft.com/office/drawing/2014/main" id="{C42AF5CB-7AED-BD7D-9A4D-B5440BFFE565}"/>
-              </a:ext>
-            </a:extLst>
-          </p:cNvPr>
-          <p:cNvSpPr>
-            <a:spLocks noChangeArrowheads="1"/>
-          </p:cNvSpPr>
-          <p:nvPr/>
-        </p:nvSpPr>
-        <p:spPr bwMode="auto">
-          <a:xfrm>
-            <a:off x="949706" y="3907684"/>
-            <a:ext cx="4648200" cy="1200329"/>
-          </a:xfrm>
-          <a:prstGeom prst="rect">
-            <a:avLst/>
-          </a:prstGeom>
-          <a:noFill/>
-          <a:ln>
-            <a:noFill/>
-          </a:ln>
-          <a:effectLst/>
-          <a:extLst>
-            <a:ext uri="{909E8E84-426E-40DD-AFC4-6F175D3DCCD1}">
-              <a14:hiddenFill xmlns:a14="http://schemas.microsoft.com/office/drawing/2010/main">
-                <a:solidFill>
-                  <a:schemeClr val="accent1"/>
-                </a:solidFill>
-              </a14:hiddenFill>
-            </a:ext>
-            <a:ext uri="{91240B29-F687-4F45-9708-019B960494DF}">
-              <a14:hiddenLine xmlns:a14="http://schemas.microsoft.com/office/drawing/2010/main" w="9525">
-                <a:solidFill>
-                  <a:schemeClr val="tx1"/>
-                </a:solidFill>
-                <a:miter lim="800000"/>
-                <a:headEnd/>
-                <a:tailEnd/>
-              </a14:hiddenLine>
-            </a:ext>
-            <a:ext uri="{AF507438-7753-43E0-B8FC-AC1667EBCBE1}">
-              <a14:hiddenEffects xmlns:a14="http://schemas.microsoft.com/office/drawing/2010/main">
-                <a:effectLst>
-                  <a:outerShdw dist="35921" dir="2700000" algn="ctr" rotWithShape="0">
-                    <a:schemeClr val="bg2"/>
-                  </a:outerShdw>
-                </a:effectLst>
-              </a14:hiddenEffects>
-            </a:ext>
-          </a:extLst>
-        </p:spPr>
-        <p:txBody>
-          <a:bodyPr vert="horz" wrap="square" lIns="91440" tIns="45720" rIns="91440" bIns="45720" numCol="1" anchor="ctr" anchorCtr="0" compatLnSpc="1">
-            <a:prstTxWarp prst="textNoShape">
-              <a:avLst/>
-            </a:prstTxWarp>
-            <a:spAutoFit/>
-          </a:bodyPr>
-          <a:lstStyle/>
-          <a:p>
-            <a:pPr marL="0" marR="0" lvl="0" indent="0" algn="l" defTabSz="914400" rtl="0" eaLnBrk="0" fontAlgn="base" latinLnBrk="0" hangingPunct="0">
-              <a:lnSpc>
-                <a:spcPct val="100000"/>
-              </a:lnSpc>
-              <a:spcBef>
-                <a:spcPct val="0"/>
-              </a:spcBef>
-              <a:spcAft>
-                <a:spcPct val="0"/>
-              </a:spcAft>
-              <a:buClrTx/>
-              <a:buSzTx/>
-              <a:buFontTx/>
-              <a:buChar char="•"/>
-              <a:tabLst/>
-            </a:pPr>
-            <a:r>
-              <a:rPr kumimoji="0" lang="pt-BR" altLang="pt-BR" sz="1800" b="0" i="0" u="none" strike="noStrike" cap="none" normalizeH="0" baseline="0" dirty="0">
-                <a:ln>
-                  <a:noFill/>
-                </a:ln>
-                <a:solidFill>
-                  <a:schemeClr val="tx1"/>
-                </a:solidFill>
-                <a:effectLst/>
-                <a:latin typeface="Arial" panose="020B0604020202020204" pitchFamily="34" charset="0"/>
-              </a:rPr>
-              <a:t>Interliga redes diferentes</a:t>
-            </a:r>
-          </a:p>
-          <a:p>
-            <a:pPr marL="0" marR="0" lvl="0" indent="0" algn="l" defTabSz="914400" rtl="0" eaLnBrk="0" fontAlgn="base" latinLnBrk="0" hangingPunct="0">
-              <a:lnSpc>
-                <a:spcPct val="100000"/>
-              </a:lnSpc>
-              <a:spcBef>
-                <a:spcPct val="0"/>
-              </a:spcBef>
-              <a:spcAft>
-                <a:spcPct val="0"/>
-              </a:spcAft>
-              <a:buClrTx/>
-              <a:buSzTx/>
-              <a:buFontTx/>
-              <a:buChar char="•"/>
-              <a:tabLst/>
-            </a:pPr>
-            <a:r>
-              <a:rPr kumimoji="0" lang="pt-BR" altLang="pt-BR" sz="1800" b="0" i="0" u="none" strike="noStrike" cap="none" normalizeH="0" baseline="0" dirty="0">
-                <a:ln>
-                  <a:noFill/>
-                </a:ln>
-                <a:solidFill>
-                  <a:schemeClr val="tx1"/>
-                </a:solidFill>
-                <a:effectLst/>
-                <a:latin typeface="Arial" panose="020B0604020202020204" pitchFamily="34" charset="0"/>
-              </a:rPr>
-              <a:t>Conecta VoIP à telefonia tradicional</a:t>
-            </a:r>
-          </a:p>
-          <a:p>
-            <a:pPr marL="0" marR="0" lvl="0" indent="0" algn="l" defTabSz="914400" rtl="0" eaLnBrk="0" fontAlgn="base" latinLnBrk="0" hangingPunct="0">
-              <a:lnSpc>
-                <a:spcPct val="100000"/>
-              </a:lnSpc>
-              <a:spcBef>
-                <a:spcPct val="0"/>
-              </a:spcBef>
-              <a:spcAft>
-                <a:spcPct val="0"/>
-              </a:spcAft>
-              <a:buClrTx/>
-              <a:buSzTx/>
-              <a:buFontTx/>
-              <a:buChar char="•"/>
-              <a:tabLst/>
-            </a:pPr>
-            <a:r>
-              <a:rPr kumimoji="0" lang="pt-BR" altLang="pt-BR" sz="1800" b="0" i="0" u="none" strike="noStrike" cap="none" normalizeH="0" baseline="0" dirty="0">
-                <a:ln>
-                  <a:noFill/>
-                </a:ln>
-                <a:solidFill>
-                  <a:schemeClr val="tx1"/>
-                </a:solidFill>
-                <a:effectLst/>
-                <a:latin typeface="Arial" panose="020B0604020202020204" pitchFamily="34" charset="0"/>
-              </a:rPr>
-              <a:t>Converte protocolos e mídias</a:t>
-            </a:r>
-          </a:p>
-          <a:p>
-            <a:pPr marL="0" marR="0" lvl="0" indent="0" algn="l" defTabSz="914400" rtl="0" eaLnBrk="0" fontAlgn="base" latinLnBrk="0" hangingPunct="0">
-              <a:lnSpc>
-                <a:spcPct val="100000"/>
-              </a:lnSpc>
-              <a:spcBef>
-                <a:spcPct val="0"/>
-              </a:spcBef>
-              <a:spcAft>
-                <a:spcPct val="0"/>
-              </a:spcAft>
-              <a:buClrTx/>
-              <a:buSzTx/>
-              <a:buFontTx/>
-              <a:buChar char="•"/>
-              <a:tabLst/>
-            </a:pPr>
-            <a:r>
-              <a:rPr kumimoji="0" lang="pt-BR" altLang="pt-BR" sz="1800" b="0" i="0" u="none" strike="noStrike" cap="none" normalizeH="0" baseline="0" dirty="0">
-                <a:ln>
-                  <a:noFill/>
-                </a:ln>
-                <a:solidFill>
-                  <a:schemeClr val="tx1"/>
-                </a:solidFill>
-                <a:effectLst/>
-                <a:latin typeface="Arial" panose="020B0604020202020204" pitchFamily="34" charset="0"/>
-              </a:rPr>
-              <a:t>Usado em cenários híbridos</a:t>
-            </a:r>
-          </a:p>
-        </p:txBody>
-      </p:sp>
       <p:pic>
         <p:nvPicPr>
-          <p:cNvPr id="11" name="Imagem 10">
-            <a:extLst>
-              <a:ext uri="{FF2B5EF4-FFF2-40B4-BE49-F238E27FC236}">
-                <a16:creationId xmlns:a16="http://schemas.microsoft.com/office/drawing/2014/main" id="{CF7946D3-2B49-D76D-319B-DF3776D104BF}"/>
+          <p:cNvPr id="9" name="Imagem 8">
+            <a:extLst>
+              <a:ext uri="{FF2B5EF4-FFF2-40B4-BE49-F238E27FC236}">
+                <a16:creationId xmlns:a16="http://schemas.microsoft.com/office/drawing/2014/main" id="{2A89B64D-25CA-28DA-B42E-374ED37BBE3F}"/>
               </a:ext>
             </a:extLst>
           </p:cNvPr>
@@ -7808,38 +8295,8 @@
         </p:blipFill>
         <p:spPr>
           <a:xfrm>
-            <a:off x="6980935" y="1524000"/>
-            <a:ext cx="4096051" cy="2830545"/>
-          </a:xfrm>
-          <a:prstGeom prst="rect">
-            <a:avLst/>
-          </a:prstGeom>
-        </p:spPr>
-      </p:pic>
-      <p:pic>
-        <p:nvPicPr>
-          <p:cNvPr id="14" name="Imagem 13">
-            <a:extLst>
-              <a:ext uri="{FF2B5EF4-FFF2-40B4-BE49-F238E27FC236}">
-                <a16:creationId xmlns:a16="http://schemas.microsoft.com/office/drawing/2014/main" id="{E10A2008-0132-A5BF-74AE-2C70E89BC47C}"/>
-              </a:ext>
-            </a:extLst>
-          </p:cNvPr>
-          <p:cNvPicPr>
-            <a:picLocks noChangeAspect="1"/>
-          </p:cNvPicPr>
-          <p:nvPr/>
-        </p:nvPicPr>
-        <p:blipFill>
-          <a:blip r:embed="rId3"/>
-          <a:stretch>
-            <a:fillRect/>
-          </a:stretch>
-        </p:blipFill>
-        <p:spPr>
-          <a:xfrm>
-            <a:off x="762306" y="1255325"/>
-            <a:ext cx="2974399" cy="2124570"/>
+            <a:off x="3429000" y="1325876"/>
+            <a:ext cx="5687219" cy="5021205"/>
           </a:xfrm>
           <a:prstGeom prst="rect">
             <a:avLst/>
@@ -7849,7 +8306,7 @@
     </p:spTree>
     <p:extLst>
       <p:ext uri="{BB962C8B-B14F-4D97-AF65-F5344CB8AC3E}">
-        <p14:creationId xmlns:p14="http://schemas.microsoft.com/office/powerpoint/2010/main" val="4130348533"/>
+        <p14:creationId xmlns:p14="http://schemas.microsoft.com/office/powerpoint/2010/main" val="1699116982"/>
       </p:ext>
     </p:extLst>
   </p:cSld>
@@ -7859,7 +8316,7 @@
 </p:sld>
 </file>
 
-<file path=ppt/slides/slide12.xml><?xml version="1.0" encoding="utf-8"?>
+<file path=ppt/slides/slide13.xml><?xml version="1.0" encoding="utf-8"?>
 <p:sld xmlns:a="http://schemas.openxmlformats.org/drawingml/2006/main" xmlns:r="http://schemas.openxmlformats.org/officeDocument/2006/relationships" xmlns:p="http://schemas.openxmlformats.org/presentationml/2006/main">
   <p:cSld>
     <p:spTree>
@@ -7922,14 +8379,13 @@
           <a:p>
             <a:pPr algn="l"/>
             <a:r>
-              <a:rPr lang="pt-BR" sz="2500" dirty="0"/>
-              <a:t>URA</a:t>
-            </a:r>
-            <a:endParaRPr lang="pt-BR" sz="2500" b="1" dirty="0">
-              <a:solidFill>
-                <a:srgbClr val="1377C7"/>
-              </a:solidFill>
-            </a:endParaRPr>
+              <a:rPr lang="pt-BR" sz="2500" b="1" dirty="0">
+                <a:solidFill>
+                  <a:srgbClr val="1273C0"/>
+                </a:solidFill>
+              </a:rPr>
+              <a:t>Gateway SIP</a:t>
+            </a:r>
           </a:p>
         </p:txBody>
       </p:sp>
@@ -7995,10 +8451,10 @@
       </p:sp>
       <p:sp>
         <p:nvSpPr>
-          <p:cNvPr id="2" name="Rectangle 1">
-            <a:extLst>
-              <a:ext uri="{FF2B5EF4-FFF2-40B4-BE49-F238E27FC236}">
-                <a16:creationId xmlns:a16="http://schemas.microsoft.com/office/drawing/2014/main" id="{A1B6AE3E-09DA-716A-4143-27C59F49EF5A}"/>
+          <p:cNvPr id="5" name="Rectangle 1">
+            <a:extLst>
+              <a:ext uri="{FF2B5EF4-FFF2-40B4-BE49-F238E27FC236}">
+                <a16:creationId xmlns:a16="http://schemas.microsoft.com/office/drawing/2014/main" id="{C42AF5CB-7AED-BD7D-9A4D-B5440BFFE565}"/>
               </a:ext>
             </a:extLst>
           </p:cNvPr>
@@ -8009,8 +8465,8 @@
         </p:nvSpPr>
         <p:spPr bwMode="auto">
           <a:xfrm>
-            <a:off x="832544" y="1600200"/>
-            <a:ext cx="5949256" cy="1200329"/>
+            <a:off x="949706" y="3907684"/>
+            <a:ext cx="4648200" cy="1200329"/>
           </a:xfrm>
           <a:prstGeom prst="rect">
             <a:avLst/>
@@ -8085,7 +8541,7 @@
                 <a:effectLst/>
                 <a:latin typeface="Arial" panose="020B0604020202020204" pitchFamily="34" charset="0"/>
               </a:rPr>
-              <a:t>Atendimento automático</a:t>
+              <a:t>Interliga redes diferentes</a:t>
             </a:r>
           </a:p>
           <a:p>
@@ -8116,7 +8572,7 @@
                 <a:effectLst/>
                 <a:latin typeface="Arial" panose="020B0604020202020204" pitchFamily="34" charset="0"/>
               </a:rPr>
-              <a:t>Menus por voz ou teclado</a:t>
+              <a:t>Conecta VoIP à telefonia tradicional</a:t>
             </a:r>
           </a:p>
           <a:p>
@@ -8147,7 +8603,7 @@
                 <a:effectLst/>
                 <a:latin typeface="Arial" panose="020B0604020202020204" pitchFamily="34" charset="0"/>
               </a:rPr>
-              <a:t>Direcionamento de chamadas</a:t>
+              <a:t>Converte protocolos e mídias</a:t>
             </a:r>
           </a:p>
           <a:p>
@@ -8178,15 +8634,75 @@
                 <a:effectLst/>
                 <a:latin typeface="Arial" panose="020B0604020202020204" pitchFamily="34" charset="0"/>
               </a:rPr>
-              <a:t>Funcionalidade nativa do PBX</a:t>
-            </a:r>
-          </a:p>
-        </p:txBody>
-      </p:sp>
+              <a:t>Usado em cenários híbridos</a:t>
+            </a:r>
+          </a:p>
+        </p:txBody>
+      </p:sp>
+      <p:pic>
+        <p:nvPicPr>
+          <p:cNvPr id="11" name="Imagem 10">
+            <a:extLst>
+              <a:ext uri="{FF2B5EF4-FFF2-40B4-BE49-F238E27FC236}">
+                <a16:creationId xmlns:a16="http://schemas.microsoft.com/office/drawing/2014/main" id="{CF7946D3-2B49-D76D-319B-DF3776D104BF}"/>
+              </a:ext>
+            </a:extLst>
+          </p:cNvPr>
+          <p:cNvPicPr>
+            <a:picLocks noChangeAspect="1"/>
+          </p:cNvPicPr>
+          <p:nvPr/>
+        </p:nvPicPr>
+        <p:blipFill>
+          <a:blip r:embed="rId2"/>
+          <a:stretch>
+            <a:fillRect/>
+          </a:stretch>
+        </p:blipFill>
+        <p:spPr>
+          <a:xfrm>
+            <a:off x="6980935" y="1524000"/>
+            <a:ext cx="4096051" cy="2830545"/>
+          </a:xfrm>
+          <a:prstGeom prst="rect">
+            <a:avLst/>
+          </a:prstGeom>
+        </p:spPr>
+      </p:pic>
+      <p:pic>
+        <p:nvPicPr>
+          <p:cNvPr id="14" name="Imagem 13">
+            <a:extLst>
+              <a:ext uri="{FF2B5EF4-FFF2-40B4-BE49-F238E27FC236}">
+                <a16:creationId xmlns:a16="http://schemas.microsoft.com/office/drawing/2014/main" id="{E10A2008-0132-A5BF-74AE-2C70E89BC47C}"/>
+              </a:ext>
+            </a:extLst>
+          </p:cNvPr>
+          <p:cNvPicPr>
+            <a:picLocks noChangeAspect="1"/>
+          </p:cNvPicPr>
+          <p:nvPr/>
+        </p:nvPicPr>
+        <p:blipFill>
+          <a:blip r:embed="rId3"/>
+          <a:stretch>
+            <a:fillRect/>
+          </a:stretch>
+        </p:blipFill>
+        <p:spPr>
+          <a:xfrm>
+            <a:off x="762306" y="1255325"/>
+            <a:ext cx="2974399" cy="2124570"/>
+          </a:xfrm>
+          <a:prstGeom prst="rect">
+            <a:avLst/>
+          </a:prstGeom>
+        </p:spPr>
+      </p:pic>
     </p:spTree>
     <p:extLst>
       <p:ext uri="{BB962C8B-B14F-4D97-AF65-F5344CB8AC3E}">
-        <p14:creationId xmlns:p14="http://schemas.microsoft.com/office/powerpoint/2010/main" val="1263974884"/>
+        <p14:creationId xmlns:p14="http://schemas.microsoft.com/office/powerpoint/2010/main" val="4130348533"/>
       </p:ext>
     </p:extLst>
   </p:cSld>
@@ -8196,7 +8712,7 @@
 </p:sld>
 </file>
 
-<file path=ppt/slides/slide13.xml><?xml version="1.0" encoding="utf-8"?>
+<file path=ppt/slides/slide14.xml><?xml version="1.0" encoding="utf-8"?>
 <p:sld xmlns:a="http://schemas.openxmlformats.org/drawingml/2006/main" xmlns:r="http://schemas.openxmlformats.org/officeDocument/2006/relationships" xmlns:p="http://schemas.openxmlformats.org/presentationml/2006/main">
   <p:cSld>
     <p:spTree>
@@ -8259,14 +8775,13 @@
           <a:p>
             <a:pPr algn="l"/>
             <a:r>
-              <a:rPr lang="pt-BR" sz="2500" b="1" dirty="0"/>
-              <a:t>Private Branch Exchange (IP-PBX)</a:t>
-            </a:r>
-            <a:endParaRPr lang="pt-BR" sz="2500" b="1" dirty="0">
-              <a:solidFill>
-                <a:srgbClr val="1377C7"/>
-              </a:solidFill>
-            </a:endParaRPr>
+              <a:rPr lang="pt-BR" sz="3200" b="1" dirty="0">
+                <a:solidFill>
+                  <a:srgbClr val="1273C0"/>
+                </a:solidFill>
+              </a:rPr>
+              <a:t>URA</a:t>
+            </a:r>
           </a:p>
         </p:txBody>
       </p:sp>
@@ -8330,6 +8845,305 @@
           </a:p>
         </p:txBody>
       </p:sp>
+      <p:sp>
+        <p:nvSpPr>
+          <p:cNvPr id="7" name="CaixaDeTexto 6">
+            <a:extLst>
+              <a:ext uri="{FF2B5EF4-FFF2-40B4-BE49-F238E27FC236}">
+                <a16:creationId xmlns:a16="http://schemas.microsoft.com/office/drawing/2014/main" id="{0A17CCD8-FA75-4A10-0EA9-99F9682DF527}"/>
+              </a:ext>
+            </a:extLst>
+          </p:cNvPr>
+          <p:cNvSpPr txBox="1"/>
+          <p:nvPr/>
+        </p:nvSpPr>
+        <p:spPr>
+          <a:xfrm>
+            <a:off x="704919" y="1752600"/>
+            <a:ext cx="6093068" cy="2062103"/>
+          </a:xfrm>
+          <a:prstGeom prst="rect">
+            <a:avLst/>
+          </a:prstGeom>
+          <a:noFill/>
+        </p:spPr>
+        <p:txBody>
+          <a:bodyPr wrap="square">
+            <a:spAutoFit/>
+          </a:bodyPr>
+          <a:lstStyle/>
+          <a:p>
+            <a:pPr marL="0" marR="0" lvl="0" indent="0" algn="l" defTabSz="914400" rtl="0" eaLnBrk="0" fontAlgn="base" latinLnBrk="0" hangingPunct="0">
+              <a:lnSpc>
+                <a:spcPct val="100000"/>
+              </a:lnSpc>
+              <a:spcBef>
+                <a:spcPct val="0"/>
+              </a:spcBef>
+              <a:spcAft>
+                <a:spcPct val="0"/>
+              </a:spcAft>
+              <a:buClrTx/>
+              <a:buSzTx/>
+              <a:buFontTx/>
+              <a:buChar char="•"/>
+              <a:tabLst/>
+            </a:pPr>
+            <a:r>
+              <a:rPr kumimoji="0" lang="pt-BR" altLang="pt-BR" sz="3200" b="0" i="0" u="none" strike="noStrike" cap="none" normalizeH="0" baseline="0" dirty="0">
+                <a:ln>
+                  <a:noFill/>
+                </a:ln>
+                <a:solidFill>
+                  <a:schemeClr val="tx1"/>
+                </a:solidFill>
+                <a:effectLst/>
+                <a:latin typeface="Arial" panose="020B0604020202020204" pitchFamily="34" charset="0"/>
+              </a:rPr>
+              <a:t>Atendimento automático</a:t>
+            </a:r>
+          </a:p>
+          <a:p>
+            <a:pPr marL="0" marR="0" lvl="0" indent="0" algn="l" defTabSz="914400" rtl="0" eaLnBrk="0" fontAlgn="base" latinLnBrk="0" hangingPunct="0">
+              <a:lnSpc>
+                <a:spcPct val="100000"/>
+              </a:lnSpc>
+              <a:spcBef>
+                <a:spcPct val="0"/>
+              </a:spcBef>
+              <a:spcAft>
+                <a:spcPct val="0"/>
+              </a:spcAft>
+              <a:buClrTx/>
+              <a:buSzTx/>
+              <a:buFontTx/>
+              <a:buChar char="•"/>
+              <a:tabLst/>
+            </a:pPr>
+            <a:r>
+              <a:rPr kumimoji="0" lang="pt-BR" altLang="pt-BR" sz="3200" b="0" i="0" u="none" strike="noStrike" cap="none" normalizeH="0" baseline="0" dirty="0">
+                <a:ln>
+                  <a:noFill/>
+                </a:ln>
+                <a:solidFill>
+                  <a:schemeClr val="tx1"/>
+                </a:solidFill>
+                <a:effectLst/>
+                <a:latin typeface="Arial" panose="020B0604020202020204" pitchFamily="34" charset="0"/>
+              </a:rPr>
+              <a:t>Menus por voz ou teclado</a:t>
+            </a:r>
+          </a:p>
+          <a:p>
+            <a:pPr marL="0" marR="0" lvl="0" indent="0" algn="l" defTabSz="914400" rtl="0" eaLnBrk="0" fontAlgn="base" latinLnBrk="0" hangingPunct="0">
+              <a:lnSpc>
+                <a:spcPct val="100000"/>
+              </a:lnSpc>
+              <a:spcBef>
+                <a:spcPct val="0"/>
+              </a:spcBef>
+              <a:spcAft>
+                <a:spcPct val="0"/>
+              </a:spcAft>
+              <a:buClrTx/>
+              <a:buSzTx/>
+              <a:buFontTx/>
+              <a:buChar char="•"/>
+              <a:tabLst/>
+            </a:pPr>
+            <a:r>
+              <a:rPr kumimoji="0" lang="pt-BR" altLang="pt-BR" sz="3200" b="0" i="0" u="none" strike="noStrike" cap="none" normalizeH="0" baseline="0" dirty="0">
+                <a:ln>
+                  <a:noFill/>
+                </a:ln>
+                <a:solidFill>
+                  <a:schemeClr val="tx1"/>
+                </a:solidFill>
+                <a:effectLst/>
+                <a:latin typeface="Arial" panose="020B0604020202020204" pitchFamily="34" charset="0"/>
+              </a:rPr>
+              <a:t>Direcionamento de chamadas</a:t>
+            </a:r>
+          </a:p>
+          <a:p>
+            <a:pPr marL="0" marR="0" lvl="0" indent="0" algn="l" defTabSz="914400" rtl="0" eaLnBrk="0" fontAlgn="base" latinLnBrk="0" hangingPunct="0">
+              <a:lnSpc>
+                <a:spcPct val="100000"/>
+              </a:lnSpc>
+              <a:spcBef>
+                <a:spcPct val="0"/>
+              </a:spcBef>
+              <a:spcAft>
+                <a:spcPct val="0"/>
+              </a:spcAft>
+              <a:buClrTx/>
+              <a:buSzTx/>
+              <a:buFontTx/>
+              <a:buChar char="•"/>
+              <a:tabLst/>
+            </a:pPr>
+            <a:r>
+              <a:rPr kumimoji="0" lang="pt-BR" altLang="pt-BR" sz="3200" b="0" i="0" u="none" strike="noStrike" cap="none" normalizeH="0" baseline="0" dirty="0">
+                <a:ln>
+                  <a:noFill/>
+                </a:ln>
+                <a:solidFill>
+                  <a:schemeClr val="tx1"/>
+                </a:solidFill>
+                <a:effectLst/>
+                <a:latin typeface="Arial" panose="020B0604020202020204" pitchFamily="34" charset="0"/>
+              </a:rPr>
+              <a:t>Funcionalidade nativa do PBX</a:t>
+            </a:r>
+          </a:p>
+        </p:txBody>
+      </p:sp>
+    </p:spTree>
+    <p:extLst>
+      <p:ext uri="{BB962C8B-B14F-4D97-AF65-F5344CB8AC3E}">
+        <p14:creationId xmlns:p14="http://schemas.microsoft.com/office/powerpoint/2010/main" val="1263974884"/>
+      </p:ext>
+    </p:extLst>
+  </p:cSld>
+  <p:clrMapOvr>
+    <a:masterClrMapping/>
+  </p:clrMapOvr>
+</p:sld>
+</file>
+
+<file path=ppt/slides/slide15.xml><?xml version="1.0" encoding="utf-8"?>
+<p:sld xmlns:a="http://schemas.openxmlformats.org/drawingml/2006/main" xmlns:r="http://schemas.openxmlformats.org/officeDocument/2006/relationships" xmlns:p="http://schemas.openxmlformats.org/presentationml/2006/main">
+  <p:cSld>
+    <p:spTree>
+      <p:nvGrpSpPr>
+        <p:cNvPr id="1" name=""/>
+        <p:cNvGrpSpPr/>
+        <p:nvPr/>
+      </p:nvGrpSpPr>
+      <p:grpSpPr>
+        <a:xfrm>
+          <a:off x="0" y="0"/>
+          <a:ext cx="0" cy="0"/>
+          <a:chOff x="0" y="0"/>
+          <a:chExt cx="0" cy="0"/>
+        </a:xfrm>
+      </p:grpSpPr>
+      <p:sp>
+        <p:nvSpPr>
+          <p:cNvPr id="16" name="Título 5">
+            <a:extLst>
+              <a:ext uri="{FF2B5EF4-FFF2-40B4-BE49-F238E27FC236}">
+                <a16:creationId xmlns:a16="http://schemas.microsoft.com/office/drawing/2014/main" id="{CE6E49EE-D7CE-BFF0-8AAB-2C1374708467}"/>
+              </a:ext>
+            </a:extLst>
+          </p:cNvPr>
+          <p:cNvSpPr txBox="1">
+            <a:spLocks/>
+          </p:cNvSpPr>
+          <p:nvPr/>
+        </p:nvSpPr>
+        <p:spPr>
+          <a:xfrm>
+            <a:off x="657207" y="764652"/>
+            <a:ext cx="7706063" cy="490673"/>
+          </a:xfrm>
+          <a:prstGeom prst="rect">
+            <a:avLst/>
+          </a:prstGeom>
+        </p:spPr>
+        <p:txBody>
+          <a:bodyPr vert="horz" lIns="91440" tIns="45720" rIns="91440" bIns="45720" rtlCol="0" anchor="ctr">
+            <a:noAutofit/>
+          </a:bodyPr>
+          <a:lstStyle>
+            <a:lvl1pPr algn="ctr" defTabSz="457200" rtl="0" eaLnBrk="1" latinLnBrk="0" hangingPunct="1">
+              <a:spcBef>
+                <a:spcPct val="0"/>
+              </a:spcBef>
+              <a:buNone/>
+              <a:defRPr sz="4400" kern="1200">
+                <a:solidFill>
+                  <a:schemeClr val="tx1"/>
+                </a:solidFill>
+                <a:latin typeface="+mj-lt"/>
+                <a:ea typeface="+mj-ea"/>
+                <a:cs typeface="+mj-cs"/>
+              </a:defRPr>
+            </a:lvl1pPr>
+          </a:lstStyle>
+          <a:p>
+            <a:pPr algn="l"/>
+            <a:r>
+              <a:rPr lang="pt-BR" sz="2500" b="1" dirty="0">
+                <a:solidFill>
+                  <a:srgbClr val="1273C0"/>
+                </a:solidFill>
+              </a:rPr>
+              <a:t>Private Branch Exchange (PBX)</a:t>
+            </a:r>
+          </a:p>
+        </p:txBody>
+      </p:sp>
+      <p:sp>
+        <p:nvSpPr>
+          <p:cNvPr id="4" name="CaixaDeTexto 3">
+            <a:extLst>
+              <a:ext uri="{FF2B5EF4-FFF2-40B4-BE49-F238E27FC236}">
+                <a16:creationId xmlns:a16="http://schemas.microsoft.com/office/drawing/2014/main" id="{DB08D806-DAF6-F650-7AE0-058B6EBF328C}"/>
+              </a:ext>
+            </a:extLst>
+          </p:cNvPr>
+          <p:cNvSpPr txBox="1"/>
+          <p:nvPr/>
+        </p:nvSpPr>
+        <p:spPr>
+          <a:xfrm flipV="1">
+            <a:off x="949706" y="1935621"/>
+            <a:ext cx="2801747" cy="45719"/>
+          </a:xfrm>
+          <a:prstGeom prst="rect">
+            <a:avLst/>
+          </a:prstGeom>
+          <a:noFill/>
+          <a:ln>
+            <a:noFill/>
+          </a:ln>
+        </p:spPr>
+        <p:txBody>
+          <a:bodyPr wrap="square">
+            <a:spAutoFit/>
+          </a:bodyPr>
+          <a:lstStyle/>
+          <a:p>
+            <a:pPr marL="0" marR="0" lvl="0" indent="0" algn="l" defTabSz="914400" rtl="0" eaLnBrk="0" fontAlgn="base" latinLnBrk="0" hangingPunct="0">
+              <a:lnSpc>
+                <a:spcPct val="100000"/>
+              </a:lnSpc>
+              <a:spcBef>
+                <a:spcPct val="0"/>
+              </a:spcBef>
+              <a:spcAft>
+                <a:spcPct val="0"/>
+              </a:spcAft>
+              <a:buClrTx/>
+              <a:buSzTx/>
+              <a:buFontTx/>
+              <a:buChar char="•"/>
+              <a:tabLst/>
+            </a:pPr>
+            <a:endParaRPr kumimoji="0" lang="pt-BR" altLang="pt-BR" sz="2500" b="0" i="0" u="none" strike="noStrike" cap="none" normalizeH="0" baseline="0" dirty="0">
+              <a:ln>
+                <a:noFill/>
+              </a:ln>
+              <a:solidFill>
+                <a:schemeClr val="tx1"/>
+              </a:solidFill>
+              <a:effectLst/>
+              <a:latin typeface="Arial" panose="020B0604020202020204" pitchFamily="34" charset="0"/>
+            </a:endParaRPr>
+          </a:p>
+        </p:txBody>
+      </p:sp>
       <p:pic>
         <p:nvPicPr>
           <p:cNvPr id="6" name="Imagem 5">
@@ -8591,7 +9405,7 @@
 </p:sld>
 </file>
 
-<file path=ppt/slides/slide14.xml><?xml version="1.0" encoding="utf-8"?>
+<file path=ppt/slides/slide16.xml><?xml version="1.0" encoding="utf-8"?>
 <p:sld xmlns:a="http://schemas.openxmlformats.org/drawingml/2006/main" xmlns:r="http://schemas.openxmlformats.org/officeDocument/2006/relationships" xmlns:p="http://schemas.openxmlformats.org/presentationml/2006/main">
   <p:cSld>
     <p:spTree>
@@ -8654,30 +9468,45 @@
           <a:p>
             <a:pPr algn="l"/>
             <a:r>
-              <a:rPr lang="pt-BR" sz="3200" b="1" dirty="0"/>
+              <a:rPr lang="pt-BR" sz="3200" b="1" dirty="0">
+                <a:solidFill>
+                  <a:srgbClr val="1273C0"/>
+                </a:solidFill>
+              </a:rPr>
               <a:t>SBC (</a:t>
             </a:r>
             <a:r>
-              <a:rPr lang="pt-BR" sz="3200" b="1" dirty="0" err="1"/>
+              <a:rPr lang="pt-BR" sz="3200" b="1" dirty="0" err="1">
+                <a:solidFill>
+                  <a:srgbClr val="1273C0"/>
+                </a:solidFill>
+              </a:rPr>
               <a:t>Session</a:t>
             </a:r>
             <a:r>
-              <a:rPr lang="pt-BR" sz="3200" b="1" dirty="0"/>
+              <a:rPr lang="pt-BR" sz="3200" b="1" dirty="0">
+                <a:solidFill>
+                  <a:srgbClr val="1273C0"/>
+                </a:solidFill>
+              </a:rPr>
               <a:t> Border </a:t>
             </a:r>
             <a:r>
-              <a:rPr lang="pt-BR" sz="3200" b="1" dirty="0" err="1"/>
+              <a:rPr lang="pt-BR" sz="3200" b="1" dirty="0" err="1">
+                <a:solidFill>
+                  <a:srgbClr val="1273C0"/>
+                </a:solidFill>
+              </a:rPr>
               <a:t>Controller</a:t>
             </a:r>
             <a:r>
-              <a:rPr lang="pt-BR" sz="3200" b="1" dirty="0"/>
+              <a:rPr lang="pt-BR" sz="3200" b="1" dirty="0">
+                <a:solidFill>
+                  <a:srgbClr val="1273C0"/>
+                </a:solidFill>
+              </a:rPr>
               <a:t>)</a:t>
             </a:r>
-            <a:endParaRPr lang="pt-BR" sz="3200" b="1" dirty="0">
-              <a:solidFill>
-                <a:srgbClr val="1377C7"/>
-              </a:solidFill>
-            </a:endParaRPr>
           </a:p>
         </p:txBody>
       </p:sp>
@@ -8942,7 +9771,7 @@
 </p:sld>
 </file>
 
-<file path=ppt/slides/slide15.xml><?xml version="1.0" encoding="utf-8"?>
+<file path=ppt/slides/slide17.xml><?xml version="1.0" encoding="utf-8"?>
 <p:sld xmlns:a="http://schemas.openxmlformats.org/drawingml/2006/main" xmlns:r="http://schemas.openxmlformats.org/officeDocument/2006/relationships" xmlns:p="http://schemas.openxmlformats.org/presentationml/2006/main">
   <p:cSld>
     <p:spTree>
@@ -9005,16 +9834,24 @@
           <a:p>
             <a:pPr algn="l"/>
             <a:r>
-              <a:rPr lang="pt-BR" sz="2500" dirty="0"/>
+              <a:rPr lang="pt-BR" sz="2500" dirty="0">
+                <a:solidFill>
+                  <a:srgbClr val="1273C0"/>
+                </a:solidFill>
+              </a:rPr>
               <a:t>SIP </a:t>
             </a:r>
             <a:r>
-              <a:rPr lang="pt-BR" sz="2500" dirty="0" err="1"/>
+              <a:rPr lang="pt-BR" sz="2500" dirty="0" err="1">
+                <a:solidFill>
+                  <a:srgbClr val="1273C0"/>
+                </a:solidFill>
+              </a:rPr>
               <a:t>Trunk</a:t>
             </a:r>
             <a:endParaRPr lang="pt-BR" sz="2500" b="1" dirty="0">
               <a:solidFill>
-                <a:srgbClr val="1377C7"/>
+                <a:srgbClr val="1273C0"/>
               </a:solidFill>
             </a:endParaRPr>
           </a:p>
@@ -9247,7 +10084,7 @@
 </p:sld>
 </file>
 
-<file path=ppt/slides/slide16.xml><?xml version="1.0" encoding="utf-8"?>
+<file path=ppt/slides/slide18.xml><?xml version="1.0" encoding="utf-8"?>
 <p:sld xmlns:a="http://schemas.openxmlformats.org/drawingml/2006/main" xmlns:r="http://schemas.openxmlformats.org/officeDocument/2006/relationships" xmlns:p="http://schemas.openxmlformats.org/presentationml/2006/main">
   <p:cSld>
     <p:spTree>
@@ -9310,14 +10147,13 @@
           <a:p>
             <a:pPr algn="l"/>
             <a:r>
-              <a:rPr lang="pt-BR" sz="2500" dirty="0"/>
-              <a:t>SIPREC — Gravação de Sessões</a:t>
-            </a:r>
-            <a:endParaRPr lang="pt-BR" sz="2500" b="1" dirty="0">
-              <a:solidFill>
-                <a:srgbClr val="1377C7"/>
-              </a:solidFill>
-            </a:endParaRPr>
+              <a:rPr lang="pt-BR" sz="3200" b="1" dirty="0">
+                <a:solidFill>
+                  <a:srgbClr val="1273C0"/>
+                </a:solidFill>
+              </a:rPr>
+              <a:t>SIPREC — Protocolo</a:t>
+            </a:r>
           </a:p>
         </p:txBody>
       </p:sp>
@@ -9397,8 +10233,8 @@
         </p:nvSpPr>
         <p:spPr bwMode="auto">
           <a:xfrm>
-            <a:off x="657207" y="2180475"/>
-            <a:ext cx="12192000" cy="0"/>
+            <a:off x="627899" y="1826955"/>
+            <a:ext cx="3838593" cy="1477328"/>
           </a:xfrm>
           <a:prstGeom prst="rect">
             <a:avLst/>
@@ -9438,7 +10274,7 @@
           </a:extLst>
         </p:spPr>
         <p:txBody>
-          <a:bodyPr vert="horz" wrap="none" lIns="91440" tIns="45720" rIns="91440" bIns="45720" numCol="1" anchor="ctr" anchorCtr="0" compatLnSpc="1">
+          <a:bodyPr vert="horz" wrap="square" lIns="91440" tIns="45720" rIns="91440" bIns="45720" numCol="1" anchor="ctr" anchorCtr="0" compatLnSpc="1">
             <a:prstTxWarp prst="textNoShape">
               <a:avLst/>
             </a:prstTxWarp>
@@ -9473,7 +10309,7 @@
                 <a:effectLst/>
                 <a:latin typeface="Arial" panose="020B0604020202020204" pitchFamily="34" charset="0"/>
               </a:rPr>
-              <a:t>Padrão para gravação de chamadas</a:t>
+              <a:t>Protocolo SIP</a:t>
             </a:r>
           </a:p>
           <a:p>
@@ -9504,8 +10340,11 @@
                 <a:effectLst/>
                 <a:latin typeface="Arial" panose="020B0604020202020204" pitchFamily="34" charset="0"/>
               </a:rPr>
-              <a:t>Separação entre chamada e gravação</a:t>
-            </a:r>
+              <a:t>Protocolo SDP </a:t>
+            </a:r>
+            <a:endParaRPr lang="pt-BR" altLang="pt-BR" dirty="0">
+              <a:latin typeface="Arial" panose="020B0604020202020204" pitchFamily="34" charset="0"/>
+            </a:endParaRPr>
           </a:p>
           <a:p>
             <a:pPr marL="0" marR="0" lvl="0" indent="0" algn="l" defTabSz="914400" rtl="0" eaLnBrk="0" fontAlgn="base" latinLnBrk="0" hangingPunct="0">
@@ -9535,7 +10374,7 @@
                 <a:effectLst/>
                 <a:latin typeface="Arial" panose="020B0604020202020204" pitchFamily="34" charset="0"/>
               </a:rPr>
-              <a:t>Envio de sinalização e mídia</a:t>
+              <a:t>RTP</a:t>
             </a:r>
           </a:p>
           <a:p>
@@ -9556,6 +10395,30 @@
               <a:tabLst/>
             </a:pPr>
             <a:r>
+              <a:rPr lang="pt-BR" altLang="pt-BR" dirty="0">
+                <a:latin typeface="Arial" panose="020B0604020202020204" pitchFamily="34" charset="0"/>
+              </a:rPr>
+              <a:t>XML</a:t>
+            </a:r>
+          </a:p>
+          <a:p>
+            <a:pPr marL="0" marR="0" lvl="0" indent="0" algn="l" defTabSz="914400" rtl="0" eaLnBrk="0" fontAlgn="base" latinLnBrk="0" hangingPunct="0">
+              <a:lnSpc>
+                <a:spcPct val="100000"/>
+              </a:lnSpc>
+              <a:spcBef>
+                <a:spcPct val="0"/>
+              </a:spcBef>
+              <a:spcAft>
+                <a:spcPct val="0"/>
+              </a:spcAft>
+              <a:buClrTx/>
+              <a:buSzTx/>
+              <a:buFontTx/>
+              <a:buChar char="•"/>
+              <a:tabLst/>
+            </a:pPr>
+            <a:r>
               <a:rPr kumimoji="0" lang="pt-BR" altLang="pt-BR" sz="1800" b="0" i="0" u="none" strike="noStrike" cap="none" normalizeH="0" baseline="0" dirty="0">
                 <a:ln>
                   <a:noFill/>
@@ -9566,17 +10429,17 @@
                 <a:effectLst/>
                 <a:latin typeface="Arial" panose="020B0604020202020204" pitchFamily="34" charset="0"/>
               </a:rPr>
-              <a:t>Usado em ambientes corporativos</a:t>
+              <a:t>Faz Copia das Chamadas</a:t>
             </a:r>
           </a:p>
         </p:txBody>
       </p:sp>
       <p:pic>
         <p:nvPicPr>
-          <p:cNvPr id="7" name="Imagem 6">
-            <a:extLst>
-              <a:ext uri="{FF2B5EF4-FFF2-40B4-BE49-F238E27FC236}">
-                <a16:creationId xmlns:a16="http://schemas.microsoft.com/office/drawing/2014/main" id="{D4D0792F-0A2E-2B76-D1EB-AF69A8CD18EA}"/>
+          <p:cNvPr id="3" name="Imagem 2">
+            <a:extLst>
+              <a:ext uri="{FF2B5EF4-FFF2-40B4-BE49-F238E27FC236}">
+                <a16:creationId xmlns:a16="http://schemas.microsoft.com/office/drawing/2014/main" id="{7B4D2464-FDC7-14B1-F35E-1F73483D99F7}"/>
               </a:ext>
             </a:extLst>
           </p:cNvPr>
@@ -9593,8 +10456,8 @@
         </p:blipFill>
         <p:spPr>
           <a:xfrm>
-            <a:off x="5562600" y="1676400"/>
-            <a:ext cx="6248400" cy="2819400"/>
+            <a:off x="6682085" y="1310225"/>
+            <a:ext cx="5486400" cy="4557172"/>
           </a:xfrm>
           <a:prstGeom prst="rect">
             <a:avLst/>
@@ -9614,7 +10477,7 @@
 </p:sld>
 </file>
 
-<file path=ppt/slides/slide17.xml><?xml version="1.0" encoding="utf-8"?>
+<file path=ppt/slides/slide19.xml><?xml version="1.0" encoding="utf-8"?>
 <p:sld xmlns:a="http://schemas.openxmlformats.org/drawingml/2006/main" xmlns:r="http://schemas.openxmlformats.org/officeDocument/2006/relationships" xmlns:p="http://schemas.openxmlformats.org/presentationml/2006/main">
   <p:cSld>
     <p:spTree>
@@ -9633,56 +10496,479 @@
       </p:grpSpPr>
       <p:sp>
         <p:nvSpPr>
-          <p:cNvPr id="16" name="Título 5">
-            <a:extLst>
-              <a:ext uri="{FF2B5EF4-FFF2-40B4-BE49-F238E27FC236}">
-                <a16:creationId xmlns:a16="http://schemas.microsoft.com/office/drawing/2014/main" id="{CE6E49EE-D7CE-BFF0-8AAB-2C1374708467}"/>
-              </a:ext>
-            </a:extLst>
-          </p:cNvPr>
-          <p:cNvSpPr txBox="1">
-            <a:spLocks/>
-          </p:cNvSpPr>
+          <p:cNvPr id="2" name="Título 1">
+            <a:extLst>
+              <a:ext uri="{FF2B5EF4-FFF2-40B4-BE49-F238E27FC236}">
+                <a16:creationId xmlns:a16="http://schemas.microsoft.com/office/drawing/2014/main" id="{30E3A93E-6054-2838-2C5A-9979A289DB97}"/>
+              </a:ext>
+            </a:extLst>
+          </p:cNvPr>
+          <p:cNvSpPr>
+            <a:spLocks noGrp="1"/>
+          </p:cNvSpPr>
+          <p:nvPr>
+            <p:ph type="title"/>
+          </p:nvPr>
+        </p:nvSpPr>
+        <p:spPr/>
+        <p:txBody>
+          <a:bodyPr>
+            <a:normAutofit/>
+          </a:bodyPr>
+          <a:lstStyle/>
+          <a:p>
+            <a:pPr algn="l"/>
+            <a:r>
+              <a:rPr lang="pt-BR" sz="3200" dirty="0">
+                <a:solidFill>
+                  <a:srgbClr val="1273C0"/>
+                </a:solidFill>
+              </a:rPr>
+              <a:t>SDP </a:t>
+            </a:r>
+          </a:p>
+        </p:txBody>
+      </p:sp>
+      <p:pic>
+        <p:nvPicPr>
+          <p:cNvPr id="6" name="Imagem 5">
+            <a:extLst>
+              <a:ext uri="{FF2B5EF4-FFF2-40B4-BE49-F238E27FC236}">
+                <a16:creationId xmlns:a16="http://schemas.microsoft.com/office/drawing/2014/main" id="{18137E78-2D4C-1038-C3E9-98E1A68A11A4}"/>
+              </a:ext>
+            </a:extLst>
+          </p:cNvPr>
+          <p:cNvPicPr>
+            <a:picLocks noChangeAspect="1"/>
+          </p:cNvPicPr>
           <p:nvPr/>
-        </p:nvSpPr>
+        </p:nvPicPr>
+        <p:blipFill>
+          <a:blip r:embed="rId2"/>
+          <a:stretch>
+            <a:fillRect/>
+          </a:stretch>
+        </p:blipFill>
         <p:spPr>
           <a:xfrm>
-            <a:off x="657207" y="764652"/>
-            <a:ext cx="7706063" cy="490673"/>
+            <a:off x="1066800" y="1417638"/>
+            <a:ext cx="10134600" cy="4515480"/>
           </a:xfrm>
           <a:prstGeom prst="rect">
             <a:avLst/>
           </a:prstGeom>
         </p:spPr>
-        <p:txBody>
-          <a:bodyPr vert="horz" lIns="91440" tIns="45720" rIns="91440" bIns="45720" rtlCol="0" anchor="ctr">
-            <a:noAutofit/>
+      </p:pic>
+    </p:spTree>
+    <p:extLst>
+      <p:ext uri="{BB962C8B-B14F-4D97-AF65-F5344CB8AC3E}">
+        <p14:creationId xmlns:p14="http://schemas.microsoft.com/office/powerpoint/2010/main" val="1058949320"/>
+      </p:ext>
+    </p:extLst>
+  </p:cSld>
+  <p:clrMapOvr>
+    <a:masterClrMapping/>
+  </p:clrMapOvr>
+</p:sld>
+</file>
+
+<file path=ppt/slides/slide2.xml><?xml version="1.0" encoding="utf-8"?>
+<p:sld xmlns:a="http://schemas.openxmlformats.org/drawingml/2006/main" xmlns:r="http://schemas.openxmlformats.org/officeDocument/2006/relationships" xmlns:p="http://schemas.openxmlformats.org/presentationml/2006/main">
+  <p:cSld>
+    <p:spTree>
+      <p:nvGrpSpPr>
+        <p:cNvPr id="1" name=""/>
+        <p:cNvGrpSpPr/>
+        <p:nvPr/>
+      </p:nvGrpSpPr>
+      <p:grpSpPr>
+        <a:xfrm>
+          <a:off x="0" y="0"/>
+          <a:ext cx="0" cy="0"/>
+          <a:chOff x="0" y="0"/>
+          <a:chExt cx="0" cy="0"/>
+        </a:xfrm>
+      </p:grpSpPr>
+      <p:sp>
+        <p:nvSpPr>
+          <p:cNvPr id="2" name="Título 1">
+            <a:extLst>
+              <a:ext uri="{FF2B5EF4-FFF2-40B4-BE49-F238E27FC236}">
+                <a16:creationId xmlns:a16="http://schemas.microsoft.com/office/drawing/2014/main" id="{6F09DCFC-0A53-1D5A-ADD8-BFEACE0C33F3}"/>
+              </a:ext>
+            </a:extLst>
+          </p:cNvPr>
+          <p:cNvSpPr>
+            <a:spLocks noGrp="1"/>
+          </p:cNvSpPr>
+          <p:nvPr>
+            <p:ph type="title"/>
+          </p:nvPr>
+        </p:nvSpPr>
+        <p:spPr/>
+        <p:txBody>
+          <a:bodyPr>
+            <a:normAutofit/>
           </a:bodyPr>
-          <a:lstStyle>
-            <a:lvl1pPr algn="ctr" defTabSz="457200" rtl="0" eaLnBrk="1" latinLnBrk="0" hangingPunct="1">
+          <a:lstStyle/>
+          <a:p>
+            <a:r>
+              <a:rPr lang="pt-BR" b="1" dirty="0">
+                <a:solidFill>
+                  <a:srgbClr val="1273C0"/>
+                </a:solidFill>
+              </a:rPr>
+              <a:t>Internet, Rede Privada e Comunicação</a:t>
+            </a:r>
+          </a:p>
+        </p:txBody>
+      </p:sp>
+      <p:sp>
+        <p:nvSpPr>
+          <p:cNvPr id="6" name="Rectangle 2">
+            <a:extLst>
+              <a:ext uri="{FF2B5EF4-FFF2-40B4-BE49-F238E27FC236}">
+                <a16:creationId xmlns:a16="http://schemas.microsoft.com/office/drawing/2014/main" id="{72EDC7CE-E38B-0D15-5078-74B5B72B1155}"/>
+              </a:ext>
+            </a:extLst>
+          </p:cNvPr>
+          <p:cNvSpPr>
+            <a:spLocks noGrp="1" noChangeArrowheads="1"/>
+          </p:cNvSpPr>
+          <p:nvPr>
+            <p:ph idx="1"/>
+          </p:nvPr>
+        </p:nvSpPr>
+        <p:spPr bwMode="auto">
+          <a:xfrm>
+            <a:off x="621323" y="1676400"/>
+            <a:ext cx="5492914" cy="1200329"/>
+          </a:xfrm>
+          <a:prstGeom prst="rect">
+            <a:avLst/>
+          </a:prstGeom>
+          <a:noFill/>
+          <a:ln>
+            <a:noFill/>
+          </a:ln>
+          <a:effectLst/>
+          <a:extLst>
+            <a:ext uri="{909E8E84-426E-40DD-AFC4-6F175D3DCCD1}">
+              <a14:hiddenFill xmlns:a14="http://schemas.microsoft.com/office/drawing/2010/main">
+                <a:solidFill>
+                  <a:schemeClr val="accent1"/>
+                </a:solidFill>
+              </a14:hiddenFill>
+            </a:ext>
+            <a:ext uri="{91240B29-F687-4F45-9708-019B960494DF}">
+              <a14:hiddenLine xmlns:a14="http://schemas.microsoft.com/office/drawing/2010/main" w="9525">
+                <a:solidFill>
+                  <a:schemeClr val="tx1"/>
+                </a:solidFill>
+                <a:miter lim="800000"/>
+                <a:headEnd/>
+                <a:tailEnd/>
+              </a14:hiddenLine>
+            </a:ext>
+            <a:ext uri="{AF507438-7753-43E0-B8FC-AC1667EBCBE1}">
+              <a14:hiddenEffects xmlns:a14="http://schemas.microsoft.com/office/drawing/2010/main">
+                <a:effectLst>
+                  <a:outerShdw dist="35921" dir="2700000" algn="ctr" rotWithShape="0">
+                    <a:schemeClr val="bg2"/>
+                  </a:outerShdw>
+                </a:effectLst>
+              </a14:hiddenEffects>
+            </a:ext>
+          </a:extLst>
+        </p:spPr>
+        <p:txBody>
+          <a:bodyPr vert="horz" wrap="none" lIns="91440" tIns="45720" rIns="91440" bIns="45720" numCol="1" anchor="ctr" anchorCtr="0" compatLnSpc="1">
+            <a:prstTxWarp prst="textNoShape">
+              <a:avLst/>
+            </a:prstTxWarp>
+            <a:spAutoFit/>
+          </a:bodyPr>
+          <a:lstStyle/>
+          <a:p>
+            <a:pPr marL="0" marR="0" lvl="0" indent="0" algn="l" defTabSz="914400" rtl="0" eaLnBrk="0" fontAlgn="base" latinLnBrk="0" hangingPunct="0">
+              <a:lnSpc>
+                <a:spcPct val="100000"/>
+              </a:lnSpc>
               <a:spcBef>
                 <a:spcPct val="0"/>
               </a:spcBef>
+              <a:spcAft>
+                <a:spcPct val="0"/>
+              </a:spcAft>
+              <a:buClrTx/>
+              <a:buSzTx/>
               <a:buNone/>
-              <a:defRPr sz="4400" kern="1200">
+              <a:tabLst/>
+            </a:pPr>
+            <a:r>
+              <a:rPr kumimoji="0" lang="pt-BR" altLang="pt-BR" sz="1800" b="0" i="0" u="none" strike="noStrike" cap="none" normalizeH="0" baseline="0" dirty="0">
+                <a:ln>
+                  <a:noFill/>
+                </a:ln>
                 <a:solidFill>
                   <a:schemeClr val="tx1"/>
                 </a:solidFill>
-                <a:latin typeface="+mj-lt"/>
-                <a:ea typeface="+mj-ea"/>
-                <a:cs typeface="+mj-cs"/>
-              </a:defRPr>
-            </a:lvl1pPr>
-          </a:lstStyle>
-          <a:p>
-            <a:pPr algn="l"/>
-            <a:r>
-              <a:rPr lang="pt-BR" sz="2500" b="1" dirty="0"/>
-              <a:t>SIPREC — Arquitetura de Gravação de Chamadas</a:t>
-            </a:r>
-          </a:p>
-        </p:txBody>
-      </p:sp>
+                <a:effectLst/>
+                <a:latin typeface="Arial" panose="020B0604020202020204" pitchFamily="34" charset="0"/>
+              </a:rPr>
+              <a:t>Comunicação ocorre sempre entre </a:t>
+            </a:r>
+            <a:r>
+              <a:rPr kumimoji="0" lang="pt-BR" altLang="pt-BR" sz="1800" b="1" i="0" u="none" strike="noStrike" cap="none" normalizeH="0" baseline="0" dirty="0">
+                <a:ln>
+                  <a:noFill/>
+                </a:ln>
+                <a:solidFill>
+                  <a:schemeClr val="tx1"/>
+                </a:solidFill>
+                <a:effectLst/>
+                <a:latin typeface="Arial" panose="020B0604020202020204" pitchFamily="34" charset="0"/>
+              </a:rPr>
+              <a:t>IP + Porta</a:t>
+            </a:r>
+            <a:endParaRPr kumimoji="0" lang="pt-BR" altLang="pt-BR" sz="1800" b="0" i="0" u="none" strike="noStrike" cap="none" normalizeH="0" baseline="0" dirty="0">
+              <a:ln>
+                <a:noFill/>
+              </a:ln>
+              <a:solidFill>
+                <a:schemeClr val="tx1"/>
+              </a:solidFill>
+              <a:effectLst/>
+              <a:latin typeface="Arial" panose="020B0604020202020204" pitchFamily="34" charset="0"/>
+            </a:endParaRPr>
+          </a:p>
+          <a:p>
+            <a:pPr marL="0" marR="0" lvl="0" indent="0" algn="l" defTabSz="914400" rtl="0" eaLnBrk="0" fontAlgn="base" latinLnBrk="0" hangingPunct="0">
+              <a:lnSpc>
+                <a:spcPct val="100000"/>
+              </a:lnSpc>
+              <a:spcBef>
+                <a:spcPct val="0"/>
+              </a:spcBef>
+              <a:spcAft>
+                <a:spcPct val="0"/>
+              </a:spcAft>
+              <a:buClrTx/>
+              <a:buSzTx/>
+              <a:buFontTx/>
+              <a:buChar char="•"/>
+              <a:tabLst/>
+            </a:pPr>
+            <a:r>
+              <a:rPr kumimoji="0" lang="pt-BR" altLang="pt-BR" sz="1800" b="0" i="0" u="none" strike="noStrike" cap="none" normalizeH="0" baseline="0" dirty="0">
+                <a:ln>
+                  <a:noFill/>
+                </a:ln>
+                <a:solidFill>
+                  <a:schemeClr val="tx1"/>
+                </a:solidFill>
+                <a:effectLst/>
+                <a:latin typeface="Arial" panose="020B0604020202020204" pitchFamily="34" charset="0"/>
+              </a:rPr>
+              <a:t>Em redes locais são usados </a:t>
+            </a:r>
+            <a:r>
+              <a:rPr kumimoji="0" lang="pt-BR" altLang="pt-BR" sz="1800" b="1" i="0" u="none" strike="noStrike" cap="none" normalizeH="0" baseline="0" dirty="0" err="1">
+                <a:ln>
+                  <a:noFill/>
+                </a:ln>
+                <a:solidFill>
+                  <a:schemeClr val="tx1"/>
+                </a:solidFill>
+                <a:effectLst/>
+                <a:latin typeface="Arial" panose="020B0604020202020204" pitchFamily="34" charset="0"/>
+              </a:rPr>
+              <a:t>IPs</a:t>
+            </a:r>
+            <a:r>
+              <a:rPr kumimoji="0" lang="pt-BR" altLang="pt-BR" sz="1800" b="1" i="0" u="none" strike="noStrike" cap="none" normalizeH="0" baseline="0" dirty="0">
+                <a:ln>
+                  <a:noFill/>
+                </a:ln>
+                <a:solidFill>
+                  <a:schemeClr val="tx1"/>
+                </a:solidFill>
+                <a:effectLst/>
+                <a:latin typeface="Arial" panose="020B0604020202020204" pitchFamily="34" charset="0"/>
+              </a:rPr>
+              <a:t> privados</a:t>
+            </a:r>
+            <a:endParaRPr kumimoji="0" lang="pt-BR" altLang="pt-BR" sz="1800" b="0" i="0" u="none" strike="noStrike" cap="none" normalizeH="0" baseline="0" dirty="0">
+              <a:ln>
+                <a:noFill/>
+              </a:ln>
+              <a:solidFill>
+                <a:schemeClr val="tx1"/>
+              </a:solidFill>
+              <a:effectLst/>
+              <a:latin typeface="Arial" panose="020B0604020202020204" pitchFamily="34" charset="0"/>
+            </a:endParaRPr>
+          </a:p>
+          <a:p>
+            <a:pPr marL="0" marR="0" lvl="0" indent="0" algn="l" defTabSz="914400" rtl="0" eaLnBrk="0" fontAlgn="base" latinLnBrk="0" hangingPunct="0">
+              <a:lnSpc>
+                <a:spcPct val="100000"/>
+              </a:lnSpc>
+              <a:spcBef>
+                <a:spcPct val="0"/>
+              </a:spcBef>
+              <a:spcAft>
+                <a:spcPct val="0"/>
+              </a:spcAft>
+              <a:buClrTx/>
+              <a:buSzTx/>
+              <a:buFontTx/>
+              <a:buChar char="•"/>
+              <a:tabLst/>
+            </a:pPr>
+            <a:r>
+              <a:rPr kumimoji="0" lang="pt-BR" altLang="pt-BR" sz="1800" b="0" i="0" u="none" strike="noStrike" cap="none" normalizeH="0" baseline="0" dirty="0">
+                <a:ln>
+                  <a:noFill/>
+                </a:ln>
+                <a:solidFill>
+                  <a:schemeClr val="tx1"/>
+                </a:solidFill>
+                <a:effectLst/>
+                <a:latin typeface="Arial" panose="020B0604020202020204" pitchFamily="34" charset="0"/>
+              </a:rPr>
+              <a:t>Pela Internet há uso de </a:t>
+            </a:r>
+            <a:r>
+              <a:rPr kumimoji="0" lang="pt-BR" altLang="pt-BR" sz="1800" b="1" i="0" u="none" strike="noStrike" cap="none" normalizeH="0" baseline="0" dirty="0" err="1">
+                <a:ln>
+                  <a:noFill/>
+                </a:ln>
+                <a:solidFill>
+                  <a:schemeClr val="tx1"/>
+                </a:solidFill>
+                <a:effectLst/>
+                <a:latin typeface="Arial" panose="020B0604020202020204" pitchFamily="34" charset="0"/>
+              </a:rPr>
+              <a:t>IPs</a:t>
+            </a:r>
+            <a:r>
+              <a:rPr kumimoji="0" lang="pt-BR" altLang="pt-BR" sz="1800" b="1" i="0" u="none" strike="noStrike" cap="none" normalizeH="0" baseline="0" dirty="0">
+                <a:ln>
+                  <a:noFill/>
+                </a:ln>
+                <a:solidFill>
+                  <a:schemeClr val="tx1"/>
+                </a:solidFill>
+                <a:effectLst/>
+                <a:latin typeface="Arial" panose="020B0604020202020204" pitchFamily="34" charset="0"/>
+              </a:rPr>
+              <a:t> privados e públicos</a:t>
+            </a:r>
+            <a:endParaRPr kumimoji="0" lang="pt-BR" altLang="pt-BR" sz="1800" b="0" i="0" u="none" strike="noStrike" cap="none" normalizeH="0" baseline="0" dirty="0">
+              <a:ln>
+                <a:noFill/>
+              </a:ln>
+              <a:solidFill>
+                <a:schemeClr val="tx1"/>
+              </a:solidFill>
+              <a:effectLst/>
+              <a:latin typeface="Arial" panose="020B0604020202020204" pitchFamily="34" charset="0"/>
+            </a:endParaRPr>
+          </a:p>
+          <a:p>
+            <a:pPr marL="0" marR="0" lvl="0" indent="0" algn="l" defTabSz="914400" rtl="0" eaLnBrk="0" fontAlgn="base" latinLnBrk="0" hangingPunct="0">
+              <a:lnSpc>
+                <a:spcPct val="100000"/>
+              </a:lnSpc>
+              <a:spcBef>
+                <a:spcPct val="0"/>
+              </a:spcBef>
+              <a:spcAft>
+                <a:spcPct val="0"/>
+              </a:spcAft>
+              <a:buClrTx/>
+              <a:buSzTx/>
+              <a:buFontTx/>
+              <a:buChar char="•"/>
+              <a:tabLst/>
+            </a:pPr>
+            <a:r>
+              <a:rPr kumimoji="0" lang="pt-BR" altLang="pt-BR" sz="1800" b="0" i="0" u="none" strike="noStrike" cap="none" normalizeH="0" baseline="0" dirty="0">
+                <a:ln>
+                  <a:noFill/>
+                </a:ln>
+                <a:solidFill>
+                  <a:schemeClr val="tx1"/>
+                </a:solidFill>
+                <a:effectLst/>
+                <a:latin typeface="Arial" panose="020B0604020202020204" pitchFamily="34" charset="0"/>
+              </a:rPr>
+              <a:t>Telefonia IP usa a infraestrutura de redes de dados</a:t>
+            </a:r>
+          </a:p>
+        </p:txBody>
+      </p:sp>
+      <p:pic>
+        <p:nvPicPr>
+          <p:cNvPr id="10" name="Imagem 9">
+            <a:extLst>
+              <a:ext uri="{FF2B5EF4-FFF2-40B4-BE49-F238E27FC236}">
+                <a16:creationId xmlns:a16="http://schemas.microsoft.com/office/drawing/2014/main" id="{BD831E87-7081-DEB3-E65C-7DCA76D89D35}"/>
+              </a:ext>
+            </a:extLst>
+          </p:cNvPr>
+          <p:cNvPicPr>
+            <a:picLocks noChangeAspect="1"/>
+          </p:cNvPicPr>
+          <p:nvPr/>
+        </p:nvPicPr>
+        <p:blipFill>
+          <a:blip r:embed="rId2"/>
+          <a:stretch>
+            <a:fillRect/>
+          </a:stretch>
+        </p:blipFill>
+        <p:spPr>
+          <a:xfrm>
+            <a:off x="6096000" y="2743201"/>
+            <a:ext cx="5324475" cy="2871128"/>
+          </a:xfrm>
+          <a:prstGeom prst="rect">
+            <a:avLst/>
+          </a:prstGeom>
+        </p:spPr>
+      </p:pic>
+    </p:spTree>
+    <p:extLst>
+      <p:ext uri="{BB962C8B-B14F-4D97-AF65-F5344CB8AC3E}">
+        <p14:creationId xmlns:p14="http://schemas.microsoft.com/office/powerpoint/2010/main" val="3699317280"/>
+      </p:ext>
+    </p:extLst>
+  </p:cSld>
+  <p:clrMapOvr>
+    <a:masterClrMapping/>
+  </p:clrMapOvr>
+</p:sld>
+</file>
+
+<file path=ppt/slides/slide20.xml><?xml version="1.0" encoding="utf-8"?>
+<p:sld xmlns:a="http://schemas.openxmlformats.org/drawingml/2006/main" xmlns:r="http://schemas.openxmlformats.org/officeDocument/2006/relationships" xmlns:p="http://schemas.openxmlformats.org/presentationml/2006/main">
+  <p:cSld>
+    <p:spTree>
+      <p:nvGrpSpPr>
+        <p:cNvPr id="1" name=""/>
+        <p:cNvGrpSpPr/>
+        <p:nvPr/>
+      </p:nvGrpSpPr>
+      <p:grpSpPr>
+        <a:xfrm>
+          <a:off x="0" y="0"/>
+          <a:ext cx="0" cy="0"/>
+          <a:chOff x="0" y="0"/>
+          <a:chExt cx="0" cy="0"/>
+        </a:xfrm>
+      </p:grpSpPr>
       <p:sp>
         <p:nvSpPr>
           <p:cNvPr id="4" name="CaixaDeTexto 3">
@@ -9743,281 +11029,19 @@
           </a:p>
         </p:txBody>
       </p:sp>
-      <p:sp>
-        <p:nvSpPr>
-          <p:cNvPr id="5" name="Rectangle 1">
-            <a:extLst>
-              <a:ext uri="{FF2B5EF4-FFF2-40B4-BE49-F238E27FC236}">
-                <a16:creationId xmlns:a16="http://schemas.microsoft.com/office/drawing/2014/main" id="{C42AF5CB-7AED-BD7D-9A4D-B5440BFFE565}"/>
-              </a:ext>
-            </a:extLst>
-          </p:cNvPr>
-          <p:cNvSpPr>
-            <a:spLocks noChangeArrowheads="1"/>
-          </p:cNvSpPr>
-          <p:nvPr/>
-        </p:nvSpPr>
-        <p:spPr bwMode="auto">
-          <a:xfrm>
-            <a:off x="733475" y="1600200"/>
-            <a:ext cx="4648200" cy="5078313"/>
-          </a:xfrm>
-          <a:prstGeom prst="rect">
-            <a:avLst/>
-          </a:prstGeom>
-          <a:noFill/>
-          <a:ln>
-            <a:noFill/>
-          </a:ln>
-          <a:effectLst/>
-          <a:extLst>
-            <a:ext uri="{909E8E84-426E-40DD-AFC4-6F175D3DCCD1}">
-              <a14:hiddenFill xmlns:a14="http://schemas.microsoft.com/office/drawing/2010/main">
-                <a:solidFill>
-                  <a:schemeClr val="accent1"/>
-                </a:solidFill>
-              </a14:hiddenFill>
-            </a:ext>
-            <a:ext uri="{91240B29-F687-4F45-9708-019B960494DF}">
-              <a14:hiddenLine xmlns:a14="http://schemas.microsoft.com/office/drawing/2010/main" w="9525">
-                <a:solidFill>
-                  <a:schemeClr val="tx1"/>
-                </a:solidFill>
-                <a:miter lim="800000"/>
-                <a:headEnd/>
-                <a:tailEnd/>
-              </a14:hiddenLine>
-            </a:ext>
-            <a:ext uri="{AF507438-7753-43E0-B8FC-AC1667EBCBE1}">
-              <a14:hiddenEffects xmlns:a14="http://schemas.microsoft.com/office/drawing/2010/main">
-                <a:effectLst>
-                  <a:outerShdw dist="35921" dir="2700000" algn="ctr" rotWithShape="0">
-                    <a:schemeClr val="bg2"/>
-                  </a:outerShdw>
-                </a:effectLst>
-              </a14:hiddenEffects>
-            </a:ext>
-          </a:extLst>
-        </p:spPr>
-        <p:txBody>
-          <a:bodyPr vert="horz" wrap="square" lIns="91440" tIns="45720" rIns="91440" bIns="45720" numCol="1" anchor="ctr" anchorCtr="0" compatLnSpc="1">
-            <a:prstTxWarp prst="textNoShape">
-              <a:avLst/>
-            </a:prstTxWarp>
-            <a:spAutoFit/>
-          </a:bodyPr>
-          <a:lstStyle/>
-          <a:p>
-            <a:r>
-              <a:rPr lang="pt-BR" dirty="0"/>
-              <a:t>🔹 </a:t>
-            </a:r>
-            <a:r>
-              <a:rPr lang="pt-BR" b="1" dirty="0"/>
-              <a:t>Objetivo</a:t>
-            </a:r>
-            <a:br>
-              <a:rPr lang="pt-BR" dirty="0"/>
-            </a:br>
-            <a:r>
-              <a:rPr lang="pt-BR" dirty="0"/>
-              <a:t>Gravar chamadas VoIP de forma </a:t>
-            </a:r>
-            <a:r>
-              <a:rPr lang="pt-BR" b="1" dirty="0"/>
-              <a:t>segura e padronizada</a:t>
-            </a:r>
-            <a:endParaRPr lang="pt-BR" dirty="0"/>
-          </a:p>
-          <a:p>
-            <a:r>
-              <a:rPr lang="pt-BR" dirty="0"/>
-              <a:t>🔹 </a:t>
-            </a:r>
-            <a:r>
-              <a:rPr lang="pt-BR" b="1" dirty="0"/>
-              <a:t>SRC (</a:t>
-            </a:r>
-            <a:r>
-              <a:rPr lang="pt-BR" b="1" dirty="0" err="1"/>
-              <a:t>Session</a:t>
-            </a:r>
-            <a:r>
-              <a:rPr lang="pt-BR" b="1" dirty="0"/>
-              <a:t> </a:t>
-            </a:r>
-            <a:r>
-              <a:rPr lang="pt-BR" b="1" dirty="0" err="1"/>
-              <a:t>Recording</a:t>
-            </a:r>
-            <a:r>
-              <a:rPr lang="pt-BR" b="1" dirty="0"/>
-              <a:t> </a:t>
-            </a:r>
-            <a:r>
-              <a:rPr lang="pt-BR" b="1" dirty="0" err="1"/>
-              <a:t>Client</a:t>
-            </a:r>
-            <a:r>
-              <a:rPr lang="pt-BR" b="1" dirty="0"/>
-              <a:t>)</a:t>
-            </a:r>
-            <a:br>
-              <a:rPr lang="pt-BR" dirty="0"/>
-            </a:br>
-            <a:r>
-              <a:rPr lang="pt-BR" dirty="0"/>
-              <a:t>PBX ou SBC que </a:t>
-            </a:r>
-            <a:r>
-              <a:rPr lang="pt-BR" b="1" dirty="0"/>
-              <a:t>envia uma cópia da chamada</a:t>
-            </a:r>
-            <a:endParaRPr lang="pt-BR" dirty="0"/>
-          </a:p>
-          <a:p>
-            <a:r>
-              <a:rPr lang="pt-BR" dirty="0"/>
-              <a:t>🔹 </a:t>
-            </a:r>
-            <a:r>
-              <a:rPr lang="pt-BR" b="1" dirty="0"/>
-              <a:t>SRS (</a:t>
-            </a:r>
-            <a:r>
-              <a:rPr lang="pt-BR" b="1" dirty="0" err="1"/>
-              <a:t>Session</a:t>
-            </a:r>
-            <a:r>
-              <a:rPr lang="pt-BR" b="1" dirty="0"/>
-              <a:t> </a:t>
-            </a:r>
-            <a:r>
-              <a:rPr lang="pt-BR" b="1" dirty="0" err="1"/>
-              <a:t>Recording</a:t>
-            </a:r>
-            <a:r>
-              <a:rPr lang="pt-BR" b="1" dirty="0"/>
-              <a:t> Server)</a:t>
-            </a:r>
-            <a:br>
-              <a:rPr lang="pt-BR" dirty="0"/>
-            </a:br>
-            <a:r>
-              <a:rPr lang="pt-BR" dirty="0"/>
-              <a:t>Servidor dedicado que </a:t>
-            </a:r>
-            <a:r>
-              <a:rPr lang="pt-BR" b="1" dirty="0"/>
-              <a:t>recebe e grava</a:t>
-            </a:r>
-            <a:r>
-              <a:rPr lang="pt-BR" dirty="0"/>
-              <a:t> áudio e metadados</a:t>
-            </a:r>
-          </a:p>
-          <a:p>
-            <a:r>
-              <a:rPr lang="pt-BR" dirty="0"/>
-              <a:t>🔹 </a:t>
-            </a:r>
-            <a:r>
-              <a:rPr lang="pt-BR" b="1" dirty="0"/>
-              <a:t>Como funciona</a:t>
-            </a:r>
-            <a:br>
-              <a:rPr lang="pt-BR" dirty="0"/>
-            </a:br>
-            <a:r>
-              <a:rPr lang="pt-BR" dirty="0"/>
-              <a:t>A chamada ocorre normalmente e o SRC </a:t>
-            </a:r>
-            <a:r>
-              <a:rPr lang="pt-BR" b="1" dirty="0"/>
-              <a:t>espelha a mídia</a:t>
-            </a:r>
-            <a:r>
-              <a:rPr lang="pt-BR" dirty="0"/>
-              <a:t> para o SRS</a:t>
-            </a:r>
-          </a:p>
-          <a:p>
-            <a:r>
-              <a:rPr lang="pt-BR" dirty="0"/>
-              <a:t>🔹 </a:t>
-            </a:r>
-            <a:r>
-              <a:rPr lang="pt-BR" b="1" dirty="0"/>
-              <a:t>Protocolos</a:t>
-            </a:r>
-            <a:br>
-              <a:rPr lang="pt-BR" dirty="0"/>
-            </a:br>
-            <a:r>
-              <a:rPr lang="pt-BR" dirty="0"/>
-              <a:t>SIP / SDP (controle) · RTP (áudio) · SIPREC (gravação)</a:t>
-            </a:r>
-          </a:p>
-          <a:p>
-            <a:r>
-              <a:rPr lang="pt-BR" dirty="0"/>
-              <a:t>🔹 </a:t>
-            </a:r>
-            <a:r>
-              <a:rPr lang="pt-BR" b="1" dirty="0"/>
-              <a:t>Benefícios</a:t>
-            </a:r>
-            <a:br>
-              <a:rPr lang="pt-BR" dirty="0"/>
-            </a:br>
-            <a:r>
-              <a:rPr lang="pt-BR" dirty="0"/>
-              <a:t>Compliance · Auditoria · Qualidade · Integração com IA</a:t>
-            </a:r>
-          </a:p>
-          <a:p>
-            <a:pPr marL="0" marR="0" lvl="0" indent="0" algn="l" defTabSz="914400" rtl="0" eaLnBrk="0" fontAlgn="base" latinLnBrk="0" hangingPunct="0">
-              <a:lnSpc>
-                <a:spcPct val="100000"/>
-              </a:lnSpc>
-              <a:spcBef>
-                <a:spcPct val="0"/>
-              </a:spcBef>
-              <a:spcAft>
-                <a:spcPct val="0"/>
-              </a:spcAft>
-              <a:buClrTx/>
-              <a:buSzTx/>
-              <a:tabLst/>
-            </a:pPr>
-            <a:endParaRPr kumimoji="0" lang="pt-BR" altLang="pt-BR" sz="1800" b="0" i="0" u="none" strike="noStrike" cap="none" normalizeH="0" baseline="0" dirty="0">
-              <a:ln>
-                <a:noFill/>
-              </a:ln>
-              <a:solidFill>
-                <a:schemeClr val="tx1"/>
-              </a:solidFill>
-              <a:effectLst/>
-              <a:latin typeface="Arial" panose="020B0604020202020204" pitchFamily="34" charset="0"/>
-            </a:endParaRPr>
-          </a:p>
-        </p:txBody>
-      </p:sp>
       <p:pic>
         <p:nvPicPr>
-          <p:cNvPr id="2" name="Espaço Reservado para Conteúdo 4">
-            <a:extLst>
-              <a:ext uri="{FF2B5EF4-FFF2-40B4-BE49-F238E27FC236}">
-                <a16:creationId xmlns:a16="http://schemas.microsoft.com/office/drawing/2014/main" id="{B4E338BD-952C-5C34-14EE-0DC5BFDDDC1F}"/>
+          <p:cNvPr id="9" name="Imagem 8">
+            <a:extLst>
+              <a:ext uri="{FF2B5EF4-FFF2-40B4-BE49-F238E27FC236}">
+                <a16:creationId xmlns:a16="http://schemas.microsoft.com/office/drawing/2014/main" id="{9C0E6808-91F9-E8F2-6B01-1756E7582838}"/>
               </a:ext>
             </a:extLst>
           </p:cNvPr>
           <p:cNvPicPr>
-            <a:picLocks noGrp="1" noChangeAspect="1"/>
+            <a:picLocks noChangeAspect="1"/>
           </p:cNvPicPr>
-          <p:nvPr>
-            <p:ph idx="1"/>
-          </p:nvPr>
+          <p:nvPr/>
         </p:nvPicPr>
         <p:blipFill>
           <a:blip r:embed="rId2"/>
@@ -10027,9 +11051,12 @@
         </p:blipFill>
         <p:spPr>
           <a:xfrm>
-            <a:off x="6791665" y="2462212"/>
-            <a:ext cx="4476750" cy="866775"/>
-          </a:xfrm>
+            <a:off x="2865839" y="585569"/>
+            <a:ext cx="6915573" cy="5686862"/>
+          </a:xfrm>
+          <a:prstGeom prst="rect">
+            <a:avLst/>
+          </a:prstGeom>
         </p:spPr>
       </p:pic>
     </p:spTree>
@@ -10045,7 +11072,123 @@
 </p:sld>
 </file>
 
-<file path=ppt/slides/slide18.xml><?xml version="1.0" encoding="utf-8"?>
+<file path=ppt/slides/slide21.xml><?xml version="1.0" encoding="utf-8"?>
+<p:sld xmlns:a="http://schemas.openxmlformats.org/drawingml/2006/main" xmlns:r="http://schemas.openxmlformats.org/officeDocument/2006/relationships" xmlns:p="http://schemas.openxmlformats.org/presentationml/2006/main">
+  <p:cSld>
+    <p:spTree>
+      <p:nvGrpSpPr>
+        <p:cNvPr id="1" name=""/>
+        <p:cNvGrpSpPr/>
+        <p:nvPr/>
+      </p:nvGrpSpPr>
+      <p:grpSpPr>
+        <a:xfrm>
+          <a:off x="0" y="0"/>
+          <a:ext cx="0" cy="0"/>
+          <a:chOff x="0" y="0"/>
+          <a:chExt cx="0" cy="0"/>
+        </a:xfrm>
+      </p:grpSpPr>
+      <p:pic>
+        <p:nvPicPr>
+          <p:cNvPr id="5" name="Imagem 4">
+            <a:extLst>
+              <a:ext uri="{FF2B5EF4-FFF2-40B4-BE49-F238E27FC236}">
+                <a16:creationId xmlns:a16="http://schemas.microsoft.com/office/drawing/2014/main" id="{CD707CB9-E875-7C60-3ECB-12736BB75134}"/>
+              </a:ext>
+            </a:extLst>
+          </p:cNvPr>
+          <p:cNvPicPr>
+            <a:picLocks noChangeAspect="1"/>
+          </p:cNvPicPr>
+          <p:nvPr/>
+        </p:nvPicPr>
+        <p:blipFill>
+          <a:blip r:embed="rId2"/>
+          <a:stretch>
+            <a:fillRect/>
+          </a:stretch>
+        </p:blipFill>
+        <p:spPr>
+          <a:xfrm>
+            <a:off x="3452812" y="2438400"/>
+            <a:ext cx="5286375" cy="1501555"/>
+          </a:xfrm>
+          <a:prstGeom prst="rect">
+            <a:avLst/>
+          </a:prstGeom>
+        </p:spPr>
+      </p:pic>
+      <p:sp>
+        <p:nvSpPr>
+          <p:cNvPr id="6" name="Título 5">
+            <a:extLst>
+              <a:ext uri="{FF2B5EF4-FFF2-40B4-BE49-F238E27FC236}">
+                <a16:creationId xmlns:a16="http://schemas.microsoft.com/office/drawing/2014/main" id="{63505F34-5696-D09D-5709-62A008643106}"/>
+              </a:ext>
+            </a:extLst>
+          </p:cNvPr>
+          <p:cNvSpPr txBox="1">
+            <a:spLocks/>
+          </p:cNvSpPr>
+          <p:nvPr/>
+        </p:nvSpPr>
+        <p:spPr>
+          <a:xfrm>
+            <a:off x="657207" y="764652"/>
+            <a:ext cx="7706063" cy="490673"/>
+          </a:xfrm>
+          <a:prstGeom prst="rect">
+            <a:avLst/>
+          </a:prstGeom>
+        </p:spPr>
+        <p:txBody>
+          <a:bodyPr vert="horz" lIns="91440" tIns="45720" rIns="91440" bIns="45720" rtlCol="0" anchor="ctr">
+            <a:noAutofit/>
+          </a:bodyPr>
+          <a:lstStyle>
+            <a:lvl1pPr algn="ctr" defTabSz="457200" rtl="0" eaLnBrk="1" latinLnBrk="0" hangingPunct="1">
+              <a:spcBef>
+                <a:spcPct val="0"/>
+              </a:spcBef>
+              <a:buNone/>
+              <a:defRPr sz="4400" kern="1200">
+                <a:solidFill>
+                  <a:schemeClr val="tx1"/>
+                </a:solidFill>
+                <a:latin typeface="+mj-lt"/>
+                <a:ea typeface="+mj-ea"/>
+                <a:cs typeface="+mj-cs"/>
+              </a:defRPr>
+            </a:lvl1pPr>
+          </a:lstStyle>
+          <a:p>
+            <a:pPr algn="l"/>
+            <a:r>
+              <a:rPr lang="pt-BR" sz="2500" b="1" dirty="0">
+                <a:solidFill>
+                  <a:srgbClr val="1273C0"/>
+                </a:solidFill>
+              </a:rPr>
+              <a:t>Arquitetura Sistemas SIPREC</a:t>
+            </a:r>
+          </a:p>
+        </p:txBody>
+      </p:sp>
+    </p:spTree>
+    <p:extLst>
+      <p:ext uri="{BB962C8B-B14F-4D97-AF65-F5344CB8AC3E}">
+        <p14:creationId xmlns:p14="http://schemas.microsoft.com/office/powerpoint/2010/main" val="69956819"/>
+      </p:ext>
+    </p:extLst>
+  </p:cSld>
+  <p:clrMapOvr>
+    <a:masterClrMapping/>
+  </p:clrMapOvr>
+</p:sld>
+</file>
+
+<file path=ppt/slides/slide22.xml><?xml version="1.0" encoding="utf-8"?>
 <p:sld xmlns:a="http://schemas.openxmlformats.org/drawingml/2006/main" xmlns:r="http://schemas.openxmlformats.org/officeDocument/2006/relationships" xmlns:p="http://schemas.openxmlformats.org/presentationml/2006/main">
   <p:cSld>
     <p:spTree>
@@ -10138,14 +11281,13 @@
           <a:p>
             <a:pPr algn="l"/>
             <a:r>
-              <a:rPr lang="pt-BR" sz="2500" dirty="0"/>
+              <a:rPr lang="pt-BR" sz="2500" b="1" dirty="0">
+                <a:solidFill>
+                  <a:srgbClr val="1273C0"/>
+                </a:solidFill>
+              </a:rPr>
               <a:t>Arquitetura do Banco Tradicional</a:t>
             </a:r>
-            <a:endParaRPr lang="pt-BR" sz="2500" b="1" dirty="0">
-              <a:solidFill>
-                <a:srgbClr val="1377C7"/>
-              </a:solidFill>
-            </a:endParaRPr>
           </a:p>
         </p:txBody>
       </p:sp>
@@ -10162,7 +11304,7 @@
 </p:sld>
 </file>
 
-<file path=ppt/slides/slide19.xml><?xml version="1.0" encoding="utf-8"?>
+<file path=ppt/slides/slide23.xml><?xml version="1.0" encoding="utf-8"?>
 <p:sld xmlns:a="http://schemas.openxmlformats.org/drawingml/2006/main" xmlns:r="http://schemas.openxmlformats.org/officeDocument/2006/relationships" xmlns:p="http://schemas.openxmlformats.org/presentationml/2006/main">
   <p:cSld>
     <p:spTree>
@@ -10315,14 +11457,13 @@
           <a:p>
             <a:pPr algn="l"/>
             <a:r>
-              <a:rPr lang="pt-BR" sz="2500" dirty="0"/>
+              <a:rPr lang="pt-BR" sz="2500" b="1" dirty="0">
+                <a:solidFill>
+                  <a:srgbClr val="1273C0"/>
+                </a:solidFill>
+              </a:rPr>
               <a:t>Arquitetura do Banco Futura</a:t>
             </a:r>
-            <a:endParaRPr lang="pt-BR" sz="2500" b="1" dirty="0">
-              <a:solidFill>
-                <a:srgbClr val="1377C7"/>
-              </a:solidFill>
-            </a:endParaRPr>
           </a:p>
         </p:txBody>
       </p:sp>
@@ -10339,568 +11480,7 @@
 </p:sld>
 </file>
 
-<file path=ppt/slides/slide2.xml><?xml version="1.0" encoding="utf-8"?>
-<p:sld xmlns:a="http://schemas.openxmlformats.org/drawingml/2006/main" xmlns:r="http://schemas.openxmlformats.org/officeDocument/2006/relationships" xmlns:p="http://schemas.openxmlformats.org/presentationml/2006/main">
-  <p:cSld>
-    <p:spTree>
-      <p:nvGrpSpPr>
-        <p:cNvPr id="1" name=""/>
-        <p:cNvGrpSpPr/>
-        <p:nvPr/>
-      </p:nvGrpSpPr>
-      <p:grpSpPr>
-        <a:xfrm>
-          <a:off x="0" y="0"/>
-          <a:ext cx="0" cy="0"/>
-          <a:chOff x="0" y="0"/>
-          <a:chExt cx="0" cy="0"/>
-        </a:xfrm>
-      </p:grpSpPr>
-      <p:sp>
-        <p:nvSpPr>
-          <p:cNvPr id="11" name="Título 5">
-            <a:extLst>
-              <a:ext uri="{FF2B5EF4-FFF2-40B4-BE49-F238E27FC236}">
-                <a16:creationId xmlns:a16="http://schemas.microsoft.com/office/drawing/2014/main" id="{81DFDA10-915D-1210-7E5A-772EC9E4FDA4}"/>
-              </a:ext>
-            </a:extLst>
-          </p:cNvPr>
-          <p:cNvSpPr txBox="1">
-            <a:spLocks/>
-          </p:cNvSpPr>
-          <p:nvPr/>
-        </p:nvSpPr>
-        <p:spPr>
-          <a:xfrm>
-            <a:off x="637542" y="1009988"/>
-            <a:ext cx="7706063" cy="490673"/>
-          </a:xfrm>
-          <a:prstGeom prst="rect">
-            <a:avLst/>
-          </a:prstGeom>
-        </p:spPr>
-        <p:txBody>
-          <a:bodyPr vert="horz" lIns="91440" tIns="45720" rIns="91440" bIns="45720" rtlCol="0" anchor="ctr">
-            <a:noAutofit/>
-          </a:bodyPr>
-          <a:lstStyle>
-            <a:lvl1pPr algn="ctr" defTabSz="457200" rtl="0" eaLnBrk="1" latinLnBrk="0" hangingPunct="1">
-              <a:spcBef>
-                <a:spcPct val="0"/>
-              </a:spcBef>
-              <a:buNone/>
-              <a:defRPr sz="4400" kern="1200">
-                <a:solidFill>
-                  <a:schemeClr val="tx1"/>
-                </a:solidFill>
-                <a:latin typeface="+mj-lt"/>
-                <a:ea typeface="+mj-ea"/>
-                <a:cs typeface="+mj-cs"/>
-              </a:defRPr>
-            </a:lvl1pPr>
-          </a:lstStyle>
-          <a:p>
-            <a:pPr algn="l"/>
-            <a:r>
-              <a:rPr lang="pt-BR" sz="2500" dirty="0">
-                <a:solidFill>
-                  <a:schemeClr val="accent6">
-                    <a:lumMod val="75000"/>
-                  </a:schemeClr>
-                </a:solidFill>
-              </a:rPr>
-              <a:t>TCP </a:t>
-            </a:r>
-            <a:r>
-              <a:rPr lang="pt-BR" sz="2500" dirty="0" err="1">
-                <a:solidFill>
-                  <a:schemeClr val="accent6">
-                    <a:lumMod val="75000"/>
-                  </a:schemeClr>
-                </a:solidFill>
-              </a:rPr>
-              <a:t>vs</a:t>
-            </a:r>
-            <a:r>
-              <a:rPr lang="pt-BR" sz="2500" dirty="0">
-                <a:solidFill>
-                  <a:schemeClr val="accent6">
-                    <a:lumMod val="75000"/>
-                  </a:schemeClr>
-                </a:solidFill>
-              </a:rPr>
-              <a:t> UDP</a:t>
-            </a:r>
-            <a:endParaRPr lang="pt-BR" sz="2500" b="1" dirty="0">
-              <a:solidFill>
-                <a:schemeClr val="accent6">
-                  <a:lumMod val="75000"/>
-                </a:schemeClr>
-              </a:solidFill>
-            </a:endParaRPr>
-          </a:p>
-        </p:txBody>
-      </p:sp>
-      <p:sp>
-        <p:nvSpPr>
-          <p:cNvPr id="2" name="Rectangle 1">
-            <a:extLst>
-              <a:ext uri="{FF2B5EF4-FFF2-40B4-BE49-F238E27FC236}">
-                <a16:creationId xmlns:a16="http://schemas.microsoft.com/office/drawing/2014/main" id="{5A861C9B-2BBB-A51A-F005-EF13DB5EAC81}"/>
-              </a:ext>
-            </a:extLst>
-          </p:cNvPr>
-          <p:cNvSpPr>
-            <a:spLocks noChangeArrowheads="1"/>
-          </p:cNvSpPr>
-          <p:nvPr/>
-        </p:nvSpPr>
-        <p:spPr bwMode="auto">
-          <a:xfrm>
-            <a:off x="637543" y="1638362"/>
-            <a:ext cx="5458458" cy="1477328"/>
-          </a:xfrm>
-          <a:prstGeom prst="rect">
-            <a:avLst/>
-          </a:prstGeom>
-          <a:noFill/>
-          <a:ln>
-            <a:noFill/>
-          </a:ln>
-          <a:effectLst/>
-          <a:extLst>
-            <a:ext uri="{909E8E84-426E-40DD-AFC4-6F175D3DCCD1}">
-              <a14:hiddenFill xmlns:a14="http://schemas.microsoft.com/office/drawing/2010/main">
-                <a:solidFill>
-                  <a:schemeClr val="accent1"/>
-                </a:solidFill>
-              </a14:hiddenFill>
-            </a:ext>
-            <a:ext uri="{91240B29-F687-4F45-9708-019B960494DF}">
-              <a14:hiddenLine xmlns:a14="http://schemas.microsoft.com/office/drawing/2010/main" w="9525">
-                <a:solidFill>
-                  <a:schemeClr val="tx1"/>
-                </a:solidFill>
-                <a:miter lim="800000"/>
-                <a:headEnd/>
-                <a:tailEnd/>
-              </a14:hiddenLine>
-            </a:ext>
-            <a:ext uri="{AF507438-7753-43E0-B8FC-AC1667EBCBE1}">
-              <a14:hiddenEffects xmlns:a14="http://schemas.microsoft.com/office/drawing/2010/main">
-                <a:effectLst>
-                  <a:outerShdw dist="35921" dir="2700000" algn="ctr" rotWithShape="0">
-                    <a:schemeClr val="bg2"/>
-                  </a:outerShdw>
-                </a:effectLst>
-              </a14:hiddenEffects>
-            </a:ext>
-          </a:extLst>
-        </p:spPr>
-        <p:txBody>
-          <a:bodyPr vert="horz" wrap="square" lIns="91440" tIns="45720" rIns="91440" bIns="45720" numCol="1" anchor="ctr" anchorCtr="0" compatLnSpc="1">
-            <a:prstTxWarp prst="textNoShape">
-              <a:avLst/>
-            </a:prstTxWarp>
-            <a:spAutoFit/>
-          </a:bodyPr>
-          <a:lstStyle/>
-          <a:p>
-            <a:pPr marL="0" marR="0" lvl="0" indent="0" algn="l" defTabSz="914400" rtl="0" eaLnBrk="0" fontAlgn="base" latinLnBrk="0" hangingPunct="0">
-              <a:lnSpc>
-                <a:spcPct val="100000"/>
-              </a:lnSpc>
-              <a:spcBef>
-                <a:spcPct val="0"/>
-              </a:spcBef>
-              <a:spcAft>
-                <a:spcPct val="0"/>
-              </a:spcAft>
-              <a:buClrTx/>
-              <a:buSzTx/>
-              <a:buFontTx/>
-              <a:buChar char="•"/>
-              <a:tabLst/>
-            </a:pPr>
-            <a:r>
-              <a:rPr kumimoji="0" lang="pt-BR" altLang="pt-BR" sz="1800" b="1" i="0" u="none" strike="noStrike" cap="none" normalizeH="0" baseline="0" dirty="0">
-                <a:ln>
-                  <a:noFill/>
-                </a:ln>
-                <a:solidFill>
-                  <a:schemeClr val="tx1"/>
-                </a:solidFill>
-                <a:effectLst/>
-                <a:latin typeface="Arial" panose="020B0604020202020204" pitchFamily="34" charset="0"/>
-              </a:rPr>
-              <a:t>TCP</a:t>
-            </a:r>
-            <a:r>
-              <a:rPr kumimoji="0" lang="pt-BR" altLang="pt-BR" sz="1800" b="0" i="0" u="none" strike="noStrike" cap="none" normalizeH="0" baseline="0" dirty="0">
-                <a:ln>
-                  <a:noFill/>
-                </a:ln>
-                <a:solidFill>
-                  <a:schemeClr val="tx1"/>
-                </a:solidFill>
-                <a:effectLst/>
-                <a:latin typeface="Arial" panose="020B0604020202020204" pitchFamily="34" charset="0"/>
-              </a:rPr>
-              <a:t>: confiável, orientado à conexão</a:t>
-            </a:r>
-          </a:p>
-          <a:p>
-            <a:pPr marL="0" marR="0" lvl="0" indent="0" algn="l" defTabSz="914400" rtl="0" eaLnBrk="0" fontAlgn="base" latinLnBrk="0" hangingPunct="0">
-              <a:lnSpc>
-                <a:spcPct val="100000"/>
-              </a:lnSpc>
-              <a:spcBef>
-                <a:spcPct val="0"/>
-              </a:spcBef>
-              <a:spcAft>
-                <a:spcPct val="0"/>
-              </a:spcAft>
-              <a:buClrTx/>
-              <a:buSzTx/>
-              <a:buFontTx/>
-              <a:buChar char="•"/>
-              <a:tabLst/>
-            </a:pPr>
-            <a:r>
-              <a:rPr kumimoji="0" lang="pt-BR" altLang="pt-BR" sz="1800" b="1" i="0" u="none" strike="noStrike" cap="none" normalizeH="0" baseline="0" dirty="0">
-                <a:ln>
-                  <a:noFill/>
-                </a:ln>
-                <a:solidFill>
-                  <a:schemeClr val="tx1"/>
-                </a:solidFill>
-                <a:effectLst/>
-                <a:latin typeface="Arial" panose="020B0604020202020204" pitchFamily="34" charset="0"/>
-              </a:rPr>
-              <a:t>UDP</a:t>
-            </a:r>
-            <a:r>
-              <a:rPr kumimoji="0" lang="pt-BR" altLang="pt-BR" sz="1800" b="0" i="0" u="none" strike="noStrike" cap="none" normalizeH="0" baseline="0" dirty="0">
-                <a:ln>
-                  <a:noFill/>
-                </a:ln>
-                <a:solidFill>
-                  <a:schemeClr val="tx1"/>
-                </a:solidFill>
-                <a:effectLst/>
-                <a:latin typeface="Arial" panose="020B0604020202020204" pitchFamily="34" charset="0"/>
-              </a:rPr>
-              <a:t>: rápido, sem garantia de entrega</a:t>
-            </a:r>
-          </a:p>
-          <a:p>
-            <a:pPr marL="0" marR="0" lvl="0" indent="0" algn="l" defTabSz="914400" rtl="0" eaLnBrk="0" fontAlgn="base" latinLnBrk="0" hangingPunct="0">
-              <a:lnSpc>
-                <a:spcPct val="100000"/>
-              </a:lnSpc>
-              <a:spcBef>
-                <a:spcPct val="0"/>
-              </a:spcBef>
-              <a:spcAft>
-                <a:spcPct val="0"/>
-              </a:spcAft>
-              <a:buClrTx/>
-              <a:buSzTx/>
-              <a:buFontTx/>
-              <a:buChar char="•"/>
-              <a:tabLst/>
-            </a:pPr>
-            <a:r>
-              <a:rPr kumimoji="0" lang="pt-BR" altLang="pt-BR" sz="1800" b="0" i="0" u="none" strike="noStrike" cap="none" normalizeH="0" baseline="0" dirty="0">
-                <a:ln>
-                  <a:noFill/>
-                </a:ln>
-                <a:solidFill>
-                  <a:schemeClr val="tx1"/>
-                </a:solidFill>
-                <a:effectLst/>
-                <a:latin typeface="Arial" panose="020B0604020202020204" pitchFamily="34" charset="0"/>
-              </a:rPr>
-              <a:t>Telefonia prioriza </a:t>
-            </a:r>
-            <a:r>
-              <a:rPr kumimoji="0" lang="pt-BR" altLang="pt-BR" sz="1800" b="1" i="0" u="none" strike="noStrike" cap="none" normalizeH="0" baseline="0" dirty="0">
-                <a:ln>
-                  <a:noFill/>
-                </a:ln>
-                <a:solidFill>
-                  <a:schemeClr val="tx1"/>
-                </a:solidFill>
-                <a:effectLst/>
-                <a:latin typeface="Arial" panose="020B0604020202020204" pitchFamily="34" charset="0"/>
-              </a:rPr>
-              <a:t>baixa latência</a:t>
-            </a:r>
-            <a:endParaRPr kumimoji="0" lang="pt-BR" altLang="pt-BR" sz="1800" b="0" i="0" u="none" strike="noStrike" cap="none" normalizeH="0" baseline="0" dirty="0">
-              <a:ln>
-                <a:noFill/>
-              </a:ln>
-              <a:solidFill>
-                <a:schemeClr val="tx1"/>
-              </a:solidFill>
-              <a:effectLst/>
-              <a:latin typeface="Arial" panose="020B0604020202020204" pitchFamily="34" charset="0"/>
-            </a:endParaRPr>
-          </a:p>
-          <a:p>
-            <a:pPr marL="0" marR="0" lvl="0" indent="0" algn="l" defTabSz="914400" rtl="0" eaLnBrk="0" fontAlgn="base" latinLnBrk="0" hangingPunct="0">
-              <a:lnSpc>
-                <a:spcPct val="100000"/>
-              </a:lnSpc>
-              <a:spcBef>
-                <a:spcPct val="0"/>
-              </a:spcBef>
-              <a:spcAft>
-                <a:spcPct val="0"/>
-              </a:spcAft>
-              <a:buClrTx/>
-              <a:buSzTx/>
-              <a:buFontTx/>
-              <a:buChar char="•"/>
-              <a:tabLst/>
-            </a:pPr>
-            <a:r>
-              <a:rPr kumimoji="0" lang="pt-BR" altLang="pt-BR" sz="1800" b="0" i="0" u="none" strike="noStrike" cap="none" normalizeH="0" baseline="0" dirty="0">
-                <a:ln>
-                  <a:noFill/>
-                </a:ln>
-                <a:solidFill>
-                  <a:schemeClr val="tx1"/>
-                </a:solidFill>
-                <a:effectLst/>
-                <a:latin typeface="Arial" panose="020B0604020202020204" pitchFamily="34" charset="0"/>
-              </a:rPr>
-              <a:t>Sinalização e mídia podem usar transportes diferentes</a:t>
-            </a:r>
-          </a:p>
-        </p:txBody>
-      </p:sp>
-      <p:pic>
-        <p:nvPicPr>
-          <p:cNvPr id="4" name="Imagem 3">
-            <a:extLst>
-              <a:ext uri="{FF2B5EF4-FFF2-40B4-BE49-F238E27FC236}">
-                <a16:creationId xmlns:a16="http://schemas.microsoft.com/office/drawing/2014/main" id="{7DE60C3F-5A9A-903C-8AB4-A2AF61F2266D}"/>
-              </a:ext>
-            </a:extLst>
-          </p:cNvPr>
-          <p:cNvPicPr>
-            <a:picLocks noChangeAspect="1"/>
-          </p:cNvPicPr>
-          <p:nvPr/>
-        </p:nvPicPr>
-        <p:blipFill>
-          <a:blip r:embed="rId2"/>
-          <a:stretch>
-            <a:fillRect/>
-          </a:stretch>
-        </p:blipFill>
-        <p:spPr>
-          <a:xfrm>
-            <a:off x="5638800" y="609600"/>
-            <a:ext cx="5915657" cy="5714999"/>
-          </a:xfrm>
-          <a:prstGeom prst="rect">
-            <a:avLst/>
-          </a:prstGeom>
-        </p:spPr>
-      </p:pic>
-    </p:spTree>
-    <p:extLst>
-      <p:ext uri="{BB962C8B-B14F-4D97-AF65-F5344CB8AC3E}">
-        <p14:creationId xmlns:p14="http://schemas.microsoft.com/office/powerpoint/2010/main" val="986697820"/>
-      </p:ext>
-    </p:extLst>
-  </p:cSld>
-  <p:clrMapOvr>
-    <a:masterClrMapping/>
-  </p:clrMapOvr>
-</p:sld>
-</file>
-
-<file path=ppt/slides/slide20.xml><?xml version="1.0" encoding="utf-8"?>
-<p:sld xmlns:a="http://schemas.openxmlformats.org/drawingml/2006/main" xmlns:r="http://schemas.openxmlformats.org/officeDocument/2006/relationships" xmlns:p="http://schemas.openxmlformats.org/presentationml/2006/main">
-  <p:cSld>
-    <p:spTree>
-      <p:nvGrpSpPr>
-        <p:cNvPr id="1" name=""/>
-        <p:cNvGrpSpPr/>
-        <p:nvPr/>
-      </p:nvGrpSpPr>
-      <p:grpSpPr>
-        <a:xfrm>
-          <a:off x="0" y="0"/>
-          <a:ext cx="0" cy="0"/>
-          <a:chOff x="0" y="0"/>
-          <a:chExt cx="0" cy="0"/>
-        </a:xfrm>
-      </p:grpSpPr>
-      <p:sp>
-        <p:nvSpPr>
-          <p:cNvPr id="4" name="CaixaDeTexto 3">
-            <a:extLst>
-              <a:ext uri="{FF2B5EF4-FFF2-40B4-BE49-F238E27FC236}">
-                <a16:creationId xmlns:a16="http://schemas.microsoft.com/office/drawing/2014/main" id="{DB08D806-DAF6-F650-7AE0-058B6EBF328C}"/>
-              </a:ext>
-            </a:extLst>
-          </p:cNvPr>
-          <p:cNvSpPr txBox="1"/>
-          <p:nvPr/>
-        </p:nvSpPr>
-        <p:spPr>
-          <a:xfrm flipV="1">
-            <a:off x="949706" y="1935621"/>
-            <a:ext cx="2801747" cy="45719"/>
-          </a:xfrm>
-          <a:prstGeom prst="rect">
-            <a:avLst/>
-          </a:prstGeom>
-          <a:noFill/>
-          <a:ln>
-            <a:noFill/>
-          </a:ln>
-        </p:spPr>
-        <p:txBody>
-          <a:bodyPr wrap="square">
-            <a:spAutoFit/>
-          </a:bodyPr>
-          <a:lstStyle/>
-          <a:p>
-            <a:pPr marL="0" marR="0" lvl="0" indent="0" algn="l" defTabSz="914400" rtl="0" eaLnBrk="0" fontAlgn="base" latinLnBrk="0" hangingPunct="0">
-              <a:lnSpc>
-                <a:spcPct val="100000"/>
-              </a:lnSpc>
-              <a:spcBef>
-                <a:spcPct val="0"/>
-              </a:spcBef>
-              <a:spcAft>
-                <a:spcPct val="0"/>
-              </a:spcAft>
-              <a:buClrTx/>
-              <a:buSzTx/>
-              <a:buFontTx/>
-              <a:buChar char="•"/>
-              <a:tabLst/>
-            </a:pPr>
-            <a:endParaRPr kumimoji="0" lang="pt-BR" altLang="pt-BR" sz="2500" b="0" i="0" u="none" strike="noStrike" cap="none" normalizeH="0" baseline="0" dirty="0">
-              <a:ln>
-                <a:noFill/>
-              </a:ln>
-              <a:solidFill>
-                <a:schemeClr val="tx1"/>
-              </a:solidFill>
-              <a:effectLst/>
-              <a:latin typeface="Arial" panose="020B0604020202020204" pitchFamily="34" charset="0"/>
-            </a:endParaRPr>
-          </a:p>
-        </p:txBody>
-      </p:sp>
-      <p:pic>
-        <p:nvPicPr>
-          <p:cNvPr id="6" name="Imagem 5">
-            <a:extLst>
-              <a:ext uri="{FF2B5EF4-FFF2-40B4-BE49-F238E27FC236}">
-                <a16:creationId xmlns:a16="http://schemas.microsoft.com/office/drawing/2014/main" id="{B6900C70-140B-2703-A49F-89C53BBDD6A8}"/>
-              </a:ext>
-            </a:extLst>
-          </p:cNvPr>
-          <p:cNvPicPr>
-            <a:picLocks noChangeAspect="1"/>
-          </p:cNvPicPr>
-          <p:nvPr/>
-        </p:nvPicPr>
-        <p:blipFill>
-          <a:blip r:embed="rId2"/>
-          <a:stretch>
-            <a:fillRect/>
-          </a:stretch>
-        </p:blipFill>
-        <p:spPr>
-          <a:xfrm>
-            <a:off x="1880566" y="820609"/>
-            <a:ext cx="8430867" cy="5271730"/>
-          </a:xfrm>
-          <a:prstGeom prst="rect">
-            <a:avLst/>
-          </a:prstGeom>
-        </p:spPr>
-      </p:pic>
-      <p:sp>
-        <p:nvSpPr>
-          <p:cNvPr id="7" name="Título 5">
-            <a:extLst>
-              <a:ext uri="{FF2B5EF4-FFF2-40B4-BE49-F238E27FC236}">
-                <a16:creationId xmlns:a16="http://schemas.microsoft.com/office/drawing/2014/main" id="{1C387F6D-B1E9-7AFB-8456-0DCFEC055A89}"/>
-              </a:ext>
-            </a:extLst>
-          </p:cNvPr>
-          <p:cNvSpPr txBox="1">
-            <a:spLocks/>
-          </p:cNvSpPr>
-          <p:nvPr/>
-        </p:nvSpPr>
-        <p:spPr>
-          <a:xfrm>
-            <a:off x="657207" y="92115"/>
-            <a:ext cx="7706063" cy="490673"/>
-          </a:xfrm>
-          <a:prstGeom prst="rect">
-            <a:avLst/>
-          </a:prstGeom>
-        </p:spPr>
-        <p:txBody>
-          <a:bodyPr vert="horz" lIns="91440" tIns="45720" rIns="91440" bIns="45720" rtlCol="0" anchor="ctr">
-            <a:noAutofit/>
-          </a:bodyPr>
-          <a:lstStyle>
-            <a:lvl1pPr algn="ctr" defTabSz="457200" rtl="0" eaLnBrk="1" latinLnBrk="0" hangingPunct="1">
-              <a:spcBef>
-                <a:spcPct val="0"/>
-              </a:spcBef>
-              <a:buNone/>
-              <a:defRPr sz="4400" kern="1200">
-                <a:solidFill>
-                  <a:schemeClr val="tx1"/>
-                </a:solidFill>
-                <a:latin typeface="+mj-lt"/>
-                <a:ea typeface="+mj-ea"/>
-                <a:cs typeface="+mj-cs"/>
-              </a:defRPr>
-            </a:lvl1pPr>
-          </a:lstStyle>
-          <a:p>
-            <a:pPr algn="l"/>
-            <a:r>
-              <a:rPr lang="pt-BR" sz="2500" dirty="0"/>
-              <a:t>Arquitetura do Banco Futura</a:t>
-            </a:r>
-            <a:endParaRPr lang="pt-BR" sz="2500" b="1" dirty="0">
-              <a:solidFill>
-                <a:srgbClr val="1377C7"/>
-              </a:solidFill>
-            </a:endParaRPr>
-          </a:p>
-        </p:txBody>
-      </p:sp>
-    </p:spTree>
-    <p:extLst>
-      <p:ext uri="{BB962C8B-B14F-4D97-AF65-F5344CB8AC3E}">
-        <p14:creationId xmlns:p14="http://schemas.microsoft.com/office/powerpoint/2010/main" val="2048265731"/>
-      </p:ext>
-    </p:extLst>
-  </p:cSld>
-  <p:clrMapOvr>
-    <a:masterClrMapping/>
-  </p:clrMapOvr>
-</p:sld>
-</file>
-
-<file path=ppt/slides/slide21.xml><?xml version="1.0" encoding="utf-8"?>
+<file path=ppt/slides/slide24.xml><?xml version="1.0" encoding="utf-8"?>
 <p:sld xmlns:a="http://schemas.openxmlformats.org/drawingml/2006/main" xmlns:r="http://schemas.openxmlformats.org/officeDocument/2006/relationships" xmlns:p="http://schemas.openxmlformats.org/presentationml/2006/main">
   <p:cSld>
     <p:spTree>
@@ -11026,6 +11606,1059 @@
       </p:grpSpPr>
       <p:sp>
         <p:nvSpPr>
+          <p:cNvPr id="11" name="Título 5">
+            <a:extLst>
+              <a:ext uri="{FF2B5EF4-FFF2-40B4-BE49-F238E27FC236}">
+                <a16:creationId xmlns:a16="http://schemas.microsoft.com/office/drawing/2014/main" id="{81DFDA10-915D-1210-7E5A-772EC9E4FDA4}"/>
+              </a:ext>
+            </a:extLst>
+          </p:cNvPr>
+          <p:cNvSpPr txBox="1">
+            <a:spLocks/>
+          </p:cNvSpPr>
+          <p:nvPr/>
+        </p:nvSpPr>
+        <p:spPr>
+          <a:xfrm>
+            <a:off x="637542" y="1009988"/>
+            <a:ext cx="7706063" cy="490673"/>
+          </a:xfrm>
+          <a:prstGeom prst="rect">
+            <a:avLst/>
+          </a:prstGeom>
+        </p:spPr>
+        <p:txBody>
+          <a:bodyPr vert="horz" lIns="91440" tIns="45720" rIns="91440" bIns="45720" rtlCol="0" anchor="ctr">
+            <a:noAutofit/>
+          </a:bodyPr>
+          <a:lstStyle>
+            <a:lvl1pPr algn="ctr" defTabSz="457200" rtl="0" eaLnBrk="1" latinLnBrk="0" hangingPunct="1">
+              <a:spcBef>
+                <a:spcPct val="0"/>
+              </a:spcBef>
+              <a:buNone/>
+              <a:defRPr sz="4400" kern="1200">
+                <a:solidFill>
+                  <a:schemeClr val="tx1"/>
+                </a:solidFill>
+                <a:latin typeface="+mj-lt"/>
+                <a:ea typeface="+mj-ea"/>
+                <a:cs typeface="+mj-cs"/>
+              </a:defRPr>
+            </a:lvl1pPr>
+          </a:lstStyle>
+          <a:p>
+            <a:pPr algn="l"/>
+            <a:r>
+              <a:rPr lang="pt-BR" sz="3200" b="1" dirty="0">
+                <a:solidFill>
+                  <a:srgbClr val="1273C0"/>
+                </a:solidFill>
+              </a:rPr>
+              <a:t>TCP </a:t>
+            </a:r>
+            <a:r>
+              <a:rPr lang="pt-BR" sz="3200" b="1" dirty="0" err="1">
+                <a:solidFill>
+                  <a:srgbClr val="1273C0"/>
+                </a:solidFill>
+              </a:rPr>
+              <a:t>vs</a:t>
+            </a:r>
+            <a:r>
+              <a:rPr lang="pt-BR" sz="3200" b="1" dirty="0">
+                <a:solidFill>
+                  <a:srgbClr val="1273C0"/>
+                </a:solidFill>
+              </a:rPr>
+              <a:t> UDP</a:t>
+            </a:r>
+          </a:p>
+        </p:txBody>
+      </p:sp>
+      <p:sp>
+        <p:nvSpPr>
+          <p:cNvPr id="2" name="Rectangle 1">
+            <a:extLst>
+              <a:ext uri="{FF2B5EF4-FFF2-40B4-BE49-F238E27FC236}">
+                <a16:creationId xmlns:a16="http://schemas.microsoft.com/office/drawing/2014/main" id="{5A861C9B-2BBB-A51A-F005-EF13DB5EAC81}"/>
+              </a:ext>
+            </a:extLst>
+          </p:cNvPr>
+          <p:cNvSpPr>
+            <a:spLocks noChangeArrowheads="1"/>
+          </p:cNvSpPr>
+          <p:nvPr/>
+        </p:nvSpPr>
+        <p:spPr bwMode="auto">
+          <a:xfrm>
+            <a:off x="637543" y="2133600"/>
+            <a:ext cx="5458458" cy="1477328"/>
+          </a:xfrm>
+          <a:prstGeom prst="rect">
+            <a:avLst/>
+          </a:prstGeom>
+          <a:noFill/>
+          <a:ln>
+            <a:noFill/>
+          </a:ln>
+          <a:effectLst/>
+          <a:extLst>
+            <a:ext uri="{909E8E84-426E-40DD-AFC4-6F175D3DCCD1}">
+              <a14:hiddenFill xmlns:a14="http://schemas.microsoft.com/office/drawing/2010/main">
+                <a:solidFill>
+                  <a:schemeClr val="accent1"/>
+                </a:solidFill>
+              </a14:hiddenFill>
+            </a:ext>
+            <a:ext uri="{91240B29-F687-4F45-9708-019B960494DF}">
+              <a14:hiddenLine xmlns:a14="http://schemas.microsoft.com/office/drawing/2010/main" w="9525">
+                <a:solidFill>
+                  <a:schemeClr val="tx1"/>
+                </a:solidFill>
+                <a:miter lim="800000"/>
+                <a:headEnd/>
+                <a:tailEnd/>
+              </a14:hiddenLine>
+            </a:ext>
+            <a:ext uri="{AF507438-7753-43E0-B8FC-AC1667EBCBE1}">
+              <a14:hiddenEffects xmlns:a14="http://schemas.microsoft.com/office/drawing/2010/main">
+                <a:effectLst>
+                  <a:outerShdw dist="35921" dir="2700000" algn="ctr" rotWithShape="0">
+                    <a:schemeClr val="bg2"/>
+                  </a:outerShdw>
+                </a:effectLst>
+              </a14:hiddenEffects>
+            </a:ext>
+          </a:extLst>
+        </p:spPr>
+        <p:txBody>
+          <a:bodyPr vert="horz" wrap="square" lIns="91440" tIns="45720" rIns="91440" bIns="45720" numCol="1" anchor="ctr" anchorCtr="0" compatLnSpc="1">
+            <a:prstTxWarp prst="textNoShape">
+              <a:avLst/>
+            </a:prstTxWarp>
+            <a:spAutoFit/>
+          </a:bodyPr>
+          <a:lstStyle/>
+          <a:p>
+            <a:pPr marL="0" marR="0" lvl="0" indent="0" algn="l" defTabSz="914400" rtl="0" eaLnBrk="0" fontAlgn="base" latinLnBrk="0" hangingPunct="0">
+              <a:lnSpc>
+                <a:spcPct val="100000"/>
+              </a:lnSpc>
+              <a:spcBef>
+                <a:spcPct val="0"/>
+              </a:spcBef>
+              <a:spcAft>
+                <a:spcPct val="0"/>
+              </a:spcAft>
+              <a:buClrTx/>
+              <a:buSzTx/>
+              <a:buFontTx/>
+              <a:buChar char="•"/>
+              <a:tabLst/>
+            </a:pPr>
+            <a:r>
+              <a:rPr kumimoji="0" lang="pt-BR" altLang="pt-BR" sz="1800" b="1" i="0" u="none" strike="noStrike" cap="none" normalizeH="0" baseline="0" dirty="0">
+                <a:ln>
+                  <a:noFill/>
+                </a:ln>
+                <a:solidFill>
+                  <a:schemeClr val="tx1"/>
+                </a:solidFill>
+                <a:effectLst/>
+                <a:latin typeface="Arial" panose="020B0604020202020204" pitchFamily="34" charset="0"/>
+              </a:rPr>
+              <a:t>TCP</a:t>
+            </a:r>
+            <a:r>
+              <a:rPr kumimoji="0" lang="pt-BR" altLang="pt-BR" sz="1800" b="0" i="0" u="none" strike="noStrike" cap="none" normalizeH="0" baseline="0" dirty="0">
+                <a:ln>
+                  <a:noFill/>
+                </a:ln>
+                <a:solidFill>
+                  <a:schemeClr val="tx1"/>
+                </a:solidFill>
+                <a:effectLst/>
+                <a:latin typeface="Arial" panose="020B0604020202020204" pitchFamily="34" charset="0"/>
+              </a:rPr>
+              <a:t>: confiável, orientado à conexão</a:t>
+            </a:r>
+          </a:p>
+          <a:p>
+            <a:pPr marL="0" marR="0" lvl="0" indent="0" algn="l" defTabSz="914400" rtl="0" eaLnBrk="0" fontAlgn="base" latinLnBrk="0" hangingPunct="0">
+              <a:lnSpc>
+                <a:spcPct val="100000"/>
+              </a:lnSpc>
+              <a:spcBef>
+                <a:spcPct val="0"/>
+              </a:spcBef>
+              <a:spcAft>
+                <a:spcPct val="0"/>
+              </a:spcAft>
+              <a:buClrTx/>
+              <a:buSzTx/>
+              <a:buFontTx/>
+              <a:buChar char="•"/>
+              <a:tabLst/>
+            </a:pPr>
+            <a:r>
+              <a:rPr kumimoji="0" lang="pt-BR" altLang="pt-BR" sz="1800" b="1" i="0" u="none" strike="noStrike" cap="none" normalizeH="0" baseline="0" dirty="0">
+                <a:ln>
+                  <a:noFill/>
+                </a:ln>
+                <a:solidFill>
+                  <a:schemeClr val="tx1"/>
+                </a:solidFill>
+                <a:effectLst/>
+                <a:latin typeface="Arial" panose="020B0604020202020204" pitchFamily="34" charset="0"/>
+              </a:rPr>
+              <a:t>UDP</a:t>
+            </a:r>
+            <a:r>
+              <a:rPr kumimoji="0" lang="pt-BR" altLang="pt-BR" sz="1800" b="0" i="0" u="none" strike="noStrike" cap="none" normalizeH="0" baseline="0" dirty="0">
+                <a:ln>
+                  <a:noFill/>
+                </a:ln>
+                <a:solidFill>
+                  <a:schemeClr val="tx1"/>
+                </a:solidFill>
+                <a:effectLst/>
+                <a:latin typeface="Arial" panose="020B0604020202020204" pitchFamily="34" charset="0"/>
+              </a:rPr>
+              <a:t>: rápido, sem garantia de entrega</a:t>
+            </a:r>
+          </a:p>
+          <a:p>
+            <a:pPr marL="0" marR="0" lvl="0" indent="0" algn="l" defTabSz="914400" rtl="0" eaLnBrk="0" fontAlgn="base" latinLnBrk="0" hangingPunct="0">
+              <a:lnSpc>
+                <a:spcPct val="100000"/>
+              </a:lnSpc>
+              <a:spcBef>
+                <a:spcPct val="0"/>
+              </a:spcBef>
+              <a:spcAft>
+                <a:spcPct val="0"/>
+              </a:spcAft>
+              <a:buClrTx/>
+              <a:buSzTx/>
+              <a:buFontTx/>
+              <a:buChar char="•"/>
+              <a:tabLst/>
+            </a:pPr>
+            <a:r>
+              <a:rPr kumimoji="0" lang="pt-BR" altLang="pt-BR" sz="1800" b="0" i="0" u="none" strike="noStrike" cap="none" normalizeH="0" baseline="0" dirty="0">
+                <a:ln>
+                  <a:noFill/>
+                </a:ln>
+                <a:solidFill>
+                  <a:schemeClr val="tx1"/>
+                </a:solidFill>
+                <a:effectLst/>
+                <a:latin typeface="Arial" panose="020B0604020202020204" pitchFamily="34" charset="0"/>
+              </a:rPr>
+              <a:t>Telefonia prioriza </a:t>
+            </a:r>
+            <a:r>
+              <a:rPr kumimoji="0" lang="pt-BR" altLang="pt-BR" sz="1800" b="1" i="0" u="none" strike="noStrike" cap="none" normalizeH="0" baseline="0" dirty="0">
+                <a:ln>
+                  <a:noFill/>
+                </a:ln>
+                <a:solidFill>
+                  <a:schemeClr val="tx1"/>
+                </a:solidFill>
+                <a:effectLst/>
+                <a:latin typeface="Arial" panose="020B0604020202020204" pitchFamily="34" charset="0"/>
+              </a:rPr>
+              <a:t>baixa latência</a:t>
+            </a:r>
+            <a:endParaRPr kumimoji="0" lang="pt-BR" altLang="pt-BR" sz="1800" b="0" i="0" u="none" strike="noStrike" cap="none" normalizeH="0" baseline="0" dirty="0">
+              <a:ln>
+                <a:noFill/>
+              </a:ln>
+              <a:solidFill>
+                <a:schemeClr val="tx1"/>
+              </a:solidFill>
+              <a:effectLst/>
+              <a:latin typeface="Arial" panose="020B0604020202020204" pitchFamily="34" charset="0"/>
+            </a:endParaRPr>
+          </a:p>
+          <a:p>
+            <a:pPr marL="0" marR="0" lvl="0" indent="0" algn="l" defTabSz="914400" rtl="0" eaLnBrk="0" fontAlgn="base" latinLnBrk="0" hangingPunct="0">
+              <a:lnSpc>
+                <a:spcPct val="100000"/>
+              </a:lnSpc>
+              <a:spcBef>
+                <a:spcPct val="0"/>
+              </a:spcBef>
+              <a:spcAft>
+                <a:spcPct val="0"/>
+              </a:spcAft>
+              <a:buClrTx/>
+              <a:buSzTx/>
+              <a:buFontTx/>
+              <a:buChar char="•"/>
+              <a:tabLst/>
+            </a:pPr>
+            <a:r>
+              <a:rPr kumimoji="0" lang="pt-BR" altLang="pt-BR" sz="1800" b="0" i="0" u="none" strike="noStrike" cap="none" normalizeH="0" baseline="0" dirty="0">
+                <a:ln>
+                  <a:noFill/>
+                </a:ln>
+                <a:solidFill>
+                  <a:schemeClr val="tx1"/>
+                </a:solidFill>
+                <a:effectLst/>
+                <a:latin typeface="Arial" panose="020B0604020202020204" pitchFamily="34" charset="0"/>
+              </a:rPr>
+              <a:t>Sinalização e mídia podem usar transportes diferentes</a:t>
+            </a:r>
+          </a:p>
+        </p:txBody>
+      </p:sp>
+      <p:pic>
+        <p:nvPicPr>
+          <p:cNvPr id="4" name="Imagem 3">
+            <a:extLst>
+              <a:ext uri="{FF2B5EF4-FFF2-40B4-BE49-F238E27FC236}">
+                <a16:creationId xmlns:a16="http://schemas.microsoft.com/office/drawing/2014/main" id="{7DE60C3F-5A9A-903C-8AB4-A2AF61F2266D}"/>
+              </a:ext>
+            </a:extLst>
+          </p:cNvPr>
+          <p:cNvPicPr>
+            <a:picLocks noChangeAspect="1"/>
+          </p:cNvPicPr>
+          <p:nvPr/>
+        </p:nvPicPr>
+        <p:blipFill>
+          <a:blip r:embed="rId2"/>
+          <a:stretch>
+            <a:fillRect/>
+          </a:stretch>
+        </p:blipFill>
+        <p:spPr>
+          <a:xfrm>
+            <a:off x="5638800" y="609600"/>
+            <a:ext cx="5915657" cy="5714999"/>
+          </a:xfrm>
+          <a:prstGeom prst="rect">
+            <a:avLst/>
+          </a:prstGeom>
+        </p:spPr>
+      </p:pic>
+    </p:spTree>
+    <p:extLst>
+      <p:ext uri="{BB962C8B-B14F-4D97-AF65-F5344CB8AC3E}">
+        <p14:creationId xmlns:p14="http://schemas.microsoft.com/office/powerpoint/2010/main" val="986697820"/>
+      </p:ext>
+    </p:extLst>
+  </p:cSld>
+  <p:clrMapOvr>
+    <a:masterClrMapping/>
+  </p:clrMapOvr>
+</p:sld>
+</file>
+
+<file path=ppt/slides/slide4.xml><?xml version="1.0" encoding="utf-8"?>
+<p:sld xmlns:a="http://schemas.openxmlformats.org/drawingml/2006/main" xmlns:r="http://schemas.openxmlformats.org/officeDocument/2006/relationships" xmlns:p="http://schemas.openxmlformats.org/presentationml/2006/main">
+  <p:cSld>
+    <p:spTree>
+      <p:nvGrpSpPr>
+        <p:cNvPr id="1" name=""/>
+        <p:cNvGrpSpPr/>
+        <p:nvPr/>
+      </p:nvGrpSpPr>
+      <p:grpSpPr>
+        <a:xfrm>
+          <a:off x="0" y="0"/>
+          <a:ext cx="0" cy="0"/>
+          <a:chOff x="0" y="0"/>
+          <a:chExt cx="0" cy="0"/>
+        </a:xfrm>
+      </p:grpSpPr>
+      <p:sp>
+        <p:nvSpPr>
+          <p:cNvPr id="11" name="Título 5">
+            <a:extLst>
+              <a:ext uri="{FF2B5EF4-FFF2-40B4-BE49-F238E27FC236}">
+                <a16:creationId xmlns:a16="http://schemas.microsoft.com/office/drawing/2014/main" id="{81DFDA10-915D-1210-7E5A-772EC9E4FDA4}"/>
+              </a:ext>
+            </a:extLst>
+          </p:cNvPr>
+          <p:cNvSpPr txBox="1">
+            <a:spLocks/>
+          </p:cNvSpPr>
+          <p:nvPr/>
+        </p:nvSpPr>
+        <p:spPr>
+          <a:xfrm>
+            <a:off x="637542" y="1009988"/>
+            <a:ext cx="7706063" cy="490673"/>
+          </a:xfrm>
+          <a:prstGeom prst="rect">
+            <a:avLst/>
+          </a:prstGeom>
+        </p:spPr>
+        <p:txBody>
+          <a:bodyPr vert="horz" lIns="91440" tIns="45720" rIns="91440" bIns="45720" rtlCol="0" anchor="ctr">
+            <a:noAutofit/>
+          </a:bodyPr>
+          <a:lstStyle>
+            <a:lvl1pPr algn="ctr" defTabSz="457200" rtl="0" eaLnBrk="1" latinLnBrk="0" hangingPunct="1">
+              <a:spcBef>
+                <a:spcPct val="0"/>
+              </a:spcBef>
+              <a:buNone/>
+              <a:defRPr sz="4400" kern="1200">
+                <a:solidFill>
+                  <a:schemeClr val="tx1"/>
+                </a:solidFill>
+                <a:latin typeface="+mj-lt"/>
+                <a:ea typeface="+mj-ea"/>
+                <a:cs typeface="+mj-cs"/>
+              </a:defRPr>
+            </a:lvl1pPr>
+          </a:lstStyle>
+          <a:p>
+            <a:pPr algn="l"/>
+            <a:r>
+              <a:rPr lang="pt-BR" sz="3200" b="1" dirty="0">
+                <a:solidFill>
+                  <a:srgbClr val="1273C0"/>
+                </a:solidFill>
+              </a:rPr>
+              <a:t>Terminais</a:t>
+            </a:r>
+          </a:p>
+        </p:txBody>
+      </p:sp>
+      <p:pic>
+        <p:nvPicPr>
+          <p:cNvPr id="7" name="Imagem 6">
+            <a:extLst>
+              <a:ext uri="{FF2B5EF4-FFF2-40B4-BE49-F238E27FC236}">
+                <a16:creationId xmlns:a16="http://schemas.microsoft.com/office/drawing/2014/main" id="{CCBF6BB5-AA40-7674-7B6D-8D61166B55C2}"/>
+              </a:ext>
+            </a:extLst>
+          </p:cNvPr>
+          <p:cNvPicPr>
+            <a:picLocks noChangeAspect="1"/>
+          </p:cNvPicPr>
+          <p:nvPr/>
+        </p:nvPicPr>
+        <p:blipFill>
+          <a:blip r:embed="rId2"/>
+          <a:stretch>
+            <a:fillRect/>
+          </a:stretch>
+        </p:blipFill>
+        <p:spPr>
+          <a:xfrm>
+            <a:off x="1295400" y="2057400"/>
+            <a:ext cx="1095375" cy="4029075"/>
+          </a:xfrm>
+          <a:prstGeom prst="rect">
+            <a:avLst/>
+          </a:prstGeom>
+        </p:spPr>
+      </p:pic>
+      <p:sp>
+        <p:nvSpPr>
+          <p:cNvPr id="8" name="CaixaDeTexto 7">
+            <a:extLst>
+              <a:ext uri="{FF2B5EF4-FFF2-40B4-BE49-F238E27FC236}">
+                <a16:creationId xmlns:a16="http://schemas.microsoft.com/office/drawing/2014/main" id="{0A1760EA-8E72-9FC8-E7B8-C9AFA59D9C56}"/>
+              </a:ext>
+            </a:extLst>
+          </p:cNvPr>
+          <p:cNvSpPr txBox="1"/>
+          <p:nvPr/>
+        </p:nvSpPr>
+        <p:spPr>
+          <a:xfrm>
+            <a:off x="2662557" y="2029599"/>
+            <a:ext cx="7792005" cy="646331"/>
+          </a:xfrm>
+          <a:prstGeom prst="rect">
+            <a:avLst/>
+          </a:prstGeom>
+          <a:noFill/>
+        </p:spPr>
+        <p:txBody>
+          <a:bodyPr wrap="none" rtlCol="0">
+            <a:spAutoFit/>
+          </a:bodyPr>
+          <a:lstStyle/>
+          <a:p>
+            <a:r>
+              <a:rPr lang="pt-BR" b="1" dirty="0"/>
+              <a:t>Dispositivo físico dedicado à telefonia.</a:t>
+            </a:r>
+            <a:br>
+              <a:rPr lang="pt-BR" dirty="0"/>
+            </a:br>
+            <a:r>
+              <a:rPr lang="pt-BR" dirty="0"/>
+              <a:t>Implementa </a:t>
+            </a:r>
+            <a:r>
+              <a:rPr lang="pt-BR" b="1" dirty="0"/>
+              <a:t>SIP</a:t>
+            </a:r>
+            <a:r>
+              <a:rPr lang="pt-BR" dirty="0"/>
+              <a:t> e </a:t>
+            </a:r>
+            <a:r>
+              <a:rPr lang="pt-BR" b="1" dirty="0"/>
+              <a:t>RTP</a:t>
+            </a:r>
+            <a:r>
+              <a:rPr lang="pt-BR" dirty="0"/>
+              <a:t> diretamente no hardware, oferecendo maior estabilidade.</a:t>
+            </a:r>
+          </a:p>
+        </p:txBody>
+      </p:sp>
+      <p:sp>
+        <p:nvSpPr>
+          <p:cNvPr id="9" name="CaixaDeTexto 8">
+            <a:extLst>
+              <a:ext uri="{FF2B5EF4-FFF2-40B4-BE49-F238E27FC236}">
+                <a16:creationId xmlns:a16="http://schemas.microsoft.com/office/drawing/2014/main" id="{81DAD072-F2E3-A459-BC6E-A31304B944FA}"/>
+              </a:ext>
+            </a:extLst>
+          </p:cNvPr>
+          <p:cNvSpPr txBox="1"/>
+          <p:nvPr/>
+        </p:nvSpPr>
+        <p:spPr>
+          <a:xfrm>
+            <a:off x="2668419" y="2241956"/>
+            <a:ext cx="184731" cy="369332"/>
+          </a:xfrm>
+          <a:prstGeom prst="rect">
+            <a:avLst/>
+          </a:prstGeom>
+          <a:noFill/>
+        </p:spPr>
+        <p:txBody>
+          <a:bodyPr wrap="none" rtlCol="0">
+            <a:spAutoFit/>
+          </a:bodyPr>
+          <a:lstStyle/>
+          <a:p>
+            <a:endParaRPr lang="pt-BR" dirty="0"/>
+          </a:p>
+        </p:txBody>
+      </p:sp>
+      <p:sp>
+        <p:nvSpPr>
+          <p:cNvPr id="12" name="CaixaDeTexto 11">
+            <a:extLst>
+              <a:ext uri="{FF2B5EF4-FFF2-40B4-BE49-F238E27FC236}">
+                <a16:creationId xmlns:a16="http://schemas.microsoft.com/office/drawing/2014/main" id="{0B6E1099-9171-D475-64D9-F672C2D87200}"/>
+              </a:ext>
+            </a:extLst>
+          </p:cNvPr>
+          <p:cNvSpPr txBox="1"/>
+          <p:nvPr/>
+        </p:nvSpPr>
+        <p:spPr>
+          <a:xfrm>
+            <a:off x="2651468" y="3006969"/>
+            <a:ext cx="8473732" cy="646331"/>
+          </a:xfrm>
+          <a:prstGeom prst="rect">
+            <a:avLst/>
+          </a:prstGeom>
+          <a:noFill/>
+        </p:spPr>
+        <p:txBody>
+          <a:bodyPr wrap="square">
+            <a:spAutoFit/>
+          </a:bodyPr>
+          <a:lstStyle/>
+          <a:p>
+            <a:r>
+              <a:rPr lang="pt-BR" b="1" dirty="0"/>
+              <a:t>Aplicação de computador ou aplicativo celular que funciona como telefone.</a:t>
+            </a:r>
+            <a:br>
+              <a:rPr lang="pt-BR" dirty="0"/>
+            </a:br>
+            <a:r>
+              <a:rPr lang="pt-BR" dirty="0"/>
+              <a:t>Implementa </a:t>
+            </a:r>
+            <a:r>
+              <a:rPr lang="pt-BR" b="1" dirty="0"/>
+              <a:t>SIP</a:t>
+            </a:r>
+            <a:r>
+              <a:rPr lang="pt-BR" dirty="0"/>
+              <a:t> e </a:t>
+            </a:r>
+            <a:r>
+              <a:rPr lang="pt-BR" b="1" dirty="0"/>
+              <a:t>RTP</a:t>
+            </a:r>
+            <a:r>
+              <a:rPr lang="pt-BR" dirty="0"/>
+              <a:t> em software, utilizando recursos do sistema operacional</a:t>
+            </a:r>
+          </a:p>
+        </p:txBody>
+      </p:sp>
+      <p:sp>
+        <p:nvSpPr>
+          <p:cNvPr id="14" name="CaixaDeTexto 13">
+            <a:extLst>
+              <a:ext uri="{FF2B5EF4-FFF2-40B4-BE49-F238E27FC236}">
+                <a16:creationId xmlns:a16="http://schemas.microsoft.com/office/drawing/2014/main" id="{D9D5DA72-601D-39E7-2EE5-76185D5BEED7}"/>
+              </a:ext>
+            </a:extLst>
+          </p:cNvPr>
+          <p:cNvSpPr txBox="1"/>
+          <p:nvPr/>
+        </p:nvSpPr>
+        <p:spPr>
+          <a:xfrm>
+            <a:off x="2680776" y="4122061"/>
+            <a:ext cx="8063424" cy="923330"/>
+          </a:xfrm>
+          <a:prstGeom prst="rect">
+            <a:avLst/>
+          </a:prstGeom>
+          <a:noFill/>
+        </p:spPr>
+        <p:txBody>
+          <a:bodyPr wrap="square">
+            <a:spAutoFit/>
+          </a:bodyPr>
+          <a:lstStyle/>
+          <a:p>
+            <a:r>
+              <a:rPr lang="pt-BR" b="1" dirty="0"/>
+              <a:t>Telefone executado no navegador web.</a:t>
+            </a:r>
+            <a:br>
+              <a:rPr lang="pt-BR" dirty="0"/>
+            </a:br>
+            <a:r>
+              <a:rPr lang="pt-BR" dirty="0"/>
+              <a:t>Utiliza </a:t>
+            </a:r>
+            <a:r>
+              <a:rPr lang="pt-BR" b="1" dirty="0" err="1"/>
+              <a:t>WebRTC</a:t>
+            </a:r>
+            <a:r>
+              <a:rPr lang="pt-BR" dirty="0"/>
+              <a:t> e precisa de um </a:t>
+            </a:r>
+            <a:r>
+              <a:rPr lang="pt-BR" b="1" dirty="0"/>
+              <a:t>gateway</a:t>
+            </a:r>
+            <a:r>
+              <a:rPr lang="pt-BR" dirty="0"/>
+              <a:t> para se comunicar com sistemas </a:t>
+            </a:r>
+            <a:r>
+              <a:rPr lang="pt-BR" b="1" dirty="0"/>
+              <a:t>SIP</a:t>
+            </a:r>
+            <a:r>
+              <a:rPr lang="pt-BR" dirty="0"/>
+              <a:t>,</a:t>
+            </a:r>
+            <a:br>
+              <a:rPr lang="pt-BR" dirty="0"/>
+            </a:br>
+            <a:r>
+              <a:rPr lang="pt-BR" dirty="0"/>
+              <a:t>ou da implementação de </a:t>
+            </a:r>
+            <a:r>
+              <a:rPr lang="pt-BR" b="1" dirty="0"/>
+              <a:t>SIP over </a:t>
+            </a:r>
+            <a:r>
+              <a:rPr lang="pt-BR" b="1" dirty="0" err="1"/>
+              <a:t>WebSocket</a:t>
+            </a:r>
+            <a:endParaRPr lang="pt-BR" dirty="0"/>
+          </a:p>
+        </p:txBody>
+      </p:sp>
+      <p:sp>
+        <p:nvSpPr>
+          <p:cNvPr id="16" name="CaixaDeTexto 15">
+            <a:extLst>
+              <a:ext uri="{FF2B5EF4-FFF2-40B4-BE49-F238E27FC236}">
+                <a16:creationId xmlns:a16="http://schemas.microsoft.com/office/drawing/2014/main" id="{6A6A0938-4895-98E6-6ECA-7AE83822CD58}"/>
+              </a:ext>
+            </a:extLst>
+          </p:cNvPr>
+          <p:cNvSpPr txBox="1"/>
+          <p:nvPr/>
+        </p:nvSpPr>
+        <p:spPr>
+          <a:xfrm>
+            <a:off x="2651468" y="5237153"/>
+            <a:ext cx="6093068" cy="1200329"/>
+          </a:xfrm>
+          <a:prstGeom prst="rect">
+            <a:avLst/>
+          </a:prstGeom>
+          <a:noFill/>
+        </p:spPr>
+        <p:txBody>
+          <a:bodyPr wrap="square">
+            <a:spAutoFit/>
+          </a:bodyPr>
+          <a:lstStyle/>
+          <a:p>
+            <a:r>
+              <a:rPr lang="pt-BR" b="1" dirty="0"/>
+              <a:t>Aplicativo móvel para chamadas de voz.</a:t>
+            </a:r>
+            <a:br>
+              <a:rPr lang="pt-BR" dirty="0"/>
+            </a:br>
+            <a:r>
+              <a:rPr lang="pt-BR" dirty="0"/>
+              <a:t>Utiliza </a:t>
+            </a:r>
+            <a:r>
+              <a:rPr lang="pt-BR" b="1" dirty="0" err="1"/>
+              <a:t>WebRTC</a:t>
+            </a:r>
+            <a:r>
+              <a:rPr lang="pt-BR" b="1" dirty="0"/>
+              <a:t> nativo</a:t>
+            </a:r>
+            <a:r>
+              <a:rPr lang="pt-BR" dirty="0"/>
+              <a:t>, permitindo mobilidade e integração via </a:t>
+            </a:r>
+            <a:r>
+              <a:rPr lang="pt-BR" b="1" dirty="0"/>
+              <a:t>gateway SIP</a:t>
+            </a:r>
+            <a:r>
+              <a:rPr lang="pt-BR" dirty="0"/>
+              <a:t>,</a:t>
+            </a:r>
+            <a:br>
+              <a:rPr lang="pt-BR" dirty="0"/>
+            </a:br>
+            <a:r>
+              <a:rPr lang="pt-BR" dirty="0"/>
+              <a:t>ou a implementação de </a:t>
+            </a:r>
+            <a:r>
+              <a:rPr lang="pt-BR" b="1" dirty="0"/>
+              <a:t>SIP over </a:t>
+            </a:r>
+            <a:r>
+              <a:rPr lang="pt-BR" b="1" dirty="0" err="1"/>
+              <a:t>WebSocket</a:t>
+            </a:r>
+            <a:r>
+              <a:rPr lang="pt-BR" dirty="0"/>
+              <a:t>.</a:t>
+            </a:r>
+          </a:p>
+        </p:txBody>
+      </p:sp>
+    </p:spTree>
+    <p:extLst>
+      <p:ext uri="{BB962C8B-B14F-4D97-AF65-F5344CB8AC3E}">
+        <p14:creationId xmlns:p14="http://schemas.microsoft.com/office/powerpoint/2010/main" val="3716195363"/>
+      </p:ext>
+    </p:extLst>
+  </p:cSld>
+  <p:clrMapOvr>
+    <a:masterClrMapping/>
+  </p:clrMapOvr>
+</p:sld>
+</file>
+
+<file path=ppt/slides/slide5.xml><?xml version="1.0" encoding="utf-8"?>
+<p:sld xmlns:a="http://schemas.openxmlformats.org/drawingml/2006/main" xmlns:r="http://schemas.openxmlformats.org/officeDocument/2006/relationships" xmlns:p="http://schemas.openxmlformats.org/presentationml/2006/main">
+  <p:cSld>
+    <p:spTree>
+      <p:nvGrpSpPr>
+        <p:cNvPr id="1" name=""/>
+        <p:cNvGrpSpPr/>
+        <p:nvPr/>
+      </p:nvGrpSpPr>
+      <p:grpSpPr>
+        <a:xfrm>
+          <a:off x="0" y="0"/>
+          <a:ext cx="0" cy="0"/>
+          <a:chOff x="0" y="0"/>
+          <a:chExt cx="0" cy="0"/>
+        </a:xfrm>
+      </p:grpSpPr>
+      <p:sp>
+        <p:nvSpPr>
+          <p:cNvPr id="11" name="Título 5">
+            <a:extLst>
+              <a:ext uri="{FF2B5EF4-FFF2-40B4-BE49-F238E27FC236}">
+                <a16:creationId xmlns:a16="http://schemas.microsoft.com/office/drawing/2014/main" id="{81DFDA10-915D-1210-7E5A-772EC9E4FDA4}"/>
+              </a:ext>
+            </a:extLst>
+          </p:cNvPr>
+          <p:cNvSpPr txBox="1">
+            <a:spLocks/>
+          </p:cNvSpPr>
+          <p:nvPr/>
+        </p:nvSpPr>
+        <p:spPr>
+          <a:xfrm>
+            <a:off x="637542" y="1009988"/>
+            <a:ext cx="7706063" cy="490673"/>
+          </a:xfrm>
+          <a:prstGeom prst="rect">
+            <a:avLst/>
+          </a:prstGeom>
+        </p:spPr>
+        <p:txBody>
+          <a:bodyPr vert="horz" lIns="91440" tIns="45720" rIns="91440" bIns="45720" rtlCol="0" anchor="ctr">
+            <a:noAutofit/>
+          </a:bodyPr>
+          <a:lstStyle>
+            <a:lvl1pPr algn="ctr" defTabSz="457200" rtl="0" eaLnBrk="1" latinLnBrk="0" hangingPunct="1">
+              <a:spcBef>
+                <a:spcPct val="0"/>
+              </a:spcBef>
+              <a:buNone/>
+              <a:defRPr sz="4400" kern="1200">
+                <a:solidFill>
+                  <a:schemeClr val="tx1"/>
+                </a:solidFill>
+                <a:latin typeface="+mj-lt"/>
+                <a:ea typeface="+mj-ea"/>
+                <a:cs typeface="+mj-cs"/>
+              </a:defRPr>
+            </a:lvl1pPr>
+          </a:lstStyle>
+          <a:p>
+            <a:pPr algn="l"/>
+            <a:r>
+              <a:rPr lang="pt-BR" sz="3200" b="1" dirty="0">
+                <a:solidFill>
+                  <a:srgbClr val="1273C0"/>
+                </a:solidFill>
+              </a:rPr>
+              <a:t>NAT · STUN · TURN · ICE</a:t>
+            </a:r>
+          </a:p>
+        </p:txBody>
+      </p:sp>
+      <p:sp>
+        <p:nvSpPr>
+          <p:cNvPr id="9" name="CaixaDeTexto 8">
+            <a:extLst>
+              <a:ext uri="{FF2B5EF4-FFF2-40B4-BE49-F238E27FC236}">
+                <a16:creationId xmlns:a16="http://schemas.microsoft.com/office/drawing/2014/main" id="{81DAD072-F2E3-A459-BC6E-A31304B944FA}"/>
+              </a:ext>
+            </a:extLst>
+          </p:cNvPr>
+          <p:cNvSpPr txBox="1"/>
+          <p:nvPr/>
+        </p:nvSpPr>
+        <p:spPr>
+          <a:xfrm>
+            <a:off x="2668419" y="2241956"/>
+            <a:ext cx="184731" cy="369332"/>
+          </a:xfrm>
+          <a:prstGeom prst="rect">
+            <a:avLst/>
+          </a:prstGeom>
+          <a:noFill/>
+        </p:spPr>
+        <p:txBody>
+          <a:bodyPr wrap="none" rtlCol="0">
+            <a:spAutoFit/>
+          </a:bodyPr>
+          <a:lstStyle/>
+          <a:p>
+            <a:endParaRPr lang="pt-BR" dirty="0"/>
+          </a:p>
+        </p:txBody>
+      </p:sp>
+      <p:sp>
+        <p:nvSpPr>
+          <p:cNvPr id="3" name="CaixaDeTexto 2">
+            <a:extLst>
+              <a:ext uri="{FF2B5EF4-FFF2-40B4-BE49-F238E27FC236}">
+                <a16:creationId xmlns:a16="http://schemas.microsoft.com/office/drawing/2014/main" id="{0E63455E-33A7-A70E-673E-CA9FF1EA9EB8}"/>
+              </a:ext>
+            </a:extLst>
+          </p:cNvPr>
+          <p:cNvSpPr txBox="1"/>
+          <p:nvPr/>
+        </p:nvSpPr>
+        <p:spPr>
+          <a:xfrm>
+            <a:off x="928371" y="1981364"/>
+            <a:ext cx="10335258" cy="4524315"/>
+          </a:xfrm>
+          <a:prstGeom prst="rect">
+            <a:avLst/>
+          </a:prstGeom>
+          <a:noFill/>
+        </p:spPr>
+        <p:txBody>
+          <a:bodyPr wrap="square">
+            <a:spAutoFit/>
+          </a:bodyPr>
+          <a:lstStyle/>
+          <a:p>
+            <a:r>
+              <a:rPr lang="pt-BR" b="1" dirty="0"/>
+              <a:t>NAT </a:t>
+            </a:r>
+          </a:p>
+          <a:p>
+            <a:r>
+              <a:rPr lang="pt-BR" dirty="0"/>
+              <a:t>	• Traduz IP privado em IP público</a:t>
+            </a:r>
+            <a:br>
+              <a:rPr lang="pt-BR" dirty="0"/>
+            </a:br>
+            <a:r>
+              <a:rPr lang="pt-BR" dirty="0"/>
+              <a:t>	• Executado pelo roteador ou firewall</a:t>
+            </a:r>
+            <a:br>
+              <a:rPr lang="pt-BR" dirty="0"/>
+            </a:br>
+            <a:r>
+              <a:rPr lang="pt-BR" dirty="0"/>
+              <a:t>	• Pode impactar a mídia (RTP)</a:t>
+            </a:r>
+            <a:endParaRPr lang="pt-BR" b="1" dirty="0"/>
+          </a:p>
+          <a:p>
+            <a:r>
+              <a:rPr lang="pt-BR" b="1" dirty="0"/>
+              <a:t>STUN</a:t>
+            </a:r>
+            <a:br>
+              <a:rPr lang="pt-BR" dirty="0"/>
+            </a:br>
+            <a:r>
+              <a:rPr lang="pt-BR" dirty="0"/>
+              <a:t>	• Descobre IP público e porta</a:t>
+            </a:r>
+            <a:br>
+              <a:rPr lang="pt-BR" dirty="0"/>
+            </a:br>
+            <a:r>
+              <a:rPr lang="pt-BR" dirty="0"/>
+              <a:t>	• Permite comunicação direta</a:t>
+            </a:r>
+            <a:br>
+              <a:rPr lang="pt-BR" dirty="0"/>
+            </a:br>
+            <a:r>
+              <a:rPr lang="pt-BR" dirty="0"/>
+              <a:t>	• Funciona em NATs mais simples</a:t>
+            </a:r>
+          </a:p>
+          <a:p>
+            <a:r>
+              <a:rPr lang="pt-BR" b="1" dirty="0"/>
+              <a:t>TURN</a:t>
+            </a:r>
+            <a:br>
+              <a:rPr lang="pt-BR" dirty="0"/>
+            </a:br>
+            <a:r>
+              <a:rPr lang="pt-BR" dirty="0"/>
+              <a:t>	• Atua como relay de mídia</a:t>
+            </a:r>
+            <a:br>
+              <a:rPr lang="pt-BR" dirty="0"/>
+            </a:br>
+            <a:r>
+              <a:rPr lang="pt-BR" dirty="0"/>
+              <a:t>	• Usado quando STUN falha</a:t>
+            </a:r>
+            <a:br>
+              <a:rPr lang="pt-BR" dirty="0"/>
+            </a:br>
+            <a:r>
+              <a:rPr lang="pt-BR" dirty="0"/>
+              <a:t>	• Garante conexão, com maior latência</a:t>
+            </a:r>
+          </a:p>
+          <a:p>
+            <a:r>
+              <a:rPr lang="pt-BR" b="1" dirty="0"/>
+              <a:t>ICE</a:t>
+            </a:r>
+            <a:br>
+              <a:rPr lang="pt-BR" dirty="0"/>
+            </a:br>
+            <a:r>
+              <a:rPr lang="pt-BR" dirty="0"/>
+              <a:t>	• Coordena STUN e TURN</a:t>
+            </a:r>
+            <a:br>
+              <a:rPr lang="pt-BR" dirty="0"/>
+            </a:br>
+            <a:r>
+              <a:rPr lang="pt-BR" dirty="0"/>
+              <a:t>	• Testa múltiplos caminhos</a:t>
+            </a:r>
+            <a:br>
+              <a:rPr lang="pt-BR" dirty="0"/>
+            </a:br>
+            <a:r>
+              <a:rPr lang="pt-BR" dirty="0"/>
+              <a:t>	• Escolhe a melhor rota de mídia</a:t>
+            </a:r>
+          </a:p>
+        </p:txBody>
+      </p:sp>
+    </p:spTree>
+    <p:extLst>
+      <p:ext uri="{BB962C8B-B14F-4D97-AF65-F5344CB8AC3E}">
+        <p14:creationId xmlns:p14="http://schemas.microsoft.com/office/powerpoint/2010/main" val="3564850549"/>
+      </p:ext>
+    </p:extLst>
+  </p:cSld>
+  <p:clrMapOvr>
+    <a:masterClrMapping/>
+  </p:clrMapOvr>
+</p:sld>
+</file>
+
+<file path=ppt/slides/slide6.xml><?xml version="1.0" encoding="utf-8"?>
+<p:sld xmlns:a="http://schemas.openxmlformats.org/drawingml/2006/main" xmlns:r="http://schemas.openxmlformats.org/officeDocument/2006/relationships" xmlns:p="http://schemas.openxmlformats.org/presentationml/2006/main">
+  <p:cSld>
+    <p:spTree>
+      <p:nvGrpSpPr>
+        <p:cNvPr id="1" name=""/>
+        <p:cNvGrpSpPr/>
+        <p:nvPr/>
+      </p:nvGrpSpPr>
+      <p:grpSpPr>
+        <a:xfrm>
+          <a:off x="0" y="0"/>
+          <a:ext cx="0" cy="0"/>
+          <a:chOff x="0" y="0"/>
+          <a:chExt cx="0" cy="0"/>
+        </a:xfrm>
+      </p:grpSpPr>
+      <p:sp>
+        <p:nvSpPr>
           <p:cNvPr id="12" name="Retângulo 11">
             <a:extLst>
               <a:ext uri="{FF2B5EF4-FFF2-40B4-BE49-F238E27FC236}">
@@ -11114,16 +12747,13 @@
           <a:p>
             <a:pPr algn="l"/>
             <a:r>
-              <a:rPr lang="pt-BR" sz="2500" dirty="0"/>
+              <a:rPr lang="pt-BR" sz="2500" b="1" dirty="0">
+                <a:solidFill>
+                  <a:srgbClr val="1273C0"/>
+                </a:solidFill>
+              </a:rPr>
               <a:t>Áudio Digital</a:t>
             </a:r>
-            <a:endParaRPr lang="pt-BR" sz="2500" b="1" dirty="0">
-              <a:solidFill>
-                <a:schemeClr val="accent6">
-                  <a:lumMod val="75000"/>
-                </a:schemeClr>
-              </a:solidFill>
-            </a:endParaRPr>
           </a:p>
         </p:txBody>
       </p:sp>
@@ -11584,7 +13214,7 @@
 </p:sld>
 </file>
 
-<file path=ppt/slides/slide4.xml><?xml version="1.0" encoding="utf-8"?>
+<file path=ppt/slides/slide7.xml><?xml version="1.0" encoding="utf-8"?>
 <p:sld xmlns:a="http://schemas.openxmlformats.org/drawingml/2006/main" xmlns:r="http://schemas.openxmlformats.org/officeDocument/2006/relationships" xmlns:p="http://schemas.openxmlformats.org/presentationml/2006/main">
   <p:cSld>
     <p:spTree>
@@ -11647,16 +13277,13 @@
           <a:p>
             <a:pPr algn="l"/>
             <a:r>
-              <a:rPr lang="pt-BR" sz="2500" dirty="0"/>
+              <a:rPr lang="pt-BR" sz="3200" b="1" dirty="0">
+                <a:solidFill>
+                  <a:srgbClr val="1273C0"/>
+                </a:solidFill>
+              </a:rPr>
               <a:t>Codec de Áudio</a:t>
             </a:r>
-            <a:endParaRPr lang="pt-BR" sz="2500" b="1" dirty="0">
-              <a:solidFill>
-                <a:schemeClr val="accent6">
-                  <a:lumMod val="75000"/>
-                </a:schemeClr>
-              </a:solidFill>
-            </a:endParaRPr>
           </a:p>
         </p:txBody>
       </p:sp>
@@ -12417,1615 +14044,6 @@
     <p:extLst>
       <p:ext uri="{BB962C8B-B14F-4D97-AF65-F5344CB8AC3E}">
         <p14:creationId xmlns:p14="http://schemas.microsoft.com/office/powerpoint/2010/main" val="2071174744"/>
-      </p:ext>
-    </p:extLst>
-  </p:cSld>
-  <p:clrMapOvr>
-    <a:masterClrMapping/>
-  </p:clrMapOvr>
-</p:sld>
-</file>
-
-<file path=ppt/slides/slide5.xml><?xml version="1.0" encoding="utf-8"?>
-<p:sld xmlns:a="http://schemas.openxmlformats.org/drawingml/2006/main" xmlns:r="http://schemas.openxmlformats.org/officeDocument/2006/relationships" xmlns:p="http://schemas.openxmlformats.org/presentationml/2006/main">
-  <p:cSld>
-    <p:spTree>
-      <p:nvGrpSpPr>
-        <p:cNvPr id="1" name=""/>
-        <p:cNvGrpSpPr/>
-        <p:nvPr/>
-      </p:nvGrpSpPr>
-      <p:grpSpPr>
-        <a:xfrm>
-          <a:off x="0" y="0"/>
-          <a:ext cx="0" cy="0"/>
-          <a:chOff x="0" y="0"/>
-          <a:chExt cx="0" cy="0"/>
-        </a:xfrm>
-      </p:grpSpPr>
-      <p:sp>
-        <p:nvSpPr>
-          <p:cNvPr id="11" name="Título 5">
-            <a:extLst>
-              <a:ext uri="{FF2B5EF4-FFF2-40B4-BE49-F238E27FC236}">
-                <a16:creationId xmlns:a16="http://schemas.microsoft.com/office/drawing/2014/main" id="{81DFDA10-915D-1210-7E5A-772EC9E4FDA4}"/>
-              </a:ext>
-            </a:extLst>
-          </p:cNvPr>
-          <p:cNvSpPr txBox="1">
-            <a:spLocks/>
-          </p:cNvSpPr>
-          <p:nvPr/>
-        </p:nvSpPr>
-        <p:spPr>
-          <a:xfrm>
-            <a:off x="637542" y="1009988"/>
-            <a:ext cx="7706063" cy="490673"/>
-          </a:xfrm>
-          <a:prstGeom prst="rect">
-            <a:avLst/>
-          </a:prstGeom>
-        </p:spPr>
-        <p:txBody>
-          <a:bodyPr vert="horz" lIns="91440" tIns="45720" rIns="91440" bIns="45720" rtlCol="0" anchor="ctr">
-            <a:noAutofit/>
-          </a:bodyPr>
-          <a:lstStyle>
-            <a:lvl1pPr algn="ctr" defTabSz="457200" rtl="0" eaLnBrk="1" latinLnBrk="0" hangingPunct="1">
-              <a:spcBef>
-                <a:spcPct val="0"/>
-              </a:spcBef>
-              <a:buNone/>
-              <a:defRPr sz="4400" kern="1200">
-                <a:solidFill>
-                  <a:schemeClr val="tx1"/>
-                </a:solidFill>
-                <a:latin typeface="+mj-lt"/>
-                <a:ea typeface="+mj-ea"/>
-                <a:cs typeface="+mj-cs"/>
-              </a:defRPr>
-            </a:lvl1pPr>
-          </a:lstStyle>
-          <a:p>
-            <a:pPr algn="l"/>
-            <a:r>
-              <a:rPr lang="pt-BR" sz="2500" dirty="0"/>
-              <a:t>RTP</a:t>
-            </a:r>
-            <a:endParaRPr lang="pt-BR" sz="2500" b="1" dirty="0">
-              <a:solidFill>
-                <a:schemeClr val="accent6">
-                  <a:lumMod val="75000"/>
-                </a:schemeClr>
-              </a:solidFill>
-            </a:endParaRPr>
-          </a:p>
-        </p:txBody>
-      </p:sp>
-      <p:sp>
-        <p:nvSpPr>
-          <p:cNvPr id="3" name="Rectangle 1">
-            <a:extLst>
-              <a:ext uri="{FF2B5EF4-FFF2-40B4-BE49-F238E27FC236}">
-                <a16:creationId xmlns:a16="http://schemas.microsoft.com/office/drawing/2014/main" id="{28784249-D490-3059-C48E-D449D181BC5C}"/>
-              </a:ext>
-            </a:extLst>
-          </p:cNvPr>
-          <p:cNvSpPr>
-            <a:spLocks noChangeArrowheads="1"/>
-          </p:cNvSpPr>
-          <p:nvPr/>
-        </p:nvSpPr>
-        <p:spPr bwMode="auto">
-          <a:xfrm>
-            <a:off x="637542" y="1899779"/>
-            <a:ext cx="5219700" cy="1200329"/>
-          </a:xfrm>
-          <a:prstGeom prst="rect">
-            <a:avLst/>
-          </a:prstGeom>
-          <a:noFill/>
-          <a:ln>
-            <a:noFill/>
-          </a:ln>
-          <a:effectLst/>
-          <a:extLst>
-            <a:ext uri="{909E8E84-426E-40DD-AFC4-6F175D3DCCD1}">
-              <a14:hiddenFill xmlns:a14="http://schemas.microsoft.com/office/drawing/2010/main">
-                <a:solidFill>
-                  <a:schemeClr val="accent1"/>
-                </a:solidFill>
-              </a14:hiddenFill>
-            </a:ext>
-            <a:ext uri="{91240B29-F687-4F45-9708-019B960494DF}">
-              <a14:hiddenLine xmlns:a14="http://schemas.microsoft.com/office/drawing/2010/main" w="9525">
-                <a:solidFill>
-                  <a:schemeClr val="tx1"/>
-                </a:solidFill>
-                <a:miter lim="800000"/>
-                <a:headEnd/>
-                <a:tailEnd/>
-              </a14:hiddenLine>
-            </a:ext>
-            <a:ext uri="{AF507438-7753-43E0-B8FC-AC1667EBCBE1}">
-              <a14:hiddenEffects xmlns:a14="http://schemas.microsoft.com/office/drawing/2010/main">
-                <a:effectLst>
-                  <a:outerShdw dist="35921" dir="2700000" algn="ctr" rotWithShape="0">
-                    <a:schemeClr val="bg2"/>
-                  </a:outerShdw>
-                </a:effectLst>
-              </a14:hiddenEffects>
-            </a:ext>
-          </a:extLst>
-        </p:spPr>
-        <p:txBody>
-          <a:bodyPr vert="horz" wrap="square" lIns="91440" tIns="45720" rIns="91440" bIns="45720" numCol="1" anchor="ctr" anchorCtr="0" compatLnSpc="1">
-            <a:prstTxWarp prst="textNoShape">
-              <a:avLst/>
-            </a:prstTxWarp>
-            <a:spAutoFit/>
-          </a:bodyPr>
-          <a:lstStyle/>
-          <a:p>
-            <a:pPr marL="0" marR="0" lvl="0" indent="0" algn="l" defTabSz="914400" rtl="0" eaLnBrk="0" fontAlgn="base" latinLnBrk="0" hangingPunct="0">
-              <a:lnSpc>
-                <a:spcPct val="100000"/>
-              </a:lnSpc>
-              <a:spcBef>
-                <a:spcPct val="0"/>
-              </a:spcBef>
-              <a:spcAft>
-                <a:spcPct val="0"/>
-              </a:spcAft>
-              <a:buClrTx/>
-              <a:buSzTx/>
-              <a:buFontTx/>
-              <a:buChar char="•"/>
-              <a:tabLst/>
-            </a:pPr>
-            <a:r>
-              <a:rPr kumimoji="0" lang="pt-BR" altLang="pt-BR" sz="1800" b="0" i="0" u="none" strike="noStrike" cap="none" normalizeH="0" baseline="0" dirty="0">
-                <a:ln>
-                  <a:noFill/>
-                </a:ln>
-                <a:solidFill>
-                  <a:schemeClr val="tx1"/>
-                </a:solidFill>
-                <a:effectLst/>
-                <a:latin typeface="Arial" panose="020B0604020202020204" pitchFamily="34" charset="0"/>
-              </a:rPr>
-              <a:t>Transporta áudio e vídeo</a:t>
-            </a:r>
-          </a:p>
-          <a:p>
-            <a:pPr marL="0" marR="0" lvl="0" indent="0" algn="l" defTabSz="914400" rtl="0" eaLnBrk="0" fontAlgn="base" latinLnBrk="0" hangingPunct="0">
-              <a:lnSpc>
-                <a:spcPct val="100000"/>
-              </a:lnSpc>
-              <a:spcBef>
-                <a:spcPct val="0"/>
-              </a:spcBef>
-              <a:spcAft>
-                <a:spcPct val="0"/>
-              </a:spcAft>
-              <a:buClrTx/>
-              <a:buSzTx/>
-              <a:buFontTx/>
-              <a:buChar char="•"/>
-              <a:tabLst/>
-            </a:pPr>
-            <a:r>
-              <a:rPr kumimoji="0" lang="pt-BR" altLang="pt-BR" sz="1800" b="0" i="0" u="none" strike="noStrike" cap="none" normalizeH="0" baseline="0" dirty="0">
-                <a:ln>
-                  <a:noFill/>
-                </a:ln>
-                <a:solidFill>
-                  <a:schemeClr val="tx1"/>
-                </a:solidFill>
-                <a:effectLst/>
-                <a:latin typeface="Arial" panose="020B0604020202020204" pitchFamily="34" charset="0"/>
-              </a:rPr>
-              <a:t>Funciona sobre UDP</a:t>
-            </a:r>
-          </a:p>
-          <a:p>
-            <a:pPr marL="0" marR="0" lvl="0" indent="0" algn="l" defTabSz="914400" rtl="0" eaLnBrk="0" fontAlgn="base" latinLnBrk="0" hangingPunct="0">
-              <a:lnSpc>
-                <a:spcPct val="100000"/>
-              </a:lnSpc>
-              <a:spcBef>
-                <a:spcPct val="0"/>
-              </a:spcBef>
-              <a:spcAft>
-                <a:spcPct val="0"/>
-              </a:spcAft>
-              <a:buClrTx/>
-              <a:buSzTx/>
-              <a:buFontTx/>
-              <a:buChar char="•"/>
-              <a:tabLst/>
-            </a:pPr>
-            <a:r>
-              <a:rPr kumimoji="0" lang="pt-BR" altLang="pt-BR" sz="1800" b="0" i="0" u="none" strike="noStrike" cap="none" normalizeH="0" baseline="0" dirty="0">
-                <a:ln>
-                  <a:noFill/>
-                </a:ln>
-                <a:solidFill>
-                  <a:schemeClr val="tx1"/>
-                </a:solidFill>
-                <a:effectLst/>
-                <a:latin typeface="Arial" panose="020B0604020202020204" pitchFamily="34" charset="0"/>
-              </a:rPr>
-              <a:t>Envia pacotes sequenciais</a:t>
-            </a:r>
-          </a:p>
-          <a:p>
-            <a:pPr marL="0" marR="0" lvl="0" indent="0" algn="l" defTabSz="914400" rtl="0" eaLnBrk="0" fontAlgn="base" latinLnBrk="0" hangingPunct="0">
-              <a:lnSpc>
-                <a:spcPct val="100000"/>
-              </a:lnSpc>
-              <a:spcBef>
-                <a:spcPct val="0"/>
-              </a:spcBef>
-              <a:spcAft>
-                <a:spcPct val="0"/>
-              </a:spcAft>
-              <a:buClrTx/>
-              <a:buSzTx/>
-              <a:buFontTx/>
-              <a:buChar char="•"/>
-              <a:tabLst/>
-            </a:pPr>
-            <a:r>
-              <a:rPr kumimoji="0" lang="pt-BR" altLang="pt-BR" sz="1800" b="0" i="0" u="none" strike="noStrike" cap="none" normalizeH="0" baseline="0" dirty="0">
-                <a:ln>
-                  <a:noFill/>
-                </a:ln>
-                <a:solidFill>
-                  <a:schemeClr val="tx1"/>
-                </a:solidFill>
-                <a:effectLst/>
-                <a:latin typeface="Arial" panose="020B0604020202020204" pitchFamily="34" charset="0"/>
-              </a:rPr>
-              <a:t>Conecta os terminais ou passa pelo PBX</a:t>
-            </a:r>
-          </a:p>
-        </p:txBody>
-      </p:sp>
-      <p:pic>
-        <p:nvPicPr>
-          <p:cNvPr id="7" name="Imagem 6">
-            <a:extLst>
-              <a:ext uri="{FF2B5EF4-FFF2-40B4-BE49-F238E27FC236}">
-                <a16:creationId xmlns:a16="http://schemas.microsoft.com/office/drawing/2014/main" id="{94B6E6F2-7CF8-148B-4824-63DACEB526C1}"/>
-              </a:ext>
-            </a:extLst>
-          </p:cNvPr>
-          <p:cNvPicPr>
-            <a:picLocks noChangeAspect="1"/>
-          </p:cNvPicPr>
-          <p:nvPr/>
-        </p:nvPicPr>
-        <p:blipFill>
-          <a:blip r:embed="rId2"/>
-          <a:stretch>
-            <a:fillRect/>
-          </a:stretch>
-        </p:blipFill>
-        <p:spPr>
-          <a:xfrm>
-            <a:off x="6073877" y="1804527"/>
-            <a:ext cx="5877745" cy="2591162"/>
-          </a:xfrm>
-          <a:prstGeom prst="rect">
-            <a:avLst/>
-          </a:prstGeom>
-        </p:spPr>
-      </p:pic>
-    </p:spTree>
-    <p:extLst>
-      <p:ext uri="{BB962C8B-B14F-4D97-AF65-F5344CB8AC3E}">
-        <p14:creationId xmlns:p14="http://schemas.microsoft.com/office/powerpoint/2010/main" val="3507818434"/>
-      </p:ext>
-    </p:extLst>
-  </p:cSld>
-  <p:clrMapOvr>
-    <a:masterClrMapping/>
-  </p:clrMapOvr>
-</p:sld>
-</file>
-
-<file path=ppt/slides/slide6.xml><?xml version="1.0" encoding="utf-8"?>
-<p:sld xmlns:a="http://schemas.openxmlformats.org/drawingml/2006/main" xmlns:r="http://schemas.openxmlformats.org/officeDocument/2006/relationships" xmlns:p="http://schemas.openxmlformats.org/presentationml/2006/main">
-  <p:cSld>
-    <p:spTree>
-      <p:nvGrpSpPr>
-        <p:cNvPr id="1" name=""/>
-        <p:cNvGrpSpPr/>
-        <p:nvPr/>
-      </p:nvGrpSpPr>
-      <p:grpSpPr>
-        <a:xfrm>
-          <a:off x="0" y="0"/>
-          <a:ext cx="0" cy="0"/>
-          <a:chOff x="0" y="0"/>
-          <a:chExt cx="0" cy="0"/>
-        </a:xfrm>
-      </p:grpSpPr>
-      <p:pic>
-        <p:nvPicPr>
-          <p:cNvPr id="5" name="Imagem 4">
-            <a:extLst>
-              <a:ext uri="{FF2B5EF4-FFF2-40B4-BE49-F238E27FC236}">
-                <a16:creationId xmlns:a16="http://schemas.microsoft.com/office/drawing/2014/main" id="{3D15226C-91C2-8008-96D8-12EAED99F07E}"/>
-              </a:ext>
-            </a:extLst>
-          </p:cNvPr>
-          <p:cNvPicPr>
-            <a:picLocks noChangeAspect="1"/>
-          </p:cNvPicPr>
-          <p:nvPr/>
-        </p:nvPicPr>
-        <p:blipFill>
-          <a:blip r:embed="rId2"/>
-          <a:stretch>
-            <a:fillRect/>
-          </a:stretch>
-        </p:blipFill>
-        <p:spPr>
-          <a:xfrm>
-            <a:off x="1981200" y="457200"/>
-            <a:ext cx="6277904" cy="2462791"/>
-          </a:xfrm>
-          <a:prstGeom prst="rect">
-            <a:avLst/>
-          </a:prstGeom>
-        </p:spPr>
-      </p:pic>
-      <p:pic>
-        <p:nvPicPr>
-          <p:cNvPr id="4" name="Imagem 3">
-            <a:extLst>
-              <a:ext uri="{FF2B5EF4-FFF2-40B4-BE49-F238E27FC236}">
-                <a16:creationId xmlns:a16="http://schemas.microsoft.com/office/drawing/2014/main" id="{2EDD2E02-BD0C-FA1F-EA46-A7B1B0F264DB}"/>
-              </a:ext>
-            </a:extLst>
-          </p:cNvPr>
-          <p:cNvPicPr>
-            <a:picLocks noChangeAspect="1"/>
-          </p:cNvPicPr>
-          <p:nvPr/>
-        </p:nvPicPr>
-        <p:blipFill>
-          <a:blip r:embed="rId3"/>
-          <a:stretch>
-            <a:fillRect/>
-          </a:stretch>
-        </p:blipFill>
-        <p:spPr>
-          <a:xfrm>
-            <a:off x="1981200" y="3429000"/>
-            <a:ext cx="1209844" cy="1505160"/>
-          </a:xfrm>
-          <a:prstGeom prst="rect">
-            <a:avLst/>
-          </a:prstGeom>
-        </p:spPr>
-      </p:pic>
-      <p:pic>
-        <p:nvPicPr>
-          <p:cNvPr id="6" name="Imagem 5">
-            <a:extLst>
-              <a:ext uri="{FF2B5EF4-FFF2-40B4-BE49-F238E27FC236}">
-                <a16:creationId xmlns:a16="http://schemas.microsoft.com/office/drawing/2014/main" id="{7AD3AEDC-71BF-0597-C012-2C26E10F78FC}"/>
-              </a:ext>
-            </a:extLst>
-          </p:cNvPr>
-          <p:cNvPicPr>
-            <a:picLocks noChangeAspect="1"/>
-          </p:cNvPicPr>
-          <p:nvPr/>
-        </p:nvPicPr>
-        <p:blipFill>
-          <a:blip r:embed="rId3"/>
-          <a:stretch>
-            <a:fillRect/>
-          </a:stretch>
-        </p:blipFill>
-        <p:spPr>
-          <a:xfrm>
-            <a:off x="9343103" y="3429000"/>
-            <a:ext cx="1209844" cy="1505160"/>
-          </a:xfrm>
-          <a:prstGeom prst="rect">
-            <a:avLst/>
-          </a:prstGeom>
-        </p:spPr>
-      </p:pic>
-      <p:cxnSp>
-        <p:nvCxnSpPr>
-          <p:cNvPr id="18" name="Conector reto 17">
-            <a:extLst>
-              <a:ext uri="{FF2B5EF4-FFF2-40B4-BE49-F238E27FC236}">
-                <a16:creationId xmlns:a16="http://schemas.microsoft.com/office/drawing/2014/main" id="{A419963A-534C-870C-2C2D-72BF0B7633D8}"/>
-              </a:ext>
-            </a:extLst>
-          </p:cNvPr>
-          <p:cNvCxnSpPr>
-            <a:cxnSpLocks/>
-            <a:endCxn id="6" idx="2"/>
-          </p:cNvCxnSpPr>
-          <p:nvPr/>
-        </p:nvCxnSpPr>
-        <p:spPr>
-          <a:xfrm flipV="1">
-            <a:off x="9948025" y="4934160"/>
-            <a:ext cx="0" cy="726072"/>
-          </a:xfrm>
-          <a:prstGeom prst="line">
-            <a:avLst/>
-          </a:prstGeom>
-        </p:spPr>
-        <p:style>
-          <a:lnRef idx="2">
-            <a:schemeClr val="accent1"/>
-          </a:lnRef>
-          <a:fillRef idx="0">
-            <a:schemeClr val="accent1"/>
-          </a:fillRef>
-          <a:effectRef idx="1">
-            <a:schemeClr val="accent1"/>
-          </a:effectRef>
-          <a:fontRef idx="minor">
-            <a:schemeClr val="tx1"/>
-          </a:fontRef>
-        </p:style>
-      </p:cxnSp>
-      <p:sp>
-        <p:nvSpPr>
-          <p:cNvPr id="19" name="Retângulo 18">
-            <a:extLst>
-              <a:ext uri="{FF2B5EF4-FFF2-40B4-BE49-F238E27FC236}">
-                <a16:creationId xmlns:a16="http://schemas.microsoft.com/office/drawing/2014/main" id="{C0402CED-FDEE-9E01-7ABB-76D38925C4CD}"/>
-              </a:ext>
-            </a:extLst>
-          </p:cNvPr>
-          <p:cNvSpPr/>
-          <p:nvPr/>
-        </p:nvSpPr>
-        <p:spPr>
-          <a:xfrm>
-            <a:off x="4724401" y="5303427"/>
-            <a:ext cx="3445931" cy="719137"/>
-          </a:xfrm>
-          <a:prstGeom prst="rect">
-            <a:avLst/>
-          </a:prstGeom>
-        </p:spPr>
-        <p:style>
-          <a:lnRef idx="2">
-            <a:schemeClr val="dk1"/>
-          </a:lnRef>
-          <a:fillRef idx="1">
-            <a:schemeClr val="lt1"/>
-          </a:fillRef>
-          <a:effectRef idx="0">
-            <a:schemeClr val="dk1"/>
-          </a:effectRef>
-          <a:fontRef idx="minor">
-            <a:schemeClr val="dk1"/>
-          </a:fontRef>
-        </p:style>
-        <p:txBody>
-          <a:bodyPr rtlCol="0" anchor="ctr"/>
-          <a:lstStyle/>
-          <a:p>
-            <a:pPr algn="ctr"/>
-            <a:endParaRPr lang="pt-BR"/>
-          </a:p>
-        </p:txBody>
-      </p:sp>
-      <p:cxnSp>
-        <p:nvCxnSpPr>
-          <p:cNvPr id="21" name="Conector reto 20">
-            <a:extLst>
-              <a:ext uri="{FF2B5EF4-FFF2-40B4-BE49-F238E27FC236}">
-                <a16:creationId xmlns:a16="http://schemas.microsoft.com/office/drawing/2014/main" id="{56FA388E-318A-7A99-6C5C-AA8E3D756DDD}"/>
-              </a:ext>
-            </a:extLst>
-          </p:cNvPr>
-          <p:cNvCxnSpPr>
-            <a:stCxn id="4" idx="2"/>
-          </p:cNvCxnSpPr>
-          <p:nvPr/>
-        </p:nvCxnSpPr>
-        <p:spPr>
-          <a:xfrm>
-            <a:off x="2586122" y="4934160"/>
-            <a:ext cx="4678" cy="704640"/>
-          </a:xfrm>
-          <a:prstGeom prst="line">
-            <a:avLst/>
-          </a:prstGeom>
-        </p:spPr>
-        <p:style>
-          <a:lnRef idx="2">
-            <a:schemeClr val="accent1"/>
-          </a:lnRef>
-          <a:fillRef idx="0">
-            <a:schemeClr val="accent1"/>
-          </a:fillRef>
-          <a:effectRef idx="1">
-            <a:schemeClr val="accent1"/>
-          </a:effectRef>
-          <a:fontRef idx="minor">
-            <a:schemeClr val="tx1"/>
-          </a:fontRef>
-        </p:style>
-      </p:cxnSp>
-      <p:cxnSp>
-        <p:nvCxnSpPr>
-          <p:cNvPr id="23" name="Conector reto 22">
-            <a:extLst>
-              <a:ext uri="{FF2B5EF4-FFF2-40B4-BE49-F238E27FC236}">
-                <a16:creationId xmlns:a16="http://schemas.microsoft.com/office/drawing/2014/main" id="{4BBA3910-6478-EB47-A002-FB79FA494BA1}"/>
-              </a:ext>
-            </a:extLst>
-          </p:cNvPr>
-          <p:cNvCxnSpPr>
-            <a:cxnSpLocks/>
-            <a:endCxn id="19" idx="1"/>
-          </p:cNvCxnSpPr>
-          <p:nvPr/>
-        </p:nvCxnSpPr>
-        <p:spPr>
-          <a:xfrm>
-            <a:off x="2603054" y="5641564"/>
-            <a:ext cx="2121347" cy="21432"/>
-          </a:xfrm>
-          <a:prstGeom prst="line">
-            <a:avLst/>
-          </a:prstGeom>
-        </p:spPr>
-        <p:style>
-          <a:lnRef idx="2">
-            <a:schemeClr val="accent1"/>
-          </a:lnRef>
-          <a:fillRef idx="0">
-            <a:schemeClr val="accent1"/>
-          </a:fillRef>
-          <a:effectRef idx="1">
-            <a:schemeClr val="accent1"/>
-          </a:effectRef>
-          <a:fontRef idx="minor">
-            <a:schemeClr val="tx1"/>
-          </a:fontRef>
-        </p:style>
-      </p:cxnSp>
-      <p:cxnSp>
-        <p:nvCxnSpPr>
-          <p:cNvPr id="25" name="Conector reto 24">
-            <a:extLst>
-              <a:ext uri="{FF2B5EF4-FFF2-40B4-BE49-F238E27FC236}">
-                <a16:creationId xmlns:a16="http://schemas.microsoft.com/office/drawing/2014/main" id="{EDEF73A6-8E1A-C999-16E0-BA0A58C24261}"/>
-              </a:ext>
-            </a:extLst>
-          </p:cNvPr>
-          <p:cNvCxnSpPr>
-            <a:cxnSpLocks/>
-            <a:stCxn id="19" idx="3"/>
-          </p:cNvCxnSpPr>
-          <p:nvPr/>
-        </p:nvCxnSpPr>
-        <p:spPr>
-          <a:xfrm>
-            <a:off x="8170332" y="5662996"/>
-            <a:ext cx="1794625" cy="0"/>
-          </a:xfrm>
-          <a:prstGeom prst="line">
-            <a:avLst/>
-          </a:prstGeom>
-        </p:spPr>
-        <p:style>
-          <a:lnRef idx="2">
-            <a:schemeClr val="accent1"/>
-          </a:lnRef>
-          <a:fillRef idx="0">
-            <a:schemeClr val="accent1"/>
-          </a:fillRef>
-          <a:effectRef idx="1">
-            <a:schemeClr val="accent1"/>
-          </a:effectRef>
-          <a:fontRef idx="minor">
-            <a:schemeClr val="tx1"/>
-          </a:fontRef>
-        </p:style>
-      </p:cxnSp>
-      <p:cxnSp>
-        <p:nvCxnSpPr>
-          <p:cNvPr id="28" name="Conector reto 27">
-            <a:extLst>
-              <a:ext uri="{FF2B5EF4-FFF2-40B4-BE49-F238E27FC236}">
-                <a16:creationId xmlns:a16="http://schemas.microsoft.com/office/drawing/2014/main" id="{5A839527-5551-6522-817A-22CFF11D087C}"/>
-              </a:ext>
-            </a:extLst>
-          </p:cNvPr>
-          <p:cNvCxnSpPr>
-            <a:cxnSpLocks/>
-          </p:cNvCxnSpPr>
-          <p:nvPr/>
-        </p:nvCxnSpPr>
-        <p:spPr>
-          <a:xfrm>
-            <a:off x="5410200" y="5300663"/>
-            <a:ext cx="0" cy="719137"/>
-          </a:xfrm>
-          <a:prstGeom prst="line">
-            <a:avLst/>
-          </a:prstGeom>
-        </p:spPr>
-        <p:style>
-          <a:lnRef idx="2">
-            <a:schemeClr val="dk1"/>
-          </a:lnRef>
-          <a:fillRef idx="0">
-            <a:schemeClr val="dk1"/>
-          </a:fillRef>
-          <a:effectRef idx="1">
-            <a:schemeClr val="dk1"/>
-          </a:effectRef>
-          <a:fontRef idx="minor">
-            <a:schemeClr val="tx1"/>
-          </a:fontRef>
-        </p:style>
-      </p:cxnSp>
-      <p:cxnSp>
-        <p:nvCxnSpPr>
-          <p:cNvPr id="30" name="Conector reto 29">
-            <a:extLst>
-              <a:ext uri="{FF2B5EF4-FFF2-40B4-BE49-F238E27FC236}">
-                <a16:creationId xmlns:a16="http://schemas.microsoft.com/office/drawing/2014/main" id="{8D38D885-A082-D0A0-7D47-31733A514D79}"/>
-              </a:ext>
-            </a:extLst>
-          </p:cNvPr>
-          <p:cNvCxnSpPr/>
-          <p:nvPr/>
-        </p:nvCxnSpPr>
-        <p:spPr>
-          <a:xfrm>
-            <a:off x="6096000" y="5300663"/>
-            <a:ext cx="0" cy="719137"/>
-          </a:xfrm>
-          <a:prstGeom prst="line">
-            <a:avLst/>
-          </a:prstGeom>
-        </p:spPr>
-        <p:style>
-          <a:lnRef idx="2">
-            <a:schemeClr val="dk1"/>
-          </a:lnRef>
-          <a:fillRef idx="0">
-            <a:schemeClr val="dk1"/>
-          </a:fillRef>
-          <a:effectRef idx="1">
-            <a:schemeClr val="dk1"/>
-          </a:effectRef>
-          <a:fontRef idx="minor">
-            <a:schemeClr val="tx1"/>
-          </a:fontRef>
-        </p:style>
-      </p:cxnSp>
-      <p:cxnSp>
-        <p:nvCxnSpPr>
-          <p:cNvPr id="32" name="Conector reto 31">
-            <a:extLst>
-              <a:ext uri="{FF2B5EF4-FFF2-40B4-BE49-F238E27FC236}">
-                <a16:creationId xmlns:a16="http://schemas.microsoft.com/office/drawing/2014/main" id="{438571B3-E07D-F183-905B-63D20BC2421D}"/>
-              </a:ext>
-            </a:extLst>
-          </p:cNvPr>
-          <p:cNvCxnSpPr/>
-          <p:nvPr/>
-        </p:nvCxnSpPr>
-        <p:spPr>
-          <a:xfrm>
-            <a:off x="6781800" y="5300663"/>
-            <a:ext cx="0" cy="719137"/>
-          </a:xfrm>
-          <a:prstGeom prst="line">
-            <a:avLst/>
-          </a:prstGeom>
-        </p:spPr>
-        <p:style>
-          <a:lnRef idx="2">
-            <a:schemeClr val="dk1"/>
-          </a:lnRef>
-          <a:fillRef idx="0">
-            <a:schemeClr val="dk1"/>
-          </a:fillRef>
-          <a:effectRef idx="1">
-            <a:schemeClr val="dk1"/>
-          </a:effectRef>
-          <a:fontRef idx="minor">
-            <a:schemeClr val="tx1"/>
-          </a:fontRef>
-        </p:style>
-      </p:cxnSp>
-      <p:cxnSp>
-        <p:nvCxnSpPr>
-          <p:cNvPr id="35" name="Conector reto 34">
-            <a:extLst>
-              <a:ext uri="{FF2B5EF4-FFF2-40B4-BE49-F238E27FC236}">
-                <a16:creationId xmlns:a16="http://schemas.microsoft.com/office/drawing/2014/main" id="{543CC321-D899-1A33-1328-D805EE356517}"/>
-              </a:ext>
-            </a:extLst>
-          </p:cNvPr>
-          <p:cNvCxnSpPr/>
-          <p:nvPr/>
-        </p:nvCxnSpPr>
-        <p:spPr>
-          <a:xfrm>
-            <a:off x="7467600" y="5300663"/>
-            <a:ext cx="0" cy="719137"/>
-          </a:xfrm>
-          <a:prstGeom prst="line">
-            <a:avLst/>
-          </a:prstGeom>
-        </p:spPr>
-        <p:style>
-          <a:lnRef idx="2">
-            <a:schemeClr val="dk1"/>
-          </a:lnRef>
-          <a:fillRef idx="0">
-            <a:schemeClr val="dk1"/>
-          </a:fillRef>
-          <a:effectRef idx="1">
-            <a:schemeClr val="dk1"/>
-          </a:effectRef>
-          <a:fontRef idx="minor">
-            <a:schemeClr val="tx1"/>
-          </a:fontRef>
-        </p:style>
-      </p:cxnSp>
-      <p:sp>
-        <p:nvSpPr>
-          <p:cNvPr id="36" name="CaixaDeTexto 35">
-            <a:extLst>
-              <a:ext uri="{FF2B5EF4-FFF2-40B4-BE49-F238E27FC236}">
-                <a16:creationId xmlns:a16="http://schemas.microsoft.com/office/drawing/2014/main" id="{CF06B95C-56D4-009A-4779-F3CD0D9B82AE}"/>
-              </a:ext>
-            </a:extLst>
-          </p:cNvPr>
-          <p:cNvSpPr txBox="1"/>
-          <p:nvPr/>
-        </p:nvSpPr>
-        <p:spPr>
-          <a:xfrm>
-            <a:off x="4822723" y="5537121"/>
-            <a:ext cx="515717" cy="246221"/>
-          </a:xfrm>
-          <a:prstGeom prst="rect">
-            <a:avLst/>
-          </a:prstGeom>
-          <a:noFill/>
-        </p:spPr>
-        <p:txBody>
-          <a:bodyPr wrap="square" rtlCol="0">
-            <a:spAutoFit/>
-          </a:bodyPr>
-          <a:lstStyle/>
-          <a:p>
-            <a:r>
-              <a:rPr lang="pt-BR" sz="1000" b="1" dirty="0" err="1"/>
-              <a:t>Chunk</a:t>
-            </a:r>
-            <a:endParaRPr lang="pt-BR" sz="1000" b="1" dirty="0"/>
-          </a:p>
-        </p:txBody>
-      </p:sp>
-      <p:sp>
-        <p:nvSpPr>
-          <p:cNvPr id="40" name="CaixaDeTexto 39">
-            <a:extLst>
-              <a:ext uri="{FF2B5EF4-FFF2-40B4-BE49-F238E27FC236}">
-                <a16:creationId xmlns:a16="http://schemas.microsoft.com/office/drawing/2014/main" id="{9EB95BD6-649C-5813-2C40-1463EC6EDF7A}"/>
-              </a:ext>
-            </a:extLst>
-          </p:cNvPr>
-          <p:cNvSpPr txBox="1"/>
-          <p:nvPr/>
-        </p:nvSpPr>
-        <p:spPr>
-          <a:xfrm>
-            <a:off x="5499165" y="5539885"/>
-            <a:ext cx="515717" cy="246221"/>
-          </a:xfrm>
-          <a:prstGeom prst="rect">
-            <a:avLst/>
-          </a:prstGeom>
-          <a:noFill/>
-        </p:spPr>
-        <p:txBody>
-          <a:bodyPr wrap="square" rtlCol="0">
-            <a:spAutoFit/>
-          </a:bodyPr>
-          <a:lstStyle/>
-          <a:p>
-            <a:r>
-              <a:rPr lang="pt-BR" sz="1000" b="1" dirty="0" err="1"/>
-              <a:t>Chunk</a:t>
-            </a:r>
-            <a:endParaRPr lang="pt-BR" sz="1000" b="1" dirty="0"/>
-          </a:p>
-        </p:txBody>
-      </p:sp>
-      <p:sp>
-        <p:nvSpPr>
-          <p:cNvPr id="41" name="CaixaDeTexto 40">
-            <a:extLst>
-              <a:ext uri="{FF2B5EF4-FFF2-40B4-BE49-F238E27FC236}">
-                <a16:creationId xmlns:a16="http://schemas.microsoft.com/office/drawing/2014/main" id="{6D5CA548-9D4A-0369-82AC-F61DB3EF9EAD}"/>
-              </a:ext>
-            </a:extLst>
-          </p:cNvPr>
-          <p:cNvSpPr txBox="1"/>
-          <p:nvPr/>
-        </p:nvSpPr>
-        <p:spPr>
-          <a:xfrm>
-            <a:off x="6176879" y="5541930"/>
-            <a:ext cx="515717" cy="246221"/>
-          </a:xfrm>
-          <a:prstGeom prst="rect">
-            <a:avLst/>
-          </a:prstGeom>
-          <a:noFill/>
-        </p:spPr>
-        <p:txBody>
-          <a:bodyPr wrap="square" rtlCol="0">
-            <a:spAutoFit/>
-          </a:bodyPr>
-          <a:lstStyle/>
-          <a:p>
-            <a:r>
-              <a:rPr lang="pt-BR" sz="1000" b="1" dirty="0" err="1"/>
-              <a:t>Chunk</a:t>
-            </a:r>
-            <a:endParaRPr lang="pt-BR" sz="1000" b="1" dirty="0"/>
-          </a:p>
-        </p:txBody>
-      </p:sp>
-      <p:sp>
-        <p:nvSpPr>
-          <p:cNvPr id="42" name="CaixaDeTexto 41">
-            <a:extLst>
-              <a:ext uri="{FF2B5EF4-FFF2-40B4-BE49-F238E27FC236}">
-                <a16:creationId xmlns:a16="http://schemas.microsoft.com/office/drawing/2014/main" id="{7C4CBAB5-8638-539E-D4A9-EB4FC3E7CAF9}"/>
-              </a:ext>
-            </a:extLst>
-          </p:cNvPr>
-          <p:cNvSpPr txBox="1"/>
-          <p:nvPr/>
-        </p:nvSpPr>
-        <p:spPr>
-          <a:xfrm>
-            <a:off x="6858274" y="5541930"/>
-            <a:ext cx="515717" cy="246221"/>
-          </a:xfrm>
-          <a:prstGeom prst="rect">
-            <a:avLst/>
-          </a:prstGeom>
-          <a:noFill/>
-        </p:spPr>
-        <p:txBody>
-          <a:bodyPr wrap="square" rtlCol="0">
-            <a:spAutoFit/>
-          </a:bodyPr>
-          <a:lstStyle/>
-          <a:p>
-            <a:r>
-              <a:rPr lang="pt-BR" sz="1000" b="1" dirty="0" err="1"/>
-              <a:t>Chunk</a:t>
-            </a:r>
-            <a:endParaRPr lang="pt-BR" sz="1000" b="1" dirty="0"/>
-          </a:p>
-        </p:txBody>
-      </p:sp>
-      <p:sp>
-        <p:nvSpPr>
-          <p:cNvPr id="43" name="CaixaDeTexto 42">
-            <a:extLst>
-              <a:ext uri="{FF2B5EF4-FFF2-40B4-BE49-F238E27FC236}">
-                <a16:creationId xmlns:a16="http://schemas.microsoft.com/office/drawing/2014/main" id="{642B383A-9FC0-40CE-1B4D-226611BA9285}"/>
-              </a:ext>
-            </a:extLst>
-          </p:cNvPr>
-          <p:cNvSpPr txBox="1"/>
-          <p:nvPr/>
-        </p:nvSpPr>
-        <p:spPr>
-          <a:xfrm>
-            <a:off x="7522310" y="5541930"/>
-            <a:ext cx="515717" cy="246221"/>
-          </a:xfrm>
-          <a:prstGeom prst="rect">
-            <a:avLst/>
-          </a:prstGeom>
-          <a:noFill/>
-        </p:spPr>
-        <p:txBody>
-          <a:bodyPr wrap="square" rtlCol="0">
-            <a:spAutoFit/>
-          </a:bodyPr>
-          <a:lstStyle/>
-          <a:p>
-            <a:r>
-              <a:rPr lang="pt-BR" sz="1000" b="1" dirty="0" err="1"/>
-              <a:t>Chunk</a:t>
-            </a:r>
-            <a:endParaRPr lang="pt-BR" sz="1000" b="1" dirty="0"/>
-          </a:p>
-        </p:txBody>
-      </p:sp>
-      <p:sp>
-        <p:nvSpPr>
-          <p:cNvPr id="44" name="CaixaDeTexto 43">
-            <a:extLst>
-              <a:ext uri="{FF2B5EF4-FFF2-40B4-BE49-F238E27FC236}">
-                <a16:creationId xmlns:a16="http://schemas.microsoft.com/office/drawing/2014/main" id="{5AED5AC6-1855-3889-32F8-2C70B1FDC28C}"/>
-              </a:ext>
-            </a:extLst>
-          </p:cNvPr>
-          <p:cNvSpPr txBox="1"/>
-          <p:nvPr/>
-        </p:nvSpPr>
-        <p:spPr>
-          <a:xfrm>
-            <a:off x="4893733" y="4998774"/>
-            <a:ext cx="3271920" cy="246221"/>
-          </a:xfrm>
-          <a:prstGeom prst="rect">
-            <a:avLst/>
-          </a:prstGeom>
-          <a:noFill/>
-        </p:spPr>
-        <p:txBody>
-          <a:bodyPr wrap="square" rtlCol="0">
-            <a:spAutoFit/>
-          </a:bodyPr>
-          <a:lstStyle/>
-          <a:p>
-            <a:pPr algn="ctr"/>
-            <a:r>
-              <a:rPr lang="pt-BR" sz="1000" b="1" dirty="0"/>
-              <a:t>Rede de Dados(Internet ou Lan)</a:t>
-            </a:r>
-          </a:p>
-        </p:txBody>
-      </p:sp>
-    </p:spTree>
-    <p:extLst>
-      <p:ext uri="{BB962C8B-B14F-4D97-AF65-F5344CB8AC3E}">
-        <p14:creationId xmlns:p14="http://schemas.microsoft.com/office/powerpoint/2010/main" val="1137521658"/>
-      </p:ext>
-    </p:extLst>
-  </p:cSld>
-  <p:clrMapOvr>
-    <a:masterClrMapping/>
-  </p:clrMapOvr>
-</p:sld>
-</file>
-
-<file path=ppt/slides/slide7.xml><?xml version="1.0" encoding="utf-8"?>
-<p:sld xmlns:a="http://schemas.openxmlformats.org/drawingml/2006/main" xmlns:r="http://schemas.openxmlformats.org/officeDocument/2006/relationships" xmlns:p="http://schemas.openxmlformats.org/presentationml/2006/main">
-  <p:cSld>
-    <p:spTree>
-      <p:nvGrpSpPr>
-        <p:cNvPr id="1" name=""/>
-        <p:cNvGrpSpPr/>
-        <p:nvPr/>
-      </p:nvGrpSpPr>
-      <p:grpSpPr>
-        <a:xfrm>
-          <a:off x="0" y="0"/>
-          <a:ext cx="0" cy="0"/>
-          <a:chOff x="0" y="0"/>
-          <a:chExt cx="0" cy="0"/>
-        </a:xfrm>
-      </p:grpSpPr>
-      <p:pic>
-        <p:nvPicPr>
-          <p:cNvPr id="4" name="Imagem 3">
-            <a:extLst>
-              <a:ext uri="{FF2B5EF4-FFF2-40B4-BE49-F238E27FC236}">
-                <a16:creationId xmlns:a16="http://schemas.microsoft.com/office/drawing/2014/main" id="{FD7DEE18-1516-7785-54AC-B409C45515DF}"/>
-              </a:ext>
-            </a:extLst>
-          </p:cNvPr>
-          <p:cNvPicPr>
-            <a:picLocks noChangeAspect="1"/>
-          </p:cNvPicPr>
-          <p:nvPr/>
-        </p:nvPicPr>
-        <p:blipFill>
-          <a:blip r:embed="rId2"/>
-          <a:stretch>
-            <a:fillRect/>
-          </a:stretch>
-        </p:blipFill>
-        <p:spPr>
-          <a:xfrm>
-            <a:off x="8153400" y="1821883"/>
-            <a:ext cx="2524477" cy="790685"/>
-          </a:xfrm>
-          <a:prstGeom prst="rect">
-            <a:avLst/>
-          </a:prstGeom>
-        </p:spPr>
-      </p:pic>
-      <p:sp>
-        <p:nvSpPr>
-          <p:cNvPr id="16" name="Título 5">
-            <a:extLst>
-              <a:ext uri="{FF2B5EF4-FFF2-40B4-BE49-F238E27FC236}">
-                <a16:creationId xmlns:a16="http://schemas.microsoft.com/office/drawing/2014/main" id="{CE6E49EE-D7CE-BFF0-8AAB-2C1374708467}"/>
-              </a:ext>
-            </a:extLst>
-          </p:cNvPr>
-          <p:cNvSpPr txBox="1">
-            <a:spLocks/>
-          </p:cNvSpPr>
-          <p:nvPr/>
-        </p:nvSpPr>
-        <p:spPr>
-          <a:xfrm>
-            <a:off x="657207" y="764652"/>
-            <a:ext cx="7706063" cy="490673"/>
-          </a:xfrm>
-          <a:prstGeom prst="rect">
-            <a:avLst/>
-          </a:prstGeom>
-        </p:spPr>
-        <p:txBody>
-          <a:bodyPr vert="horz" lIns="91440" tIns="45720" rIns="91440" bIns="45720" rtlCol="0" anchor="ctr">
-            <a:noAutofit/>
-          </a:bodyPr>
-          <a:lstStyle>
-            <a:lvl1pPr algn="ctr" defTabSz="457200" rtl="0" eaLnBrk="1" latinLnBrk="0" hangingPunct="1">
-              <a:spcBef>
-                <a:spcPct val="0"/>
-              </a:spcBef>
-              <a:buNone/>
-              <a:defRPr sz="4400" kern="1200">
-                <a:solidFill>
-                  <a:schemeClr val="tx1"/>
-                </a:solidFill>
-                <a:latin typeface="+mj-lt"/>
-                <a:ea typeface="+mj-ea"/>
-                <a:cs typeface="+mj-cs"/>
-              </a:defRPr>
-            </a:lvl1pPr>
-          </a:lstStyle>
-          <a:p>
-            <a:pPr algn="l"/>
-            <a:r>
-              <a:rPr lang="pt-BR" sz="2500" b="1" dirty="0"/>
-              <a:t>SDP (</a:t>
-            </a:r>
-            <a:r>
-              <a:rPr lang="pt-BR" sz="2500" b="1" dirty="0" err="1"/>
-              <a:t>Session</a:t>
-            </a:r>
-            <a:r>
-              <a:rPr lang="pt-BR" sz="2500" b="1" dirty="0"/>
-              <a:t> </a:t>
-            </a:r>
-            <a:r>
-              <a:rPr lang="pt-BR" sz="2500" b="1" dirty="0" err="1"/>
-              <a:t>Description</a:t>
-            </a:r>
-            <a:r>
-              <a:rPr lang="pt-BR" sz="2500" b="1" dirty="0"/>
-              <a:t> </a:t>
-            </a:r>
-            <a:r>
-              <a:rPr lang="pt-BR" sz="2500" b="1" dirty="0" err="1"/>
-              <a:t>Protocol</a:t>
-            </a:r>
-            <a:r>
-              <a:rPr lang="pt-BR" sz="2500" b="1" dirty="0"/>
-              <a:t>)</a:t>
-            </a:r>
-          </a:p>
-        </p:txBody>
-      </p:sp>
-      <p:sp>
-        <p:nvSpPr>
-          <p:cNvPr id="9" name="Rectangle 4">
-            <a:extLst>
-              <a:ext uri="{FF2B5EF4-FFF2-40B4-BE49-F238E27FC236}">
-                <a16:creationId xmlns:a16="http://schemas.microsoft.com/office/drawing/2014/main" id="{814D58AA-2836-579A-E6E3-8DDB0AAE0548}"/>
-              </a:ext>
-            </a:extLst>
-          </p:cNvPr>
-          <p:cNvSpPr>
-            <a:spLocks noChangeArrowheads="1"/>
-          </p:cNvSpPr>
-          <p:nvPr/>
-        </p:nvSpPr>
-        <p:spPr bwMode="auto">
-          <a:xfrm>
-            <a:off x="630168" y="1255325"/>
-            <a:ext cx="6925188" cy="3477875"/>
-          </a:xfrm>
-          <a:prstGeom prst="rect">
-            <a:avLst/>
-          </a:prstGeom>
-          <a:noFill/>
-          <a:ln>
-            <a:noFill/>
-          </a:ln>
-          <a:effectLst/>
-          <a:extLst>
-            <a:ext uri="{909E8E84-426E-40DD-AFC4-6F175D3DCCD1}">
-              <a14:hiddenFill xmlns:a14="http://schemas.microsoft.com/office/drawing/2010/main">
-                <a:solidFill>
-                  <a:schemeClr val="accent1"/>
-                </a:solidFill>
-              </a14:hiddenFill>
-            </a:ext>
-            <a:ext uri="{91240B29-F687-4F45-9708-019B960494DF}">
-              <a14:hiddenLine xmlns:a14="http://schemas.microsoft.com/office/drawing/2010/main" w="9525">
-                <a:solidFill>
-                  <a:schemeClr val="tx1"/>
-                </a:solidFill>
-                <a:miter lim="800000"/>
-                <a:headEnd/>
-                <a:tailEnd/>
-              </a14:hiddenLine>
-            </a:ext>
-            <a:ext uri="{AF507438-7753-43E0-B8FC-AC1667EBCBE1}">
-              <a14:hiddenEffects xmlns:a14="http://schemas.microsoft.com/office/drawing/2010/main">
-                <a:effectLst>
-                  <a:outerShdw dist="35921" dir="2700000" algn="ctr" rotWithShape="0">
-                    <a:schemeClr val="bg2"/>
-                  </a:outerShdw>
-                </a:effectLst>
-              </a14:hiddenEffects>
-            </a:ext>
-          </a:extLst>
-        </p:spPr>
-        <p:txBody>
-          <a:bodyPr vert="horz" wrap="square" lIns="91440" tIns="45720" rIns="91440" bIns="45720" numCol="1" anchor="ctr" anchorCtr="0" compatLnSpc="1">
-            <a:prstTxWarp prst="textNoShape">
-              <a:avLst/>
-            </a:prstTxWarp>
-            <a:spAutoFit/>
-          </a:bodyPr>
-          <a:lstStyle/>
-          <a:p>
-            <a:pPr marL="0" marR="0" lvl="0" indent="0" algn="l" defTabSz="914400" rtl="0" eaLnBrk="0" fontAlgn="base" latinLnBrk="0" hangingPunct="0">
-              <a:lnSpc>
-                <a:spcPct val="100000"/>
-              </a:lnSpc>
-              <a:spcBef>
-                <a:spcPct val="0"/>
-              </a:spcBef>
-              <a:spcAft>
-                <a:spcPct val="0"/>
-              </a:spcAft>
-              <a:buClrTx/>
-              <a:buSzTx/>
-              <a:buFontTx/>
-              <a:buChar char="•"/>
-              <a:tabLst/>
-            </a:pPr>
-            <a:r>
-              <a:rPr kumimoji="0" lang="pt-BR" altLang="pt-BR" sz="2000" b="1" i="0" u="none" strike="noStrike" cap="none" normalizeH="0" baseline="0" dirty="0">
-                <a:ln>
-                  <a:noFill/>
-                </a:ln>
-                <a:solidFill>
-                  <a:schemeClr val="tx1"/>
-                </a:solidFill>
-                <a:effectLst/>
-                <a:latin typeface="Arial" panose="020B0604020202020204" pitchFamily="34" charset="0"/>
-              </a:rPr>
-              <a:t>Função:</a:t>
-            </a:r>
-            <a:r>
-              <a:rPr kumimoji="0" lang="pt-BR" altLang="pt-BR" sz="2000" b="0" i="0" u="none" strike="noStrike" cap="none" normalizeH="0" baseline="0" dirty="0">
-                <a:ln>
-                  <a:noFill/>
-                </a:ln>
-                <a:solidFill>
-                  <a:schemeClr val="tx1"/>
-                </a:solidFill>
-                <a:effectLst/>
-                <a:latin typeface="Arial" panose="020B0604020202020204" pitchFamily="34" charset="0"/>
-              </a:rPr>
-              <a:t> descrição da sessão de mídia</a:t>
-            </a:r>
-          </a:p>
-          <a:p>
-            <a:pPr marL="0" marR="0" lvl="0" indent="0" algn="l" defTabSz="914400" rtl="0" eaLnBrk="0" fontAlgn="base" latinLnBrk="0" hangingPunct="0">
-              <a:lnSpc>
-                <a:spcPct val="100000"/>
-              </a:lnSpc>
-              <a:spcBef>
-                <a:spcPct val="0"/>
-              </a:spcBef>
-              <a:spcAft>
-                <a:spcPct val="0"/>
-              </a:spcAft>
-              <a:buClrTx/>
-              <a:buSzTx/>
-              <a:buFontTx/>
-              <a:buChar char="•"/>
-              <a:tabLst/>
-            </a:pPr>
-            <a:r>
-              <a:rPr kumimoji="0" lang="pt-BR" altLang="pt-BR" sz="2000" b="1" i="0" u="none" strike="noStrike" cap="none" normalizeH="0" baseline="0" dirty="0">
-                <a:ln>
-                  <a:noFill/>
-                </a:ln>
-                <a:solidFill>
-                  <a:schemeClr val="tx1"/>
-                </a:solidFill>
-                <a:effectLst/>
-                <a:latin typeface="Arial" panose="020B0604020202020204" pitchFamily="34" charset="0"/>
-              </a:rPr>
-              <a:t>Usado em:</a:t>
-            </a:r>
-            <a:r>
-              <a:rPr kumimoji="0" lang="pt-BR" altLang="pt-BR" sz="2000" b="0" i="0" u="none" strike="noStrike" cap="none" normalizeH="0" baseline="0" dirty="0">
-                <a:ln>
-                  <a:noFill/>
-                </a:ln>
-                <a:solidFill>
-                  <a:schemeClr val="tx1"/>
-                </a:solidFill>
-                <a:effectLst/>
-                <a:latin typeface="Arial" panose="020B0604020202020204" pitchFamily="34" charset="0"/>
-              </a:rPr>
-              <a:t> SIP (INVITE / 200 OK)</a:t>
-            </a:r>
-          </a:p>
-          <a:p>
-            <a:pPr marL="0" marR="0" lvl="0" indent="0" algn="l" defTabSz="914400" rtl="0" eaLnBrk="0" fontAlgn="base" latinLnBrk="0" hangingPunct="0">
-              <a:lnSpc>
-                <a:spcPct val="100000"/>
-              </a:lnSpc>
-              <a:spcBef>
-                <a:spcPct val="0"/>
-              </a:spcBef>
-              <a:spcAft>
-                <a:spcPct val="0"/>
-              </a:spcAft>
-              <a:buClrTx/>
-              <a:buSzTx/>
-              <a:buFontTx/>
-              <a:buChar char="•"/>
-              <a:tabLst/>
-            </a:pPr>
-            <a:r>
-              <a:rPr kumimoji="0" lang="pt-BR" altLang="pt-BR" sz="2000" b="1" i="0" u="none" strike="noStrike" cap="none" normalizeH="0" baseline="0" dirty="0">
-                <a:ln>
-                  <a:noFill/>
-                </a:ln>
-                <a:solidFill>
-                  <a:schemeClr val="tx1"/>
-                </a:solidFill>
-                <a:effectLst/>
-                <a:latin typeface="Arial" panose="020B0604020202020204" pitchFamily="34" charset="0"/>
-              </a:rPr>
-              <a:t>Define:</a:t>
-            </a:r>
-            <a:endParaRPr kumimoji="0" lang="pt-BR" altLang="pt-BR" sz="2000" b="0" i="0" u="none" strike="noStrike" cap="none" normalizeH="0" baseline="0" dirty="0">
-              <a:ln>
-                <a:noFill/>
-              </a:ln>
-              <a:solidFill>
-                <a:schemeClr val="tx1"/>
-              </a:solidFill>
-              <a:effectLst/>
-              <a:latin typeface="Arial" panose="020B0604020202020204" pitchFamily="34" charset="0"/>
-            </a:endParaRPr>
-          </a:p>
-          <a:p>
-            <a:pPr lvl="1" defTabSz="914400" eaLnBrk="0" fontAlgn="base" hangingPunct="0">
-              <a:spcBef>
-                <a:spcPct val="0"/>
-              </a:spcBef>
-              <a:spcAft>
-                <a:spcPct val="0"/>
-              </a:spcAft>
-              <a:buFontTx/>
-              <a:buChar char="•"/>
-            </a:pPr>
-            <a:r>
-              <a:rPr kumimoji="0" lang="pt-BR" altLang="pt-BR" sz="2000" b="0" i="0" u="none" strike="noStrike" cap="none" normalizeH="0" baseline="0" dirty="0">
-                <a:ln>
-                  <a:noFill/>
-                </a:ln>
-                <a:solidFill>
-                  <a:schemeClr val="tx1"/>
-                </a:solidFill>
-                <a:effectLst/>
-                <a:latin typeface="Arial" panose="020B0604020202020204" pitchFamily="34" charset="0"/>
-              </a:rPr>
-              <a:t>IP e porta</a:t>
-            </a:r>
-          </a:p>
-          <a:p>
-            <a:pPr lvl="1" defTabSz="914400" eaLnBrk="0" fontAlgn="base" hangingPunct="0">
-              <a:spcBef>
-                <a:spcPct val="0"/>
-              </a:spcBef>
-              <a:spcAft>
-                <a:spcPct val="0"/>
-              </a:spcAft>
-              <a:buFontTx/>
-              <a:buChar char="•"/>
-            </a:pPr>
-            <a:r>
-              <a:rPr kumimoji="0" lang="pt-BR" altLang="pt-BR" sz="2000" b="0" i="0" u="none" strike="noStrike" cap="none" normalizeH="0" baseline="0" dirty="0">
-                <a:ln>
-                  <a:noFill/>
-                </a:ln>
-                <a:solidFill>
-                  <a:schemeClr val="tx1"/>
-                </a:solidFill>
-                <a:effectLst/>
-                <a:latin typeface="Arial" panose="020B0604020202020204" pitchFamily="34" charset="0"/>
-              </a:rPr>
-              <a:t>Tipo de mídia (áudio/</a:t>
-            </a:r>
-          </a:p>
-          <a:p>
-            <a:pPr lvl="1" defTabSz="914400" eaLnBrk="0" fontAlgn="base" hangingPunct="0">
-              <a:spcBef>
-                <a:spcPct val="0"/>
-              </a:spcBef>
-              <a:spcAft>
-                <a:spcPct val="0"/>
-              </a:spcAft>
-              <a:buFontTx/>
-              <a:buChar char="•"/>
-            </a:pPr>
-            <a:r>
-              <a:rPr kumimoji="0" lang="pt-BR" altLang="pt-BR" sz="2000" b="0" i="0" u="none" strike="noStrike" cap="none" normalizeH="0" baseline="0" dirty="0">
-                <a:ln>
-                  <a:noFill/>
-                </a:ln>
-                <a:solidFill>
-                  <a:schemeClr val="tx1"/>
-                </a:solidFill>
-                <a:effectLst/>
-                <a:latin typeface="Arial" panose="020B0604020202020204" pitchFamily="34" charset="0"/>
-              </a:rPr>
-              <a:t>Codec e parâmetros</a:t>
-            </a:r>
-          </a:p>
-          <a:p>
-            <a:pPr marL="0" marR="0" lvl="0" indent="0" algn="l" defTabSz="914400" rtl="0" eaLnBrk="0" fontAlgn="base" latinLnBrk="0" hangingPunct="0">
-              <a:lnSpc>
-                <a:spcPct val="100000"/>
-              </a:lnSpc>
-              <a:spcBef>
-                <a:spcPct val="0"/>
-              </a:spcBef>
-              <a:spcAft>
-                <a:spcPct val="0"/>
-              </a:spcAft>
-              <a:buClrTx/>
-              <a:buSzTx/>
-              <a:buFontTx/>
-              <a:buChar char="•"/>
-              <a:tabLst/>
-            </a:pPr>
-            <a:r>
-              <a:rPr kumimoji="0" lang="pt-BR" altLang="pt-BR" sz="2000" b="1" i="0" u="none" strike="noStrike" cap="none" normalizeH="0" baseline="0" dirty="0">
-                <a:ln>
-                  <a:noFill/>
-                </a:ln>
-                <a:solidFill>
-                  <a:schemeClr val="tx1"/>
-                </a:solidFill>
-                <a:effectLst/>
-                <a:latin typeface="Arial" panose="020B0604020202020204" pitchFamily="34" charset="0"/>
-              </a:rPr>
-              <a:t>Campos principais:</a:t>
-            </a:r>
-            <a:endParaRPr kumimoji="0" lang="pt-BR" altLang="pt-BR" sz="2000" b="0" i="0" u="none" strike="noStrike" cap="none" normalizeH="0" baseline="0" dirty="0">
-              <a:ln>
-                <a:noFill/>
-              </a:ln>
-              <a:solidFill>
-                <a:schemeClr val="tx1"/>
-              </a:solidFill>
-              <a:effectLst/>
-              <a:latin typeface="Arial" panose="020B0604020202020204" pitchFamily="34" charset="0"/>
-            </a:endParaRPr>
-          </a:p>
-          <a:p>
-            <a:pPr lvl="1" defTabSz="914400" eaLnBrk="0" fontAlgn="base" hangingPunct="0">
-              <a:spcBef>
-                <a:spcPct val="0"/>
-              </a:spcBef>
-              <a:spcAft>
-                <a:spcPct val="0"/>
-              </a:spcAft>
-              <a:buFontTx/>
-              <a:buChar char="•"/>
-            </a:pPr>
-            <a:r>
-              <a:rPr kumimoji="0" lang="pt-BR" altLang="pt-BR" sz="2000" b="0" i="0" u="none" strike="noStrike" cap="none" normalizeH="0" baseline="0" dirty="0">
-                <a:ln>
-                  <a:noFill/>
-                </a:ln>
-                <a:solidFill>
-                  <a:schemeClr val="tx1"/>
-                </a:solidFill>
-                <a:effectLst/>
-                <a:latin typeface="Arial Unicode MS"/>
-              </a:rPr>
-              <a:t>c=</a:t>
-            </a:r>
-            <a:r>
-              <a:rPr kumimoji="0" lang="pt-BR" altLang="pt-BR" sz="2000" b="0" i="0" u="none" strike="noStrike" cap="none" normalizeH="0" baseline="0" dirty="0">
-                <a:ln>
-                  <a:noFill/>
-                </a:ln>
-                <a:solidFill>
-                  <a:schemeClr val="tx1"/>
-                </a:solidFill>
-                <a:effectLst/>
-              </a:rPr>
-              <a:t> conexão</a:t>
-            </a:r>
-            <a:endParaRPr kumimoji="0" lang="pt-BR" altLang="pt-BR" sz="2000" b="0" i="0" u="none" strike="noStrike" cap="none" normalizeH="0" baseline="0" dirty="0">
-              <a:ln>
-                <a:noFill/>
-              </a:ln>
-              <a:solidFill>
-                <a:schemeClr val="tx1"/>
-              </a:solidFill>
-              <a:effectLst/>
-              <a:latin typeface="Arial" panose="020B0604020202020204" pitchFamily="34" charset="0"/>
-            </a:endParaRPr>
-          </a:p>
-          <a:p>
-            <a:pPr lvl="1" defTabSz="914400" eaLnBrk="0" fontAlgn="base" hangingPunct="0">
-              <a:spcBef>
-                <a:spcPct val="0"/>
-              </a:spcBef>
-              <a:spcAft>
-                <a:spcPct val="0"/>
-              </a:spcAft>
-              <a:buFontTx/>
-              <a:buChar char="•"/>
-            </a:pPr>
-            <a:r>
-              <a:rPr kumimoji="0" lang="pt-BR" altLang="pt-BR" sz="2000" b="0" i="0" u="none" strike="noStrike" cap="none" normalizeH="0" baseline="0" dirty="0">
-                <a:ln>
-                  <a:noFill/>
-                </a:ln>
-                <a:solidFill>
-                  <a:schemeClr val="tx1"/>
-                </a:solidFill>
-                <a:effectLst/>
-                <a:latin typeface="Arial Unicode MS"/>
-              </a:rPr>
-              <a:t>m=</a:t>
-            </a:r>
-            <a:r>
-              <a:rPr kumimoji="0" lang="pt-BR" altLang="pt-BR" sz="2000" b="0" i="0" u="none" strike="noStrike" cap="none" normalizeH="0" baseline="0" dirty="0">
-                <a:ln>
-                  <a:noFill/>
-                </a:ln>
-                <a:solidFill>
-                  <a:schemeClr val="tx1"/>
-                </a:solidFill>
-                <a:effectLst/>
-              </a:rPr>
-              <a:t> mídia</a:t>
-            </a:r>
-            <a:endParaRPr kumimoji="0" lang="pt-BR" altLang="pt-BR" sz="2000" b="0" i="0" u="none" strike="noStrike" cap="none" normalizeH="0" baseline="0" dirty="0">
-              <a:ln>
-                <a:noFill/>
-              </a:ln>
-              <a:solidFill>
-                <a:schemeClr val="tx1"/>
-              </a:solidFill>
-              <a:effectLst/>
-              <a:latin typeface="Arial" panose="020B0604020202020204" pitchFamily="34" charset="0"/>
-            </a:endParaRPr>
-          </a:p>
-          <a:p>
-            <a:pPr lvl="1" defTabSz="914400" eaLnBrk="0" fontAlgn="base" hangingPunct="0">
-              <a:spcBef>
-                <a:spcPct val="0"/>
-              </a:spcBef>
-              <a:spcAft>
-                <a:spcPct val="0"/>
-              </a:spcAft>
-              <a:buFontTx/>
-              <a:buChar char="•"/>
-            </a:pPr>
-            <a:r>
-              <a:rPr kumimoji="0" lang="pt-BR" altLang="pt-BR" sz="2000" b="0" i="0" u="none" strike="noStrike" cap="none" normalizeH="0" baseline="0" dirty="0">
-                <a:ln>
-                  <a:noFill/>
-                </a:ln>
-                <a:solidFill>
-                  <a:schemeClr val="tx1"/>
-                </a:solidFill>
-                <a:effectLst/>
-                <a:latin typeface="Arial Unicode MS"/>
-              </a:rPr>
-              <a:t>a=</a:t>
-            </a:r>
-            <a:r>
-              <a:rPr kumimoji="0" lang="pt-BR" altLang="pt-BR" sz="2000" b="0" i="0" u="none" strike="noStrike" cap="none" normalizeH="0" baseline="0" dirty="0">
-                <a:ln>
-                  <a:noFill/>
-                </a:ln>
-                <a:solidFill>
-                  <a:schemeClr val="tx1"/>
-                </a:solidFill>
-                <a:effectLst/>
-              </a:rPr>
-              <a:t> atributos</a:t>
-            </a:r>
-            <a:endParaRPr kumimoji="0" lang="pt-BR" altLang="pt-BR" sz="2000" b="0" i="0" u="none" strike="noStrike" cap="none" normalizeH="0" baseline="0" dirty="0">
-              <a:ln>
-                <a:noFill/>
-              </a:ln>
-              <a:solidFill>
-                <a:schemeClr val="tx1"/>
-              </a:solidFill>
-              <a:effectLst/>
-              <a:latin typeface="Arial" panose="020B0604020202020204" pitchFamily="34" charset="0"/>
-            </a:endParaRPr>
-          </a:p>
-          <a:p>
-            <a:pPr marL="0" marR="0" lvl="0" indent="0" algn="l" defTabSz="914400" rtl="0" eaLnBrk="0" fontAlgn="base" latinLnBrk="0" hangingPunct="0">
-              <a:lnSpc>
-                <a:spcPct val="100000"/>
-              </a:lnSpc>
-              <a:spcBef>
-                <a:spcPct val="0"/>
-              </a:spcBef>
-              <a:spcAft>
-                <a:spcPct val="0"/>
-              </a:spcAft>
-              <a:buClrTx/>
-              <a:buSzTx/>
-              <a:buFontTx/>
-              <a:buNone/>
-              <a:tabLst/>
-            </a:pPr>
-            <a:r>
-              <a:rPr kumimoji="0" lang="pt-BR" altLang="pt-BR" sz="2000" b="0" i="0" u="none" strike="noStrike" cap="none" normalizeH="0" baseline="0" dirty="0">
-                <a:ln>
-                  <a:noFill/>
-                </a:ln>
-                <a:solidFill>
-                  <a:schemeClr val="tx1"/>
-                </a:solidFill>
-                <a:effectLst/>
-                <a:latin typeface="Arial" panose="020B0604020202020204" pitchFamily="34" charset="0"/>
-              </a:rPr>
-              <a:t>	</a:t>
-            </a:r>
-          </a:p>
-        </p:txBody>
-      </p:sp>
-    </p:spTree>
-    <p:extLst>
-      <p:ext uri="{BB962C8B-B14F-4D97-AF65-F5344CB8AC3E}">
-        <p14:creationId xmlns:p14="http://schemas.microsoft.com/office/powerpoint/2010/main" val="2176292318"/>
       </p:ext>
     </p:extLst>
   </p:cSld>
@@ -14054,10 +14072,10 @@
       </p:grpSpPr>
       <p:sp>
         <p:nvSpPr>
-          <p:cNvPr id="16" name="Título 5">
-            <a:extLst>
-              <a:ext uri="{FF2B5EF4-FFF2-40B4-BE49-F238E27FC236}">
-                <a16:creationId xmlns:a16="http://schemas.microsoft.com/office/drawing/2014/main" id="{CE6E49EE-D7CE-BFF0-8AAB-2C1374708467}"/>
+          <p:cNvPr id="11" name="Título 5">
+            <a:extLst>
+              <a:ext uri="{FF2B5EF4-FFF2-40B4-BE49-F238E27FC236}">
+                <a16:creationId xmlns:a16="http://schemas.microsoft.com/office/drawing/2014/main" id="{81DFDA10-915D-1210-7E5A-772EC9E4FDA4}"/>
               </a:ext>
             </a:extLst>
           </p:cNvPr>
@@ -14068,7 +14086,7 @@
         </p:nvSpPr>
         <p:spPr>
           <a:xfrm>
-            <a:off x="657207" y="764652"/>
+            <a:off x="637542" y="1009988"/>
             <a:ext cx="7706063" cy="490673"/>
           </a:xfrm>
           <a:prstGeom prst="rect">
@@ -14098,32 +14116,50 @@
           <a:p>
             <a:pPr algn="l"/>
             <a:r>
-              <a:rPr lang="pt-BR" sz="3600" b="1" dirty="0">
-                <a:solidFill>
-                  <a:srgbClr val="1377C7"/>
+              <a:rPr lang="pt-BR" sz="3200" b="1" dirty="0">
+                <a:solidFill>
+                  <a:srgbClr val="1273C0"/>
                 </a:solidFill>
               </a:rPr>
-              <a:t>SIP</a:t>
-            </a:r>
-          </a:p>
-        </p:txBody>
-      </p:sp>
-      <p:sp>
-        <p:nvSpPr>
-          <p:cNvPr id="4" name="CaixaDeTexto 3">
-            <a:extLst>
-              <a:ext uri="{FF2B5EF4-FFF2-40B4-BE49-F238E27FC236}">
-                <a16:creationId xmlns:a16="http://schemas.microsoft.com/office/drawing/2014/main" id="{DB08D806-DAF6-F650-7AE0-058B6EBF328C}"/>
-              </a:ext>
-            </a:extLst>
-          </p:cNvPr>
-          <p:cNvSpPr txBox="1"/>
+              <a:t>RTP (Real-Time-</a:t>
+            </a:r>
+            <a:r>
+              <a:rPr lang="pt-BR" sz="3200" b="1" dirty="0" err="1">
+                <a:solidFill>
+                  <a:srgbClr val="1273C0"/>
+                </a:solidFill>
+              </a:rPr>
+              <a:t>Protocol</a:t>
+            </a:r>
+            <a:r>
+              <a:rPr lang="pt-BR" sz="3200" b="1" dirty="0">
+                <a:solidFill>
+                  <a:srgbClr val="1273C0"/>
+                </a:solidFill>
+              </a:rPr>
+              <a:t>)</a:t>
+            </a:r>
+          </a:p>
+        </p:txBody>
+      </p:sp>
+      <p:sp>
+        <p:nvSpPr>
+          <p:cNvPr id="3" name="Rectangle 1">
+            <a:extLst>
+              <a:ext uri="{FF2B5EF4-FFF2-40B4-BE49-F238E27FC236}">
+                <a16:creationId xmlns:a16="http://schemas.microsoft.com/office/drawing/2014/main" id="{28784249-D490-3059-C48E-D449D181BC5C}"/>
+              </a:ext>
+            </a:extLst>
+          </p:cNvPr>
+          <p:cNvSpPr>
+            <a:spLocks noChangeArrowheads="1"/>
+          </p:cNvSpPr>
           <p:nvPr/>
         </p:nvSpPr>
-        <p:spPr>
+        <p:spPr bwMode="auto">
           <a:xfrm>
-            <a:off x="457200" y="1413064"/>
-            <a:ext cx="6096000" cy="2015936"/>
+            <a:off x="457200" y="2305615"/>
+            <a:ext cx="5219700" cy="2246769"/>
           </a:xfrm>
           <a:prstGeom prst="rect">
             <a:avLst/>
@@ -14132,9 +14168,41 @@
           <a:ln>
             <a:noFill/>
           </a:ln>
-        </p:spPr>
-        <p:txBody>
-          <a:bodyPr wrap="square">
+          <a:effectLst/>
+          <a:extLst>
+            <a:ext uri="{909E8E84-426E-40DD-AFC4-6F175D3DCCD1}">
+              <a14:hiddenFill xmlns:a14="http://schemas.microsoft.com/office/drawing/2010/main">
+                <a:solidFill>
+                  <a:schemeClr val="accent1"/>
+                </a:solidFill>
+              </a14:hiddenFill>
+            </a:ext>
+            <a:ext uri="{91240B29-F687-4F45-9708-019B960494DF}">
+              <a14:hiddenLine xmlns:a14="http://schemas.microsoft.com/office/drawing/2010/main" w="9525">
+                <a:solidFill>
+                  <a:schemeClr val="tx1"/>
+                </a:solidFill>
+                <a:miter lim="800000"/>
+                <a:headEnd/>
+                <a:tailEnd/>
+              </a14:hiddenLine>
+            </a:ext>
+            <a:ext uri="{AF507438-7753-43E0-B8FC-AC1667EBCBE1}">
+              <a14:hiddenEffects xmlns:a14="http://schemas.microsoft.com/office/drawing/2010/main">
+                <a:effectLst>
+                  <a:outerShdw dist="35921" dir="2700000" algn="ctr" rotWithShape="0">
+                    <a:schemeClr val="bg2"/>
+                  </a:outerShdw>
+                </a:effectLst>
+              </a14:hiddenEffects>
+            </a:ext>
+          </a:extLst>
+        </p:spPr>
+        <p:txBody>
+          <a:bodyPr vert="horz" wrap="square" lIns="91440" tIns="45720" rIns="91440" bIns="45720" numCol="1" anchor="ctr" anchorCtr="0" compatLnSpc="1">
+            <a:prstTxWarp prst="textNoShape">
+              <a:avLst/>
+            </a:prstTxWarp>
             <a:spAutoFit/>
           </a:bodyPr>
           <a:lstStyle/>
@@ -14156,7 +14224,7 @@
               <a:tabLst/>
             </a:pPr>
             <a:r>
-              <a:rPr kumimoji="0" lang="pt-BR" altLang="pt-BR" sz="2500" b="1" i="0" u="none" strike="noStrike" cap="none" normalizeH="0" baseline="0" dirty="0">
+              <a:rPr kumimoji="0" lang="pt-BR" altLang="pt-BR" sz="2800" b="0" i="0" u="none" strike="noStrike" cap="none" normalizeH="0" baseline="0" dirty="0">
                 <a:ln>
                   <a:noFill/>
                 </a:ln>
@@ -14166,20 +14234,7 @@
                 <a:effectLst/>
                 <a:latin typeface="Arial" panose="020B0604020202020204" pitchFamily="34" charset="0"/>
               </a:rPr>
-              <a:t>Função:</a:t>
-            </a:r>
-            <a:r>
-              <a:rPr kumimoji="0" lang="pt-BR" altLang="pt-BR" sz="2500" b="0" i="0" u="none" strike="noStrike" cap="none" normalizeH="0" baseline="0" dirty="0">
-                <a:ln>
-                  <a:noFill/>
-                </a:ln>
-                <a:solidFill>
-                  <a:schemeClr val="tx1"/>
-                </a:solidFill>
-                <a:effectLst/>
-                <a:latin typeface="Arial" panose="020B0604020202020204" pitchFamily="34" charset="0"/>
-              </a:rPr>
-              <a:t> controle da chamada</a:t>
+              <a:t>Transporta áudio e vídeo</a:t>
             </a:r>
           </a:p>
           <a:p>
@@ -14200,7 +14255,7 @@
               <a:tabLst/>
             </a:pPr>
             <a:r>
-              <a:rPr kumimoji="0" lang="pt-BR" altLang="pt-BR" sz="2500" b="1" i="0" u="none" strike="noStrike" cap="none" normalizeH="0" baseline="0" dirty="0">
+              <a:rPr kumimoji="0" lang="pt-BR" altLang="pt-BR" sz="2800" b="0" i="0" u="none" strike="noStrike" cap="none" normalizeH="0" baseline="0" dirty="0">
                 <a:ln>
                   <a:noFill/>
                 </a:ln>
@@ -14210,93 +14265,8 @@
                 <a:effectLst/>
                 <a:latin typeface="Arial" panose="020B0604020202020204" pitchFamily="34" charset="0"/>
               </a:rPr>
-              <a:t>Métodos:</a:t>
-            </a:r>
-            <a:r>
-              <a:rPr kumimoji="0" lang="pt-BR" altLang="pt-BR" sz="2500" b="0" i="0" u="none" strike="noStrike" cap="none" normalizeH="0" baseline="0" dirty="0">
-                <a:ln>
-                  <a:noFill/>
-                </a:ln>
-                <a:solidFill>
-                  <a:schemeClr val="tx1"/>
-                </a:solidFill>
-                <a:effectLst/>
-                <a:latin typeface="Arial" panose="020B0604020202020204" pitchFamily="34" charset="0"/>
-              </a:rPr>
-              <a:t> </a:t>
-            </a:r>
-            <a:r>
-              <a:rPr kumimoji="0" lang="pt-BR" altLang="pt-BR" sz="2500" b="0" i="0" u="none" strike="noStrike" cap="none" normalizeH="0" baseline="0" dirty="0">
-                <a:ln>
-                  <a:noFill/>
-                </a:ln>
-                <a:solidFill>
-                  <a:schemeClr val="tx1"/>
-                </a:solidFill>
-                <a:effectLst/>
-                <a:latin typeface="Arial Unicode MS"/>
-              </a:rPr>
-              <a:t>INVITE</a:t>
-            </a:r>
-            <a:r>
-              <a:rPr kumimoji="0" lang="pt-BR" altLang="pt-BR" sz="2500" b="0" i="0" u="none" strike="noStrike" cap="none" normalizeH="0" baseline="0" dirty="0">
-                <a:ln>
-                  <a:noFill/>
-                </a:ln>
-                <a:solidFill>
-                  <a:schemeClr val="tx1"/>
-                </a:solidFill>
-                <a:effectLst/>
-              </a:rPr>
-              <a:t> · </a:t>
-            </a:r>
-            <a:r>
-              <a:rPr kumimoji="0" lang="pt-BR" altLang="pt-BR" sz="2500" b="0" i="0" u="none" strike="noStrike" cap="none" normalizeH="0" baseline="0" dirty="0">
-                <a:ln>
-                  <a:noFill/>
-                </a:ln>
-                <a:solidFill>
-                  <a:schemeClr val="tx1"/>
-                </a:solidFill>
-                <a:effectLst/>
-                <a:latin typeface="Arial Unicode MS"/>
-              </a:rPr>
-              <a:t>ACK</a:t>
-            </a:r>
-            <a:r>
-              <a:rPr kumimoji="0" lang="pt-BR" altLang="pt-BR" sz="2500" b="0" i="0" u="none" strike="noStrike" cap="none" normalizeH="0" baseline="0" dirty="0">
-                <a:ln>
-                  <a:noFill/>
-                </a:ln>
-                <a:solidFill>
-                  <a:schemeClr val="tx1"/>
-                </a:solidFill>
-                <a:effectLst/>
-              </a:rPr>
-              <a:t> · </a:t>
-            </a:r>
-            <a:r>
-              <a:rPr kumimoji="0" lang="pt-BR" altLang="pt-BR" sz="2500" b="0" i="0" u="none" strike="noStrike" cap="none" normalizeH="0" baseline="0" dirty="0">
-                <a:ln>
-                  <a:noFill/>
-                </a:ln>
-                <a:solidFill>
-                  <a:schemeClr val="tx1"/>
-                </a:solidFill>
-                <a:effectLst/>
-                <a:latin typeface="Arial Unicode MS"/>
-              </a:rPr>
-              <a:t>BYE</a:t>
-            </a:r>
-            <a:endParaRPr kumimoji="0" lang="pt-BR" altLang="pt-BR" sz="2500" b="0" i="0" u="none" strike="noStrike" cap="none" normalizeH="0" baseline="0" dirty="0">
-              <a:ln>
-                <a:noFill/>
-              </a:ln>
-              <a:solidFill>
-                <a:schemeClr val="tx1"/>
-              </a:solidFill>
-              <a:effectLst/>
-            </a:endParaRPr>
+              <a:t>Funciona sobre UDP</a:t>
+            </a:r>
           </a:p>
           <a:p>
             <a:pPr marL="0" marR="0" lvl="0" indent="0" algn="l" defTabSz="914400" rtl="0" eaLnBrk="0" fontAlgn="base" latinLnBrk="0" hangingPunct="0">
@@ -14316,7 +14286,7 @@
               <a:tabLst/>
             </a:pPr>
             <a:r>
-              <a:rPr kumimoji="0" lang="pt-BR" altLang="pt-BR" sz="2500" b="1" i="0" u="none" strike="noStrike" cap="none" normalizeH="0" baseline="0" dirty="0">
+              <a:rPr kumimoji="0" lang="pt-BR" altLang="pt-BR" sz="2800" b="0" i="0" u="none" strike="noStrike" cap="none" normalizeH="0" baseline="0" dirty="0">
                 <a:ln>
                   <a:noFill/>
                 </a:ln>
@@ -14326,20 +14296,7 @@
                 <a:effectLst/>
                 <a:latin typeface="Arial" panose="020B0604020202020204" pitchFamily="34" charset="0"/>
               </a:rPr>
-              <a:t>Portas:</a:t>
-            </a:r>
-            <a:r>
-              <a:rPr kumimoji="0" lang="pt-BR" altLang="pt-BR" sz="2500" b="0" i="0" u="none" strike="noStrike" cap="none" normalizeH="0" baseline="0" dirty="0">
-                <a:ln>
-                  <a:noFill/>
-                </a:ln>
-                <a:solidFill>
-                  <a:schemeClr val="tx1"/>
-                </a:solidFill>
-                <a:effectLst/>
-                <a:latin typeface="Arial" panose="020B0604020202020204" pitchFamily="34" charset="0"/>
-              </a:rPr>
-              <a:t> 5060 / 5061</a:t>
+              <a:t>Envia pacotes sequenciais</a:t>
             </a:r>
           </a:p>
           <a:p>
@@ -14360,7 +14317,7 @@
               <a:tabLst/>
             </a:pPr>
             <a:r>
-              <a:rPr kumimoji="0" lang="pt-BR" altLang="pt-BR" sz="2500" b="1" i="0" u="none" strike="noStrike" cap="none" normalizeH="0" baseline="0" dirty="0">
+              <a:rPr kumimoji="0" lang="pt-BR" altLang="pt-BR" sz="2800" b="0" i="0" u="none" strike="noStrike" cap="none" normalizeH="0" baseline="0" dirty="0">
                 <a:ln>
                   <a:noFill/>
                 </a:ln>
@@ -14370,110 +14327,17 @@
                 <a:effectLst/>
                 <a:latin typeface="Arial" panose="020B0604020202020204" pitchFamily="34" charset="0"/>
               </a:rPr>
-              <a:t>Transporte:</a:t>
-            </a:r>
-            <a:r>
-              <a:rPr kumimoji="0" lang="pt-BR" altLang="pt-BR" sz="2500" b="0" i="0" u="none" strike="noStrike" cap="none" normalizeH="0" baseline="0" dirty="0">
-                <a:ln>
-                  <a:noFill/>
-                </a:ln>
-                <a:solidFill>
-                  <a:schemeClr val="tx1"/>
-                </a:solidFill>
-                <a:effectLst/>
-                <a:latin typeface="Arial" panose="020B0604020202020204" pitchFamily="34" charset="0"/>
-              </a:rPr>
-              <a:t> UDP · TCP · TLS</a:t>
-            </a:r>
-          </a:p>
-          <a:p>
-            <a:pPr marL="0" marR="0" lvl="0" indent="0" algn="l" defTabSz="914400" rtl="0" eaLnBrk="0" fontAlgn="base" latinLnBrk="0" hangingPunct="0">
-              <a:lnSpc>
-                <a:spcPct val="100000"/>
-              </a:lnSpc>
-              <a:spcBef>
-                <a:spcPct val="0"/>
-              </a:spcBef>
-              <a:spcAft>
-                <a:spcPct val="0"/>
-              </a:spcAft>
-              <a:buClrTx/>
-              <a:buSzTx/>
-              <a:buFontTx/>
-              <a:buChar char="•"/>
-              <a:tabLst/>
-            </a:pPr>
-            <a:r>
-              <a:rPr kumimoji="0" lang="pt-BR" altLang="pt-BR" sz="2500" b="1" i="0" u="none" strike="noStrike" cap="none" normalizeH="0" baseline="0" dirty="0" err="1">
-                <a:ln>
-                  <a:noFill/>
-                </a:ln>
-                <a:solidFill>
-                  <a:schemeClr val="tx1"/>
-                </a:solidFill>
-                <a:effectLst/>
-                <a:latin typeface="Arial" panose="020B0604020202020204" pitchFamily="34" charset="0"/>
-              </a:rPr>
-              <a:t>WebRTC</a:t>
-            </a:r>
-            <a:r>
-              <a:rPr kumimoji="0" lang="pt-BR" altLang="pt-BR" sz="2500" b="1" i="0" u="none" strike="noStrike" cap="none" normalizeH="0" baseline="0" dirty="0">
-                <a:ln>
-                  <a:noFill/>
-                </a:ln>
-                <a:solidFill>
-                  <a:schemeClr val="tx1"/>
-                </a:solidFill>
-                <a:effectLst/>
-                <a:latin typeface="Arial" panose="020B0604020202020204" pitchFamily="34" charset="0"/>
-              </a:rPr>
-              <a:t>:</a:t>
-            </a:r>
-            <a:r>
-              <a:rPr kumimoji="0" lang="pt-BR" altLang="pt-BR" sz="2500" b="0" i="0" u="none" strike="noStrike" cap="none" normalizeH="0" baseline="0" dirty="0">
-                <a:ln>
-                  <a:noFill/>
-                </a:ln>
-                <a:solidFill>
-                  <a:schemeClr val="tx1"/>
-                </a:solidFill>
-                <a:effectLst/>
-                <a:latin typeface="Arial" panose="020B0604020202020204" pitchFamily="34" charset="0"/>
-              </a:rPr>
-              <a:t> SIP over </a:t>
-            </a:r>
-            <a:r>
-              <a:rPr kumimoji="0" lang="pt-BR" altLang="pt-BR" sz="2500" b="0" i="0" u="none" strike="noStrike" cap="none" normalizeH="0" baseline="0" dirty="0" err="1">
-                <a:ln>
-                  <a:noFill/>
-                </a:ln>
-                <a:solidFill>
-                  <a:schemeClr val="tx1"/>
-                </a:solidFill>
-                <a:effectLst/>
-                <a:latin typeface="Arial" panose="020B0604020202020204" pitchFamily="34" charset="0"/>
-              </a:rPr>
-              <a:t>WebSocket</a:t>
-            </a:r>
-            <a:endParaRPr kumimoji="0" lang="pt-BR" altLang="pt-BR" sz="2500" b="0" i="0" u="none" strike="noStrike" cap="none" normalizeH="0" baseline="0" dirty="0">
-              <a:ln>
-                <a:noFill/>
-              </a:ln>
-              <a:solidFill>
-                <a:schemeClr val="tx1"/>
-              </a:solidFill>
-              <a:effectLst/>
-              <a:latin typeface="Arial" panose="020B0604020202020204" pitchFamily="34" charset="0"/>
-            </a:endParaRPr>
+              <a:t>Conecta os terminais ou passa pelo PBX</a:t>
+            </a:r>
           </a:p>
         </p:txBody>
       </p:sp>
       <p:pic>
         <p:nvPicPr>
-          <p:cNvPr id="3" name="Imagem 2">
-            <a:extLst>
-              <a:ext uri="{FF2B5EF4-FFF2-40B4-BE49-F238E27FC236}">
-                <a16:creationId xmlns:a16="http://schemas.microsoft.com/office/drawing/2014/main" id="{E701C3B4-D313-6A27-6DCE-E176B8DE39D6}"/>
+          <p:cNvPr id="7" name="Imagem 6">
+            <a:extLst>
+              <a:ext uri="{FF2B5EF4-FFF2-40B4-BE49-F238E27FC236}">
+                <a16:creationId xmlns:a16="http://schemas.microsoft.com/office/drawing/2014/main" id="{94B6E6F2-7CF8-148B-4824-63DACEB526C1}"/>
               </a:ext>
             </a:extLst>
           </p:cNvPr>
@@ -14490,212 +14354,18 @@
         </p:blipFill>
         <p:spPr>
           <a:xfrm>
-            <a:off x="7101643" y="1009988"/>
-            <a:ext cx="4724400" cy="4095412"/>
+            <a:off x="6073877" y="1804527"/>
+            <a:ext cx="5877745" cy="2591162"/>
           </a:xfrm>
           <a:prstGeom prst="rect">
             <a:avLst/>
           </a:prstGeom>
         </p:spPr>
       </p:pic>
-      <p:sp>
-        <p:nvSpPr>
-          <p:cNvPr id="8" name="Chave Esquerda 7">
-            <a:extLst>
-              <a:ext uri="{FF2B5EF4-FFF2-40B4-BE49-F238E27FC236}">
-                <a16:creationId xmlns:a16="http://schemas.microsoft.com/office/drawing/2014/main" id="{93B4293E-5E8E-7E51-8BAF-B4C91A1BC7F7}"/>
-              </a:ext>
-            </a:extLst>
-          </p:cNvPr>
-          <p:cNvSpPr/>
-          <p:nvPr/>
-        </p:nvSpPr>
-        <p:spPr>
-          <a:xfrm>
-            <a:off x="6553200" y="764652"/>
-            <a:ext cx="838800" cy="3197748"/>
-          </a:xfrm>
-          <a:prstGeom prst="leftBrace">
-            <a:avLst/>
-          </a:prstGeom>
-        </p:spPr>
-        <p:style>
-          <a:lnRef idx="2">
-            <a:schemeClr val="accent1"/>
-          </a:lnRef>
-          <a:fillRef idx="0">
-            <a:schemeClr val="accent1"/>
-          </a:fillRef>
-          <a:effectRef idx="1">
-            <a:schemeClr val="accent1"/>
-          </a:effectRef>
-          <a:fontRef idx="minor">
-            <a:schemeClr val="tx1"/>
-          </a:fontRef>
-        </p:style>
-        <p:txBody>
-          <a:bodyPr rtlCol="0" anchor="ctr"/>
-          <a:lstStyle/>
-          <a:p>
-            <a:pPr algn="ctr"/>
-            <a:endParaRPr lang="pt-BR"/>
-          </a:p>
-        </p:txBody>
-      </p:sp>
-      <p:sp>
-        <p:nvSpPr>
-          <p:cNvPr id="10" name="Chave Direita 9">
-            <a:extLst>
-              <a:ext uri="{FF2B5EF4-FFF2-40B4-BE49-F238E27FC236}">
-                <a16:creationId xmlns:a16="http://schemas.microsoft.com/office/drawing/2014/main" id="{B60A54BC-9184-D903-AFB6-310B3C25B166}"/>
-              </a:ext>
-            </a:extLst>
-          </p:cNvPr>
-          <p:cNvSpPr/>
-          <p:nvPr/>
-        </p:nvSpPr>
-        <p:spPr>
-          <a:xfrm>
-            <a:off x="10696593" y="764652"/>
-            <a:ext cx="838200" cy="3197748"/>
-          </a:xfrm>
-          <a:prstGeom prst="rightBrace">
-            <a:avLst/>
-          </a:prstGeom>
-        </p:spPr>
-        <p:style>
-          <a:lnRef idx="2">
-            <a:schemeClr val="accent1"/>
-          </a:lnRef>
-          <a:fillRef idx="0">
-            <a:schemeClr val="accent1"/>
-          </a:fillRef>
-          <a:effectRef idx="1">
-            <a:schemeClr val="accent1"/>
-          </a:effectRef>
-          <a:fontRef idx="minor">
-            <a:schemeClr val="tx1"/>
-          </a:fontRef>
-        </p:style>
-        <p:txBody>
-          <a:bodyPr rtlCol="0" anchor="ctr"/>
-          <a:lstStyle/>
-          <a:p>
-            <a:pPr algn="ctr"/>
-            <a:endParaRPr lang="pt-BR"/>
-          </a:p>
-        </p:txBody>
-      </p:sp>
-      <p:sp>
-        <p:nvSpPr>
-          <p:cNvPr id="11" name="Chave Esquerda 10">
-            <a:extLst>
-              <a:ext uri="{FF2B5EF4-FFF2-40B4-BE49-F238E27FC236}">
-                <a16:creationId xmlns:a16="http://schemas.microsoft.com/office/drawing/2014/main" id="{42A707EB-272F-3FC2-0976-133D15B295A9}"/>
-              </a:ext>
-            </a:extLst>
-          </p:cNvPr>
-          <p:cNvSpPr/>
-          <p:nvPr/>
-        </p:nvSpPr>
-        <p:spPr>
-          <a:xfrm>
-            <a:off x="6682319" y="4081616"/>
-            <a:ext cx="503761" cy="904568"/>
-          </a:xfrm>
-          <a:prstGeom prst="leftBrace">
-            <a:avLst/>
-          </a:prstGeom>
-          <a:ln>
-            <a:solidFill>
-              <a:srgbClr val="FF0000"/>
-            </a:solidFill>
-          </a:ln>
-        </p:spPr>
-        <p:style>
-          <a:lnRef idx="2">
-            <a:schemeClr val="accent1"/>
-          </a:lnRef>
-          <a:fillRef idx="0">
-            <a:schemeClr val="accent1"/>
-          </a:fillRef>
-          <a:effectRef idx="1">
-            <a:schemeClr val="accent1"/>
-          </a:effectRef>
-          <a:fontRef idx="minor">
-            <a:schemeClr val="tx1"/>
-          </a:fontRef>
-        </p:style>
-        <p:txBody>
-          <a:bodyPr rtlCol="0" anchor="ctr"/>
-          <a:lstStyle/>
-          <a:p>
-            <a:pPr algn="ctr"/>
-            <a:endParaRPr lang="pt-BR">
-              <a:solidFill>
-                <a:srgbClr val="FF0000"/>
-              </a:solidFill>
-            </a:endParaRPr>
-          </a:p>
-        </p:txBody>
-      </p:sp>
-      <p:sp>
-        <p:nvSpPr>
-          <p:cNvPr id="12" name="Chave Esquerda 11">
-            <a:extLst>
-              <a:ext uri="{FF2B5EF4-FFF2-40B4-BE49-F238E27FC236}">
-                <a16:creationId xmlns:a16="http://schemas.microsoft.com/office/drawing/2014/main" id="{B5220262-D2AF-60CC-E09F-FD6D3290DFFE}"/>
-              </a:ext>
-            </a:extLst>
-          </p:cNvPr>
-          <p:cNvSpPr/>
-          <p:nvPr/>
-        </p:nvSpPr>
-        <p:spPr>
-          <a:xfrm rot="10800000">
-            <a:off x="9906000" y="4074242"/>
-            <a:ext cx="503761" cy="904568"/>
-          </a:xfrm>
-          <a:prstGeom prst="leftBrace">
-            <a:avLst/>
-          </a:prstGeom>
-          <a:ln>
-            <a:solidFill>
-              <a:srgbClr val="FF0000"/>
-            </a:solidFill>
-          </a:ln>
-        </p:spPr>
-        <p:style>
-          <a:lnRef idx="2">
-            <a:schemeClr val="accent1"/>
-          </a:lnRef>
-          <a:fillRef idx="0">
-            <a:schemeClr val="accent1"/>
-          </a:fillRef>
-          <a:effectRef idx="1">
-            <a:schemeClr val="accent1"/>
-          </a:effectRef>
-          <a:fontRef idx="minor">
-            <a:schemeClr val="tx1"/>
-          </a:fontRef>
-        </p:style>
-        <p:txBody>
-          <a:bodyPr rtlCol="0" anchor="ctr"/>
-          <a:lstStyle/>
-          <a:p>
-            <a:pPr algn="ctr"/>
-            <a:endParaRPr lang="pt-BR">
-              <a:solidFill>
-                <a:srgbClr val="FF0000"/>
-              </a:solidFill>
-            </a:endParaRPr>
-          </a:p>
-        </p:txBody>
-      </p:sp>
     </p:spTree>
     <p:extLst>
       <p:ext uri="{BB962C8B-B14F-4D97-AF65-F5344CB8AC3E}">
-        <p14:creationId xmlns:p14="http://schemas.microsoft.com/office/powerpoint/2010/main" val="1609122764"/>
+        <p14:creationId xmlns:p14="http://schemas.microsoft.com/office/powerpoint/2010/main" val="3507818434"/>
       </p:ext>
     </p:extLst>
   </p:cSld>
@@ -14722,129 +14392,12 @@
           <a:chExt cx="0" cy="0"/>
         </a:xfrm>
       </p:grpSpPr>
-      <p:sp>
-        <p:nvSpPr>
-          <p:cNvPr id="16" name="Título 5">
-            <a:extLst>
-              <a:ext uri="{FF2B5EF4-FFF2-40B4-BE49-F238E27FC236}">
-                <a16:creationId xmlns:a16="http://schemas.microsoft.com/office/drawing/2014/main" id="{CE6E49EE-D7CE-BFF0-8AAB-2C1374708467}"/>
-              </a:ext>
-            </a:extLst>
-          </p:cNvPr>
-          <p:cNvSpPr txBox="1">
-            <a:spLocks/>
-          </p:cNvSpPr>
-          <p:nvPr/>
-        </p:nvSpPr>
-        <p:spPr>
-          <a:xfrm>
-            <a:off x="657207" y="764652"/>
-            <a:ext cx="7706063" cy="490673"/>
-          </a:xfrm>
-          <a:prstGeom prst="rect">
-            <a:avLst/>
-          </a:prstGeom>
-        </p:spPr>
-        <p:txBody>
-          <a:bodyPr vert="horz" lIns="91440" tIns="45720" rIns="91440" bIns="45720" rtlCol="0" anchor="ctr">
-            <a:noAutofit/>
-          </a:bodyPr>
-          <a:lstStyle>
-            <a:lvl1pPr algn="ctr" defTabSz="457200" rtl="0" eaLnBrk="1" latinLnBrk="0" hangingPunct="1">
-              <a:spcBef>
-                <a:spcPct val="0"/>
-              </a:spcBef>
-              <a:buNone/>
-              <a:defRPr sz="4400" kern="1200">
-                <a:solidFill>
-                  <a:schemeClr val="tx1"/>
-                </a:solidFill>
-                <a:latin typeface="+mj-lt"/>
-                <a:ea typeface="+mj-ea"/>
-                <a:cs typeface="+mj-cs"/>
-              </a:defRPr>
-            </a:lvl1pPr>
-          </a:lstStyle>
-          <a:p>
-            <a:pPr algn="l"/>
-            <a:r>
-              <a:rPr lang="pt-BR" sz="3200" b="1" dirty="0"/>
-              <a:t>Fluxo de uma Chamada</a:t>
-            </a:r>
-            <a:endParaRPr lang="pt-BR" sz="3200" b="1" dirty="0">
-              <a:solidFill>
-                <a:srgbClr val="1377C7"/>
-              </a:solidFill>
-            </a:endParaRPr>
-          </a:p>
-        </p:txBody>
-      </p:sp>
-      <p:sp>
-        <p:nvSpPr>
-          <p:cNvPr id="4" name="CaixaDeTexto 3">
-            <a:extLst>
-              <a:ext uri="{FF2B5EF4-FFF2-40B4-BE49-F238E27FC236}">
-                <a16:creationId xmlns:a16="http://schemas.microsoft.com/office/drawing/2014/main" id="{DB08D806-DAF6-F650-7AE0-058B6EBF328C}"/>
-              </a:ext>
-            </a:extLst>
-          </p:cNvPr>
-          <p:cNvSpPr txBox="1"/>
-          <p:nvPr/>
-        </p:nvSpPr>
-        <p:spPr>
-          <a:xfrm flipV="1">
-            <a:off x="949706" y="1935621"/>
-            <a:ext cx="2801747" cy="45719"/>
-          </a:xfrm>
-          <a:prstGeom prst="rect">
-            <a:avLst/>
-          </a:prstGeom>
-          <a:noFill/>
-          <a:ln>
-            <a:noFill/>
-          </a:ln>
-        </p:spPr>
-        <p:txBody>
-          <a:bodyPr wrap="square">
-            <a:spAutoFit/>
-          </a:bodyPr>
-          <a:lstStyle/>
-          <a:p>
-            <a:pPr marL="0" marR="0" lvl="0" indent="0" algn="l" defTabSz="914400" rtl="0" eaLnBrk="0" fontAlgn="base" latinLnBrk="0" hangingPunct="0">
-              <a:lnSpc>
-                <a:spcPct val="100000"/>
-              </a:lnSpc>
-              <a:spcBef>
-                <a:spcPct val="0"/>
-              </a:spcBef>
-              <a:spcAft>
-                <a:spcPct val="0"/>
-              </a:spcAft>
-              <a:buClrTx/>
-              <a:buSzTx/>
-              <a:buFontTx/>
-              <a:buChar char="•"/>
-              <a:tabLst/>
-            </a:pPr>
-            <a:endParaRPr kumimoji="0" lang="pt-BR" altLang="pt-BR" sz="2500" b="0" i="0" u="none" strike="noStrike" cap="none" normalizeH="0" baseline="0" dirty="0">
-              <a:ln>
-                <a:noFill/>
-              </a:ln>
-              <a:solidFill>
-                <a:schemeClr val="tx1"/>
-              </a:solidFill>
-              <a:effectLst/>
-              <a:latin typeface="Arial" panose="020B0604020202020204" pitchFamily="34" charset="0"/>
-            </a:endParaRPr>
-          </a:p>
-        </p:txBody>
-      </p:sp>
       <p:pic>
         <p:nvPicPr>
-          <p:cNvPr id="9" name="Imagem 8">
-            <a:extLst>
-              <a:ext uri="{FF2B5EF4-FFF2-40B4-BE49-F238E27FC236}">
-                <a16:creationId xmlns:a16="http://schemas.microsoft.com/office/drawing/2014/main" id="{2A89B64D-25CA-28DA-B42E-374ED37BBE3F}"/>
+          <p:cNvPr id="5" name="Imagem 4">
+            <a:extLst>
+              <a:ext uri="{FF2B5EF4-FFF2-40B4-BE49-F238E27FC236}">
+                <a16:creationId xmlns:a16="http://schemas.microsoft.com/office/drawing/2014/main" id="{3D15226C-91C2-8008-96D8-12EAED99F07E}"/>
               </a:ext>
             </a:extLst>
           </p:cNvPr>
@@ -14861,18 +14414,639 @@
         </p:blipFill>
         <p:spPr>
           <a:xfrm>
-            <a:off x="3429000" y="1325876"/>
-            <a:ext cx="5687219" cy="5021205"/>
+            <a:off x="1981200" y="457200"/>
+            <a:ext cx="6277904" cy="2462791"/>
           </a:xfrm>
           <a:prstGeom prst="rect">
             <a:avLst/>
           </a:prstGeom>
         </p:spPr>
       </p:pic>
+      <p:pic>
+        <p:nvPicPr>
+          <p:cNvPr id="4" name="Imagem 3">
+            <a:extLst>
+              <a:ext uri="{FF2B5EF4-FFF2-40B4-BE49-F238E27FC236}">
+                <a16:creationId xmlns:a16="http://schemas.microsoft.com/office/drawing/2014/main" id="{2EDD2E02-BD0C-FA1F-EA46-A7B1B0F264DB}"/>
+              </a:ext>
+            </a:extLst>
+          </p:cNvPr>
+          <p:cNvPicPr>
+            <a:picLocks noChangeAspect="1"/>
+          </p:cNvPicPr>
+          <p:nvPr/>
+        </p:nvPicPr>
+        <p:blipFill>
+          <a:blip r:embed="rId3"/>
+          <a:stretch>
+            <a:fillRect/>
+          </a:stretch>
+        </p:blipFill>
+        <p:spPr>
+          <a:xfrm>
+            <a:off x="1981200" y="3429000"/>
+            <a:ext cx="1209844" cy="1505160"/>
+          </a:xfrm>
+          <a:prstGeom prst="rect">
+            <a:avLst/>
+          </a:prstGeom>
+        </p:spPr>
+      </p:pic>
+      <p:pic>
+        <p:nvPicPr>
+          <p:cNvPr id="6" name="Imagem 5">
+            <a:extLst>
+              <a:ext uri="{FF2B5EF4-FFF2-40B4-BE49-F238E27FC236}">
+                <a16:creationId xmlns:a16="http://schemas.microsoft.com/office/drawing/2014/main" id="{7AD3AEDC-71BF-0597-C012-2C26E10F78FC}"/>
+              </a:ext>
+            </a:extLst>
+          </p:cNvPr>
+          <p:cNvPicPr>
+            <a:picLocks noChangeAspect="1"/>
+          </p:cNvPicPr>
+          <p:nvPr/>
+        </p:nvPicPr>
+        <p:blipFill>
+          <a:blip r:embed="rId3"/>
+          <a:stretch>
+            <a:fillRect/>
+          </a:stretch>
+        </p:blipFill>
+        <p:spPr>
+          <a:xfrm>
+            <a:off x="9343103" y="3429000"/>
+            <a:ext cx="1209844" cy="1505160"/>
+          </a:xfrm>
+          <a:prstGeom prst="rect">
+            <a:avLst/>
+          </a:prstGeom>
+        </p:spPr>
+      </p:pic>
+      <p:cxnSp>
+        <p:nvCxnSpPr>
+          <p:cNvPr id="18" name="Conector reto 17">
+            <a:extLst>
+              <a:ext uri="{FF2B5EF4-FFF2-40B4-BE49-F238E27FC236}">
+                <a16:creationId xmlns:a16="http://schemas.microsoft.com/office/drawing/2014/main" id="{A419963A-534C-870C-2C2D-72BF0B7633D8}"/>
+              </a:ext>
+            </a:extLst>
+          </p:cNvPr>
+          <p:cNvCxnSpPr>
+            <a:cxnSpLocks/>
+            <a:endCxn id="6" idx="2"/>
+          </p:cNvCxnSpPr>
+          <p:nvPr/>
+        </p:nvCxnSpPr>
+        <p:spPr>
+          <a:xfrm flipV="1">
+            <a:off x="9948025" y="4934160"/>
+            <a:ext cx="0" cy="726072"/>
+          </a:xfrm>
+          <a:prstGeom prst="line">
+            <a:avLst/>
+          </a:prstGeom>
+        </p:spPr>
+        <p:style>
+          <a:lnRef idx="2">
+            <a:schemeClr val="accent1"/>
+          </a:lnRef>
+          <a:fillRef idx="0">
+            <a:schemeClr val="accent1"/>
+          </a:fillRef>
+          <a:effectRef idx="1">
+            <a:schemeClr val="accent1"/>
+          </a:effectRef>
+          <a:fontRef idx="minor">
+            <a:schemeClr val="tx1"/>
+          </a:fontRef>
+        </p:style>
+      </p:cxnSp>
+      <p:sp>
+        <p:nvSpPr>
+          <p:cNvPr id="19" name="Retângulo 18">
+            <a:extLst>
+              <a:ext uri="{FF2B5EF4-FFF2-40B4-BE49-F238E27FC236}">
+                <a16:creationId xmlns:a16="http://schemas.microsoft.com/office/drawing/2014/main" id="{C0402CED-FDEE-9E01-7ABB-76D38925C4CD}"/>
+              </a:ext>
+            </a:extLst>
+          </p:cNvPr>
+          <p:cNvSpPr/>
+          <p:nvPr/>
+        </p:nvSpPr>
+        <p:spPr>
+          <a:xfrm>
+            <a:off x="4724401" y="5303427"/>
+            <a:ext cx="3445931" cy="719137"/>
+          </a:xfrm>
+          <a:prstGeom prst="rect">
+            <a:avLst/>
+          </a:prstGeom>
+        </p:spPr>
+        <p:style>
+          <a:lnRef idx="2">
+            <a:schemeClr val="dk1"/>
+          </a:lnRef>
+          <a:fillRef idx="1">
+            <a:schemeClr val="lt1"/>
+          </a:fillRef>
+          <a:effectRef idx="0">
+            <a:schemeClr val="dk1"/>
+          </a:effectRef>
+          <a:fontRef idx="minor">
+            <a:schemeClr val="dk1"/>
+          </a:fontRef>
+        </p:style>
+        <p:txBody>
+          <a:bodyPr rtlCol="0" anchor="ctr"/>
+          <a:lstStyle/>
+          <a:p>
+            <a:pPr algn="ctr"/>
+            <a:endParaRPr lang="pt-BR"/>
+          </a:p>
+        </p:txBody>
+      </p:sp>
+      <p:cxnSp>
+        <p:nvCxnSpPr>
+          <p:cNvPr id="21" name="Conector reto 20">
+            <a:extLst>
+              <a:ext uri="{FF2B5EF4-FFF2-40B4-BE49-F238E27FC236}">
+                <a16:creationId xmlns:a16="http://schemas.microsoft.com/office/drawing/2014/main" id="{56FA388E-318A-7A99-6C5C-AA8E3D756DDD}"/>
+              </a:ext>
+            </a:extLst>
+          </p:cNvPr>
+          <p:cNvCxnSpPr>
+            <a:stCxn id="4" idx="2"/>
+          </p:cNvCxnSpPr>
+          <p:nvPr/>
+        </p:nvCxnSpPr>
+        <p:spPr>
+          <a:xfrm>
+            <a:off x="2586122" y="4934160"/>
+            <a:ext cx="4678" cy="704640"/>
+          </a:xfrm>
+          <a:prstGeom prst="line">
+            <a:avLst/>
+          </a:prstGeom>
+        </p:spPr>
+        <p:style>
+          <a:lnRef idx="2">
+            <a:schemeClr val="accent1"/>
+          </a:lnRef>
+          <a:fillRef idx="0">
+            <a:schemeClr val="accent1"/>
+          </a:fillRef>
+          <a:effectRef idx="1">
+            <a:schemeClr val="accent1"/>
+          </a:effectRef>
+          <a:fontRef idx="minor">
+            <a:schemeClr val="tx1"/>
+          </a:fontRef>
+        </p:style>
+      </p:cxnSp>
+      <p:cxnSp>
+        <p:nvCxnSpPr>
+          <p:cNvPr id="23" name="Conector reto 22">
+            <a:extLst>
+              <a:ext uri="{FF2B5EF4-FFF2-40B4-BE49-F238E27FC236}">
+                <a16:creationId xmlns:a16="http://schemas.microsoft.com/office/drawing/2014/main" id="{4BBA3910-6478-EB47-A002-FB79FA494BA1}"/>
+              </a:ext>
+            </a:extLst>
+          </p:cNvPr>
+          <p:cNvCxnSpPr>
+            <a:cxnSpLocks/>
+            <a:endCxn id="19" idx="1"/>
+          </p:cNvCxnSpPr>
+          <p:nvPr/>
+        </p:nvCxnSpPr>
+        <p:spPr>
+          <a:xfrm>
+            <a:off x="2603054" y="5641564"/>
+            <a:ext cx="2121347" cy="21432"/>
+          </a:xfrm>
+          <a:prstGeom prst="line">
+            <a:avLst/>
+          </a:prstGeom>
+        </p:spPr>
+        <p:style>
+          <a:lnRef idx="2">
+            <a:schemeClr val="accent1"/>
+          </a:lnRef>
+          <a:fillRef idx="0">
+            <a:schemeClr val="accent1"/>
+          </a:fillRef>
+          <a:effectRef idx="1">
+            <a:schemeClr val="accent1"/>
+          </a:effectRef>
+          <a:fontRef idx="minor">
+            <a:schemeClr val="tx1"/>
+          </a:fontRef>
+        </p:style>
+      </p:cxnSp>
+      <p:cxnSp>
+        <p:nvCxnSpPr>
+          <p:cNvPr id="25" name="Conector reto 24">
+            <a:extLst>
+              <a:ext uri="{FF2B5EF4-FFF2-40B4-BE49-F238E27FC236}">
+                <a16:creationId xmlns:a16="http://schemas.microsoft.com/office/drawing/2014/main" id="{EDEF73A6-8E1A-C999-16E0-BA0A58C24261}"/>
+              </a:ext>
+            </a:extLst>
+          </p:cNvPr>
+          <p:cNvCxnSpPr>
+            <a:cxnSpLocks/>
+            <a:stCxn id="19" idx="3"/>
+          </p:cNvCxnSpPr>
+          <p:nvPr/>
+        </p:nvCxnSpPr>
+        <p:spPr>
+          <a:xfrm>
+            <a:off x="8170332" y="5662996"/>
+            <a:ext cx="1794625" cy="0"/>
+          </a:xfrm>
+          <a:prstGeom prst="line">
+            <a:avLst/>
+          </a:prstGeom>
+        </p:spPr>
+        <p:style>
+          <a:lnRef idx="2">
+            <a:schemeClr val="accent1"/>
+          </a:lnRef>
+          <a:fillRef idx="0">
+            <a:schemeClr val="accent1"/>
+          </a:fillRef>
+          <a:effectRef idx="1">
+            <a:schemeClr val="accent1"/>
+          </a:effectRef>
+          <a:fontRef idx="minor">
+            <a:schemeClr val="tx1"/>
+          </a:fontRef>
+        </p:style>
+      </p:cxnSp>
+      <p:cxnSp>
+        <p:nvCxnSpPr>
+          <p:cNvPr id="28" name="Conector reto 27">
+            <a:extLst>
+              <a:ext uri="{FF2B5EF4-FFF2-40B4-BE49-F238E27FC236}">
+                <a16:creationId xmlns:a16="http://schemas.microsoft.com/office/drawing/2014/main" id="{5A839527-5551-6522-817A-22CFF11D087C}"/>
+              </a:ext>
+            </a:extLst>
+          </p:cNvPr>
+          <p:cNvCxnSpPr>
+            <a:cxnSpLocks/>
+          </p:cNvCxnSpPr>
+          <p:nvPr/>
+        </p:nvCxnSpPr>
+        <p:spPr>
+          <a:xfrm>
+            <a:off x="5410200" y="5300663"/>
+            <a:ext cx="0" cy="719137"/>
+          </a:xfrm>
+          <a:prstGeom prst="line">
+            <a:avLst/>
+          </a:prstGeom>
+        </p:spPr>
+        <p:style>
+          <a:lnRef idx="2">
+            <a:schemeClr val="dk1"/>
+          </a:lnRef>
+          <a:fillRef idx="0">
+            <a:schemeClr val="dk1"/>
+          </a:fillRef>
+          <a:effectRef idx="1">
+            <a:schemeClr val="dk1"/>
+          </a:effectRef>
+          <a:fontRef idx="minor">
+            <a:schemeClr val="tx1"/>
+          </a:fontRef>
+        </p:style>
+      </p:cxnSp>
+      <p:cxnSp>
+        <p:nvCxnSpPr>
+          <p:cNvPr id="30" name="Conector reto 29">
+            <a:extLst>
+              <a:ext uri="{FF2B5EF4-FFF2-40B4-BE49-F238E27FC236}">
+                <a16:creationId xmlns:a16="http://schemas.microsoft.com/office/drawing/2014/main" id="{8D38D885-A082-D0A0-7D47-31733A514D79}"/>
+              </a:ext>
+            </a:extLst>
+          </p:cNvPr>
+          <p:cNvCxnSpPr/>
+          <p:nvPr/>
+        </p:nvCxnSpPr>
+        <p:spPr>
+          <a:xfrm>
+            <a:off x="6096000" y="5300663"/>
+            <a:ext cx="0" cy="719137"/>
+          </a:xfrm>
+          <a:prstGeom prst="line">
+            <a:avLst/>
+          </a:prstGeom>
+        </p:spPr>
+        <p:style>
+          <a:lnRef idx="2">
+            <a:schemeClr val="dk1"/>
+          </a:lnRef>
+          <a:fillRef idx="0">
+            <a:schemeClr val="dk1"/>
+          </a:fillRef>
+          <a:effectRef idx="1">
+            <a:schemeClr val="dk1"/>
+          </a:effectRef>
+          <a:fontRef idx="minor">
+            <a:schemeClr val="tx1"/>
+          </a:fontRef>
+        </p:style>
+      </p:cxnSp>
+      <p:cxnSp>
+        <p:nvCxnSpPr>
+          <p:cNvPr id="32" name="Conector reto 31">
+            <a:extLst>
+              <a:ext uri="{FF2B5EF4-FFF2-40B4-BE49-F238E27FC236}">
+                <a16:creationId xmlns:a16="http://schemas.microsoft.com/office/drawing/2014/main" id="{438571B3-E07D-F183-905B-63D20BC2421D}"/>
+              </a:ext>
+            </a:extLst>
+          </p:cNvPr>
+          <p:cNvCxnSpPr/>
+          <p:nvPr/>
+        </p:nvCxnSpPr>
+        <p:spPr>
+          <a:xfrm>
+            <a:off x="6781800" y="5300663"/>
+            <a:ext cx="0" cy="719137"/>
+          </a:xfrm>
+          <a:prstGeom prst="line">
+            <a:avLst/>
+          </a:prstGeom>
+        </p:spPr>
+        <p:style>
+          <a:lnRef idx="2">
+            <a:schemeClr val="dk1"/>
+          </a:lnRef>
+          <a:fillRef idx="0">
+            <a:schemeClr val="dk1"/>
+          </a:fillRef>
+          <a:effectRef idx="1">
+            <a:schemeClr val="dk1"/>
+          </a:effectRef>
+          <a:fontRef idx="minor">
+            <a:schemeClr val="tx1"/>
+          </a:fontRef>
+        </p:style>
+      </p:cxnSp>
+      <p:cxnSp>
+        <p:nvCxnSpPr>
+          <p:cNvPr id="35" name="Conector reto 34">
+            <a:extLst>
+              <a:ext uri="{FF2B5EF4-FFF2-40B4-BE49-F238E27FC236}">
+                <a16:creationId xmlns:a16="http://schemas.microsoft.com/office/drawing/2014/main" id="{543CC321-D899-1A33-1328-D805EE356517}"/>
+              </a:ext>
+            </a:extLst>
+          </p:cNvPr>
+          <p:cNvCxnSpPr/>
+          <p:nvPr/>
+        </p:nvCxnSpPr>
+        <p:spPr>
+          <a:xfrm>
+            <a:off x="7467600" y="5300663"/>
+            <a:ext cx="0" cy="719137"/>
+          </a:xfrm>
+          <a:prstGeom prst="line">
+            <a:avLst/>
+          </a:prstGeom>
+        </p:spPr>
+        <p:style>
+          <a:lnRef idx="2">
+            <a:schemeClr val="dk1"/>
+          </a:lnRef>
+          <a:fillRef idx="0">
+            <a:schemeClr val="dk1"/>
+          </a:fillRef>
+          <a:effectRef idx="1">
+            <a:schemeClr val="dk1"/>
+          </a:effectRef>
+          <a:fontRef idx="minor">
+            <a:schemeClr val="tx1"/>
+          </a:fontRef>
+        </p:style>
+      </p:cxnSp>
+      <p:sp>
+        <p:nvSpPr>
+          <p:cNvPr id="36" name="CaixaDeTexto 35">
+            <a:extLst>
+              <a:ext uri="{FF2B5EF4-FFF2-40B4-BE49-F238E27FC236}">
+                <a16:creationId xmlns:a16="http://schemas.microsoft.com/office/drawing/2014/main" id="{CF06B95C-56D4-009A-4779-F3CD0D9B82AE}"/>
+              </a:ext>
+            </a:extLst>
+          </p:cNvPr>
+          <p:cNvSpPr txBox="1"/>
+          <p:nvPr/>
+        </p:nvSpPr>
+        <p:spPr>
+          <a:xfrm>
+            <a:off x="4822723" y="5537121"/>
+            <a:ext cx="515717" cy="246221"/>
+          </a:xfrm>
+          <a:prstGeom prst="rect">
+            <a:avLst/>
+          </a:prstGeom>
+          <a:noFill/>
+        </p:spPr>
+        <p:txBody>
+          <a:bodyPr wrap="square" rtlCol="0">
+            <a:spAutoFit/>
+          </a:bodyPr>
+          <a:lstStyle/>
+          <a:p>
+            <a:r>
+              <a:rPr lang="pt-BR" sz="1000" b="1" dirty="0" err="1"/>
+              <a:t>Chunk</a:t>
+            </a:r>
+            <a:endParaRPr lang="pt-BR" sz="1000" b="1" dirty="0"/>
+          </a:p>
+        </p:txBody>
+      </p:sp>
+      <p:sp>
+        <p:nvSpPr>
+          <p:cNvPr id="40" name="CaixaDeTexto 39">
+            <a:extLst>
+              <a:ext uri="{FF2B5EF4-FFF2-40B4-BE49-F238E27FC236}">
+                <a16:creationId xmlns:a16="http://schemas.microsoft.com/office/drawing/2014/main" id="{9EB95BD6-649C-5813-2C40-1463EC6EDF7A}"/>
+              </a:ext>
+            </a:extLst>
+          </p:cNvPr>
+          <p:cNvSpPr txBox="1"/>
+          <p:nvPr/>
+        </p:nvSpPr>
+        <p:spPr>
+          <a:xfrm>
+            <a:off x="5499165" y="5539885"/>
+            <a:ext cx="515717" cy="246221"/>
+          </a:xfrm>
+          <a:prstGeom prst="rect">
+            <a:avLst/>
+          </a:prstGeom>
+          <a:noFill/>
+        </p:spPr>
+        <p:txBody>
+          <a:bodyPr wrap="square" rtlCol="0">
+            <a:spAutoFit/>
+          </a:bodyPr>
+          <a:lstStyle/>
+          <a:p>
+            <a:r>
+              <a:rPr lang="pt-BR" sz="1000" b="1" dirty="0" err="1"/>
+              <a:t>Chunk</a:t>
+            </a:r>
+            <a:endParaRPr lang="pt-BR" sz="1000" b="1" dirty="0"/>
+          </a:p>
+        </p:txBody>
+      </p:sp>
+      <p:sp>
+        <p:nvSpPr>
+          <p:cNvPr id="41" name="CaixaDeTexto 40">
+            <a:extLst>
+              <a:ext uri="{FF2B5EF4-FFF2-40B4-BE49-F238E27FC236}">
+                <a16:creationId xmlns:a16="http://schemas.microsoft.com/office/drawing/2014/main" id="{6D5CA548-9D4A-0369-82AC-F61DB3EF9EAD}"/>
+              </a:ext>
+            </a:extLst>
+          </p:cNvPr>
+          <p:cNvSpPr txBox="1"/>
+          <p:nvPr/>
+        </p:nvSpPr>
+        <p:spPr>
+          <a:xfrm>
+            <a:off x="6176879" y="5541930"/>
+            <a:ext cx="515717" cy="246221"/>
+          </a:xfrm>
+          <a:prstGeom prst="rect">
+            <a:avLst/>
+          </a:prstGeom>
+          <a:noFill/>
+        </p:spPr>
+        <p:txBody>
+          <a:bodyPr wrap="square" rtlCol="0">
+            <a:spAutoFit/>
+          </a:bodyPr>
+          <a:lstStyle/>
+          <a:p>
+            <a:r>
+              <a:rPr lang="pt-BR" sz="1000" b="1" dirty="0" err="1"/>
+              <a:t>Chunk</a:t>
+            </a:r>
+            <a:endParaRPr lang="pt-BR" sz="1000" b="1" dirty="0"/>
+          </a:p>
+        </p:txBody>
+      </p:sp>
+      <p:sp>
+        <p:nvSpPr>
+          <p:cNvPr id="42" name="CaixaDeTexto 41">
+            <a:extLst>
+              <a:ext uri="{FF2B5EF4-FFF2-40B4-BE49-F238E27FC236}">
+                <a16:creationId xmlns:a16="http://schemas.microsoft.com/office/drawing/2014/main" id="{7C4CBAB5-8638-539E-D4A9-EB4FC3E7CAF9}"/>
+              </a:ext>
+            </a:extLst>
+          </p:cNvPr>
+          <p:cNvSpPr txBox="1"/>
+          <p:nvPr/>
+        </p:nvSpPr>
+        <p:spPr>
+          <a:xfrm>
+            <a:off x="6858274" y="5541930"/>
+            <a:ext cx="515717" cy="246221"/>
+          </a:xfrm>
+          <a:prstGeom prst="rect">
+            <a:avLst/>
+          </a:prstGeom>
+          <a:noFill/>
+        </p:spPr>
+        <p:txBody>
+          <a:bodyPr wrap="square" rtlCol="0">
+            <a:spAutoFit/>
+          </a:bodyPr>
+          <a:lstStyle/>
+          <a:p>
+            <a:r>
+              <a:rPr lang="pt-BR" sz="1000" b="1" dirty="0" err="1"/>
+              <a:t>Chunk</a:t>
+            </a:r>
+            <a:endParaRPr lang="pt-BR" sz="1000" b="1" dirty="0"/>
+          </a:p>
+        </p:txBody>
+      </p:sp>
+      <p:sp>
+        <p:nvSpPr>
+          <p:cNvPr id="43" name="CaixaDeTexto 42">
+            <a:extLst>
+              <a:ext uri="{FF2B5EF4-FFF2-40B4-BE49-F238E27FC236}">
+                <a16:creationId xmlns:a16="http://schemas.microsoft.com/office/drawing/2014/main" id="{642B383A-9FC0-40CE-1B4D-226611BA9285}"/>
+              </a:ext>
+            </a:extLst>
+          </p:cNvPr>
+          <p:cNvSpPr txBox="1"/>
+          <p:nvPr/>
+        </p:nvSpPr>
+        <p:spPr>
+          <a:xfrm>
+            <a:off x="7522310" y="5541930"/>
+            <a:ext cx="515717" cy="246221"/>
+          </a:xfrm>
+          <a:prstGeom prst="rect">
+            <a:avLst/>
+          </a:prstGeom>
+          <a:noFill/>
+        </p:spPr>
+        <p:txBody>
+          <a:bodyPr wrap="square" rtlCol="0">
+            <a:spAutoFit/>
+          </a:bodyPr>
+          <a:lstStyle/>
+          <a:p>
+            <a:r>
+              <a:rPr lang="pt-BR" sz="1000" b="1" dirty="0" err="1"/>
+              <a:t>Chunk</a:t>
+            </a:r>
+            <a:endParaRPr lang="pt-BR" sz="1000" b="1" dirty="0"/>
+          </a:p>
+        </p:txBody>
+      </p:sp>
+      <p:sp>
+        <p:nvSpPr>
+          <p:cNvPr id="44" name="CaixaDeTexto 43">
+            <a:extLst>
+              <a:ext uri="{FF2B5EF4-FFF2-40B4-BE49-F238E27FC236}">
+                <a16:creationId xmlns:a16="http://schemas.microsoft.com/office/drawing/2014/main" id="{5AED5AC6-1855-3889-32F8-2C70B1FDC28C}"/>
+              </a:ext>
+            </a:extLst>
+          </p:cNvPr>
+          <p:cNvSpPr txBox="1"/>
+          <p:nvPr/>
+        </p:nvSpPr>
+        <p:spPr>
+          <a:xfrm>
+            <a:off x="4893733" y="4998774"/>
+            <a:ext cx="3271920" cy="246221"/>
+          </a:xfrm>
+          <a:prstGeom prst="rect">
+            <a:avLst/>
+          </a:prstGeom>
+          <a:noFill/>
+        </p:spPr>
+        <p:txBody>
+          <a:bodyPr wrap="square" rtlCol="0">
+            <a:spAutoFit/>
+          </a:bodyPr>
+          <a:lstStyle/>
+          <a:p>
+            <a:pPr algn="ctr"/>
+            <a:r>
+              <a:rPr lang="pt-BR" sz="1000" b="1" dirty="0"/>
+              <a:t>Rede de Dados(Internet ou Lan)</a:t>
+            </a:r>
+          </a:p>
+        </p:txBody>
+      </p:sp>
     </p:spTree>
     <p:extLst>
       <p:ext uri="{BB962C8B-B14F-4D97-AF65-F5344CB8AC3E}">
-        <p14:creationId xmlns:p14="http://schemas.microsoft.com/office/powerpoint/2010/main" val="1699116982"/>
+        <p14:creationId xmlns:p14="http://schemas.microsoft.com/office/powerpoint/2010/main" val="1137521658"/>
       </p:ext>
     </p:extLst>
   </p:cSld>
